--- a/DenverDevDays20171116.pptx
+++ b/DenverDevDays20171116.pptx
@@ -6,45 +6,50 @@
     <p:sldMasterId id="2147483738" r:id="rId2"/>
   </p:sldMasterIdLst>
   <p:notesMasterIdLst>
-    <p:notesMasterId r:id="rId39"/>
+    <p:notesMasterId r:id="rId44"/>
   </p:notesMasterIdLst>
   <p:sldIdLst>
-    <p:sldId id="259" r:id="rId3"/>
-    <p:sldId id="260" r:id="rId4"/>
+    <p:sldId id="260" r:id="rId3"/>
+    <p:sldId id="307" r:id="rId4"/>
     <p:sldId id="289" r:id="rId5"/>
     <p:sldId id="282" r:id="rId6"/>
-    <p:sldId id="285" r:id="rId7"/>
-    <p:sldId id="306" r:id="rId8"/>
-    <p:sldId id="300" r:id="rId9"/>
-    <p:sldId id="301" r:id="rId10"/>
-    <p:sldId id="283" r:id="rId11"/>
+    <p:sldId id="308" r:id="rId7"/>
+    <p:sldId id="309" r:id="rId8"/>
+    <p:sldId id="311" r:id="rId9"/>
+    <p:sldId id="310" r:id="rId10"/>
+    <p:sldId id="285" r:id="rId11"/>
     <p:sldId id="284" r:id="rId12"/>
-    <p:sldId id="287" r:id="rId13"/>
-    <p:sldId id="261" r:id="rId14"/>
-    <p:sldId id="267" r:id="rId15"/>
-    <p:sldId id="270" r:id="rId16"/>
-    <p:sldId id="269" r:id="rId17"/>
-    <p:sldId id="298" r:id="rId18"/>
-    <p:sldId id="280" r:id="rId19"/>
-    <p:sldId id="262" r:id="rId20"/>
-    <p:sldId id="263" r:id="rId21"/>
-    <p:sldId id="264" r:id="rId22"/>
-    <p:sldId id="265" r:id="rId23"/>
-    <p:sldId id="288" r:id="rId24"/>
-    <p:sldId id="266" r:id="rId25"/>
-    <p:sldId id="268" r:id="rId26"/>
-    <p:sldId id="271" r:id="rId27"/>
-    <p:sldId id="272" r:id="rId28"/>
-    <p:sldId id="275" r:id="rId29"/>
-    <p:sldId id="276" r:id="rId30"/>
-    <p:sldId id="278" r:id="rId31"/>
-    <p:sldId id="303" r:id="rId32"/>
-    <p:sldId id="277" r:id="rId33"/>
-    <p:sldId id="274" r:id="rId34"/>
-    <p:sldId id="304" r:id="rId35"/>
-    <p:sldId id="305" r:id="rId36"/>
-    <p:sldId id="281" r:id="rId37"/>
-    <p:sldId id="302" r:id="rId38"/>
+    <p:sldId id="312" r:id="rId13"/>
+    <p:sldId id="283" r:id="rId14"/>
+    <p:sldId id="306" r:id="rId15"/>
+    <p:sldId id="287" r:id="rId16"/>
+    <p:sldId id="301" r:id="rId17"/>
+    <p:sldId id="300" r:id="rId18"/>
+    <p:sldId id="261" r:id="rId19"/>
+    <p:sldId id="267" r:id="rId20"/>
+    <p:sldId id="270" r:id="rId21"/>
+    <p:sldId id="269" r:id="rId22"/>
+    <p:sldId id="298" r:id="rId23"/>
+    <p:sldId id="280" r:id="rId24"/>
+    <p:sldId id="262" r:id="rId25"/>
+    <p:sldId id="263" r:id="rId26"/>
+    <p:sldId id="264" r:id="rId27"/>
+    <p:sldId id="265" r:id="rId28"/>
+    <p:sldId id="288" r:id="rId29"/>
+    <p:sldId id="266" r:id="rId30"/>
+    <p:sldId id="268" r:id="rId31"/>
+    <p:sldId id="271" r:id="rId32"/>
+    <p:sldId id="272" r:id="rId33"/>
+    <p:sldId id="275" r:id="rId34"/>
+    <p:sldId id="276" r:id="rId35"/>
+    <p:sldId id="278" r:id="rId36"/>
+    <p:sldId id="303" r:id="rId37"/>
+    <p:sldId id="277" r:id="rId38"/>
+    <p:sldId id="274" r:id="rId39"/>
+    <p:sldId id="304" r:id="rId40"/>
+    <p:sldId id="305" r:id="rId41"/>
+    <p:sldId id="281" r:id="rId42"/>
+    <p:sldId id="302" r:id="rId43"/>
   </p:sldIdLst>
   <p:sldSz cx="6858000" cy="5143500"/>
   <p:notesSz cx="6858000" cy="9144000"/>
@@ -148,17 +153,22 @@
       <p14:sectionLst xmlns:p14="http://schemas.microsoft.com/office/powerpoint/2010/main">
         <p14:section name="Default Section" id="{884A52F5-3108-402C-8D01-B1FD2E10E0D5}">
           <p14:sldIdLst>
-            <p14:sldId id="259"/>
             <p14:sldId id="260"/>
+            <p14:sldId id="307"/>
             <p14:sldId id="289"/>
             <p14:sldId id="282"/>
+            <p14:sldId id="308"/>
+            <p14:sldId id="309"/>
+            <p14:sldId id="311"/>
+            <p14:sldId id="310"/>
             <p14:sldId id="285"/>
+            <p14:sldId id="284"/>
+            <p14:sldId id="312"/>
+            <p14:sldId id="283"/>
             <p14:sldId id="306"/>
+            <p14:sldId id="287"/>
+            <p14:sldId id="301"/>
             <p14:sldId id="300"/>
-            <p14:sldId id="301"/>
-            <p14:sldId id="283"/>
-            <p14:sldId id="284"/>
-            <p14:sldId id="287"/>
             <p14:sldId id="261"/>
             <p14:sldId id="267"/>
             <p14:sldId id="270"/>
@@ -1479,7 +1489,7 @@
           <a:p>
             <a:fld id="{0E87BA1A-9B4F-4A68-96F7-6F9A551A6FEA}" type="datetimeFigureOut">
               <a:rPr lang="en-US" smtClean="0"/>
-              <a:t>11/17/2017</a:t>
+              <a:t>3/11/2018</a:t>
             </a:fld>
             <a:endParaRPr lang="en-US"/>
           </a:p>
@@ -1792,8 +1802,65 @@
           <a:p>
             <a:r>
               <a:rPr lang="en-US" dirty="0"/>
-              <a:t>I’m a note</a:t>
-            </a:r>
+              <a:t>WPF first MVVM</a:t>
+            </a:r>
+            <a:br>
+              <a:rPr lang="en-US" dirty="0"/>
+            </a:br>
+            <a:r>
+              <a:rPr lang="en-US" dirty="0"/>
+              <a:t>Silverlight some time</a:t>
+            </a:r>
+          </a:p>
+          <a:p>
+            <a:r>
+              <a:rPr lang="en-US" dirty="0"/>
+              <a:t>KO</a:t>
+            </a:r>
+          </a:p>
+          <a:p>
+            <a:r>
+              <a:rPr lang="en-US" dirty="0"/>
+              <a:t>Xamarin</a:t>
+            </a:r>
+          </a:p>
+          <a:p>
+            <a:r>
+              <a:rPr lang="en-US" dirty="0"/>
+              <a:t>SQL Azure</a:t>
+            </a:r>
+          </a:p>
+          <a:p>
+            <a:endParaRPr lang="en-US" dirty="0"/>
+          </a:p>
+          <a:p>
+            <a:r>
+              <a:rPr lang="en-US" dirty="0"/>
+              <a:t>Built lots of </a:t>
+            </a:r>
+            <a:r>
+              <a:rPr lang="en-US" dirty="0" err="1"/>
+              <a:t>Uis</a:t>
+            </a:r>
+            <a:r>
+              <a:rPr lang="en-US" dirty="0"/>
+              <a:t> through WPF, Silverlight (it’s the future), Prism, </a:t>
+            </a:r>
+            <a:r>
+              <a:rPr lang="en-US" dirty="0" err="1"/>
+              <a:t>Caliburn</a:t>
+            </a:r>
+            <a:r>
+              <a:rPr lang="en-US"/>
+              <a:t>, ReactiveUI</a:t>
+            </a:r>
+            <a:endParaRPr lang="en-US" dirty="0"/>
+          </a:p>
+          <a:p>
+            <a:endParaRPr lang="en-US" dirty="0"/>
+          </a:p>
+          <a:p>
+            <a:endParaRPr lang="en-US" dirty="0"/>
           </a:p>
         </p:txBody>
       </p:sp>
@@ -1823,7 +1890,7 @@
     </p:spTree>
     <p:extLst>
       <p:ext uri="{BB962C8B-B14F-4D97-AF65-F5344CB8AC3E}">
-        <p14:creationId xmlns:p14="http://schemas.microsoft.com/office/powerpoint/2010/main" val="3436981745"/>
+        <p14:creationId xmlns:p14="http://schemas.microsoft.com/office/powerpoint/2010/main" val="30766288"/>
       </p:ext>
     </p:extLst>
   </p:cSld>
@@ -1964,13 +2031,22 @@
           <a:bodyPr/>
           <a:lstStyle/>
           <a:p>
-            <a:pPr>
+            <a:pPr marL="0" marR="0" lvl="0" indent="0" algn="l" defTabSz="914400" rtl="0" eaLnBrk="1" fontAlgn="auto" latinLnBrk="0" hangingPunct="1">
               <a:lnSpc>
-                <a:spcPct val="107000"/>
+                <a:spcPct val="100000"/>
               </a:lnSpc>
+              <a:spcBef>
+                <a:spcPts val="0"/>
+              </a:spcBef>
               <a:spcAft>
-                <a:spcPts val="800"/>
+                <a:spcPts val="0"/>
               </a:spcAft>
+              <a:buClrTx/>
+              <a:buSzTx/>
+              <a:buFontTx/>
+              <a:buNone/>
+              <a:tabLst/>
+              <a:defRPr/>
             </a:pPr>
             <a:r>
               <a:rPr lang="en-US" dirty="0">
@@ -1978,17 +2054,58 @@
                 <a:ea typeface="Calibri" panose="020F0502020204030204" pitchFamily="34" charset="0"/>
                 <a:cs typeface="Times New Roman" panose="02020603050405020304" pitchFamily="18" charset="0"/>
               </a:rPr>
-              <a:t>How many people here have had to track down and fix leaky events?  Alright for the 6 of you that didn’t raise your hand I have some bad news for you about your code base.</a:t>
-            </a:r>
-          </a:p>
-          <a:p>
-            <a:pPr>
+              <a:t>Now think about this same idea applied to the Observer pattern or to the pub sub model. In both models you have </a:t>
+            </a:r>
+            <a:r>
+              <a:rPr lang="en-US" b="1" dirty="0">
+                <a:latin typeface="Calibri" panose="020F0502020204030204" pitchFamily="34" charset="0"/>
+                <a:ea typeface="Calibri" panose="020F0502020204030204" pitchFamily="34" charset="0"/>
+                <a:cs typeface="Times New Roman" panose="02020603050405020304" pitchFamily="18" charset="0"/>
+              </a:rPr>
+              <a:t>a set of messages you </a:t>
+            </a:r>
+            <a:r>
+              <a:rPr lang="en-US" dirty="0">
+                <a:latin typeface="Calibri" panose="020F0502020204030204" pitchFamily="34" charset="0"/>
+                <a:ea typeface="Calibri" panose="020F0502020204030204" pitchFamily="34" charset="0"/>
+                <a:cs typeface="Times New Roman" panose="02020603050405020304" pitchFamily="18" charset="0"/>
+              </a:rPr>
+              <a:t>want to </a:t>
+            </a:r>
+            <a:r>
+              <a:rPr lang="en-US" b="1" dirty="0">
+                <a:latin typeface="Calibri" panose="020F0502020204030204" pitchFamily="34" charset="0"/>
+                <a:ea typeface="Calibri" panose="020F0502020204030204" pitchFamily="34" charset="0"/>
+                <a:cs typeface="Times New Roman" panose="02020603050405020304" pitchFamily="18" charset="0"/>
+              </a:rPr>
+              <a:t>iterate</a:t>
+            </a:r>
+            <a:r>
+              <a:rPr lang="en-US" dirty="0">
+                <a:latin typeface="Calibri" panose="020F0502020204030204" pitchFamily="34" charset="0"/>
+                <a:ea typeface="Calibri" panose="020F0502020204030204" pitchFamily="34" charset="0"/>
+                <a:cs typeface="Times New Roman" panose="02020603050405020304" pitchFamily="18" charset="0"/>
+              </a:rPr>
+              <a:t> over the main difference is the direction of the iteration. </a:t>
+            </a:r>
+          </a:p>
+          <a:p>
+            <a:pPr marL="0" marR="0" lvl="0" indent="0" algn="l" defTabSz="914400" rtl="0" eaLnBrk="1" fontAlgn="auto" latinLnBrk="0" hangingPunct="1">
               <a:lnSpc>
-                <a:spcPct val="107000"/>
+                <a:spcPct val="100000"/>
               </a:lnSpc>
+              <a:spcBef>
+                <a:spcPts val="0"/>
+              </a:spcBef>
               <a:spcAft>
-                <a:spcPts val="800"/>
+                <a:spcPts val="0"/>
               </a:spcAft>
+              <a:buClrTx/>
+              <a:buSzTx/>
+              <a:buFontTx/>
+              <a:buNone/>
+              <a:tabLst/>
+              <a:defRPr/>
             </a:pPr>
             <a:endParaRPr lang="en-US" dirty="0">
               <a:latin typeface="Calibri" panose="020F0502020204030204" pitchFamily="34" charset="0"/>
@@ -1997,13 +2114,22 @@
             </a:endParaRPr>
           </a:p>
           <a:p>
-            <a:pPr>
+            <a:pPr marL="0" marR="0" lvl="0" indent="0" algn="l" defTabSz="914400" rtl="0" eaLnBrk="1" fontAlgn="auto" latinLnBrk="0" hangingPunct="1">
               <a:lnSpc>
-                <a:spcPct val="107000"/>
+                <a:spcPct val="100000"/>
               </a:lnSpc>
+              <a:spcBef>
+                <a:spcPts val="0"/>
+              </a:spcBef>
               <a:spcAft>
-                <a:spcPts val="800"/>
+                <a:spcPts val="0"/>
               </a:spcAft>
+              <a:buClrTx/>
+              <a:buSzTx/>
+              <a:buFontTx/>
+              <a:buNone/>
+              <a:tabLst/>
+              <a:defRPr/>
             </a:pPr>
             <a:r>
               <a:rPr lang="en-US" dirty="0">
@@ -2011,8 +2137,44 @@
                 <a:ea typeface="Calibri" panose="020F0502020204030204" pitchFamily="34" charset="0"/>
                 <a:cs typeface="Times New Roman" panose="02020603050405020304" pitchFamily="18" charset="0"/>
               </a:rPr>
-              <a:t>This was the first place I started in on with Reactive programming. The idea of being able to aggregate together all your events and then declaratively indicate when you no longer care about them. </a:t>
-            </a:r>
+              <a:t>With the </a:t>
+            </a:r>
+            <a:r>
+              <a:rPr lang="en-US" b="1" dirty="0">
+                <a:latin typeface="Calibri" panose="020F0502020204030204" pitchFamily="34" charset="0"/>
+                <a:ea typeface="Calibri" panose="020F0502020204030204" pitchFamily="34" charset="0"/>
+                <a:cs typeface="Times New Roman" panose="02020603050405020304" pitchFamily="18" charset="0"/>
+              </a:rPr>
+              <a:t>observer pattern the producer controls </a:t>
+            </a:r>
+            <a:r>
+              <a:rPr lang="en-US" dirty="0">
+                <a:latin typeface="Calibri" panose="020F0502020204030204" pitchFamily="34" charset="0"/>
+                <a:ea typeface="Calibri" panose="020F0502020204030204" pitchFamily="34" charset="0"/>
+                <a:cs typeface="Times New Roman" panose="02020603050405020304" pitchFamily="18" charset="0"/>
+              </a:rPr>
+              <a:t>the iteration whereas </a:t>
+            </a:r>
+            <a:r>
+              <a:rPr lang="en-US" b="1" dirty="0">
+                <a:latin typeface="Calibri" panose="020F0502020204030204" pitchFamily="34" charset="0"/>
+                <a:ea typeface="Calibri" panose="020F0502020204030204" pitchFamily="34" charset="0"/>
+                <a:cs typeface="Times New Roman" panose="02020603050405020304" pitchFamily="18" charset="0"/>
+              </a:rPr>
+              <a:t>with the iterator pattern you control it</a:t>
+            </a:r>
+            <a:r>
+              <a:rPr lang="en-US" dirty="0">
+                <a:latin typeface="Calibri" panose="020F0502020204030204" pitchFamily="34" charset="0"/>
+                <a:ea typeface="Calibri" panose="020F0502020204030204" pitchFamily="34" charset="0"/>
+                <a:cs typeface="Times New Roman" panose="02020603050405020304" pitchFamily="18" charset="0"/>
+              </a:rPr>
+              <a:t>.  One extension that Reactive brings to the equation of the Observer pattern is the idea of declaratively stating when you’re done. </a:t>
+            </a:r>
+            <a:endParaRPr lang="en-US" dirty="0"/>
+          </a:p>
+          <a:p>
+            <a:endParaRPr lang="en-US" dirty="0"/>
           </a:p>
         </p:txBody>
       </p:sp>
@@ -2042,7 +2204,7 @@
     </p:spTree>
     <p:extLst>
       <p:ext uri="{BB962C8B-B14F-4D97-AF65-F5344CB8AC3E}">
-        <p14:creationId xmlns:p14="http://schemas.microsoft.com/office/powerpoint/2010/main" val="20962474"/>
+        <p14:creationId xmlns:p14="http://schemas.microsoft.com/office/powerpoint/2010/main" val="3987543394"/>
       </p:ext>
     </p:extLst>
   </p:cSld>
@@ -2110,15 +2272,15 @@
                 <a:ea typeface="Calibri" panose="020F0502020204030204" pitchFamily="34" charset="0"/>
                 <a:cs typeface="Times New Roman" panose="02020603050405020304" pitchFamily="18" charset="0"/>
               </a:rPr>
-              <a:t>There are a lot of really cool things once you’re able to describe your events with these Observable objects because that gives you a tactile element to work with. You can start doing really cool things with </a:t>
-            </a:r>
-            <a:r>
-              <a:rPr lang="en-US" b="1" dirty="0">
+              <a:t>Prism </a:t>
+            </a:r>
+            <a:r>
+              <a:rPr lang="en-US" dirty="0" err="1">
                 <a:latin typeface="Calibri" panose="020F0502020204030204" pitchFamily="34" charset="0"/>
                 <a:ea typeface="Calibri" panose="020F0502020204030204" pitchFamily="34" charset="0"/>
                 <a:cs typeface="Times New Roman" panose="02020603050405020304" pitchFamily="18" charset="0"/>
               </a:rPr>
-              <a:t>exception handling</a:t>
+              <a:t>EventAggregator</a:t>
             </a:r>
             <a:r>
               <a:rPr lang="en-US" dirty="0">
@@ -2126,59 +2288,8 @@
                 <a:ea typeface="Calibri" panose="020F0502020204030204" pitchFamily="34" charset="0"/>
                 <a:cs typeface="Times New Roman" panose="02020603050405020304" pitchFamily="18" charset="0"/>
               </a:rPr>
-              <a:t> and </a:t>
-            </a:r>
-            <a:r>
-              <a:rPr lang="en-US" b="1" dirty="0">
-                <a:latin typeface="Calibri" panose="020F0502020204030204" pitchFamily="34" charset="0"/>
-                <a:ea typeface="Calibri" panose="020F0502020204030204" pitchFamily="34" charset="0"/>
-                <a:cs typeface="Times New Roman" panose="02020603050405020304" pitchFamily="18" charset="0"/>
-              </a:rPr>
-              <a:t>retrying</a:t>
-            </a:r>
-            <a:r>
-              <a:rPr lang="en-US" dirty="0">
-                <a:latin typeface="Calibri" panose="020F0502020204030204" pitchFamily="34" charset="0"/>
-                <a:ea typeface="Calibri" panose="020F0502020204030204" pitchFamily="34" charset="0"/>
-                <a:cs typeface="Times New Roman" panose="02020603050405020304" pitchFamily="18" charset="0"/>
-              </a:rPr>
-              <a:t> your Observables by describing your intent.</a:t>
-            </a:r>
-          </a:p>
-          <a:p>
-            <a:pPr>
-              <a:lnSpc>
-                <a:spcPct val="107000"/>
-              </a:lnSpc>
-              <a:spcAft>
-                <a:spcPts val="800"/>
-              </a:spcAft>
-            </a:pPr>
-            <a:endParaRPr lang="en-US" dirty="0">
-              <a:latin typeface="Calibri" panose="020F0502020204030204" pitchFamily="34" charset="0"/>
-              <a:ea typeface="Calibri" panose="020F0502020204030204" pitchFamily="34" charset="0"/>
-              <a:cs typeface="Times New Roman" panose="02020603050405020304" pitchFamily="18" charset="0"/>
-            </a:endParaRPr>
-          </a:p>
-          <a:p>
-            <a:pPr>
-              <a:lnSpc>
-                <a:spcPct val="107000"/>
-              </a:lnSpc>
-              <a:spcAft>
-                <a:spcPts val="800"/>
-              </a:spcAft>
-            </a:pPr>
-            <a:r>
-              <a:rPr lang="en-US" dirty="0">
-                <a:latin typeface="Calibri" panose="020F0502020204030204" pitchFamily="34" charset="0"/>
-                <a:ea typeface="Calibri" panose="020F0502020204030204" pitchFamily="34" charset="0"/>
-                <a:cs typeface="Times New Roman" panose="02020603050405020304" pitchFamily="18" charset="0"/>
-              </a:rPr>
-              <a:t>Everything just becomes a stream of events and information</a:t>
-            </a:r>
-          </a:p>
-          <a:p>
+              <a:t> and that overload you conveniently ignored until all your memory leaked everywhere. </a:t>
+            </a:r>
             <a:endParaRPr lang="en-US" dirty="0"/>
           </a:p>
         </p:txBody>
@@ -2209,7 +2320,7 @@
     </p:spTree>
     <p:extLst>
       <p:ext uri="{BB962C8B-B14F-4D97-AF65-F5344CB8AC3E}">
-        <p14:creationId xmlns:p14="http://schemas.microsoft.com/office/powerpoint/2010/main" val="3534255802"/>
+        <p14:creationId xmlns:p14="http://schemas.microsoft.com/office/powerpoint/2010/main" val="2046236404"/>
       </p:ext>
     </p:extLst>
   </p:cSld>
@@ -2265,13 +2376,8 @@
           <a:p>
             <a:r>
               <a:rPr lang="en-US" dirty="0"/>
-              <a:t>Review concepts of managing your streams with marble diagrams real quick before jumping into </a:t>
-            </a:r>
-            <a:r>
-              <a:rPr lang="en-US" dirty="0" err="1"/>
-              <a:t>RxUI</a:t>
-            </a:r>
-            <a:endParaRPr lang="en-US" dirty="0"/>
+              <a:t>This is your basic transform operator</a:t>
+            </a:r>
           </a:p>
         </p:txBody>
       </p:sp>
@@ -2301,7 +2407,7 @@
     </p:spTree>
     <p:extLst>
       <p:ext uri="{BB962C8B-B14F-4D97-AF65-F5344CB8AC3E}">
-        <p14:creationId xmlns:p14="http://schemas.microsoft.com/office/powerpoint/2010/main" val="1387518610"/>
+        <p14:creationId xmlns:p14="http://schemas.microsoft.com/office/powerpoint/2010/main" val="2993121876"/>
       </p:ext>
     </p:extLst>
   </p:cSld>
@@ -2369,7 +2475,7 @@
                 <a:ea typeface="Calibri" panose="020F0502020204030204" pitchFamily="34" charset="0"/>
                 <a:cs typeface="Times New Roman" panose="02020603050405020304" pitchFamily="18" charset="0"/>
               </a:rPr>
-              <a:t>You see this a lot now in JS with Angular 2 becoming popular now there’s a much larger excitement around tying in Reactive features to your UI. </a:t>
+              <a:t>How many people here have had to track down and fix leaky events?  Alright for the 6 of you that didn’t raise your hand I have some bad news for you about your code base.</a:t>
             </a:r>
           </a:p>
           <a:p>
@@ -2381,17 +2487,29 @@
                 <a:spcPts val="800"/>
               </a:spcAft>
             </a:pPr>
+            <a:endParaRPr lang="en-US" dirty="0">
+              <a:latin typeface="Calibri" panose="020F0502020204030204" pitchFamily="34" charset="0"/>
+              <a:ea typeface="Calibri" panose="020F0502020204030204" pitchFamily="34" charset="0"/>
+              <a:cs typeface="Times New Roman" panose="02020603050405020304" pitchFamily="18" charset="0"/>
+            </a:endParaRPr>
+          </a:p>
+          <a:p>
+            <a:pPr>
+              <a:lnSpc>
+                <a:spcPct val="107000"/>
+              </a:lnSpc>
+              <a:spcAft>
+                <a:spcPts val="800"/>
+              </a:spcAft>
+            </a:pPr>
             <a:r>
               <a:rPr lang="en-US" dirty="0">
                 <a:latin typeface="Calibri" panose="020F0502020204030204" pitchFamily="34" charset="0"/>
                 <a:ea typeface="Calibri" panose="020F0502020204030204" pitchFamily="34" charset="0"/>
                 <a:cs typeface="Times New Roman" panose="02020603050405020304" pitchFamily="18" charset="0"/>
               </a:rPr>
-              <a:t>You’re basically turning all of your properties into streams of events. You’re turning them into time based arrays that you can “iterate” over and perform the same type of LINQ like interactions against</a:t>
-            </a:r>
-          </a:p>
-          <a:p>
-            <a:endParaRPr lang="en-US" dirty="0"/>
+              <a:t>This was the first place I started in on with Reactive programming. The idea of being able to aggregate together all your events and then declaratively indicate when you no longer care about them. </a:t>
+            </a:r>
           </a:p>
         </p:txBody>
       </p:sp>
@@ -2412,7 +2530,7 @@
           <a:p>
             <a:fld id="{5D79DF13-5F95-4E48-8467-8F80F2768465}" type="slidenum">
               <a:rPr lang="en-US" smtClean="0"/>
-              <a:t>18</a:t>
+              <a:t>14</a:t>
             </a:fld>
             <a:endParaRPr lang="en-US"/>
           </a:p>
@@ -2421,7 +2539,7 @@
     </p:spTree>
     <p:extLst>
       <p:ext uri="{BB962C8B-B14F-4D97-AF65-F5344CB8AC3E}">
-        <p14:creationId xmlns:p14="http://schemas.microsoft.com/office/powerpoint/2010/main" val="2992442398"/>
+        <p14:creationId xmlns:p14="http://schemas.microsoft.com/office/powerpoint/2010/main" val="20962474"/>
       </p:ext>
     </p:extLst>
   </p:cSld>
@@ -2476,30 +2594,17 @@
           <a:lstStyle/>
           <a:p>
             <a:r>
+              <a:rPr lang="en-US" dirty="0"/>
+              <a:t>Once you’ve </a:t>
+            </a:r>
+            <a:r>
               <a:rPr lang="en-US" b="1" dirty="0"/>
-              <a:t>MVVM </a:t>
-            </a:r>
-            <a:r>
-              <a:rPr lang="en-US" b="0" dirty="0"/>
-              <a:t> is largely about the </a:t>
-            </a:r>
-            <a:r>
-              <a:rPr lang="en-US" b="0" dirty="0" err="1"/>
-              <a:t>eventing</a:t>
-            </a:r>
-            <a:r>
-              <a:rPr lang="en-US" b="0" dirty="0"/>
-              <a:t> from both sides.  You have your Views </a:t>
-            </a:r>
-            <a:r>
-              <a:rPr lang="en-US" b="0" dirty="0" err="1"/>
-              <a:t>eventing</a:t>
-            </a:r>
-            <a:r>
-              <a:rPr lang="en-US" b="0" dirty="0"/>
-              <a:t> to the VM and the VM responding and services  produces streams of data back to the VM and need to tie together to your View</a:t>
-            </a:r>
-            <a:endParaRPr lang="en-US" b="1" dirty="0"/>
+              <a:t>concluded</a:t>
+            </a:r>
+            <a:r>
+              <a:rPr lang="en-US" dirty="0"/>
+              <a:t> round up all the emitted events into a list</a:t>
+            </a:r>
           </a:p>
         </p:txBody>
       </p:sp>
@@ -2520,7 +2625,7 @@
           <a:p>
             <a:fld id="{5D79DF13-5F95-4E48-8467-8F80F2768465}" type="slidenum">
               <a:rPr lang="en-US" smtClean="0"/>
-              <a:t>19</a:t>
+              <a:t>15</a:t>
             </a:fld>
             <a:endParaRPr lang="en-US"/>
           </a:p>
@@ -2529,7 +2634,7 @@
     </p:spTree>
     <p:extLst>
       <p:ext uri="{BB962C8B-B14F-4D97-AF65-F5344CB8AC3E}">
-        <p14:creationId xmlns:p14="http://schemas.microsoft.com/office/powerpoint/2010/main" val="3306207640"/>
+        <p14:creationId xmlns:p14="http://schemas.microsoft.com/office/powerpoint/2010/main" val="2237915528"/>
       </p:ext>
     </p:extLst>
   </p:cSld>
@@ -2583,7 +2688,31 @@
           <a:bodyPr/>
           <a:lstStyle/>
           <a:p>
-            <a:endParaRPr lang="en-US" dirty="0"/>
+            <a:r>
+              <a:rPr lang="en-US" dirty="0"/>
+              <a:t>The take operators are ways to describe the termination of your events. This is where you </a:t>
+            </a:r>
+            <a:r>
+              <a:rPr lang="en-US" b="1" dirty="0"/>
+              <a:t>declare</a:t>
+            </a:r>
+            <a:r>
+              <a:rPr lang="en-US" dirty="0"/>
+              <a:t> the intention of your stream to </a:t>
+            </a:r>
+            <a:r>
+              <a:rPr lang="en-US" b="1" dirty="0"/>
+              <a:t>conclude </a:t>
+            </a:r>
+            <a:r>
+              <a:rPr lang="en-US" b="0" dirty="0"/>
+              <a:t> It could be a page unloading or maybe the user clicks the CANCEL button for an operation. The world of events are the </a:t>
+            </a:r>
+            <a:r>
+              <a:rPr lang="en-US" b="0" dirty="0" err="1"/>
+              <a:t>liit</a:t>
+            </a:r>
+            <a:endParaRPr lang="en-US" b="1" dirty="0"/>
           </a:p>
         </p:txBody>
       </p:sp>
@@ -2604,7 +2733,7 @@
           <a:p>
             <a:fld id="{5D79DF13-5F95-4E48-8467-8F80F2768465}" type="slidenum">
               <a:rPr lang="en-US" smtClean="0"/>
-              <a:t>20</a:t>
+              <a:t>16</a:t>
             </a:fld>
             <a:endParaRPr lang="en-US"/>
           </a:p>
@@ -2613,7 +2742,7 @@
     </p:spTree>
     <p:extLst>
       <p:ext uri="{BB962C8B-B14F-4D97-AF65-F5344CB8AC3E}">
-        <p14:creationId xmlns:p14="http://schemas.microsoft.com/office/powerpoint/2010/main" val="2803818166"/>
+        <p14:creationId xmlns:p14="http://schemas.microsoft.com/office/powerpoint/2010/main" val="430994617"/>
       </p:ext>
     </p:extLst>
   </p:cSld>
@@ -2681,7 +2810,72 @@
                 <a:ea typeface="Calibri" panose="020F0502020204030204" pitchFamily="34" charset="0"/>
                 <a:cs typeface="Times New Roman" panose="02020603050405020304" pitchFamily="18" charset="0"/>
               </a:rPr>
-              <a:t>It also won’t give you any Null Reference exceptions from the watched exception.  This is really powerful because now you describe Observable intents over expressions and you don’t care at all if any of the parts aren’t initialized. All you care about is describing the aggregated into of your properties. </a:t>
+              <a:t>There are a lot of really cool things once you’re able to describe your events with these Observable objects because that gives you a tactile element to work with. You can start doing really cool things with </a:t>
+            </a:r>
+            <a:r>
+              <a:rPr lang="en-US" b="1" dirty="0">
+                <a:latin typeface="Calibri" panose="020F0502020204030204" pitchFamily="34" charset="0"/>
+                <a:ea typeface="Calibri" panose="020F0502020204030204" pitchFamily="34" charset="0"/>
+                <a:cs typeface="Times New Roman" panose="02020603050405020304" pitchFamily="18" charset="0"/>
+              </a:rPr>
+              <a:t>exception handling</a:t>
+            </a:r>
+            <a:r>
+              <a:rPr lang="en-US" dirty="0">
+                <a:latin typeface="Calibri" panose="020F0502020204030204" pitchFamily="34" charset="0"/>
+                <a:ea typeface="Calibri" panose="020F0502020204030204" pitchFamily="34" charset="0"/>
+                <a:cs typeface="Times New Roman" panose="02020603050405020304" pitchFamily="18" charset="0"/>
+              </a:rPr>
+              <a:t> and </a:t>
+            </a:r>
+            <a:r>
+              <a:rPr lang="en-US" b="1" dirty="0">
+                <a:latin typeface="Calibri" panose="020F0502020204030204" pitchFamily="34" charset="0"/>
+                <a:ea typeface="Calibri" panose="020F0502020204030204" pitchFamily="34" charset="0"/>
+                <a:cs typeface="Times New Roman" panose="02020603050405020304" pitchFamily="18" charset="0"/>
+              </a:rPr>
+              <a:t>retrying</a:t>
+            </a:r>
+            <a:r>
+              <a:rPr lang="en-US" dirty="0">
+                <a:latin typeface="Calibri" panose="020F0502020204030204" pitchFamily="34" charset="0"/>
+                <a:ea typeface="Calibri" panose="020F0502020204030204" pitchFamily="34" charset="0"/>
+                <a:cs typeface="Times New Roman" panose="02020603050405020304" pitchFamily="18" charset="0"/>
+              </a:rPr>
+              <a:t> your Observables by describing your intent.</a:t>
+            </a:r>
+          </a:p>
+          <a:p>
+            <a:pPr>
+              <a:lnSpc>
+                <a:spcPct val="107000"/>
+              </a:lnSpc>
+              <a:spcAft>
+                <a:spcPts val="800"/>
+              </a:spcAft>
+            </a:pPr>
+            <a:endParaRPr lang="en-US" dirty="0">
+              <a:latin typeface="Calibri" panose="020F0502020204030204" pitchFamily="34" charset="0"/>
+              <a:ea typeface="Calibri" panose="020F0502020204030204" pitchFamily="34" charset="0"/>
+              <a:cs typeface="Times New Roman" panose="02020603050405020304" pitchFamily="18" charset="0"/>
+            </a:endParaRPr>
+          </a:p>
+          <a:p>
+            <a:pPr>
+              <a:lnSpc>
+                <a:spcPct val="107000"/>
+              </a:lnSpc>
+              <a:spcAft>
+                <a:spcPts val="800"/>
+              </a:spcAft>
+            </a:pPr>
+            <a:r>
+              <a:rPr lang="en-US" dirty="0">
+                <a:latin typeface="Calibri" panose="020F0502020204030204" pitchFamily="34" charset="0"/>
+                <a:ea typeface="Calibri" panose="020F0502020204030204" pitchFamily="34" charset="0"/>
+                <a:cs typeface="Times New Roman" panose="02020603050405020304" pitchFamily="18" charset="0"/>
+              </a:rPr>
+              <a:t>Everything just becomes a stream of events and information</a:t>
             </a:r>
           </a:p>
           <a:p>
@@ -2706,7 +2900,7 @@
           <a:p>
             <a:fld id="{5D79DF13-5F95-4E48-8467-8F80F2768465}" type="slidenum">
               <a:rPr lang="en-US" smtClean="0"/>
-              <a:t>22</a:t>
+              <a:t>17</a:t>
             </a:fld>
             <a:endParaRPr lang="en-US"/>
           </a:p>
@@ -2715,7 +2909,7 @@
     </p:spTree>
     <p:extLst>
       <p:ext uri="{BB962C8B-B14F-4D97-AF65-F5344CB8AC3E}">
-        <p14:creationId xmlns:p14="http://schemas.microsoft.com/office/powerpoint/2010/main" val="1863488057"/>
+        <p14:creationId xmlns:p14="http://schemas.microsoft.com/office/powerpoint/2010/main" val="3534255802"/>
       </p:ext>
     </p:extLst>
   </p:cSld>
@@ -2771,16 +2965,13 @@
           <a:p>
             <a:r>
               <a:rPr lang="en-US" dirty="0"/>
-              <a:t>This is all achieved through </a:t>
+              <a:t>Review concepts of managing your streams with marble diagrams real quick before jumping into </a:t>
             </a:r>
             <a:r>
               <a:rPr lang="en-US" dirty="0" err="1"/>
-              <a:t>RxUI’s</a:t>
-            </a:r>
-            <a:r>
-              <a:rPr lang="en-US" dirty="0"/>
-              <a:t>  features with being able to describe new types of binding types and models</a:t>
-            </a:r>
+              <a:t>RxUI</a:t>
+            </a:r>
+            <a:endParaRPr lang="en-US" dirty="0"/>
           </a:p>
         </p:txBody>
       </p:sp>
@@ -2801,7 +2992,7 @@
           <a:p>
             <a:fld id="{5D79DF13-5F95-4E48-8467-8F80F2768465}" type="slidenum">
               <a:rPr lang="en-US" smtClean="0"/>
-              <a:t>25</a:t>
+              <a:t>18</a:t>
             </a:fld>
             <a:endParaRPr lang="en-US"/>
           </a:p>
@@ -2810,7 +3001,7 @@
     </p:spTree>
     <p:extLst>
       <p:ext uri="{BB962C8B-B14F-4D97-AF65-F5344CB8AC3E}">
-        <p14:creationId xmlns:p14="http://schemas.microsoft.com/office/powerpoint/2010/main" val="1628341547"/>
+        <p14:creationId xmlns:p14="http://schemas.microsoft.com/office/powerpoint/2010/main" val="1387518610"/>
       </p:ext>
     </p:extLst>
   </p:cSld>
@@ -2864,10 +3055,43 @@
           <a:bodyPr/>
           <a:lstStyle/>
           <a:p>
-            <a:r>
-              <a:rPr lang="en-US" dirty="0"/>
-              <a:t>So much of what you want to be doing in MVVM deals around lists of data…  Filter, Sort, transform your models into VMs or in this sample proxies.   </a:t>
-            </a:r>
+            <a:pPr>
+              <a:lnSpc>
+                <a:spcPct val="107000"/>
+              </a:lnSpc>
+              <a:spcAft>
+                <a:spcPts val="800"/>
+              </a:spcAft>
+            </a:pPr>
+            <a:r>
+              <a:rPr lang="en-US" dirty="0">
+                <a:latin typeface="Calibri" panose="020F0502020204030204" pitchFamily="34" charset="0"/>
+                <a:ea typeface="Calibri" panose="020F0502020204030204" pitchFamily="34" charset="0"/>
+                <a:cs typeface="Times New Roman" panose="02020603050405020304" pitchFamily="18" charset="0"/>
+              </a:rPr>
+              <a:t>You see this a lot now in JS with Angular 2 becoming popular now there’s a much larger excitement around tying in Reactive features to your UI. </a:t>
+            </a:r>
+          </a:p>
+          <a:p>
+            <a:pPr>
+              <a:lnSpc>
+                <a:spcPct val="107000"/>
+              </a:lnSpc>
+              <a:spcAft>
+                <a:spcPts val="800"/>
+              </a:spcAft>
+            </a:pPr>
+            <a:r>
+              <a:rPr lang="en-US" dirty="0">
+                <a:latin typeface="Calibri" panose="020F0502020204030204" pitchFamily="34" charset="0"/>
+                <a:ea typeface="Calibri" panose="020F0502020204030204" pitchFamily="34" charset="0"/>
+                <a:cs typeface="Times New Roman" panose="02020603050405020304" pitchFamily="18" charset="0"/>
+              </a:rPr>
+              <a:t>You’re basically turning all of your properties into streams of events. You’re turning them into time based arrays that you can “iterate” over and perform the same type of LINQ like interactions against</a:t>
+            </a:r>
+          </a:p>
+          <a:p>
+            <a:endParaRPr lang="en-US" dirty="0"/>
           </a:p>
         </p:txBody>
       </p:sp>
@@ -2888,7 +3112,7 @@
           <a:p>
             <a:fld id="{5D79DF13-5F95-4E48-8467-8F80F2768465}" type="slidenum">
               <a:rPr lang="en-US" smtClean="0"/>
-              <a:t>27</a:t>
+              <a:t>23</a:t>
             </a:fld>
             <a:endParaRPr lang="en-US"/>
           </a:p>
@@ -2897,7 +3121,7 @@
     </p:spTree>
     <p:extLst>
       <p:ext uri="{BB962C8B-B14F-4D97-AF65-F5344CB8AC3E}">
-        <p14:creationId xmlns:p14="http://schemas.microsoft.com/office/powerpoint/2010/main" val="3439982483"/>
+        <p14:creationId xmlns:p14="http://schemas.microsoft.com/office/powerpoint/2010/main" val="2992442398"/>
       </p:ext>
     </p:extLst>
   </p:cSld>
@@ -3041,7 +3265,7 @@
     </p:spTree>
     <p:extLst>
       <p:ext uri="{BB962C8B-B14F-4D97-AF65-F5344CB8AC3E}">
-        <p14:creationId xmlns:p14="http://schemas.microsoft.com/office/powerpoint/2010/main" val="30766288"/>
+        <p14:creationId xmlns:p14="http://schemas.microsoft.com/office/powerpoint/2010/main" val="1830672794"/>
       </p:ext>
     </p:extLst>
   </p:cSld>
@@ -3096,6 +3320,482 @@
           <a:lstStyle/>
           <a:p>
             <a:r>
+              <a:rPr lang="en-US" b="1" dirty="0"/>
+              <a:t>MVVM </a:t>
+            </a:r>
+            <a:r>
+              <a:rPr lang="en-US" b="0" dirty="0"/>
+              <a:t> is largely about the </a:t>
+            </a:r>
+            <a:r>
+              <a:rPr lang="en-US" b="0" dirty="0" err="1"/>
+              <a:t>eventing</a:t>
+            </a:r>
+            <a:r>
+              <a:rPr lang="en-US" b="0" dirty="0"/>
+              <a:t> from both sides.  You have your Views </a:t>
+            </a:r>
+            <a:r>
+              <a:rPr lang="en-US" b="0" dirty="0" err="1"/>
+              <a:t>eventing</a:t>
+            </a:r>
+            <a:r>
+              <a:rPr lang="en-US" b="0" dirty="0"/>
+              <a:t> to the VM and the VM responding and services  produces streams of data back to the VM and need to tie together to your View</a:t>
+            </a:r>
+            <a:endParaRPr lang="en-US" b="1" dirty="0"/>
+          </a:p>
+        </p:txBody>
+      </p:sp>
+      <p:sp>
+        <p:nvSpPr>
+          <p:cNvPr id="4" name="Slide Number Placeholder 3"/>
+          <p:cNvSpPr>
+            <a:spLocks noGrp="1"/>
+          </p:cNvSpPr>
+          <p:nvPr>
+            <p:ph type="sldNum" sz="quarter" idx="10"/>
+          </p:nvPr>
+        </p:nvSpPr>
+        <p:spPr/>
+        <p:txBody>
+          <a:bodyPr/>
+          <a:lstStyle/>
+          <a:p>
+            <a:fld id="{5D79DF13-5F95-4E48-8467-8F80F2768465}" type="slidenum">
+              <a:rPr lang="en-US" smtClean="0"/>
+              <a:t>24</a:t>
+            </a:fld>
+            <a:endParaRPr lang="en-US"/>
+          </a:p>
+        </p:txBody>
+      </p:sp>
+    </p:spTree>
+    <p:extLst>
+      <p:ext uri="{BB962C8B-B14F-4D97-AF65-F5344CB8AC3E}">
+        <p14:creationId xmlns:p14="http://schemas.microsoft.com/office/powerpoint/2010/main" val="3306207640"/>
+      </p:ext>
+    </p:extLst>
+  </p:cSld>
+  <p:clrMapOvr>
+    <a:masterClrMapping/>
+  </p:clrMapOvr>
+</p:notes>
+</file>
+
+<file path=ppt/notesSlides/notesSlide21.xml><?xml version="1.0" encoding="utf-8"?>
+<p:notes xmlns:a="http://schemas.openxmlformats.org/drawingml/2006/main" xmlns:r="http://schemas.openxmlformats.org/officeDocument/2006/relationships" xmlns:p="http://schemas.openxmlformats.org/presentationml/2006/main">
+  <p:cSld>
+    <p:spTree>
+      <p:nvGrpSpPr>
+        <p:cNvPr id="1" name=""/>
+        <p:cNvGrpSpPr/>
+        <p:nvPr/>
+      </p:nvGrpSpPr>
+      <p:grpSpPr>
+        <a:xfrm>
+          <a:off x="0" y="0"/>
+          <a:ext cx="0" cy="0"/>
+          <a:chOff x="0" y="0"/>
+          <a:chExt cx="0" cy="0"/>
+        </a:xfrm>
+      </p:grpSpPr>
+      <p:sp>
+        <p:nvSpPr>
+          <p:cNvPr id="2" name="Slide Image Placeholder 1"/>
+          <p:cNvSpPr>
+            <a:spLocks noGrp="1" noRot="1" noChangeAspect="1"/>
+          </p:cNvSpPr>
+          <p:nvPr>
+            <p:ph type="sldImg"/>
+          </p:nvPr>
+        </p:nvSpPr>
+        <p:spPr/>
+      </p:sp>
+      <p:sp>
+        <p:nvSpPr>
+          <p:cNvPr id="3" name="Notes Placeholder 2"/>
+          <p:cNvSpPr>
+            <a:spLocks noGrp="1"/>
+          </p:cNvSpPr>
+          <p:nvPr>
+            <p:ph type="body" idx="1"/>
+          </p:nvPr>
+        </p:nvSpPr>
+        <p:spPr/>
+        <p:txBody>
+          <a:bodyPr/>
+          <a:lstStyle/>
+          <a:p>
+            <a:endParaRPr lang="en-US" dirty="0"/>
+          </a:p>
+        </p:txBody>
+      </p:sp>
+      <p:sp>
+        <p:nvSpPr>
+          <p:cNvPr id="4" name="Slide Number Placeholder 3"/>
+          <p:cNvSpPr>
+            <a:spLocks noGrp="1"/>
+          </p:cNvSpPr>
+          <p:nvPr>
+            <p:ph type="sldNum" sz="quarter" idx="10"/>
+          </p:nvPr>
+        </p:nvSpPr>
+        <p:spPr/>
+        <p:txBody>
+          <a:bodyPr/>
+          <a:lstStyle/>
+          <a:p>
+            <a:fld id="{5D79DF13-5F95-4E48-8467-8F80F2768465}" type="slidenum">
+              <a:rPr lang="en-US" smtClean="0"/>
+              <a:t>25</a:t>
+            </a:fld>
+            <a:endParaRPr lang="en-US"/>
+          </a:p>
+        </p:txBody>
+      </p:sp>
+    </p:spTree>
+    <p:extLst>
+      <p:ext uri="{BB962C8B-B14F-4D97-AF65-F5344CB8AC3E}">
+        <p14:creationId xmlns:p14="http://schemas.microsoft.com/office/powerpoint/2010/main" val="2803818166"/>
+      </p:ext>
+    </p:extLst>
+  </p:cSld>
+  <p:clrMapOvr>
+    <a:masterClrMapping/>
+  </p:clrMapOvr>
+</p:notes>
+</file>
+
+<file path=ppt/notesSlides/notesSlide22.xml><?xml version="1.0" encoding="utf-8"?>
+<p:notes xmlns:a="http://schemas.openxmlformats.org/drawingml/2006/main" xmlns:r="http://schemas.openxmlformats.org/officeDocument/2006/relationships" xmlns:p="http://schemas.openxmlformats.org/presentationml/2006/main">
+  <p:cSld>
+    <p:spTree>
+      <p:nvGrpSpPr>
+        <p:cNvPr id="1" name=""/>
+        <p:cNvGrpSpPr/>
+        <p:nvPr/>
+      </p:nvGrpSpPr>
+      <p:grpSpPr>
+        <a:xfrm>
+          <a:off x="0" y="0"/>
+          <a:ext cx="0" cy="0"/>
+          <a:chOff x="0" y="0"/>
+          <a:chExt cx="0" cy="0"/>
+        </a:xfrm>
+      </p:grpSpPr>
+      <p:sp>
+        <p:nvSpPr>
+          <p:cNvPr id="2" name="Slide Image Placeholder 1"/>
+          <p:cNvSpPr>
+            <a:spLocks noGrp="1" noRot="1" noChangeAspect="1"/>
+          </p:cNvSpPr>
+          <p:nvPr>
+            <p:ph type="sldImg"/>
+          </p:nvPr>
+        </p:nvSpPr>
+        <p:spPr/>
+      </p:sp>
+      <p:sp>
+        <p:nvSpPr>
+          <p:cNvPr id="3" name="Notes Placeholder 2"/>
+          <p:cNvSpPr>
+            <a:spLocks noGrp="1"/>
+          </p:cNvSpPr>
+          <p:nvPr>
+            <p:ph type="body" idx="1"/>
+          </p:nvPr>
+        </p:nvSpPr>
+        <p:spPr/>
+        <p:txBody>
+          <a:bodyPr/>
+          <a:lstStyle/>
+          <a:p>
+            <a:pPr>
+              <a:lnSpc>
+                <a:spcPct val="107000"/>
+              </a:lnSpc>
+              <a:spcAft>
+                <a:spcPts val="800"/>
+              </a:spcAft>
+            </a:pPr>
+            <a:r>
+              <a:rPr lang="en-US" dirty="0">
+                <a:latin typeface="Calibri" panose="020F0502020204030204" pitchFamily="34" charset="0"/>
+                <a:ea typeface="Calibri" panose="020F0502020204030204" pitchFamily="34" charset="0"/>
+                <a:cs typeface="Times New Roman" panose="02020603050405020304" pitchFamily="18" charset="0"/>
+              </a:rPr>
+              <a:t>It also won’t give you any Null Reference exceptions from the watched exception.  This is really powerful because now you describe Observable intents over expressions and you don’t care at all if any of the parts aren’t initialized. All you care about is describing the aggregated into of your properties. </a:t>
+            </a:r>
+          </a:p>
+          <a:p>
+            <a:endParaRPr lang="en-US" dirty="0"/>
+          </a:p>
+        </p:txBody>
+      </p:sp>
+      <p:sp>
+        <p:nvSpPr>
+          <p:cNvPr id="4" name="Slide Number Placeholder 3"/>
+          <p:cNvSpPr>
+            <a:spLocks noGrp="1"/>
+          </p:cNvSpPr>
+          <p:nvPr>
+            <p:ph type="sldNum" sz="quarter" idx="10"/>
+          </p:nvPr>
+        </p:nvSpPr>
+        <p:spPr/>
+        <p:txBody>
+          <a:bodyPr/>
+          <a:lstStyle/>
+          <a:p>
+            <a:fld id="{5D79DF13-5F95-4E48-8467-8F80F2768465}" type="slidenum">
+              <a:rPr lang="en-US" smtClean="0"/>
+              <a:t>27</a:t>
+            </a:fld>
+            <a:endParaRPr lang="en-US"/>
+          </a:p>
+        </p:txBody>
+      </p:sp>
+    </p:spTree>
+    <p:extLst>
+      <p:ext uri="{BB962C8B-B14F-4D97-AF65-F5344CB8AC3E}">
+        <p14:creationId xmlns:p14="http://schemas.microsoft.com/office/powerpoint/2010/main" val="1863488057"/>
+      </p:ext>
+    </p:extLst>
+  </p:cSld>
+  <p:clrMapOvr>
+    <a:masterClrMapping/>
+  </p:clrMapOvr>
+</p:notes>
+</file>
+
+<file path=ppt/notesSlides/notesSlide23.xml><?xml version="1.0" encoding="utf-8"?>
+<p:notes xmlns:a="http://schemas.openxmlformats.org/drawingml/2006/main" xmlns:r="http://schemas.openxmlformats.org/officeDocument/2006/relationships" xmlns:p="http://schemas.openxmlformats.org/presentationml/2006/main">
+  <p:cSld>
+    <p:spTree>
+      <p:nvGrpSpPr>
+        <p:cNvPr id="1" name=""/>
+        <p:cNvGrpSpPr/>
+        <p:nvPr/>
+      </p:nvGrpSpPr>
+      <p:grpSpPr>
+        <a:xfrm>
+          <a:off x="0" y="0"/>
+          <a:ext cx="0" cy="0"/>
+          <a:chOff x="0" y="0"/>
+          <a:chExt cx="0" cy="0"/>
+        </a:xfrm>
+      </p:grpSpPr>
+      <p:sp>
+        <p:nvSpPr>
+          <p:cNvPr id="2" name="Slide Image Placeholder 1"/>
+          <p:cNvSpPr>
+            <a:spLocks noGrp="1" noRot="1" noChangeAspect="1"/>
+          </p:cNvSpPr>
+          <p:nvPr>
+            <p:ph type="sldImg"/>
+          </p:nvPr>
+        </p:nvSpPr>
+        <p:spPr/>
+      </p:sp>
+      <p:sp>
+        <p:nvSpPr>
+          <p:cNvPr id="3" name="Notes Placeholder 2"/>
+          <p:cNvSpPr>
+            <a:spLocks noGrp="1"/>
+          </p:cNvSpPr>
+          <p:nvPr>
+            <p:ph type="body" idx="1"/>
+          </p:nvPr>
+        </p:nvSpPr>
+        <p:spPr/>
+        <p:txBody>
+          <a:bodyPr/>
+          <a:lstStyle/>
+          <a:p>
+            <a:r>
+              <a:rPr lang="en-US" dirty="0"/>
+              <a:t>This is all achieved through </a:t>
+            </a:r>
+            <a:r>
+              <a:rPr lang="en-US" dirty="0" err="1"/>
+              <a:t>RxUI’s</a:t>
+            </a:r>
+            <a:r>
+              <a:rPr lang="en-US" dirty="0"/>
+              <a:t>  features with being able to describe new types of binding types and models</a:t>
+            </a:r>
+          </a:p>
+        </p:txBody>
+      </p:sp>
+      <p:sp>
+        <p:nvSpPr>
+          <p:cNvPr id="4" name="Slide Number Placeholder 3"/>
+          <p:cNvSpPr>
+            <a:spLocks noGrp="1"/>
+          </p:cNvSpPr>
+          <p:nvPr>
+            <p:ph type="sldNum" sz="quarter" idx="10"/>
+          </p:nvPr>
+        </p:nvSpPr>
+        <p:spPr/>
+        <p:txBody>
+          <a:bodyPr/>
+          <a:lstStyle/>
+          <a:p>
+            <a:fld id="{5D79DF13-5F95-4E48-8467-8F80F2768465}" type="slidenum">
+              <a:rPr lang="en-US" smtClean="0"/>
+              <a:t>30</a:t>
+            </a:fld>
+            <a:endParaRPr lang="en-US"/>
+          </a:p>
+        </p:txBody>
+      </p:sp>
+    </p:spTree>
+    <p:extLst>
+      <p:ext uri="{BB962C8B-B14F-4D97-AF65-F5344CB8AC3E}">
+        <p14:creationId xmlns:p14="http://schemas.microsoft.com/office/powerpoint/2010/main" val="1628341547"/>
+      </p:ext>
+    </p:extLst>
+  </p:cSld>
+  <p:clrMapOvr>
+    <a:masterClrMapping/>
+  </p:clrMapOvr>
+</p:notes>
+</file>
+
+<file path=ppt/notesSlides/notesSlide24.xml><?xml version="1.0" encoding="utf-8"?>
+<p:notes xmlns:a="http://schemas.openxmlformats.org/drawingml/2006/main" xmlns:r="http://schemas.openxmlformats.org/officeDocument/2006/relationships" xmlns:p="http://schemas.openxmlformats.org/presentationml/2006/main">
+  <p:cSld>
+    <p:spTree>
+      <p:nvGrpSpPr>
+        <p:cNvPr id="1" name=""/>
+        <p:cNvGrpSpPr/>
+        <p:nvPr/>
+      </p:nvGrpSpPr>
+      <p:grpSpPr>
+        <a:xfrm>
+          <a:off x="0" y="0"/>
+          <a:ext cx="0" cy="0"/>
+          <a:chOff x="0" y="0"/>
+          <a:chExt cx="0" cy="0"/>
+        </a:xfrm>
+      </p:grpSpPr>
+      <p:sp>
+        <p:nvSpPr>
+          <p:cNvPr id="2" name="Slide Image Placeholder 1"/>
+          <p:cNvSpPr>
+            <a:spLocks noGrp="1" noRot="1" noChangeAspect="1"/>
+          </p:cNvSpPr>
+          <p:nvPr>
+            <p:ph type="sldImg"/>
+          </p:nvPr>
+        </p:nvSpPr>
+        <p:spPr/>
+      </p:sp>
+      <p:sp>
+        <p:nvSpPr>
+          <p:cNvPr id="3" name="Notes Placeholder 2"/>
+          <p:cNvSpPr>
+            <a:spLocks noGrp="1"/>
+          </p:cNvSpPr>
+          <p:nvPr>
+            <p:ph type="body" idx="1"/>
+          </p:nvPr>
+        </p:nvSpPr>
+        <p:spPr/>
+        <p:txBody>
+          <a:bodyPr/>
+          <a:lstStyle/>
+          <a:p>
+            <a:r>
+              <a:rPr lang="en-US" dirty="0"/>
+              <a:t>So much of what you want to be doing in MVVM deals around lists of data…  Filter, Sort, transform your models into VMs or in this sample proxies.   </a:t>
+            </a:r>
+          </a:p>
+        </p:txBody>
+      </p:sp>
+      <p:sp>
+        <p:nvSpPr>
+          <p:cNvPr id="4" name="Slide Number Placeholder 3"/>
+          <p:cNvSpPr>
+            <a:spLocks noGrp="1"/>
+          </p:cNvSpPr>
+          <p:nvPr>
+            <p:ph type="sldNum" sz="quarter" idx="10"/>
+          </p:nvPr>
+        </p:nvSpPr>
+        <p:spPr/>
+        <p:txBody>
+          <a:bodyPr/>
+          <a:lstStyle/>
+          <a:p>
+            <a:fld id="{5D79DF13-5F95-4E48-8467-8F80F2768465}" type="slidenum">
+              <a:rPr lang="en-US" smtClean="0"/>
+              <a:t>32</a:t>
+            </a:fld>
+            <a:endParaRPr lang="en-US"/>
+          </a:p>
+        </p:txBody>
+      </p:sp>
+    </p:spTree>
+    <p:extLst>
+      <p:ext uri="{BB962C8B-B14F-4D97-AF65-F5344CB8AC3E}">
+        <p14:creationId xmlns:p14="http://schemas.microsoft.com/office/powerpoint/2010/main" val="3439982483"/>
+      </p:ext>
+    </p:extLst>
+  </p:cSld>
+  <p:clrMapOvr>
+    <a:masterClrMapping/>
+  </p:clrMapOvr>
+</p:notes>
+</file>
+
+<file path=ppt/notesSlides/notesSlide25.xml><?xml version="1.0" encoding="utf-8"?>
+<p:notes xmlns:a="http://schemas.openxmlformats.org/drawingml/2006/main" xmlns:r="http://schemas.openxmlformats.org/officeDocument/2006/relationships" xmlns:p="http://schemas.openxmlformats.org/presentationml/2006/main">
+  <p:cSld>
+    <p:spTree>
+      <p:nvGrpSpPr>
+        <p:cNvPr id="1" name=""/>
+        <p:cNvGrpSpPr/>
+        <p:nvPr/>
+      </p:nvGrpSpPr>
+      <p:grpSpPr>
+        <a:xfrm>
+          <a:off x="0" y="0"/>
+          <a:ext cx="0" cy="0"/>
+          <a:chOff x="0" y="0"/>
+          <a:chExt cx="0" cy="0"/>
+        </a:xfrm>
+      </p:grpSpPr>
+      <p:sp>
+        <p:nvSpPr>
+          <p:cNvPr id="2" name="Slide Image Placeholder 1"/>
+          <p:cNvSpPr>
+            <a:spLocks noGrp="1" noRot="1" noChangeAspect="1"/>
+          </p:cNvSpPr>
+          <p:nvPr>
+            <p:ph type="sldImg"/>
+          </p:nvPr>
+        </p:nvSpPr>
+        <p:spPr/>
+      </p:sp>
+      <p:sp>
+        <p:nvSpPr>
+          <p:cNvPr id="3" name="Notes Placeholder 2"/>
+          <p:cNvSpPr>
+            <a:spLocks noGrp="1"/>
+          </p:cNvSpPr>
+          <p:nvPr>
+            <p:ph type="body" idx="1"/>
+          </p:nvPr>
+        </p:nvSpPr>
+        <p:spPr/>
+        <p:txBody>
+          <a:bodyPr/>
+          <a:lstStyle/>
+          <a:p>
+            <a:r>
               <a:rPr lang="en-US" dirty="0"/>
               <a:t>This is similar to what we saw earlier but you’ll see a version of this in the demo I’ll show you.  The Filter and Sort here are powered by Observables.  They ingest an observable stream that tells the list when it needs to update it’s filter or sort. Streams on streams on streams on streams</a:t>
             </a:r>
@@ -3119,7 +3819,7 @@
           <a:p>
             <a:fld id="{5D79DF13-5F95-4E48-8467-8F80F2768465}" type="slidenum">
               <a:rPr lang="en-US" smtClean="0"/>
-              <a:t>29</a:t>
+              <a:t>34</a:t>
             </a:fld>
             <a:endParaRPr lang="en-US"/>
           </a:p>
@@ -3245,7 +3945,7 @@
                 <a:ea typeface="Calibri" panose="020F0502020204030204" pitchFamily="34" charset="0"/>
                 <a:cs typeface="Times New Roman" panose="02020603050405020304" pitchFamily="18" charset="0"/>
               </a:rPr>
-              <a:t>Ienumerable</a:t>
+              <a:t>IEnumerable</a:t>
             </a:r>
             <a:endParaRPr lang="en-US" dirty="0">
               <a:latin typeface="Calibri" panose="020F0502020204030204" pitchFamily="34" charset="0"/>
@@ -3518,22 +4218,13 @@
           <a:bodyPr/>
           <a:lstStyle/>
           <a:p>
-            <a:pPr marL="0" marR="0" lvl="0" indent="0" algn="l" defTabSz="914400" rtl="0" eaLnBrk="1" fontAlgn="auto" latinLnBrk="0" hangingPunct="1">
+            <a:pPr>
               <a:lnSpc>
-                <a:spcPct val="100000"/>
+                <a:spcPct val="107000"/>
               </a:lnSpc>
-              <a:spcBef>
-                <a:spcPts val="0"/>
-              </a:spcBef>
               <a:spcAft>
-                <a:spcPts val="0"/>
+                <a:spcPts val="800"/>
               </a:spcAft>
-              <a:buClrTx/>
-              <a:buSzTx/>
-              <a:buFontTx/>
-              <a:buNone/>
-              <a:tabLst/>
-              <a:defRPr/>
             </a:pPr>
             <a:r>
               <a:rPr lang="en-US" dirty="0">
@@ -3541,15 +4232,15 @@
                 <a:ea typeface="Calibri" panose="020F0502020204030204" pitchFamily="34" charset="0"/>
                 <a:cs typeface="Times New Roman" panose="02020603050405020304" pitchFamily="18" charset="0"/>
               </a:rPr>
-              <a:t>Now think about this same idea applied to the Observer pattern or to the pub sub model. In both models you have </a:t>
-            </a:r>
-            <a:r>
-              <a:rPr lang="en-US" b="1" dirty="0">
+              <a:t>How many people are familiar with </a:t>
+            </a:r>
+            <a:r>
+              <a:rPr lang="en-US" dirty="0" err="1">
                 <a:latin typeface="Calibri" panose="020F0502020204030204" pitchFamily="34" charset="0"/>
                 <a:ea typeface="Calibri" panose="020F0502020204030204" pitchFamily="34" charset="0"/>
                 <a:cs typeface="Times New Roman" panose="02020603050405020304" pitchFamily="18" charset="0"/>
               </a:rPr>
-              <a:t>a set of messages you </a:t>
+              <a:t>System.Reactive</a:t>
             </a:r>
             <a:r>
               <a:rPr lang="en-US" dirty="0">
@@ -3557,43 +4248,41 @@
                 <a:ea typeface="Calibri" panose="020F0502020204030204" pitchFamily="34" charset="0"/>
                 <a:cs typeface="Times New Roman" panose="02020603050405020304" pitchFamily="18" charset="0"/>
               </a:rPr>
-              <a:t>want to </a:t>
-            </a:r>
-            <a:r>
-              <a:rPr lang="en-US" b="1" dirty="0">
-                <a:latin typeface="Calibri" panose="020F0502020204030204" pitchFamily="34" charset="0"/>
-                <a:ea typeface="Calibri" panose="020F0502020204030204" pitchFamily="34" charset="0"/>
-                <a:cs typeface="Times New Roman" panose="02020603050405020304" pitchFamily="18" charset="0"/>
-              </a:rPr>
-              <a:t>iterate</a:t>
-            </a:r>
-            <a:r>
+              <a:t> Programming? </a:t>
+            </a:r>
+            <a:br>
               <a:rPr lang="en-US" dirty="0">
                 <a:latin typeface="Calibri" panose="020F0502020204030204" pitchFamily="34" charset="0"/>
                 <a:ea typeface="Calibri" panose="020F0502020204030204" pitchFamily="34" charset="0"/>
                 <a:cs typeface="Times New Roman" panose="02020603050405020304" pitchFamily="18" charset="0"/>
               </a:rPr>
-              <a:t> over the main difference is the direction of the iteration. </a:t>
-            </a:r>
-          </a:p>
-          <a:p>
-            <a:pPr marL="0" marR="0" lvl="0" indent="0" algn="l" defTabSz="914400" rtl="0" eaLnBrk="1" fontAlgn="auto" latinLnBrk="0" hangingPunct="1">
-              <a:lnSpc>
-                <a:spcPct val="100000"/>
-              </a:lnSpc>
-              <a:spcBef>
-                <a:spcPts val="0"/>
-              </a:spcBef>
-              <a:spcAft>
-                <a:spcPts val="0"/>
-              </a:spcAft>
-              <a:buClrTx/>
-              <a:buSzTx/>
-              <a:buFontTx/>
-              <a:buNone/>
-              <a:tabLst/>
-              <a:defRPr/>
-            </a:pPr>
+            </a:br>
+            <a:r>
+              <a:rPr lang="en-US" dirty="0">
+                <a:latin typeface="Calibri" panose="020F0502020204030204" pitchFamily="34" charset="0"/>
+                <a:ea typeface="Calibri" panose="020F0502020204030204" pitchFamily="34" charset="0"/>
+                <a:cs typeface="Times New Roman" panose="02020603050405020304" pitchFamily="18" charset="0"/>
+              </a:rPr>
+              <a:t>And how many people have used it extensively?</a:t>
+            </a:r>
+          </a:p>
+          <a:p>
+            <a:r>
+              <a:rPr lang="en-US" dirty="0">
+                <a:latin typeface="Calibri" panose="020F0502020204030204" pitchFamily="34" charset="0"/>
+                <a:ea typeface="Calibri" panose="020F0502020204030204" pitchFamily="34" charset="0"/>
+                <a:cs typeface="Times New Roman" panose="02020603050405020304" pitchFamily="18" charset="0"/>
+              </a:rPr>
+              <a:t>How many people have used LINQ?  Let’s start with the familiar world of LINQ over </a:t>
+            </a:r>
+            <a:r>
+              <a:rPr lang="en-US" dirty="0" err="1">
+                <a:latin typeface="Calibri" panose="020F0502020204030204" pitchFamily="34" charset="0"/>
+                <a:ea typeface="Calibri" panose="020F0502020204030204" pitchFamily="34" charset="0"/>
+                <a:cs typeface="Times New Roman" panose="02020603050405020304" pitchFamily="18" charset="0"/>
+              </a:rPr>
+              <a:t>IEnumerable</a:t>
+            </a:r>
             <a:endParaRPr lang="en-US" dirty="0">
               <a:latin typeface="Calibri" panose="020F0502020204030204" pitchFamily="34" charset="0"/>
               <a:ea typeface="Calibri" panose="020F0502020204030204" pitchFamily="34" charset="0"/>
@@ -3601,62 +4290,18 @@
             </a:endParaRPr>
           </a:p>
           <a:p>
-            <a:pPr marL="0" marR="0" lvl="0" indent="0" algn="l" defTabSz="914400" rtl="0" eaLnBrk="1" fontAlgn="auto" latinLnBrk="0" hangingPunct="1">
-              <a:lnSpc>
-                <a:spcPct val="100000"/>
-              </a:lnSpc>
-              <a:spcBef>
-                <a:spcPts val="0"/>
-              </a:spcBef>
-              <a:spcAft>
-                <a:spcPts val="0"/>
-              </a:spcAft>
-              <a:buClrTx/>
-              <a:buSzTx/>
-              <a:buFontTx/>
-              <a:buNone/>
-              <a:tabLst/>
-              <a:defRPr/>
-            </a:pPr>
+            <a:endParaRPr lang="en-US" dirty="0">
+              <a:latin typeface="Calibri" panose="020F0502020204030204" pitchFamily="34" charset="0"/>
+              <a:cs typeface="Times New Roman" panose="02020603050405020304" pitchFamily="18" charset="0"/>
+            </a:endParaRPr>
+          </a:p>
+          <a:p>
             <a:r>
               <a:rPr lang="en-US" dirty="0">
                 <a:latin typeface="Calibri" panose="020F0502020204030204" pitchFamily="34" charset="0"/>
-                <a:ea typeface="Calibri" panose="020F0502020204030204" pitchFamily="34" charset="0"/>
                 <a:cs typeface="Times New Roman" panose="02020603050405020304" pitchFamily="18" charset="0"/>
               </a:rPr>
-              <a:t>With the </a:t>
-            </a:r>
-            <a:r>
-              <a:rPr lang="en-US" b="1" dirty="0">
-                <a:latin typeface="Calibri" panose="020F0502020204030204" pitchFamily="34" charset="0"/>
-                <a:ea typeface="Calibri" panose="020F0502020204030204" pitchFamily="34" charset="0"/>
-                <a:cs typeface="Times New Roman" panose="02020603050405020304" pitchFamily="18" charset="0"/>
-              </a:rPr>
-              <a:t>observer pattern the producer controls </a:t>
-            </a:r>
-            <a:r>
-              <a:rPr lang="en-US" dirty="0">
-                <a:latin typeface="Calibri" panose="020F0502020204030204" pitchFamily="34" charset="0"/>
-                <a:ea typeface="Calibri" panose="020F0502020204030204" pitchFamily="34" charset="0"/>
-                <a:cs typeface="Times New Roman" panose="02020603050405020304" pitchFamily="18" charset="0"/>
-              </a:rPr>
-              <a:t>the iteration whereas </a:t>
-            </a:r>
-            <a:r>
-              <a:rPr lang="en-US" b="1" dirty="0">
-                <a:latin typeface="Calibri" panose="020F0502020204030204" pitchFamily="34" charset="0"/>
-                <a:ea typeface="Calibri" panose="020F0502020204030204" pitchFamily="34" charset="0"/>
-                <a:cs typeface="Times New Roman" panose="02020603050405020304" pitchFamily="18" charset="0"/>
-              </a:rPr>
-              <a:t>with the iterator pattern you control it</a:t>
-            </a:r>
-            <a:r>
-              <a:rPr lang="en-US" dirty="0">
-                <a:latin typeface="Calibri" panose="020F0502020204030204" pitchFamily="34" charset="0"/>
-                <a:ea typeface="Calibri" panose="020F0502020204030204" pitchFamily="34" charset="0"/>
-                <a:cs typeface="Times New Roman" panose="02020603050405020304" pitchFamily="18" charset="0"/>
-              </a:rPr>
-              <a:t>.  One extension that Reactive brings to the equation of the Observer pattern is the idea of declaratively stating when you’re done. </a:t>
+              <a:t>What is an iterator? </a:t>
             </a:r>
             <a:endParaRPr lang="en-US" dirty="0"/>
           </a:p>
@@ -3691,7 +4336,7 @@
     </p:spTree>
     <p:extLst>
       <p:ext uri="{BB962C8B-B14F-4D97-AF65-F5344CB8AC3E}">
-        <p14:creationId xmlns:p14="http://schemas.microsoft.com/office/powerpoint/2010/main" val="2093736814"/>
+        <p14:creationId xmlns:p14="http://schemas.microsoft.com/office/powerpoint/2010/main" val="3118807736"/>
       </p:ext>
     </p:extLst>
   </p:cSld>
@@ -3747,7 +4392,7 @@
           <a:p>
             <a:r>
               <a:rPr lang="en-US" dirty="0"/>
-              <a:t>This is your basic transform operator</a:t>
+              <a:t>This is the particular entity creating the observables. Placing data onto a stream and producing bubbles for you to use</a:t>
             </a:r>
           </a:p>
         </p:txBody>
@@ -3778,7 +4423,7 @@
     </p:spTree>
     <p:extLst>
       <p:ext uri="{BB962C8B-B14F-4D97-AF65-F5344CB8AC3E}">
-        <p14:creationId xmlns:p14="http://schemas.microsoft.com/office/powerpoint/2010/main" val="2993121876"/>
+        <p14:creationId xmlns:p14="http://schemas.microsoft.com/office/powerpoint/2010/main" val="2293391688"/>
       </p:ext>
     </p:extLst>
   </p:cSld>
@@ -3834,29 +4479,8 @@
           <a:p>
             <a:r>
               <a:rPr lang="en-US" dirty="0"/>
-              <a:t>The take operators are ways to describe the termination of your events. This is where you </a:t>
-            </a:r>
-            <a:r>
-              <a:rPr lang="en-US" b="1" dirty="0"/>
-              <a:t>declare</a:t>
-            </a:r>
-            <a:r>
-              <a:rPr lang="en-US" dirty="0"/>
-              <a:t> the intention of your stream to </a:t>
-            </a:r>
-            <a:r>
-              <a:rPr lang="en-US" b="1" dirty="0"/>
-              <a:t>conclude </a:t>
-            </a:r>
-            <a:r>
-              <a:rPr lang="en-US" b="0" dirty="0"/>
-              <a:t> It could be a page unloading or maybe the user clicks the CANCEL button for an operation. The world of events are the </a:t>
-            </a:r>
-            <a:r>
-              <a:rPr lang="en-US" b="0" dirty="0" err="1"/>
-              <a:t>liit</a:t>
-            </a:r>
-            <a:endParaRPr lang="en-US" b="1" dirty="0"/>
+              <a:t>This is the particular entity creating the observables. Placing data onto a stream and producing bubbles for you to use</a:t>
+            </a:r>
           </a:p>
         </p:txBody>
       </p:sp>
@@ -3886,7 +4510,7 @@
     </p:spTree>
     <p:extLst>
       <p:ext uri="{BB962C8B-B14F-4D97-AF65-F5344CB8AC3E}">
-        <p14:creationId xmlns:p14="http://schemas.microsoft.com/office/powerpoint/2010/main" val="430994617"/>
+        <p14:creationId xmlns:p14="http://schemas.microsoft.com/office/powerpoint/2010/main" val="2851500935"/>
       </p:ext>
     </p:extLst>
   </p:cSld>
@@ -3942,15 +4566,7 @@
           <a:p>
             <a:r>
               <a:rPr lang="en-US" dirty="0"/>
-              <a:t>Once you’ve </a:t>
-            </a:r>
-            <a:r>
-              <a:rPr lang="en-US" b="1" dirty="0"/>
-              <a:t>concluded</a:t>
-            </a:r>
-            <a:r>
-              <a:rPr lang="en-US" dirty="0"/>
-              <a:t> round up all the emitted events into a list</a:t>
+              <a:t>This is your basic transform operator</a:t>
             </a:r>
           </a:p>
         </p:txBody>
@@ -3981,7 +4597,7 @@
     </p:spTree>
     <p:extLst>
       <p:ext uri="{BB962C8B-B14F-4D97-AF65-F5344CB8AC3E}">
-        <p14:creationId xmlns:p14="http://schemas.microsoft.com/office/powerpoint/2010/main" val="2237915528"/>
+        <p14:creationId xmlns:p14="http://schemas.microsoft.com/office/powerpoint/2010/main" val="4040917862"/>
       </p:ext>
     </p:extLst>
   </p:cSld>
@@ -4035,13 +4651,22 @@
           <a:bodyPr/>
           <a:lstStyle/>
           <a:p>
-            <a:pPr>
+            <a:pPr marL="0" marR="0" lvl="0" indent="0" algn="l" defTabSz="914400" rtl="0" eaLnBrk="1" fontAlgn="auto" latinLnBrk="0" hangingPunct="1">
               <a:lnSpc>
-                <a:spcPct val="107000"/>
+                <a:spcPct val="100000"/>
               </a:lnSpc>
+              <a:spcBef>
+                <a:spcPts val="0"/>
+              </a:spcBef>
               <a:spcAft>
-                <a:spcPts val="800"/>
+                <a:spcPts val="0"/>
               </a:spcAft>
+              <a:buClrTx/>
+              <a:buSzTx/>
+              <a:buFontTx/>
+              <a:buNone/>
+              <a:tabLst/>
+              <a:defRPr/>
             </a:pPr>
             <a:r>
               <a:rPr lang="en-US" dirty="0">
@@ -4049,15 +4674,15 @@
                 <a:ea typeface="Calibri" panose="020F0502020204030204" pitchFamily="34" charset="0"/>
                 <a:cs typeface="Times New Roman" panose="02020603050405020304" pitchFamily="18" charset="0"/>
               </a:rPr>
-              <a:t>Prism </a:t>
-            </a:r>
-            <a:r>
-              <a:rPr lang="en-US" dirty="0" err="1">
+              <a:t>Now think about this same idea applied to the Observer pattern or to the pub sub model. In both models you have </a:t>
+            </a:r>
+            <a:r>
+              <a:rPr lang="en-US" b="1" dirty="0">
                 <a:latin typeface="Calibri" panose="020F0502020204030204" pitchFamily="34" charset="0"/>
                 <a:ea typeface="Calibri" panose="020F0502020204030204" pitchFamily="34" charset="0"/>
                 <a:cs typeface="Times New Roman" panose="02020603050405020304" pitchFamily="18" charset="0"/>
               </a:rPr>
-              <a:t>EventAggregator</a:t>
+              <a:t>a set of messages you </a:t>
             </a:r>
             <a:r>
               <a:rPr lang="en-US" dirty="0">
@@ -4065,8 +4690,110 @@
                 <a:ea typeface="Calibri" panose="020F0502020204030204" pitchFamily="34" charset="0"/>
                 <a:cs typeface="Times New Roman" panose="02020603050405020304" pitchFamily="18" charset="0"/>
               </a:rPr>
-              <a:t> and that overload you conveniently ignored until all your memory leaked everywhere. </a:t>
-            </a:r>
+              <a:t>want to </a:t>
+            </a:r>
+            <a:r>
+              <a:rPr lang="en-US" b="1" dirty="0">
+                <a:latin typeface="Calibri" panose="020F0502020204030204" pitchFamily="34" charset="0"/>
+                <a:ea typeface="Calibri" panose="020F0502020204030204" pitchFamily="34" charset="0"/>
+                <a:cs typeface="Times New Roman" panose="02020603050405020304" pitchFamily="18" charset="0"/>
+              </a:rPr>
+              <a:t>iterate</a:t>
+            </a:r>
+            <a:r>
+              <a:rPr lang="en-US" dirty="0">
+                <a:latin typeface="Calibri" panose="020F0502020204030204" pitchFamily="34" charset="0"/>
+                <a:ea typeface="Calibri" panose="020F0502020204030204" pitchFamily="34" charset="0"/>
+                <a:cs typeface="Times New Roman" panose="02020603050405020304" pitchFamily="18" charset="0"/>
+              </a:rPr>
+              <a:t> over the main difference is the direction of the iteration. </a:t>
+            </a:r>
+          </a:p>
+          <a:p>
+            <a:pPr marL="0" marR="0" lvl="0" indent="0" algn="l" defTabSz="914400" rtl="0" eaLnBrk="1" fontAlgn="auto" latinLnBrk="0" hangingPunct="1">
+              <a:lnSpc>
+                <a:spcPct val="100000"/>
+              </a:lnSpc>
+              <a:spcBef>
+                <a:spcPts val="0"/>
+              </a:spcBef>
+              <a:spcAft>
+                <a:spcPts val="0"/>
+              </a:spcAft>
+              <a:buClrTx/>
+              <a:buSzTx/>
+              <a:buFontTx/>
+              <a:buNone/>
+              <a:tabLst/>
+              <a:defRPr/>
+            </a:pPr>
+            <a:endParaRPr lang="en-US" dirty="0">
+              <a:latin typeface="Calibri" panose="020F0502020204030204" pitchFamily="34" charset="0"/>
+              <a:ea typeface="Calibri" panose="020F0502020204030204" pitchFamily="34" charset="0"/>
+              <a:cs typeface="Times New Roman" panose="02020603050405020304" pitchFamily="18" charset="0"/>
+            </a:endParaRPr>
+          </a:p>
+          <a:p>
+            <a:pPr marL="0" marR="0" lvl="0" indent="0" algn="l" defTabSz="914400" rtl="0" eaLnBrk="1" fontAlgn="auto" latinLnBrk="0" hangingPunct="1">
+              <a:lnSpc>
+                <a:spcPct val="100000"/>
+              </a:lnSpc>
+              <a:spcBef>
+                <a:spcPts val="0"/>
+              </a:spcBef>
+              <a:spcAft>
+                <a:spcPts val="0"/>
+              </a:spcAft>
+              <a:buClrTx/>
+              <a:buSzTx/>
+              <a:buFontTx/>
+              <a:buNone/>
+              <a:tabLst/>
+              <a:defRPr/>
+            </a:pPr>
+            <a:r>
+              <a:rPr lang="en-US" dirty="0">
+                <a:latin typeface="Calibri" panose="020F0502020204030204" pitchFamily="34" charset="0"/>
+                <a:ea typeface="Calibri" panose="020F0502020204030204" pitchFamily="34" charset="0"/>
+                <a:cs typeface="Times New Roman" panose="02020603050405020304" pitchFamily="18" charset="0"/>
+              </a:rPr>
+              <a:t>With the </a:t>
+            </a:r>
+            <a:r>
+              <a:rPr lang="en-US" b="1" dirty="0">
+                <a:latin typeface="Calibri" panose="020F0502020204030204" pitchFamily="34" charset="0"/>
+                <a:ea typeface="Calibri" panose="020F0502020204030204" pitchFamily="34" charset="0"/>
+                <a:cs typeface="Times New Roman" panose="02020603050405020304" pitchFamily="18" charset="0"/>
+              </a:rPr>
+              <a:t>observer pattern the producer controls </a:t>
+            </a:r>
+            <a:r>
+              <a:rPr lang="en-US" dirty="0">
+                <a:latin typeface="Calibri" panose="020F0502020204030204" pitchFamily="34" charset="0"/>
+                <a:ea typeface="Calibri" panose="020F0502020204030204" pitchFamily="34" charset="0"/>
+                <a:cs typeface="Times New Roman" panose="02020603050405020304" pitchFamily="18" charset="0"/>
+              </a:rPr>
+              <a:t>the iteration whereas </a:t>
+            </a:r>
+            <a:r>
+              <a:rPr lang="en-US" b="1" dirty="0">
+                <a:latin typeface="Calibri" panose="020F0502020204030204" pitchFamily="34" charset="0"/>
+                <a:ea typeface="Calibri" panose="020F0502020204030204" pitchFamily="34" charset="0"/>
+                <a:cs typeface="Times New Roman" panose="02020603050405020304" pitchFamily="18" charset="0"/>
+              </a:rPr>
+              <a:t>with the iterator pattern you control it</a:t>
+            </a:r>
+            <a:r>
+              <a:rPr lang="en-US" dirty="0">
+                <a:latin typeface="Calibri" panose="020F0502020204030204" pitchFamily="34" charset="0"/>
+                <a:ea typeface="Calibri" panose="020F0502020204030204" pitchFamily="34" charset="0"/>
+                <a:cs typeface="Times New Roman" panose="02020603050405020304" pitchFamily="18" charset="0"/>
+              </a:rPr>
+              <a:t>.  One extension that Reactive brings to the equation of the Observer pattern is the idea of declaratively stating when you’re done. </a:t>
+            </a:r>
+            <a:endParaRPr lang="en-US" dirty="0"/>
+          </a:p>
+          <a:p>
             <a:endParaRPr lang="en-US" dirty="0"/>
           </a:p>
         </p:txBody>
@@ -4097,7 +4824,7 @@
     </p:spTree>
     <p:extLst>
       <p:ext uri="{BB962C8B-B14F-4D97-AF65-F5344CB8AC3E}">
-        <p14:creationId xmlns:p14="http://schemas.microsoft.com/office/powerpoint/2010/main" val="2046236404"/>
+        <p14:creationId xmlns:p14="http://schemas.microsoft.com/office/powerpoint/2010/main" val="2093736814"/>
       </p:ext>
     </p:extLst>
   </p:cSld>
@@ -4543,7 +5270,7 @@
             </a:ln>
             <a:extLst>
               <a:ext uri="{91240B29-F687-4f45-9708-019B960494DF}">
-                <a14:hiddenLine xmlns="" xmlns:a14="http://schemas.microsoft.com/office/drawing/2010/main" w="9525">
+                <a14:hiddenLine xmlns:a14="http://schemas.microsoft.com/office/drawing/2010/main" xmlns="" w="9525">
                   <a:solidFill>
                     <a:srgbClr val="000000"/>
                   </a:solidFill>
@@ -4740,7 +5467,7 @@
           <a:p>
             <a:fld id="{837A2B02-7409-40FB-8AE3-73E6A090FF21}" type="datetimeFigureOut">
               <a:rPr lang="en-US" smtClean="0"/>
-              <a:t>11/17/2017</a:t>
+              <a:t>3/11/2018</a:t>
             </a:fld>
             <a:endParaRPr lang="en-US"/>
           </a:p>
@@ -5624,7 +6351,7 @@
             </a:ln>
             <a:extLst>
               <a:ext uri="{91240B29-F687-4f45-9708-019B960494DF}">
-                <a14:hiddenLine xmlns="" xmlns:a14="http://schemas.microsoft.com/office/drawing/2010/main" w="9525">
+                <a14:hiddenLine xmlns:a14="http://schemas.microsoft.com/office/drawing/2010/main" xmlns="" w="9525">
                   <a:solidFill>
                     <a:srgbClr val="000000"/>
                   </a:solidFill>
@@ -5841,7 +6568,7 @@
           <a:p>
             <a:fld id="{837A2B02-7409-40FB-8AE3-73E6A090FF21}" type="datetimeFigureOut">
               <a:rPr lang="en-US" smtClean="0"/>
-              <a:t>11/17/2017</a:t>
+              <a:t>3/11/2018</a:t>
             </a:fld>
             <a:endParaRPr lang="en-US"/>
           </a:p>
@@ -6710,7 +7437,7 @@
             </a:ln>
             <a:extLst>
               <a:ext uri="{91240B29-F687-4f45-9708-019B960494DF}">
-                <a14:hiddenLine xmlns="" xmlns:a14="http://schemas.microsoft.com/office/drawing/2010/main" w="9525">
+                <a14:hiddenLine xmlns:a14="http://schemas.microsoft.com/office/drawing/2010/main" xmlns="" w="9525">
                   <a:solidFill>
                     <a:srgbClr val="000000"/>
                   </a:solidFill>
@@ -6839,7 +7566,7 @@
           <a:p>
             <a:fld id="{837A2B02-7409-40FB-8AE3-73E6A090FF21}" type="datetimeFigureOut">
               <a:rPr lang="en-US" smtClean="0"/>
-              <a:t>11/17/2017</a:t>
+              <a:t>3/11/2018</a:t>
             </a:fld>
             <a:endParaRPr lang="en-US"/>
           </a:p>
@@ -7671,7 +8398,7 @@
             </a:ln>
             <a:extLst>
               <a:ext uri="{91240B29-F687-4f45-9708-019B960494DF}">
-                <a14:hiddenLine xmlns="" xmlns:a14="http://schemas.microsoft.com/office/drawing/2010/main" w="9525">
+                <a14:hiddenLine xmlns:a14="http://schemas.microsoft.com/office/drawing/2010/main" xmlns="" w="9525">
                   <a:solidFill>
                     <a:srgbClr val="000000"/>
                   </a:solidFill>
@@ -7954,7 +8681,7 @@
           <a:p>
             <a:fld id="{837A2B02-7409-40FB-8AE3-73E6A090FF21}" type="datetimeFigureOut">
               <a:rPr lang="en-US" smtClean="0"/>
-              <a:t>11/17/2017</a:t>
+              <a:t>3/11/2018</a:t>
             </a:fld>
             <a:endParaRPr lang="en-US"/>
           </a:p>
@@ -8786,7 +9513,7 @@
             </a:ln>
             <a:extLst>
               <a:ext uri="{91240B29-F687-4f45-9708-019B960494DF}">
-                <a14:hiddenLine xmlns="" xmlns:a14="http://schemas.microsoft.com/office/drawing/2010/main" w="9525">
+                <a14:hiddenLine xmlns:a14="http://schemas.microsoft.com/office/drawing/2010/main" xmlns="" w="9525">
                   <a:solidFill>
                     <a:srgbClr val="000000"/>
                   </a:solidFill>
@@ -8968,7 +9695,7 @@
           <a:p>
             <a:fld id="{837A2B02-7409-40FB-8AE3-73E6A090FF21}" type="datetimeFigureOut">
               <a:rPr lang="en-US" smtClean="0"/>
-              <a:t>11/17/2017</a:t>
+              <a:t>3/11/2018</a:t>
             </a:fld>
             <a:endParaRPr lang="en-US"/>
           </a:p>
@@ -9640,7 +10367,7 @@
           <a:p>
             <a:fld id="{837A2B02-7409-40FB-8AE3-73E6A090FF21}" type="datetimeFigureOut">
               <a:rPr lang="en-US" smtClean="0"/>
-              <a:t>11/17/2017</a:t>
+              <a:t>3/11/2018</a:t>
             </a:fld>
             <a:endParaRPr lang="en-US"/>
           </a:p>
@@ -10513,7 +11240,7 @@
           <a:p>
             <a:fld id="{837A2B02-7409-40FB-8AE3-73E6A090FF21}" type="datetimeFigureOut">
               <a:rPr lang="en-US" smtClean="0"/>
-              <a:t>11/17/2017</a:t>
+              <a:t>3/11/2018</a:t>
             </a:fld>
             <a:endParaRPr lang="en-US"/>
           </a:p>
@@ -10700,7 +11427,7 @@
           <a:p>
             <a:fld id="{837A2B02-7409-40FB-8AE3-73E6A090FF21}" type="datetimeFigureOut">
               <a:rPr lang="en-US" smtClean="0"/>
-              <a:t>11/17/2017</a:t>
+              <a:t>3/11/2018</a:t>
             </a:fld>
             <a:endParaRPr lang="en-US"/>
           </a:p>
@@ -11535,7 +12262,7 @@
           </a:ln>
           <a:extLst>
             <a:ext uri="{91240B29-F687-4f45-9708-019B960494DF}">
-              <a14:hiddenLine xmlns="" xmlns:a14="http://schemas.microsoft.com/office/drawing/2010/main" w="9525">
+              <a14:hiddenLine xmlns:a14="http://schemas.microsoft.com/office/drawing/2010/main" xmlns="" w="9525">
                 <a:solidFill>
                   <a:srgbClr val="000000"/>
                 </a:solidFill>
@@ -11649,7 +12376,7 @@
           <a:p>
             <a:fld id="{837A2B02-7409-40FB-8AE3-73E6A090FF21}" type="datetimeFigureOut">
               <a:rPr lang="en-US" smtClean="0"/>
-              <a:t>11/17/2017</a:t>
+              <a:t>3/11/2018</a:t>
             </a:fld>
             <a:endParaRPr lang="en-US"/>
           </a:p>
@@ -11910,7 +12637,7 @@
           <a:p>
             <a:fld id="{099D5864-85AC-4D1D-9A2C-1A0380C4B4CE}" type="datetimeFigureOut">
               <a:rPr lang="en-US" smtClean="0"/>
-              <a:t>11/17/2017</a:t>
+              <a:t>3/11/2018</a:t>
             </a:fld>
             <a:endParaRPr lang="en-US"/>
           </a:p>
@@ -12108,7 +12835,7 @@
           <a:p>
             <a:fld id="{099D5864-85AC-4D1D-9A2C-1A0380C4B4CE}" type="datetimeFigureOut">
               <a:rPr lang="en-US" smtClean="0"/>
-              <a:t>11/17/2017</a:t>
+              <a:t>3/11/2018</a:t>
             </a:fld>
             <a:endParaRPr lang="en-US"/>
           </a:p>
@@ -12299,7 +13026,7 @@
           <a:p>
             <a:fld id="{837A2B02-7409-40FB-8AE3-73E6A090FF21}" type="datetimeFigureOut">
               <a:rPr lang="en-US" smtClean="0"/>
-              <a:t>11/17/2017</a:t>
+              <a:t>3/11/2018</a:t>
             </a:fld>
             <a:endParaRPr lang="en-US"/>
           </a:p>
@@ -12574,7 +13301,7 @@
           <a:p>
             <a:fld id="{099D5864-85AC-4D1D-9A2C-1A0380C4B4CE}" type="datetimeFigureOut">
               <a:rPr lang="en-US" smtClean="0"/>
-              <a:t>11/17/2017</a:t>
+              <a:t>3/11/2018</a:t>
             </a:fld>
             <a:endParaRPr lang="en-US"/>
           </a:p>
@@ -12839,7 +13566,7 @@
           <a:p>
             <a:fld id="{099D5864-85AC-4D1D-9A2C-1A0380C4B4CE}" type="datetimeFigureOut">
               <a:rPr lang="en-US" smtClean="0"/>
-              <a:t>11/17/2017</a:t>
+              <a:t>3/11/2018</a:t>
             </a:fld>
             <a:endParaRPr lang="en-US"/>
           </a:p>
@@ -13251,7 +13978,7 @@
           <a:p>
             <a:fld id="{099D5864-85AC-4D1D-9A2C-1A0380C4B4CE}" type="datetimeFigureOut">
               <a:rPr lang="en-US" smtClean="0"/>
-              <a:t>11/17/2017</a:t>
+              <a:t>3/11/2018</a:t>
             </a:fld>
             <a:endParaRPr lang="en-US"/>
           </a:p>
@@ -13392,7 +14119,7 @@
           <a:p>
             <a:fld id="{099D5864-85AC-4D1D-9A2C-1A0380C4B4CE}" type="datetimeFigureOut">
               <a:rPr lang="en-US" smtClean="0"/>
-              <a:t>11/17/2017</a:t>
+              <a:t>3/11/2018</a:t>
             </a:fld>
             <a:endParaRPr lang="en-US"/>
           </a:p>
@@ -13505,7 +14232,7 @@
           <a:p>
             <a:fld id="{099D5864-85AC-4D1D-9A2C-1A0380C4B4CE}" type="datetimeFigureOut">
               <a:rPr lang="en-US" smtClean="0"/>
-              <a:t>11/17/2017</a:t>
+              <a:t>3/11/2018</a:t>
             </a:fld>
             <a:endParaRPr lang="en-US"/>
           </a:p>
@@ -13816,7 +14543,7 @@
           <a:p>
             <a:fld id="{099D5864-85AC-4D1D-9A2C-1A0380C4B4CE}" type="datetimeFigureOut">
               <a:rPr lang="en-US" smtClean="0"/>
-              <a:t>11/17/2017</a:t>
+              <a:t>3/11/2018</a:t>
             </a:fld>
             <a:endParaRPr lang="en-US"/>
           </a:p>
@@ -14104,7 +14831,7 @@
           <a:p>
             <a:fld id="{099D5864-85AC-4D1D-9A2C-1A0380C4B4CE}" type="datetimeFigureOut">
               <a:rPr lang="en-US" smtClean="0"/>
-              <a:t>11/17/2017</a:t>
+              <a:t>3/11/2018</a:t>
             </a:fld>
             <a:endParaRPr lang="en-US"/>
           </a:p>
@@ -14302,7 +15029,7 @@
           <a:p>
             <a:fld id="{099D5864-85AC-4D1D-9A2C-1A0380C4B4CE}" type="datetimeFigureOut">
               <a:rPr lang="en-US" smtClean="0"/>
-              <a:t>11/17/2017</a:t>
+              <a:t>3/11/2018</a:t>
             </a:fld>
             <a:endParaRPr lang="en-US"/>
           </a:p>
@@ -14510,7 +15237,7 @@
           <a:p>
             <a:fld id="{099D5864-85AC-4D1D-9A2C-1A0380C4B4CE}" type="datetimeFigureOut">
               <a:rPr lang="en-US" smtClean="0"/>
-              <a:t>11/17/2017</a:t>
+              <a:t>3/11/2018</a:t>
             </a:fld>
             <a:endParaRPr lang="en-US"/>
           </a:p>
@@ -15339,7 +16066,7 @@
             </a:ln>
             <a:extLst>
               <a:ext uri="{91240B29-F687-4f45-9708-019B960494DF}">
-                <a14:hiddenLine xmlns="" xmlns:a14="http://schemas.microsoft.com/office/drawing/2010/main" w="9525">
+                <a14:hiddenLine xmlns:a14="http://schemas.microsoft.com/office/drawing/2010/main" xmlns="" w="9525">
                   <a:solidFill>
                     <a:srgbClr val="000000"/>
                   </a:solidFill>
@@ -15521,7 +16248,7 @@
           <a:p>
             <a:fld id="{837A2B02-7409-40FB-8AE3-73E6A090FF21}" type="datetimeFigureOut">
               <a:rPr lang="en-US" smtClean="0"/>
-              <a:t>11/17/2017</a:t>
+              <a:t>3/11/2018</a:t>
             </a:fld>
             <a:endParaRPr lang="en-US"/>
           </a:p>
@@ -15805,7 +16532,7 @@
           <a:p>
             <a:fld id="{837A2B02-7409-40FB-8AE3-73E6A090FF21}" type="datetimeFigureOut">
               <a:rPr lang="en-US" smtClean="0"/>
-              <a:t>11/17/2017</a:t>
+              <a:t>3/11/2018</a:t>
             </a:fld>
             <a:endParaRPr lang="en-US"/>
           </a:p>
@@ -16205,7 +16932,7 @@
           <a:p>
             <a:fld id="{837A2B02-7409-40FB-8AE3-73E6A090FF21}" type="datetimeFigureOut">
               <a:rPr lang="en-US" smtClean="0"/>
-              <a:t>11/17/2017</a:t>
+              <a:t>3/11/2018</a:t>
             </a:fld>
             <a:endParaRPr lang="en-US"/>
           </a:p>
@@ -16335,7 +17062,7 @@
           <a:p>
             <a:fld id="{837A2B02-7409-40FB-8AE3-73E6A090FF21}" type="datetimeFigureOut">
               <a:rPr lang="en-US" smtClean="0"/>
-              <a:t>11/17/2017</a:t>
+              <a:t>3/11/2018</a:t>
             </a:fld>
             <a:endParaRPr lang="en-US"/>
           </a:p>
@@ -16478,7 +17205,7 @@
           <a:p>
             <a:fld id="{837A2B02-7409-40FB-8AE3-73E6A090FF21}" type="datetimeFigureOut">
               <a:rPr lang="en-US" smtClean="0"/>
-              <a:t>11/17/2017</a:t>
+              <a:t>3/11/2018</a:t>
             </a:fld>
             <a:endParaRPr lang="en-US"/>
           </a:p>
@@ -17307,7 +18034,7 @@
             </a:ln>
             <a:extLst>
               <a:ext uri="{91240B29-F687-4f45-9708-019B960494DF}">
-                <a14:hiddenLine xmlns="" xmlns:a14="http://schemas.microsoft.com/office/drawing/2010/main" w="9525">
+                <a14:hiddenLine xmlns:a14="http://schemas.microsoft.com/office/drawing/2010/main" xmlns="" w="9525">
                   <a:solidFill>
                     <a:srgbClr val="000000"/>
                   </a:solidFill>
@@ -17500,7 +18227,7 @@
           <a:p>
             <a:fld id="{837A2B02-7409-40FB-8AE3-73E6A090FF21}" type="datetimeFigureOut">
               <a:rPr lang="en-US" smtClean="0"/>
-              <a:t>11/17/2017</a:t>
+              <a:t>3/11/2018</a:t>
             </a:fld>
             <a:endParaRPr lang="en-US"/>
           </a:p>
@@ -18365,7 +19092,7 @@
             </a:ln>
             <a:extLst>
               <a:ext uri="{91240B29-F687-4f45-9708-019B960494DF}">
-                <a14:hiddenLine xmlns="" xmlns:a14="http://schemas.microsoft.com/office/drawing/2010/main" w="9525">
+                <a14:hiddenLine xmlns:a14="http://schemas.microsoft.com/office/drawing/2010/main" xmlns="" w="9525">
                   <a:solidFill>
                     <a:srgbClr val="000000"/>
                   </a:solidFill>
@@ -18582,7 +19309,7 @@
           <a:p>
             <a:fld id="{837A2B02-7409-40FB-8AE3-73E6A090FF21}" type="datetimeFigureOut">
               <a:rPr lang="en-US" smtClean="0"/>
-              <a:t>11/17/2017</a:t>
+              <a:t>3/11/2018</a:t>
             </a:fld>
             <a:endParaRPr lang="en-US"/>
           </a:p>
@@ -19415,7 +20142,7 @@
             </a:ln>
             <a:extLst>
               <a:ext uri="{91240B29-F687-4f45-9708-019B960494DF}">
-                <a14:hiddenLine xmlns="" xmlns:a14="http://schemas.microsoft.com/office/drawing/2010/main" w="9525">
+                <a14:hiddenLine xmlns:a14="http://schemas.microsoft.com/office/drawing/2010/main" xmlns="" w="9525">
                   <a:solidFill>
                     <a:srgbClr val="000000"/>
                   </a:solidFill>
@@ -19556,7 +20283,7 @@
           <a:p>
             <a:fld id="{837A2B02-7409-40FB-8AE3-73E6A090FF21}" type="datetimeFigureOut">
               <a:rPr lang="en-US" smtClean="0"/>
-              <a:t>11/17/2017</a:t>
+              <a:t>3/11/2018</a:t>
             </a:fld>
             <a:endParaRPr lang="en-US"/>
           </a:p>
@@ -20266,7 +20993,7 @@
           <a:p>
             <a:fld id="{099D5864-85AC-4D1D-9A2C-1A0380C4B4CE}" type="datetimeFigureOut">
               <a:rPr lang="en-US" smtClean="0"/>
-              <a:t>11/17/2017</a:t>
+              <a:t>3/11/2018</a:t>
             </a:fld>
             <a:endParaRPr lang="en-US"/>
           </a:p>
@@ -20683,512 +21410,97 @@
           <a:chExt cx="0" cy="0"/>
         </a:xfrm>
       </p:grpSpPr>
-      <p:pic>
-        <p:nvPicPr>
-          <p:cNvPr id="6" name="Picture 2" descr="C:\Users\CHRISW~1\AppData\Local\Temp\SNAGHTML16d0cd3d.PNG">
+      <p:sp>
+        <p:nvSpPr>
+          <p:cNvPr id="2" name="Title 1">
             <a:extLst>
               <a:ext uri="{FF2B5EF4-FFF2-40B4-BE49-F238E27FC236}">
-                <a16:creationId xmlns:a16="http://schemas.microsoft.com/office/drawing/2014/main" id="{BDD4328C-F1AB-42C3-9D1F-682024744A21}"/>
+                <a16:creationId xmlns:a16="http://schemas.microsoft.com/office/drawing/2014/main" id="{7E940219-A523-4DDF-B5AB-17DE44AB8092}"/>
               </a:ext>
             </a:extLst>
           </p:cNvPr>
-          <p:cNvPicPr>
-            <a:picLocks noChangeAspect="1" noChangeArrowheads="1"/>
-          </p:cNvPicPr>
-          <p:nvPr/>
-        </p:nvPicPr>
-        <p:blipFill>
-          <a:blip r:embed="rId3">
-            <a:extLst>
-              <a:ext uri="{28A0092B-C50C-407E-A947-70E740481C1C}">
-                <a14:useLocalDpi xmlns:a14="http://schemas.microsoft.com/office/drawing/2010/main" val="0"/>
-              </a:ext>
-            </a:extLst>
-          </a:blip>
-          <a:srcRect/>
-          <a:stretch>
-            <a:fillRect/>
-          </a:stretch>
-        </p:blipFill>
-        <p:spPr bwMode="auto">
-          <a:xfrm>
-            <a:off x="0" y="0"/>
-            <a:ext cx="6858000" cy="5143499"/>
-          </a:xfrm>
-          <a:prstGeom prst="rect">
-            <a:avLst/>
-          </a:prstGeom>
-          <a:noFill/>
-          <a:extLst>
-            <a:ext uri="{909E8E84-426E-40DD-AFC4-6F175D3DCCD1}">
-              <a14:hiddenFill xmlns:a14="http://schemas.microsoft.com/office/drawing/2010/main">
-                <a:solidFill>
-                  <a:srgbClr val="FFFFFF"/>
-                </a:solidFill>
-              </a14:hiddenFill>
-            </a:ext>
-          </a:extLst>
-        </p:spPr>
-      </p:pic>
-      <p:pic>
-        <p:nvPicPr>
-          <p:cNvPr id="7" name="Picture 6">
+          <p:cNvSpPr>
+            <a:spLocks noGrp="1"/>
+          </p:cNvSpPr>
+          <p:nvPr>
+            <p:ph type="title"/>
+          </p:nvPr>
+        </p:nvSpPr>
+        <p:spPr/>
+        <p:txBody>
+          <a:bodyPr/>
+          <a:lstStyle/>
+          <a:p>
+            <a:r>
+              <a:rPr lang="en-US" dirty="0"/>
+              <a:t>About me</a:t>
+            </a:r>
+          </a:p>
+        </p:txBody>
+      </p:sp>
+      <p:sp>
+        <p:nvSpPr>
+          <p:cNvPr id="3" name="Content Placeholder 2">
             <a:extLst>
               <a:ext uri="{FF2B5EF4-FFF2-40B4-BE49-F238E27FC236}">
-                <a16:creationId xmlns:a16="http://schemas.microsoft.com/office/drawing/2014/main" id="{3FDCE38D-400C-4FBC-8C65-1396BC7EE21E}"/>
+                <a16:creationId xmlns:a16="http://schemas.microsoft.com/office/drawing/2014/main" id="{D7532444-18B2-4038-8929-C19359541C1E}"/>
               </a:ext>
             </a:extLst>
           </p:cNvPr>
-          <p:cNvPicPr>
-            <a:picLocks noChangeAspect="1"/>
-          </p:cNvPicPr>
-          <p:nvPr/>
-        </p:nvPicPr>
-        <p:blipFill>
-          <a:blip r:embed="rId4" cstate="print">
-            <a:extLst>
-              <a:ext uri="{28A0092B-C50C-407E-A947-70E740481C1C}">
-                <a14:useLocalDpi xmlns:a14="http://schemas.microsoft.com/office/drawing/2010/main" val="0"/>
-              </a:ext>
-            </a:extLst>
-          </a:blip>
-          <a:stretch>
-            <a:fillRect/>
-          </a:stretch>
-        </p:blipFill>
-        <p:spPr>
-          <a:xfrm>
-            <a:off x="4120290" y="342216"/>
-            <a:ext cx="2231971" cy="1117379"/>
-          </a:xfrm>
-          <a:prstGeom prst="rect">
-            <a:avLst/>
-          </a:prstGeom>
-        </p:spPr>
-      </p:pic>
-      <p:sp>
-        <p:nvSpPr>
-          <p:cNvPr id="8" name="TextBox 7">
-            <a:extLst>
-              <a:ext uri="{FF2B5EF4-FFF2-40B4-BE49-F238E27FC236}">
-                <a16:creationId xmlns:a16="http://schemas.microsoft.com/office/drawing/2014/main" id="{667F4FD6-9C2D-4365-9CC4-20EE85F37F34}"/>
-              </a:ext>
-            </a:extLst>
-          </p:cNvPr>
-          <p:cNvSpPr txBox="1"/>
-          <p:nvPr/>
-        </p:nvSpPr>
-        <p:spPr>
-          <a:xfrm>
-            <a:off x="0" y="1650030"/>
-            <a:ext cx="6858000" cy="561692"/>
-          </a:xfrm>
-          <a:prstGeom prst="rect">
-            <a:avLst/>
-          </a:prstGeom>
-          <a:noFill/>
-        </p:spPr>
-        <p:txBody>
-          <a:bodyPr wrap="square" lIns="68580" tIns="34290" rIns="68580" bIns="34290" rtlCol="0">
-            <a:spAutoFit/>
-          </a:bodyPr>
+          <p:cNvSpPr>
+            <a:spLocks noGrp="1"/>
+          </p:cNvSpPr>
+          <p:nvPr>
+            <p:ph idx="1"/>
+          </p:nvPr>
+        </p:nvSpPr>
+        <p:spPr/>
+        <p:txBody>
+          <a:bodyPr/>
           <a:lstStyle/>
           <a:p>
-            <a:pPr algn="ctr"/>
-            <a:r>
-              <a:rPr lang="en-US" sz="3200" b="1" dirty="0">
-                <a:latin typeface="Segoe UI Light" panose="020B0502040204020203" pitchFamily="34" charset="0"/>
-                <a:cs typeface="Segoe UI Light" panose="020B0502040204020203" pitchFamily="34" charset="0"/>
+            <a:r>
+              <a:rPr lang="en-US" dirty="0"/>
+              <a:t>Xamarin Forms Developer at Microsoft</a:t>
+            </a:r>
+          </a:p>
+          <a:p>
+            <a:r>
+              <a:rPr lang="en-US" dirty="0">
+                <a:hlinkClick r:id="rId3"/>
               </a:rPr>
-              <a:t>Denver Dev Day – November 17, 2017</a:t>
-            </a:r>
-          </a:p>
-        </p:txBody>
-      </p:sp>
-      <p:pic>
-        <p:nvPicPr>
-          <p:cNvPr id="9" name="Picture 8">
-            <a:extLst>
-              <a:ext uri="{FF2B5EF4-FFF2-40B4-BE49-F238E27FC236}">
-                <a16:creationId xmlns:a16="http://schemas.microsoft.com/office/drawing/2014/main" id="{EF3A9B6A-F7AD-4B5C-ABFB-D20024B473EB}"/>
-              </a:ext>
-            </a:extLst>
-          </p:cNvPr>
-          <p:cNvPicPr>
-            <a:picLocks noChangeAspect="1"/>
-          </p:cNvPicPr>
-          <p:nvPr/>
-        </p:nvPicPr>
-        <p:blipFill>
-          <a:blip r:embed="rId5" cstate="print">
-            <a:extLst>
-              <a:ext uri="{28A0092B-C50C-407E-A947-70E740481C1C}">
-                <a14:useLocalDpi xmlns:a14="http://schemas.microsoft.com/office/drawing/2010/main" val="0"/>
-              </a:ext>
-            </a:extLst>
-          </a:blip>
-          <a:stretch>
-            <a:fillRect/>
-          </a:stretch>
-        </p:blipFill>
-        <p:spPr>
-          <a:xfrm>
-            <a:off x="656444" y="2074830"/>
-            <a:ext cx="2765160" cy="1017147"/>
-          </a:xfrm>
-          <a:prstGeom prst="rect">
-            <a:avLst/>
-          </a:prstGeom>
-        </p:spPr>
-      </p:pic>
-      <p:sp>
-        <p:nvSpPr>
-          <p:cNvPr id="10" name="TextBox 9">
-            <a:extLst>
-              <a:ext uri="{FF2B5EF4-FFF2-40B4-BE49-F238E27FC236}">
-                <a16:creationId xmlns:a16="http://schemas.microsoft.com/office/drawing/2014/main" id="{E20A12A9-EF3B-4686-949D-9E800E0BF620}"/>
-              </a:ext>
-            </a:extLst>
-          </p:cNvPr>
-          <p:cNvSpPr txBox="1"/>
-          <p:nvPr/>
-        </p:nvSpPr>
-        <p:spPr>
-          <a:xfrm>
-            <a:off x="164575" y="267450"/>
-            <a:ext cx="2227490" cy="438582"/>
-          </a:xfrm>
-          <a:prstGeom prst="rect">
-            <a:avLst/>
-          </a:prstGeom>
-          <a:noFill/>
-        </p:spPr>
-        <p:txBody>
-          <a:bodyPr wrap="square" lIns="68580" tIns="34290" rIns="68580" bIns="34290" rtlCol="0">
-            <a:spAutoFit/>
-          </a:bodyPr>
-          <a:lstStyle/>
-          <a:p>
-            <a:r>
-              <a:rPr lang="en-US" sz="2400" b="1" dirty="0">
-                <a:latin typeface="Segoe UI Light" panose="020B0502040204020203" pitchFamily="34" charset="0"/>
-                <a:cs typeface="Segoe UI Light" panose="020B0502040204020203" pitchFamily="34" charset="0"/>
-              </a:rPr>
-              <a:t>w e l c o m e</a:t>
-            </a:r>
-          </a:p>
-        </p:txBody>
-      </p:sp>
-      <p:pic>
-        <p:nvPicPr>
-          <p:cNvPr id="11" name="Picture 10">
-            <a:extLst>
-              <a:ext uri="{FF2B5EF4-FFF2-40B4-BE49-F238E27FC236}">
-                <a16:creationId xmlns:a16="http://schemas.microsoft.com/office/drawing/2014/main" id="{41735230-FDCB-4AD5-BF8A-3E5A2525E5EA}"/>
-              </a:ext>
-            </a:extLst>
-          </p:cNvPr>
-          <p:cNvPicPr>
-            <a:picLocks noChangeAspect="1"/>
-          </p:cNvPicPr>
-          <p:nvPr/>
-        </p:nvPicPr>
-        <p:blipFill>
-          <a:blip r:embed="rId6"/>
-          <a:stretch>
-            <a:fillRect/>
-          </a:stretch>
-        </p:blipFill>
-        <p:spPr>
-          <a:xfrm>
-            <a:off x="282728" y="3871949"/>
-            <a:ext cx="1548938" cy="327017"/>
-          </a:xfrm>
-          <a:prstGeom prst="rect">
-            <a:avLst/>
-          </a:prstGeom>
-        </p:spPr>
-      </p:pic>
-      <p:pic>
-        <p:nvPicPr>
-          <p:cNvPr id="12" name="Picture 11">
-            <a:extLst>
-              <a:ext uri="{FF2B5EF4-FFF2-40B4-BE49-F238E27FC236}">
-                <a16:creationId xmlns:a16="http://schemas.microsoft.com/office/drawing/2014/main" id="{E1434D6F-45D8-4B19-BC7A-D8C1CCC2FAD6}"/>
-              </a:ext>
-            </a:extLst>
-          </p:cNvPr>
-          <p:cNvPicPr>
-            <a:picLocks noChangeAspect="1"/>
-          </p:cNvPicPr>
-          <p:nvPr/>
-        </p:nvPicPr>
-        <p:blipFill>
-          <a:blip r:embed="rId7"/>
-          <a:stretch>
-            <a:fillRect/>
-          </a:stretch>
-        </p:blipFill>
-        <p:spPr>
-          <a:xfrm>
-            <a:off x="285667" y="3282511"/>
-            <a:ext cx="1543061" cy="361953"/>
-          </a:xfrm>
-          <a:prstGeom prst="rect">
-            <a:avLst/>
-          </a:prstGeom>
-        </p:spPr>
-      </p:pic>
-      <p:pic>
-        <p:nvPicPr>
-          <p:cNvPr id="13" name="Picture 12" descr="C:\CAW\DVSUG\WebSiteInfo\Images\Oz-Code.png">
-            <a:extLst>
-              <a:ext uri="{FF2B5EF4-FFF2-40B4-BE49-F238E27FC236}">
-                <a16:creationId xmlns:a16="http://schemas.microsoft.com/office/drawing/2014/main" id="{36F374BE-9B77-4A6F-AC6B-B0774A24BC86}"/>
-              </a:ext>
-            </a:extLst>
-          </p:cNvPr>
-          <p:cNvPicPr/>
-          <p:nvPr/>
-        </p:nvPicPr>
-        <p:blipFill>
-          <a:blip r:embed="rId8">
-            <a:extLst>
-              <a:ext uri="{28A0092B-C50C-407E-A947-70E740481C1C}">
-                <a14:useLocalDpi xmlns:a14="http://schemas.microsoft.com/office/drawing/2010/main" val="0"/>
-              </a:ext>
-            </a:extLst>
-          </a:blip>
-          <a:srcRect/>
-          <a:stretch>
-            <a:fillRect/>
-          </a:stretch>
-        </p:blipFill>
-        <p:spPr bwMode="auto">
-          <a:xfrm>
-            <a:off x="279790" y="4453595"/>
-            <a:ext cx="1548938" cy="332784"/>
-          </a:xfrm>
-          <a:prstGeom prst="rect">
-            <a:avLst/>
-          </a:prstGeom>
-          <a:noFill/>
-          <a:ln>
-            <a:noFill/>
-          </a:ln>
-        </p:spPr>
-      </p:pic>
-      <p:pic>
-        <p:nvPicPr>
-          <p:cNvPr id="14" name="Picture 13" descr="DevExpress">
-            <a:hlinkClick r:id="rId9"/>
-            <a:extLst>
-              <a:ext uri="{FF2B5EF4-FFF2-40B4-BE49-F238E27FC236}">
-                <a16:creationId xmlns:a16="http://schemas.microsoft.com/office/drawing/2014/main" id="{F3F1698C-6673-4E3C-8FEE-BAC833400A9E}"/>
-              </a:ext>
-            </a:extLst>
-          </p:cNvPr>
-          <p:cNvPicPr/>
-          <p:nvPr/>
-        </p:nvPicPr>
-        <p:blipFill>
-          <a:blip r:embed="rId10">
-            <a:extLst>
-              <a:ext uri="{28A0092B-C50C-407E-A947-70E740481C1C}">
-                <a14:useLocalDpi xmlns:a14="http://schemas.microsoft.com/office/drawing/2010/main" val="0"/>
-              </a:ext>
-            </a:extLst>
-          </a:blip>
-          <a:srcRect/>
-          <a:stretch>
-            <a:fillRect/>
-          </a:stretch>
-        </p:blipFill>
-        <p:spPr bwMode="auto">
-          <a:xfrm>
-            <a:off x="4991950" y="3825688"/>
-            <a:ext cx="1548938" cy="373114"/>
-          </a:xfrm>
-          <a:prstGeom prst="rect">
-            <a:avLst/>
-          </a:prstGeom>
-          <a:noFill/>
-          <a:ln>
-            <a:noFill/>
-          </a:ln>
-        </p:spPr>
-      </p:pic>
-      <p:pic>
-        <p:nvPicPr>
-          <p:cNvPr id="15" name="Picture 14">
-            <a:extLst>
-              <a:ext uri="{FF2B5EF4-FFF2-40B4-BE49-F238E27FC236}">
-                <a16:creationId xmlns:a16="http://schemas.microsoft.com/office/drawing/2014/main" id="{371A68F0-3156-4827-87B5-2F702F167DE7}"/>
-              </a:ext>
-            </a:extLst>
-          </p:cNvPr>
-          <p:cNvPicPr>
-            <a:picLocks noChangeAspect="1"/>
-          </p:cNvPicPr>
-          <p:nvPr/>
-        </p:nvPicPr>
-        <p:blipFill>
-          <a:blip r:embed="rId11"/>
-          <a:stretch>
-            <a:fillRect/>
-          </a:stretch>
-        </p:blipFill>
-        <p:spPr>
-          <a:xfrm>
-            <a:off x="5021045" y="4465213"/>
-            <a:ext cx="1557165" cy="323072"/>
-          </a:xfrm>
-          <a:prstGeom prst="rect">
-            <a:avLst/>
-          </a:prstGeom>
-        </p:spPr>
-      </p:pic>
-      <p:pic>
-        <p:nvPicPr>
-          <p:cNvPr id="20" name="Picture 19">
-            <a:extLst>
-              <a:ext uri="{FF2B5EF4-FFF2-40B4-BE49-F238E27FC236}">
-                <a16:creationId xmlns:a16="http://schemas.microsoft.com/office/drawing/2014/main" id="{3E14AD5E-F519-4478-8FE2-BC37C7A6D2E7}"/>
-              </a:ext>
-            </a:extLst>
-          </p:cNvPr>
-          <p:cNvPicPr>
-            <a:picLocks noChangeAspect="1"/>
-          </p:cNvPicPr>
-          <p:nvPr/>
-        </p:nvPicPr>
-        <p:blipFill>
-          <a:blip r:embed="rId12"/>
-          <a:stretch>
-            <a:fillRect/>
-          </a:stretch>
-        </p:blipFill>
-        <p:spPr>
-          <a:xfrm>
-            <a:off x="2839232" y="3279350"/>
-            <a:ext cx="1186062" cy="579239"/>
-          </a:xfrm>
-          <a:prstGeom prst="rect">
-            <a:avLst/>
-          </a:prstGeom>
-        </p:spPr>
-      </p:pic>
-      <p:pic>
-        <p:nvPicPr>
-          <p:cNvPr id="21" name="Picture 20">
-            <a:extLst>
-              <a:ext uri="{FF2B5EF4-FFF2-40B4-BE49-F238E27FC236}">
-                <a16:creationId xmlns:a16="http://schemas.microsoft.com/office/drawing/2014/main" id="{525F5258-FB78-4A9F-A18B-7C57EE7D5EC6}"/>
-              </a:ext>
-            </a:extLst>
-          </p:cNvPr>
-          <p:cNvPicPr>
-            <a:picLocks noChangeAspect="1"/>
-          </p:cNvPicPr>
-          <p:nvPr/>
-        </p:nvPicPr>
-        <p:blipFill>
-          <a:blip r:embed="rId13"/>
-          <a:stretch>
-            <a:fillRect/>
-          </a:stretch>
-        </p:blipFill>
-        <p:spPr>
-          <a:xfrm>
-            <a:off x="5010119" y="3279350"/>
-            <a:ext cx="1553834" cy="347869"/>
-          </a:xfrm>
-          <a:prstGeom prst="rect">
-            <a:avLst/>
-          </a:prstGeom>
-        </p:spPr>
-      </p:pic>
-      <p:pic>
-        <p:nvPicPr>
-          <p:cNvPr id="22" name="Picture 21">
-            <a:extLst>
-              <a:ext uri="{FF2B5EF4-FFF2-40B4-BE49-F238E27FC236}">
-                <a16:creationId xmlns:a16="http://schemas.microsoft.com/office/drawing/2014/main" id="{45F50B7F-824B-4AF6-9CD0-052E26CA6BE1}"/>
-              </a:ext>
-            </a:extLst>
-          </p:cNvPr>
-          <p:cNvPicPr>
-            <a:picLocks noChangeAspect="1"/>
-          </p:cNvPicPr>
-          <p:nvPr/>
-        </p:nvPicPr>
-        <p:blipFill>
-          <a:blip r:embed="rId14"/>
-          <a:stretch>
-            <a:fillRect/>
-          </a:stretch>
-        </p:blipFill>
-        <p:spPr>
-          <a:xfrm>
-            <a:off x="2647969" y="4452740"/>
-            <a:ext cx="1553834" cy="333639"/>
-          </a:xfrm>
-          <a:prstGeom prst="rect">
-            <a:avLst/>
-          </a:prstGeom>
-        </p:spPr>
-      </p:pic>
-      <p:pic>
-        <p:nvPicPr>
-          <p:cNvPr id="16" name="Picture 15" descr="C:\Users\CHRISW~1\AppData\Local\Temp\SNAGHTML227cb75.PNG">
-            <a:extLst>
-              <a:ext uri="{FF2B5EF4-FFF2-40B4-BE49-F238E27FC236}">
-                <a16:creationId xmlns:a16="http://schemas.microsoft.com/office/drawing/2014/main" id="{871F4B29-1016-4C8A-A715-A5651EDECFB3}"/>
-              </a:ext>
-            </a:extLst>
-          </p:cNvPr>
-          <p:cNvPicPr>
-            <a:picLocks noChangeAspect="1" noChangeArrowheads="1"/>
-          </p:cNvPicPr>
-          <p:nvPr/>
-        </p:nvPicPr>
-        <p:blipFill>
-          <a:blip r:embed="rId15">
-            <a:extLst>
-              <a:ext uri="{28A0092B-C50C-407E-A947-70E740481C1C}">
-                <a14:useLocalDpi xmlns:a14="http://schemas.microsoft.com/office/drawing/2010/main" val="0"/>
-              </a:ext>
-            </a:extLst>
-          </a:blip>
-          <a:srcRect/>
-          <a:stretch>
-            <a:fillRect/>
-          </a:stretch>
-        </p:blipFill>
-        <p:spPr bwMode="auto">
-          <a:xfrm>
-            <a:off x="3616450" y="2297654"/>
-            <a:ext cx="2286000" cy="571500"/>
-          </a:xfrm>
-          <a:prstGeom prst="rect">
-            <a:avLst/>
-          </a:prstGeom>
-          <a:noFill/>
-          <a:extLst>
-            <a:ext uri="{909E8E84-426E-40DD-AFC4-6F175D3DCCD1}">
-              <a14:hiddenFill xmlns:a14="http://schemas.microsoft.com/office/drawing/2010/main">
-                <a:solidFill>
-                  <a:srgbClr val="FFFFFF"/>
-                </a:solidFill>
-              </a14:hiddenFill>
-            </a:ext>
-          </a:extLst>
-        </p:spPr>
-      </p:pic>
+              <a:t>https://www.pingaring.com</a:t>
+            </a:r>
+            <a:endParaRPr lang="en-US" dirty="0"/>
+          </a:p>
+          <a:p>
+            <a:r>
+              <a:rPr lang="en-US" dirty="0"/>
+              <a:t>@</a:t>
+            </a:r>
+            <a:r>
+              <a:rPr lang="en-US" dirty="0" err="1"/>
+              <a:t>PureWeen</a:t>
+            </a:r>
+            <a:endParaRPr lang="en-US" dirty="0"/>
+          </a:p>
+          <a:p>
+            <a:r>
+              <a:rPr lang="en-US" dirty="0"/>
+              <a:t>Github.com/</a:t>
+            </a:r>
+            <a:r>
+              <a:rPr lang="en-US" dirty="0" err="1"/>
+              <a:t>PureWeen</a:t>
+            </a:r>
+            <a:endParaRPr lang="en-US" dirty="0"/>
+          </a:p>
+        </p:txBody>
+      </p:sp>
     </p:spTree>
     <p:extLst>
       <p:ext uri="{BB962C8B-B14F-4D97-AF65-F5344CB8AC3E}">
-        <p14:creationId xmlns:p14="http://schemas.microsoft.com/office/powerpoint/2010/main" val="175625477"/>
+        <p14:creationId xmlns:p14="http://schemas.microsoft.com/office/powerpoint/2010/main" val="1351402825"/>
       </p:ext>
     </p:extLst>
   </p:cSld>
@@ -21275,14 +21587,10 @@
               <a:rPr lang="en-US" dirty="0" err="1"/>
               <a:t>SerialDisposable</a:t>
             </a:r>
-            <a:endParaRPr lang="en-US" dirty="0"/>
-          </a:p>
-          <a:p>
-            <a:r>
-              <a:rPr lang="en-US" dirty="0" err="1"/>
-              <a:t>SingleAssignmentDisposable</a:t>
-            </a:r>
-            <a:endParaRPr lang="en-US" dirty="0"/>
+            <a:r>
+              <a:rPr lang="en-US" dirty="0"/>
+              <a:t> </a:t>
+            </a:r>
           </a:p>
           <a:p>
             <a:r>
@@ -21291,13 +21599,7 @@
             </a:r>
             <a:r>
               <a:rPr lang="en-US" dirty="0"/>
-              <a:t>(Action)</a:t>
-            </a:r>
-          </a:p>
-          <a:p>
-            <a:r>
-              <a:rPr lang="en-US" dirty="0"/>
-              <a:t>System.Reactive.Disposables.*</a:t>
+              <a:t>(Action) </a:t>
             </a:r>
           </a:p>
         </p:txBody>
@@ -21332,6 +21634,36 @@
           </a:prstGeom>
         </p:spPr>
       </p:pic>
+      <p:pic>
+        <p:nvPicPr>
+          <p:cNvPr id="5" name="Picture 4">
+            <a:extLst>
+              <a:ext uri="{FF2B5EF4-FFF2-40B4-BE49-F238E27FC236}">
+                <a16:creationId xmlns:a16="http://schemas.microsoft.com/office/drawing/2014/main" id="{3C1BF6B4-1533-48FC-86A0-9801C5FC89C2}"/>
+              </a:ext>
+            </a:extLst>
+          </p:cNvPr>
+          <p:cNvPicPr>
+            <a:picLocks noChangeAspect="1"/>
+          </p:cNvPicPr>
+          <p:nvPr/>
+        </p:nvPicPr>
+        <p:blipFill>
+          <a:blip r:embed="rId4"/>
+          <a:stretch>
+            <a:fillRect/>
+          </a:stretch>
+        </p:blipFill>
+        <p:spPr>
+          <a:xfrm>
+            <a:off x="361950" y="3000375"/>
+            <a:ext cx="6134100" cy="1514475"/>
+          </a:xfrm>
+          <a:prstGeom prst="rect">
+            <a:avLst/>
+          </a:prstGeom>
+        </p:spPr>
+      </p:pic>
     </p:spTree>
     <p:extLst>
       <p:ext uri="{BB962C8B-B14F-4D97-AF65-F5344CB8AC3E}">
@@ -21346,6 +21678,360 @@
 </file>
 
 <file path=ppt/slides/slide11.xml><?xml version="1.0" encoding="utf-8"?>
+<p:sld xmlns:a="http://schemas.openxmlformats.org/drawingml/2006/main" xmlns:r="http://schemas.openxmlformats.org/officeDocument/2006/relationships" xmlns:p="http://schemas.openxmlformats.org/presentationml/2006/main">
+  <p:cSld>
+    <p:spTree>
+      <p:nvGrpSpPr>
+        <p:cNvPr id="1" name=""/>
+        <p:cNvGrpSpPr/>
+        <p:nvPr/>
+      </p:nvGrpSpPr>
+      <p:grpSpPr>
+        <a:xfrm>
+          <a:off x="0" y="0"/>
+          <a:ext cx="0" cy="0"/>
+          <a:chOff x="0" y="0"/>
+          <a:chExt cx="0" cy="0"/>
+        </a:xfrm>
+      </p:grpSpPr>
+      <p:sp>
+        <p:nvSpPr>
+          <p:cNvPr id="2" name="Title 1">
+            <a:extLst>
+              <a:ext uri="{FF2B5EF4-FFF2-40B4-BE49-F238E27FC236}">
+                <a16:creationId xmlns:a16="http://schemas.microsoft.com/office/drawing/2014/main" id="{9FD93FCA-1CDF-4909-B274-2FCF4363B8FC}"/>
+              </a:ext>
+            </a:extLst>
+          </p:cNvPr>
+          <p:cNvSpPr>
+            <a:spLocks noGrp="1"/>
+          </p:cNvSpPr>
+          <p:nvPr>
+            <p:ph type="title"/>
+          </p:nvPr>
+        </p:nvSpPr>
+        <p:spPr/>
+        <p:txBody>
+          <a:bodyPr/>
+          <a:lstStyle/>
+          <a:p>
+            <a:r>
+              <a:rPr lang="en-US" dirty="0"/>
+              <a:t>Apply same iterator idea to observables</a:t>
+            </a:r>
+          </a:p>
+        </p:txBody>
+      </p:sp>
+      <p:pic>
+        <p:nvPicPr>
+          <p:cNvPr id="4" name="Picture 3">
+            <a:extLst>
+              <a:ext uri="{FF2B5EF4-FFF2-40B4-BE49-F238E27FC236}">
+                <a16:creationId xmlns:a16="http://schemas.microsoft.com/office/drawing/2014/main" id="{36D00384-5678-42CB-AAC4-9EA0BA3E140B}"/>
+              </a:ext>
+            </a:extLst>
+          </p:cNvPr>
+          <p:cNvPicPr>
+            <a:picLocks noChangeAspect="1"/>
+          </p:cNvPicPr>
+          <p:nvPr/>
+        </p:nvPicPr>
+        <p:blipFill>
+          <a:blip r:embed="rId3"/>
+          <a:stretch>
+            <a:fillRect/>
+          </a:stretch>
+        </p:blipFill>
+        <p:spPr>
+          <a:xfrm>
+            <a:off x="576476" y="3339850"/>
+            <a:ext cx="5724525" cy="1333500"/>
+          </a:xfrm>
+          <a:prstGeom prst="rect">
+            <a:avLst/>
+          </a:prstGeom>
+        </p:spPr>
+      </p:pic>
+      <p:pic>
+        <p:nvPicPr>
+          <p:cNvPr id="5" name="Picture 4">
+            <a:extLst>
+              <a:ext uri="{FF2B5EF4-FFF2-40B4-BE49-F238E27FC236}">
+                <a16:creationId xmlns:a16="http://schemas.microsoft.com/office/drawing/2014/main" id="{46C1C899-7CDF-46F2-A0C7-5C6B5D9E71EB}"/>
+              </a:ext>
+            </a:extLst>
+          </p:cNvPr>
+          <p:cNvPicPr>
+            <a:picLocks noChangeAspect="1"/>
+          </p:cNvPicPr>
+          <p:nvPr/>
+        </p:nvPicPr>
+        <p:blipFill>
+          <a:blip r:embed="rId4"/>
+          <a:stretch>
+            <a:fillRect/>
+          </a:stretch>
+        </p:blipFill>
+        <p:spPr>
+          <a:xfrm>
+            <a:off x="1033462" y="1688435"/>
+            <a:ext cx="4791075" cy="1304925"/>
+          </a:xfrm>
+          <a:prstGeom prst="rect">
+            <a:avLst/>
+          </a:prstGeom>
+        </p:spPr>
+      </p:pic>
+    </p:spTree>
+    <p:extLst>
+      <p:ext uri="{BB962C8B-B14F-4D97-AF65-F5344CB8AC3E}">
+        <p14:creationId xmlns:p14="http://schemas.microsoft.com/office/powerpoint/2010/main" val="11607011"/>
+      </p:ext>
+    </p:extLst>
+  </p:cSld>
+  <p:clrMapOvr>
+    <a:masterClrMapping/>
+  </p:clrMapOvr>
+</p:sld>
+</file>
+
+<file path=ppt/slides/slide12.xml><?xml version="1.0" encoding="utf-8"?>
+<p:sld xmlns:a="http://schemas.openxmlformats.org/drawingml/2006/main" xmlns:r="http://schemas.openxmlformats.org/officeDocument/2006/relationships" xmlns:p="http://schemas.openxmlformats.org/presentationml/2006/main">
+  <p:cSld>
+    <p:spTree>
+      <p:nvGrpSpPr>
+        <p:cNvPr id="1" name=""/>
+        <p:cNvGrpSpPr/>
+        <p:nvPr/>
+      </p:nvGrpSpPr>
+      <p:grpSpPr>
+        <a:xfrm>
+          <a:off x="0" y="0"/>
+          <a:ext cx="0" cy="0"/>
+          <a:chOff x="0" y="0"/>
+          <a:chExt cx="0" cy="0"/>
+        </a:xfrm>
+      </p:grpSpPr>
+      <p:sp>
+        <p:nvSpPr>
+          <p:cNvPr id="2" name="Title 1">
+            <a:extLst>
+              <a:ext uri="{FF2B5EF4-FFF2-40B4-BE49-F238E27FC236}">
+                <a16:creationId xmlns:a16="http://schemas.microsoft.com/office/drawing/2014/main" id="{ECA14AE0-3009-4D07-83CA-9A08DCFED9BB}"/>
+              </a:ext>
+            </a:extLst>
+          </p:cNvPr>
+          <p:cNvSpPr>
+            <a:spLocks noGrp="1"/>
+          </p:cNvSpPr>
+          <p:nvPr>
+            <p:ph type="title"/>
+          </p:nvPr>
+        </p:nvSpPr>
+        <p:spPr/>
+        <p:txBody>
+          <a:bodyPr/>
+          <a:lstStyle/>
+          <a:p>
+            <a:r>
+              <a:rPr lang="en-US" dirty="0"/>
+              <a:t>Declare when the rules of your events conclude</a:t>
+            </a:r>
+          </a:p>
+        </p:txBody>
+      </p:sp>
+      <p:pic>
+        <p:nvPicPr>
+          <p:cNvPr id="5" name="Picture 4">
+            <a:extLst>
+              <a:ext uri="{FF2B5EF4-FFF2-40B4-BE49-F238E27FC236}">
+                <a16:creationId xmlns:a16="http://schemas.microsoft.com/office/drawing/2014/main" id="{305BE1A6-2C9B-48E7-9CC7-BE602A60668E}"/>
+              </a:ext>
+            </a:extLst>
+          </p:cNvPr>
+          <p:cNvPicPr>
+            <a:picLocks noChangeAspect="1"/>
+          </p:cNvPicPr>
+          <p:nvPr/>
+        </p:nvPicPr>
+        <p:blipFill>
+          <a:blip r:embed="rId3"/>
+          <a:stretch>
+            <a:fillRect/>
+          </a:stretch>
+        </p:blipFill>
+        <p:spPr>
+          <a:xfrm>
+            <a:off x="1884800" y="2590949"/>
+            <a:ext cx="3200400" cy="723900"/>
+          </a:xfrm>
+          <a:prstGeom prst="rect">
+            <a:avLst/>
+          </a:prstGeom>
+        </p:spPr>
+      </p:pic>
+      <p:pic>
+        <p:nvPicPr>
+          <p:cNvPr id="6" name="Picture 5">
+            <a:extLst>
+              <a:ext uri="{FF2B5EF4-FFF2-40B4-BE49-F238E27FC236}">
+                <a16:creationId xmlns:a16="http://schemas.microsoft.com/office/drawing/2014/main" id="{D67965C7-5433-4A00-A7F5-FD4398607001}"/>
+              </a:ext>
+            </a:extLst>
+          </p:cNvPr>
+          <p:cNvPicPr>
+            <a:picLocks noChangeAspect="1"/>
+          </p:cNvPicPr>
+          <p:nvPr/>
+        </p:nvPicPr>
+        <p:blipFill>
+          <a:blip r:embed="rId4"/>
+          <a:stretch>
+            <a:fillRect/>
+          </a:stretch>
+        </p:blipFill>
+        <p:spPr>
+          <a:xfrm>
+            <a:off x="2084825" y="1742649"/>
+            <a:ext cx="2800350" cy="695325"/>
+          </a:xfrm>
+          <a:prstGeom prst="rect">
+            <a:avLst/>
+          </a:prstGeom>
+        </p:spPr>
+      </p:pic>
+      <p:pic>
+        <p:nvPicPr>
+          <p:cNvPr id="7" name="Picture 6">
+            <a:extLst>
+              <a:ext uri="{FF2B5EF4-FFF2-40B4-BE49-F238E27FC236}">
+                <a16:creationId xmlns:a16="http://schemas.microsoft.com/office/drawing/2014/main" id="{8C031375-FAA0-4A4C-AE91-EE72839B474E}"/>
+              </a:ext>
+            </a:extLst>
+          </p:cNvPr>
+          <p:cNvPicPr>
+            <a:picLocks noChangeAspect="1"/>
+          </p:cNvPicPr>
+          <p:nvPr/>
+        </p:nvPicPr>
+        <p:blipFill>
+          <a:blip r:embed="rId5"/>
+          <a:stretch>
+            <a:fillRect/>
+          </a:stretch>
+        </p:blipFill>
+        <p:spPr>
+          <a:xfrm>
+            <a:off x="551300" y="3467824"/>
+            <a:ext cx="5867400" cy="1352550"/>
+          </a:xfrm>
+          <a:prstGeom prst="rect">
+            <a:avLst/>
+          </a:prstGeom>
+        </p:spPr>
+      </p:pic>
+    </p:spTree>
+    <p:extLst>
+      <p:ext uri="{BB962C8B-B14F-4D97-AF65-F5344CB8AC3E}">
+        <p14:creationId xmlns:p14="http://schemas.microsoft.com/office/powerpoint/2010/main" val="3732777817"/>
+      </p:ext>
+    </p:extLst>
+  </p:cSld>
+  <p:clrMapOvr>
+    <a:masterClrMapping/>
+  </p:clrMapOvr>
+</p:sld>
+</file>
+
+<file path=ppt/slides/slide13.xml><?xml version="1.0" encoding="utf-8"?>
+<p:sld xmlns:a="http://schemas.openxmlformats.org/drawingml/2006/main" xmlns:r="http://schemas.openxmlformats.org/officeDocument/2006/relationships" xmlns:p="http://schemas.openxmlformats.org/presentationml/2006/main">
+  <p:cSld>
+    <p:spTree>
+      <p:nvGrpSpPr>
+        <p:cNvPr id="1" name=""/>
+        <p:cNvGrpSpPr/>
+        <p:nvPr/>
+      </p:nvGrpSpPr>
+      <p:grpSpPr>
+        <a:xfrm>
+          <a:off x="0" y="0"/>
+          <a:ext cx="0" cy="0"/>
+          <a:chOff x="0" y="0"/>
+          <a:chExt cx="0" cy="0"/>
+        </a:xfrm>
+      </p:grpSpPr>
+      <p:sp>
+        <p:nvSpPr>
+          <p:cNvPr id="2" name="Title 1">
+            <a:extLst>
+              <a:ext uri="{FF2B5EF4-FFF2-40B4-BE49-F238E27FC236}">
+                <a16:creationId xmlns:a16="http://schemas.microsoft.com/office/drawing/2014/main" id="{A02CA362-8947-46E0-A7B6-75C57CAD64F5}"/>
+              </a:ext>
+            </a:extLst>
+          </p:cNvPr>
+          <p:cNvSpPr>
+            <a:spLocks noGrp="1"/>
+          </p:cNvSpPr>
+          <p:nvPr>
+            <p:ph type="title"/>
+          </p:nvPr>
+        </p:nvSpPr>
+        <p:spPr/>
+        <p:txBody>
+          <a:bodyPr/>
+          <a:lstStyle/>
+          <a:p>
+            <a:r>
+              <a:rPr lang="en-US" dirty="0"/>
+              <a:t>Map (Select)</a:t>
+            </a:r>
+          </a:p>
+        </p:txBody>
+      </p:sp>
+      <p:pic>
+        <p:nvPicPr>
+          <p:cNvPr id="3" name="Picture 2">
+            <a:extLst>
+              <a:ext uri="{FF2B5EF4-FFF2-40B4-BE49-F238E27FC236}">
+                <a16:creationId xmlns:a16="http://schemas.microsoft.com/office/drawing/2014/main" id="{D04D6C6D-BD34-4A6E-A4FA-8E7DDE2B0C4E}"/>
+              </a:ext>
+            </a:extLst>
+          </p:cNvPr>
+          <p:cNvPicPr>
+            <a:picLocks noChangeAspect="1"/>
+          </p:cNvPicPr>
+          <p:nvPr/>
+        </p:nvPicPr>
+        <p:blipFill>
+          <a:blip r:embed="rId3"/>
+          <a:stretch>
+            <a:fillRect/>
+          </a:stretch>
+        </p:blipFill>
+        <p:spPr>
+          <a:xfrm>
+            <a:off x="702245" y="1726840"/>
+            <a:ext cx="5733300" cy="3153838"/>
+          </a:xfrm>
+          <a:prstGeom prst="rect">
+            <a:avLst/>
+          </a:prstGeom>
+        </p:spPr>
+      </p:pic>
+    </p:spTree>
+    <p:extLst>
+      <p:ext uri="{BB962C8B-B14F-4D97-AF65-F5344CB8AC3E}">
+        <p14:creationId xmlns:p14="http://schemas.microsoft.com/office/powerpoint/2010/main" val="684950098"/>
+      </p:ext>
+    </p:extLst>
+  </p:cSld>
+  <p:clrMapOvr>
+    <a:masterClrMapping/>
+  </p:clrMapOvr>
+</p:sld>
+</file>
+
+<file path=ppt/slides/slide14.xml><?xml version="1.0" encoding="utf-8"?>
 <p:sld xmlns:a="http://schemas.openxmlformats.org/drawingml/2006/main" xmlns:r="http://schemas.openxmlformats.org/officeDocument/2006/relationships" xmlns:p="http://schemas.openxmlformats.org/presentationml/2006/main">
   <p:cSld>
     <p:spTree>
@@ -21433,7 +22119,188 @@
 </p:sld>
 </file>
 
-<file path=ppt/slides/slide12.xml><?xml version="1.0" encoding="utf-8"?>
+<file path=ppt/slides/slide15.xml><?xml version="1.0" encoding="utf-8"?>
+<p:sld xmlns:a="http://schemas.openxmlformats.org/drawingml/2006/main" xmlns:r="http://schemas.openxmlformats.org/officeDocument/2006/relationships" xmlns:p="http://schemas.openxmlformats.org/presentationml/2006/main">
+  <p:cSld>
+    <p:spTree>
+      <p:nvGrpSpPr>
+        <p:cNvPr id="1" name=""/>
+        <p:cNvGrpSpPr/>
+        <p:nvPr/>
+      </p:nvGrpSpPr>
+      <p:grpSpPr>
+        <a:xfrm>
+          <a:off x="0" y="0"/>
+          <a:ext cx="0" cy="0"/>
+          <a:chOff x="0" y="0"/>
+          <a:chExt cx="0" cy="0"/>
+        </a:xfrm>
+      </p:grpSpPr>
+      <p:sp>
+        <p:nvSpPr>
+          <p:cNvPr id="2" name="Title 1">
+            <a:extLst>
+              <a:ext uri="{FF2B5EF4-FFF2-40B4-BE49-F238E27FC236}">
+                <a16:creationId xmlns:a16="http://schemas.microsoft.com/office/drawing/2014/main" id="{7D1F2645-BC41-42DD-805C-C6675B96F396}"/>
+              </a:ext>
+            </a:extLst>
+          </p:cNvPr>
+          <p:cNvSpPr>
+            <a:spLocks noGrp="1"/>
+          </p:cNvSpPr>
+          <p:nvPr>
+            <p:ph type="title"/>
+          </p:nvPr>
+        </p:nvSpPr>
+        <p:spPr/>
+        <p:txBody>
+          <a:bodyPr/>
+          <a:lstStyle/>
+          <a:p>
+            <a:r>
+              <a:rPr lang="en-US" dirty="0" err="1"/>
+              <a:t>Observable.ToList</a:t>
+            </a:r>
+            <a:r>
+              <a:rPr lang="en-US" dirty="0"/>
+              <a:t>()</a:t>
+            </a:r>
+          </a:p>
+        </p:txBody>
+      </p:sp>
+      <p:pic>
+        <p:nvPicPr>
+          <p:cNvPr id="3" name="Picture 2">
+            <a:extLst>
+              <a:ext uri="{FF2B5EF4-FFF2-40B4-BE49-F238E27FC236}">
+                <a16:creationId xmlns:a16="http://schemas.microsoft.com/office/drawing/2014/main" id="{D5FB4D91-548C-40DA-A343-B2FF32C17D90}"/>
+              </a:ext>
+            </a:extLst>
+          </p:cNvPr>
+          <p:cNvPicPr>
+            <a:picLocks noChangeAspect="1"/>
+          </p:cNvPicPr>
+          <p:nvPr/>
+        </p:nvPicPr>
+        <p:blipFill>
+          <a:blip r:embed="rId3"/>
+          <a:stretch>
+            <a:fillRect/>
+          </a:stretch>
+        </p:blipFill>
+        <p:spPr>
+          <a:xfrm>
+            <a:off x="485540" y="1765245"/>
+            <a:ext cx="5886920" cy="2930435"/>
+          </a:xfrm>
+          <a:prstGeom prst="rect">
+            <a:avLst/>
+          </a:prstGeom>
+        </p:spPr>
+      </p:pic>
+    </p:spTree>
+    <p:extLst>
+      <p:ext uri="{BB962C8B-B14F-4D97-AF65-F5344CB8AC3E}">
+        <p14:creationId xmlns:p14="http://schemas.microsoft.com/office/powerpoint/2010/main" val="605407153"/>
+      </p:ext>
+    </p:extLst>
+  </p:cSld>
+  <p:clrMapOvr>
+    <a:masterClrMapping/>
+  </p:clrMapOvr>
+</p:sld>
+</file>
+
+<file path=ppt/slides/slide16.xml><?xml version="1.0" encoding="utf-8"?>
+<p:sld xmlns:a="http://schemas.openxmlformats.org/drawingml/2006/main" xmlns:r="http://schemas.openxmlformats.org/officeDocument/2006/relationships" xmlns:p="http://schemas.openxmlformats.org/presentationml/2006/main">
+  <p:cSld>
+    <p:spTree>
+      <p:nvGrpSpPr>
+        <p:cNvPr id="1" name=""/>
+        <p:cNvGrpSpPr/>
+        <p:nvPr/>
+      </p:nvGrpSpPr>
+      <p:grpSpPr>
+        <a:xfrm>
+          <a:off x="0" y="0"/>
+          <a:ext cx="0" cy="0"/>
+          <a:chOff x="0" y="0"/>
+          <a:chExt cx="0" cy="0"/>
+        </a:xfrm>
+      </p:grpSpPr>
+      <p:sp>
+        <p:nvSpPr>
+          <p:cNvPr id="2" name="Title 1">
+            <a:extLst>
+              <a:ext uri="{FF2B5EF4-FFF2-40B4-BE49-F238E27FC236}">
+                <a16:creationId xmlns:a16="http://schemas.microsoft.com/office/drawing/2014/main" id="{B2CAA9B5-D458-49B6-84D2-FDECAC4608F2}"/>
+              </a:ext>
+            </a:extLst>
+          </p:cNvPr>
+          <p:cNvSpPr>
+            <a:spLocks noGrp="1"/>
+          </p:cNvSpPr>
+          <p:nvPr>
+            <p:ph type="title"/>
+          </p:nvPr>
+        </p:nvSpPr>
+        <p:spPr/>
+        <p:txBody>
+          <a:bodyPr/>
+          <a:lstStyle/>
+          <a:p>
+            <a:r>
+              <a:rPr lang="en-US" dirty="0" err="1"/>
+              <a:t>TakeUntil</a:t>
+            </a:r>
+            <a:endParaRPr lang="en-US" dirty="0"/>
+          </a:p>
+        </p:txBody>
+      </p:sp>
+      <p:pic>
+        <p:nvPicPr>
+          <p:cNvPr id="3" name="Picture 2">
+            <a:extLst>
+              <a:ext uri="{FF2B5EF4-FFF2-40B4-BE49-F238E27FC236}">
+                <a16:creationId xmlns:a16="http://schemas.microsoft.com/office/drawing/2014/main" id="{4CC4419A-06A8-478C-8AC7-14F794982764}"/>
+              </a:ext>
+            </a:extLst>
+          </p:cNvPr>
+          <p:cNvPicPr>
+            <a:picLocks noChangeAspect="1"/>
+          </p:cNvPicPr>
+          <p:nvPr/>
+        </p:nvPicPr>
+        <p:blipFill>
+          <a:blip r:embed="rId3"/>
+          <a:stretch>
+            <a:fillRect/>
+          </a:stretch>
+        </p:blipFill>
+        <p:spPr>
+          <a:xfrm>
+            <a:off x="754375" y="1688435"/>
+            <a:ext cx="5349250" cy="3331446"/>
+          </a:xfrm>
+          <a:prstGeom prst="rect">
+            <a:avLst/>
+          </a:prstGeom>
+        </p:spPr>
+      </p:pic>
+    </p:spTree>
+    <p:extLst>
+      <p:ext uri="{BB962C8B-B14F-4D97-AF65-F5344CB8AC3E}">
+        <p14:creationId xmlns:p14="http://schemas.microsoft.com/office/powerpoint/2010/main" val="676314589"/>
+      </p:ext>
+    </p:extLst>
+  </p:cSld>
+  <p:clrMapOvr>
+    <a:masterClrMapping/>
+  </p:clrMapOvr>
+</p:sld>
+</file>
+
+<file path=ppt/slides/slide17.xml><?xml version="1.0" encoding="utf-8"?>
 <p:sld xmlns:a="http://schemas.openxmlformats.org/drawingml/2006/main" xmlns:r="http://schemas.openxmlformats.org/officeDocument/2006/relationships" xmlns:p="http://schemas.openxmlformats.org/presentationml/2006/main">
   <p:cSld>
     <p:spTree>
@@ -21521,7 +22388,7 @@
 </p:sld>
 </file>
 
-<file path=ppt/slides/slide13.xml><?xml version="1.0" encoding="utf-8"?>
+<file path=ppt/slides/slide18.xml><?xml version="1.0" encoding="utf-8"?>
 <p:sld xmlns:a="http://schemas.openxmlformats.org/drawingml/2006/main" xmlns:r="http://schemas.openxmlformats.org/officeDocument/2006/relationships" xmlns:p="http://schemas.openxmlformats.org/presentationml/2006/main">
   <p:cSld>
     <p:spTree>
@@ -21609,7 +22476,7 @@
 </p:sld>
 </file>
 
-<file path=ppt/slides/slide14.xml><?xml version="1.0" encoding="utf-8"?>
+<file path=ppt/slides/slide19.xml><?xml version="1.0" encoding="utf-8"?>
 <p:sld xmlns:a="http://schemas.openxmlformats.org/drawingml/2006/main" xmlns:r="http://schemas.openxmlformats.org/officeDocument/2006/relationships" xmlns:p="http://schemas.openxmlformats.org/presentationml/2006/main">
   <p:cSld>
     <p:spTree>
@@ -21697,7 +22564,163 @@
 </p:sld>
 </file>
 
-<file path=ppt/slides/slide15.xml><?xml version="1.0" encoding="utf-8"?>
+<file path=ppt/slides/slide2.xml><?xml version="1.0" encoding="utf-8"?>
+<p:sld xmlns:a="http://schemas.openxmlformats.org/drawingml/2006/main" xmlns:r="http://schemas.openxmlformats.org/officeDocument/2006/relationships" xmlns:p="http://schemas.openxmlformats.org/presentationml/2006/main">
+  <p:cSld>
+    <p:spTree>
+      <p:nvGrpSpPr>
+        <p:cNvPr id="1" name=""/>
+        <p:cNvGrpSpPr/>
+        <p:nvPr/>
+      </p:nvGrpSpPr>
+      <p:grpSpPr>
+        <a:xfrm>
+          <a:off x="0" y="0"/>
+          <a:ext cx="0" cy="0"/>
+          <a:chOff x="0" y="0"/>
+          <a:chExt cx="0" cy="0"/>
+        </a:xfrm>
+      </p:grpSpPr>
+      <p:sp>
+        <p:nvSpPr>
+          <p:cNvPr id="2" name="Title 1">
+            <a:extLst>
+              <a:ext uri="{FF2B5EF4-FFF2-40B4-BE49-F238E27FC236}">
+                <a16:creationId xmlns:a16="http://schemas.microsoft.com/office/drawing/2014/main" id="{7E940219-A523-4DDF-B5AB-17DE44AB8092}"/>
+              </a:ext>
+            </a:extLst>
+          </p:cNvPr>
+          <p:cNvSpPr>
+            <a:spLocks noGrp="1"/>
+          </p:cNvSpPr>
+          <p:nvPr>
+            <p:ph type="title"/>
+          </p:nvPr>
+        </p:nvSpPr>
+        <p:spPr/>
+        <p:txBody>
+          <a:bodyPr/>
+          <a:lstStyle/>
+          <a:p>
+            <a:r>
+              <a:rPr lang="en-US" dirty="0"/>
+              <a:t>Term and Library Clarification</a:t>
+            </a:r>
+          </a:p>
+        </p:txBody>
+      </p:sp>
+      <p:sp>
+        <p:nvSpPr>
+          <p:cNvPr id="3" name="Content Placeholder 2">
+            <a:extLst>
+              <a:ext uri="{FF2B5EF4-FFF2-40B4-BE49-F238E27FC236}">
+                <a16:creationId xmlns:a16="http://schemas.microsoft.com/office/drawing/2014/main" id="{D7532444-18B2-4038-8929-C19359541C1E}"/>
+              </a:ext>
+            </a:extLst>
+          </p:cNvPr>
+          <p:cNvSpPr>
+            <a:spLocks noGrp="1"/>
+          </p:cNvSpPr>
+          <p:nvPr>
+            <p:ph idx="1"/>
+          </p:nvPr>
+        </p:nvSpPr>
+        <p:spPr>
+          <a:xfrm>
+            <a:off x="648287" y="1866900"/>
+            <a:ext cx="4758945" cy="2932340"/>
+          </a:xfrm>
+        </p:spPr>
+        <p:txBody>
+          <a:bodyPr/>
+          <a:lstStyle/>
+          <a:p>
+            <a:r>
+              <a:rPr lang="en-US" dirty="0"/>
+              <a:t>ReactJS</a:t>
+            </a:r>
+          </a:p>
+          <a:p>
+            <a:pPr lvl="1"/>
+            <a:r>
+              <a:rPr lang="en-US" dirty="0"/>
+              <a:t>A view library that shares 5 letters with the word Reactive</a:t>
+            </a:r>
+          </a:p>
+          <a:p>
+            <a:pPr lvl="1"/>
+            <a:r>
+              <a:rPr lang="en-US" dirty="0"/>
+              <a:t>Can work with reactive libraries </a:t>
+            </a:r>
+            <a:r>
+              <a:rPr lang="en-US" dirty="0" err="1"/>
+              <a:t>Mobx</a:t>
+            </a:r>
+            <a:r>
+              <a:rPr lang="en-US" dirty="0"/>
+              <a:t>, Meteor, </a:t>
+            </a:r>
+            <a:r>
+              <a:rPr lang="en-US" dirty="0" err="1"/>
+              <a:t>RxJS</a:t>
+            </a:r>
+            <a:r>
+              <a:rPr lang="en-US" dirty="0"/>
+              <a:t>, etc..</a:t>
+            </a:r>
+          </a:p>
+          <a:p>
+            <a:r>
+              <a:rPr lang="en-US" dirty="0" err="1"/>
+              <a:t>ReactiveX</a:t>
+            </a:r>
+            <a:r>
+              <a:rPr lang="en-US" dirty="0"/>
+              <a:t> </a:t>
+            </a:r>
+          </a:p>
+          <a:p>
+            <a:pPr lvl="1"/>
+            <a:r>
+              <a:rPr lang="en-US" dirty="0"/>
+              <a:t>What we’re mainly talking about today</a:t>
+            </a:r>
+          </a:p>
+          <a:p>
+            <a:r>
+              <a:rPr lang="en-US" dirty="0"/>
+              <a:t>ReactiveUI</a:t>
+            </a:r>
+          </a:p>
+          <a:p>
+            <a:pPr lvl="1"/>
+            <a:r>
+              <a:rPr lang="en-US" dirty="0"/>
+              <a:t>Cross platform MVVM library built on top of </a:t>
+            </a:r>
+            <a:r>
+              <a:rPr lang="en-US" dirty="0" err="1"/>
+              <a:t>ReactiveX</a:t>
+            </a:r>
+            <a:endParaRPr lang="en-US" dirty="0"/>
+          </a:p>
+        </p:txBody>
+      </p:sp>
+    </p:spTree>
+    <p:extLst>
+      <p:ext uri="{BB962C8B-B14F-4D97-AF65-F5344CB8AC3E}">
+        <p14:creationId xmlns:p14="http://schemas.microsoft.com/office/powerpoint/2010/main" val="3471887714"/>
+      </p:ext>
+    </p:extLst>
+  </p:cSld>
+  <p:clrMapOvr>
+    <a:masterClrMapping/>
+  </p:clrMapOvr>
+</p:sld>
+</file>
+
+<file path=ppt/slides/slide20.xml><?xml version="1.0" encoding="utf-8"?>
 <p:sld xmlns:a="http://schemas.openxmlformats.org/drawingml/2006/main" xmlns:r="http://schemas.openxmlformats.org/officeDocument/2006/relationships" xmlns:p="http://schemas.openxmlformats.org/presentationml/2006/main">
   <p:cSld>
     <p:spTree>
@@ -21855,7 +22878,7 @@
 </p:sld>
 </file>
 
-<file path=ppt/slides/slide16.xml><?xml version="1.0" encoding="utf-8"?>
+<file path=ppt/slides/slide21.xml><?xml version="1.0" encoding="utf-8"?>
 <p:sld xmlns:a="http://schemas.openxmlformats.org/drawingml/2006/main" xmlns:r="http://schemas.openxmlformats.org/officeDocument/2006/relationships" xmlns:p="http://schemas.openxmlformats.org/presentationml/2006/main">
   <p:cSld>
     <p:spTree>
@@ -21943,7 +22966,7 @@
 </p:sld>
 </file>
 
-<file path=ppt/slides/slide17.xml><?xml version="1.0" encoding="utf-8"?>
+<file path=ppt/slides/slide22.xml><?xml version="1.0" encoding="utf-8"?>
 <p:sld xmlns:a="http://schemas.openxmlformats.org/drawingml/2006/main" xmlns:r="http://schemas.openxmlformats.org/officeDocument/2006/relationships" xmlns:p="http://schemas.openxmlformats.org/presentationml/2006/main">
   <p:cSld>
     <p:spTree>
@@ -22059,7 +23082,7 @@
 </p:sld>
 </file>
 
-<file path=ppt/slides/slide18.xml><?xml version="1.0" encoding="utf-8"?>
+<file path=ppt/slides/slide23.xml><?xml version="1.0" encoding="utf-8"?>
 <p:sld xmlns:a="http://schemas.openxmlformats.org/drawingml/2006/main" xmlns:r="http://schemas.openxmlformats.org/officeDocument/2006/relationships" xmlns:p="http://schemas.openxmlformats.org/presentationml/2006/main">
   <p:cSld>
     <p:spTree>
@@ -22186,7 +23209,7 @@
 </p:sld>
 </file>
 
-<file path=ppt/slides/slide19.xml><?xml version="1.0" encoding="utf-8"?>
+<file path=ppt/slides/slide24.xml><?xml version="1.0" encoding="utf-8"?>
 <p:sld xmlns:a="http://schemas.openxmlformats.org/drawingml/2006/main" xmlns:r="http://schemas.openxmlformats.org/officeDocument/2006/relationships" xmlns:p="http://schemas.openxmlformats.org/presentationml/2006/main">
   <p:cSld>
     <p:spTree>
@@ -22308,133 +23331,7 @@
 </p:sld>
 </file>
 
-<file path=ppt/slides/slide2.xml><?xml version="1.0" encoding="utf-8"?>
-<p:sld xmlns:a="http://schemas.openxmlformats.org/drawingml/2006/main" xmlns:r="http://schemas.openxmlformats.org/officeDocument/2006/relationships" xmlns:p="http://schemas.openxmlformats.org/presentationml/2006/main">
-  <p:cSld>
-    <p:spTree>
-      <p:nvGrpSpPr>
-        <p:cNvPr id="1" name=""/>
-        <p:cNvGrpSpPr/>
-        <p:nvPr/>
-      </p:nvGrpSpPr>
-      <p:grpSpPr>
-        <a:xfrm>
-          <a:off x="0" y="0"/>
-          <a:ext cx="0" cy="0"/>
-          <a:chOff x="0" y="0"/>
-          <a:chExt cx="0" cy="0"/>
-        </a:xfrm>
-      </p:grpSpPr>
-      <p:sp>
-        <p:nvSpPr>
-          <p:cNvPr id="2" name="Title 1">
-            <a:extLst>
-              <a:ext uri="{FF2B5EF4-FFF2-40B4-BE49-F238E27FC236}">
-                <a16:creationId xmlns:a16="http://schemas.microsoft.com/office/drawing/2014/main" id="{7E940219-A523-4DDF-B5AB-17DE44AB8092}"/>
-              </a:ext>
-            </a:extLst>
-          </p:cNvPr>
-          <p:cNvSpPr>
-            <a:spLocks noGrp="1"/>
-          </p:cNvSpPr>
-          <p:nvPr>
-            <p:ph type="title"/>
-          </p:nvPr>
-        </p:nvSpPr>
-        <p:spPr/>
-        <p:txBody>
-          <a:bodyPr/>
-          <a:lstStyle/>
-          <a:p>
-            <a:r>
-              <a:rPr lang="en-US" dirty="0"/>
-              <a:t>About me</a:t>
-            </a:r>
-          </a:p>
-        </p:txBody>
-      </p:sp>
-      <p:sp>
-        <p:nvSpPr>
-          <p:cNvPr id="3" name="Content Placeholder 2">
-            <a:extLst>
-              <a:ext uri="{FF2B5EF4-FFF2-40B4-BE49-F238E27FC236}">
-                <a16:creationId xmlns:a16="http://schemas.microsoft.com/office/drawing/2014/main" id="{D7532444-18B2-4038-8929-C19359541C1E}"/>
-              </a:ext>
-            </a:extLst>
-          </p:cNvPr>
-          <p:cNvSpPr>
-            <a:spLocks noGrp="1"/>
-          </p:cNvSpPr>
-          <p:nvPr>
-            <p:ph idx="1"/>
-          </p:nvPr>
-        </p:nvSpPr>
-        <p:spPr/>
-        <p:txBody>
-          <a:bodyPr/>
-          <a:lstStyle/>
-          <a:p>
-            <a:r>
-              <a:rPr lang="en-US" dirty="0">
-                <a:hlinkClick r:id="rId3"/>
-              </a:rPr>
-              <a:t>https://www.silversalmon.com</a:t>
-            </a:r>
-            <a:endParaRPr lang="en-US" dirty="0"/>
-          </a:p>
-          <a:p>
-            <a:r>
-              <a:rPr lang="en-US" dirty="0">
-                <a:hlinkClick r:id="rId4"/>
-              </a:rPr>
-              <a:t>https://www.pingaring.com</a:t>
-            </a:r>
-            <a:endParaRPr lang="en-US" dirty="0"/>
-          </a:p>
-          <a:p>
-            <a:r>
-              <a:rPr lang="en-US" dirty="0"/>
-              <a:t>Billy and His Dog Design </a:t>
-            </a:r>
-          </a:p>
-          <a:p>
-            <a:r>
-              <a:rPr lang="en-US" dirty="0"/>
-              <a:t>@</a:t>
-            </a:r>
-            <a:r>
-              <a:rPr lang="en-US" dirty="0" err="1"/>
-              <a:t>PureWeen</a:t>
-            </a:r>
-            <a:endParaRPr lang="en-US" dirty="0"/>
-          </a:p>
-          <a:p>
-            <a:r>
-              <a:rPr lang="en-US" dirty="0"/>
-              <a:t>Github.com/</a:t>
-            </a:r>
-            <a:r>
-              <a:rPr lang="en-US" dirty="0" err="1"/>
-              <a:t>PureWeen</a:t>
-            </a:r>
-            <a:endParaRPr lang="en-US" dirty="0"/>
-          </a:p>
-        </p:txBody>
-      </p:sp>
-    </p:spTree>
-    <p:extLst>
-      <p:ext uri="{BB962C8B-B14F-4D97-AF65-F5344CB8AC3E}">
-        <p14:creationId xmlns:p14="http://schemas.microsoft.com/office/powerpoint/2010/main" val="1351402825"/>
-      </p:ext>
-    </p:extLst>
-  </p:cSld>
-  <p:clrMapOvr>
-    <a:masterClrMapping/>
-  </p:clrMapOvr>
-</p:sld>
-</file>
-
-<file path=ppt/slides/slide20.xml><?xml version="1.0" encoding="utf-8"?>
+<file path=ppt/slides/slide25.xml><?xml version="1.0" encoding="utf-8"?>
 <p:sld xmlns:a="http://schemas.openxmlformats.org/drawingml/2006/main" xmlns:r="http://schemas.openxmlformats.org/officeDocument/2006/relationships" xmlns:p="http://schemas.openxmlformats.org/presentationml/2006/main">
   <p:cSld>
     <p:spTree>
@@ -22552,7 +23449,7 @@
 </p:sld>
 </file>
 
-<file path=ppt/slides/slide21.xml><?xml version="1.0" encoding="utf-8"?>
+<file path=ppt/slides/slide26.xml><?xml version="1.0" encoding="utf-8"?>
 <p:sld xmlns:a="http://schemas.openxmlformats.org/drawingml/2006/main" xmlns:r="http://schemas.openxmlformats.org/officeDocument/2006/relationships" xmlns:p="http://schemas.openxmlformats.org/presentationml/2006/main">
   <p:cSld>
     <p:spTree>
@@ -22670,7 +23567,7 @@
 </p:sld>
 </file>
 
-<file path=ppt/slides/slide22.xml><?xml version="1.0" encoding="utf-8"?>
+<file path=ppt/slides/slide27.xml><?xml version="1.0" encoding="utf-8"?>
 <p:sld xmlns:a="http://schemas.openxmlformats.org/drawingml/2006/main" xmlns:r="http://schemas.openxmlformats.org/officeDocument/2006/relationships" xmlns:p="http://schemas.openxmlformats.org/presentationml/2006/main">
   <p:cSld>
     <p:spTree>
@@ -22758,7 +23655,7 @@
 </p:sld>
 </file>
 
-<file path=ppt/slides/slide23.xml><?xml version="1.0" encoding="utf-8"?>
+<file path=ppt/slides/slide28.xml><?xml version="1.0" encoding="utf-8"?>
 <p:sld xmlns:a="http://schemas.openxmlformats.org/drawingml/2006/main" xmlns:r="http://schemas.openxmlformats.org/officeDocument/2006/relationships" xmlns:p="http://schemas.openxmlformats.org/presentationml/2006/main">
   <p:cSld>
     <p:spTree>
@@ -22846,7 +23743,7 @@
 </p:sld>
 </file>
 
-<file path=ppt/slides/slide24.xml><?xml version="1.0" encoding="utf-8"?>
+<file path=ppt/slides/slide29.xml><?xml version="1.0" encoding="utf-8"?>
 <p:sld xmlns:a="http://schemas.openxmlformats.org/drawingml/2006/main" xmlns:r="http://schemas.openxmlformats.org/officeDocument/2006/relationships" xmlns:p="http://schemas.openxmlformats.org/presentationml/2006/main">
   <p:cSld>
     <p:spTree>
@@ -22904,7 +23801,144 @@
 </p:sld>
 </file>
 
-<file path=ppt/slides/slide25.xml><?xml version="1.0" encoding="utf-8"?>
+<file path=ppt/slides/slide3.xml><?xml version="1.0" encoding="utf-8"?>
+<p:sld xmlns:a="http://schemas.openxmlformats.org/drawingml/2006/main" xmlns:r="http://schemas.openxmlformats.org/officeDocument/2006/relationships" xmlns:p="http://schemas.openxmlformats.org/presentationml/2006/main">
+  <p:cSld>
+    <p:spTree>
+      <p:nvGrpSpPr>
+        <p:cNvPr id="1" name=""/>
+        <p:cNvGrpSpPr/>
+        <p:nvPr/>
+      </p:nvGrpSpPr>
+      <p:grpSpPr>
+        <a:xfrm>
+          <a:off x="0" y="0"/>
+          <a:ext cx="0" cy="0"/>
+          <a:chOff x="0" y="0"/>
+          <a:chExt cx="0" cy="0"/>
+        </a:xfrm>
+      </p:grpSpPr>
+      <p:sp>
+        <p:nvSpPr>
+          <p:cNvPr id="2" name="Title 1">
+            <a:extLst>
+              <a:ext uri="{FF2B5EF4-FFF2-40B4-BE49-F238E27FC236}">
+                <a16:creationId xmlns:a16="http://schemas.microsoft.com/office/drawing/2014/main" id="{A85E98DD-42AC-4AF0-858C-C0BAE5853F2E}"/>
+              </a:ext>
+            </a:extLst>
+          </p:cNvPr>
+          <p:cNvSpPr>
+            <a:spLocks noGrp="1"/>
+          </p:cNvSpPr>
+          <p:nvPr>
+            <p:ph type="title"/>
+          </p:nvPr>
+        </p:nvSpPr>
+        <p:spPr/>
+        <p:txBody>
+          <a:bodyPr/>
+          <a:lstStyle/>
+          <a:p>
+            <a:r>
+              <a:rPr lang="en-US" dirty="0" err="1"/>
+              <a:t>IEnumerable</a:t>
+            </a:r>
+            <a:r>
+              <a:rPr lang="en-US" dirty="0"/>
+              <a:t>&lt;T&gt;		</a:t>
+            </a:r>
+          </a:p>
+        </p:txBody>
+      </p:sp>
+      <p:sp>
+        <p:nvSpPr>
+          <p:cNvPr id="3" name="Content Placeholder 2">
+            <a:extLst>
+              <a:ext uri="{FF2B5EF4-FFF2-40B4-BE49-F238E27FC236}">
+                <a16:creationId xmlns:a16="http://schemas.microsoft.com/office/drawing/2014/main" id="{12453D61-FB55-4998-9723-4C01C6BE73E6}"/>
+              </a:ext>
+            </a:extLst>
+          </p:cNvPr>
+          <p:cNvSpPr>
+            <a:spLocks noGrp="1"/>
+          </p:cNvSpPr>
+          <p:nvPr>
+            <p:ph idx="1"/>
+          </p:nvPr>
+        </p:nvSpPr>
+        <p:spPr/>
+        <p:txBody>
+          <a:bodyPr/>
+          <a:lstStyle/>
+          <a:p>
+            <a:r>
+              <a:rPr lang="en-US" dirty="0"/>
+              <a:t>Iterators</a:t>
+            </a:r>
+          </a:p>
+          <a:p>
+            <a:pPr lvl="1"/>
+            <a:r>
+              <a:rPr lang="en-US" dirty="0"/>
+              <a:t>In computer programming, an </a:t>
+            </a:r>
+            <a:r>
+              <a:rPr lang="en-US" b="1" dirty="0"/>
+              <a:t>iterator</a:t>
+            </a:r>
+            <a:r>
+              <a:rPr lang="en-US" dirty="0"/>
+              <a:t> is an object that enables a programmer to traverse a container, particularly lists. Various types of </a:t>
+            </a:r>
+            <a:r>
+              <a:rPr lang="en-US" b="1" dirty="0"/>
+              <a:t>iterators</a:t>
+            </a:r>
+            <a:r>
+              <a:rPr lang="en-US" dirty="0"/>
+              <a:t> are often provided via a container's interface.</a:t>
+            </a:r>
+          </a:p>
+          <a:p>
+            <a:pPr lvl="1"/>
+            <a:r>
+              <a:rPr lang="en-US" dirty="0" err="1"/>
+              <a:t>IEnumerable</a:t>
+            </a:r>
+            <a:r>
+              <a:rPr lang="en-US" dirty="0"/>
+              <a:t>&lt;T&gt; let’s us pull the data from a package</a:t>
+            </a:r>
+          </a:p>
+          <a:p>
+            <a:r>
+              <a:rPr lang="en-US" dirty="0"/>
+              <a:t>Observers</a:t>
+            </a:r>
+          </a:p>
+          <a:p>
+            <a:pPr lvl="1"/>
+            <a:r>
+              <a:rPr lang="en-US" dirty="0"/>
+              <a:t>Flip that and make it a function of time</a:t>
+            </a:r>
+          </a:p>
+        </p:txBody>
+      </p:sp>
+    </p:spTree>
+    <p:extLst>
+      <p:ext uri="{BB962C8B-B14F-4D97-AF65-F5344CB8AC3E}">
+        <p14:creationId xmlns:p14="http://schemas.microsoft.com/office/powerpoint/2010/main" val="4281573142"/>
+      </p:ext>
+    </p:extLst>
+  </p:cSld>
+  <p:clrMapOvr>
+    <a:masterClrMapping/>
+  </p:clrMapOvr>
+</p:sld>
+</file>
+
+<file path=ppt/slides/slide30.xml><?xml version="1.0" encoding="utf-8"?>
 <p:sld xmlns:a="http://schemas.openxmlformats.org/drawingml/2006/main" xmlns:r="http://schemas.openxmlformats.org/officeDocument/2006/relationships" xmlns:p="http://schemas.openxmlformats.org/presentationml/2006/main">
   <p:cSld>
     <p:spTree>
@@ -22992,7 +24026,7 @@
 </p:sld>
 </file>
 
-<file path=ppt/slides/slide26.xml><?xml version="1.0" encoding="utf-8"?>
+<file path=ppt/slides/slide31.xml><?xml version="1.0" encoding="utf-8"?>
 <p:sld xmlns:a="http://schemas.openxmlformats.org/drawingml/2006/main" xmlns:r="http://schemas.openxmlformats.org/officeDocument/2006/relationships" xmlns:p="http://schemas.openxmlformats.org/presentationml/2006/main">
   <p:cSld>
     <p:spTree>
@@ -23110,7 +24144,7 @@
 </p:sld>
 </file>
 
-<file path=ppt/slides/slide27.xml><?xml version="1.0" encoding="utf-8"?>
+<file path=ppt/slides/slide32.xml><?xml version="1.0" encoding="utf-8"?>
 <p:sld xmlns:a="http://schemas.openxmlformats.org/drawingml/2006/main" xmlns:r="http://schemas.openxmlformats.org/officeDocument/2006/relationships" xmlns:p="http://schemas.openxmlformats.org/presentationml/2006/main">
   <p:cSld>
     <p:spTree>
@@ -23235,7 +24269,7 @@
 </p:sld>
 </file>
 
-<file path=ppt/slides/slide28.xml><?xml version="1.0" encoding="utf-8"?>
+<file path=ppt/slides/slide33.xml><?xml version="1.0" encoding="utf-8"?>
 <p:sld xmlns:a="http://schemas.openxmlformats.org/drawingml/2006/main" xmlns:r="http://schemas.openxmlformats.org/officeDocument/2006/relationships" xmlns:p="http://schemas.openxmlformats.org/presentationml/2006/main">
   <p:cSld>
     <p:spTree>
@@ -23323,7 +24357,7 @@
 </p:sld>
 </file>
 
-<file path=ppt/slides/slide29.xml><?xml version="1.0" encoding="utf-8"?>
+<file path=ppt/slides/slide34.xml><?xml version="1.0" encoding="utf-8"?>
 <p:sld xmlns:a="http://schemas.openxmlformats.org/drawingml/2006/main" xmlns:r="http://schemas.openxmlformats.org/officeDocument/2006/relationships" xmlns:p="http://schemas.openxmlformats.org/presentationml/2006/main">
   <p:cSld>
     <p:spTree>
@@ -23475,7 +24509,7 @@
 </p:sld>
 </file>
 
-<file path=ppt/slides/slide3.xml><?xml version="1.0" encoding="utf-8"?>
+<file path=ppt/slides/slide35.xml><?xml version="1.0" encoding="utf-8"?>
 <p:sld xmlns:a="http://schemas.openxmlformats.org/drawingml/2006/main" xmlns:r="http://schemas.openxmlformats.org/officeDocument/2006/relationships" xmlns:p="http://schemas.openxmlformats.org/presentationml/2006/main">
   <p:cSld>
     <p:spTree>
@@ -23497,128 +24531,6 @@
           <p:cNvPr id="2" name="Title 1">
             <a:extLst>
               <a:ext uri="{FF2B5EF4-FFF2-40B4-BE49-F238E27FC236}">
-                <a16:creationId xmlns:a16="http://schemas.microsoft.com/office/drawing/2014/main" id="{A85E98DD-42AC-4AF0-858C-C0BAE5853F2E}"/>
-              </a:ext>
-            </a:extLst>
-          </p:cNvPr>
-          <p:cNvSpPr>
-            <a:spLocks noGrp="1"/>
-          </p:cNvSpPr>
-          <p:nvPr>
-            <p:ph type="title"/>
-          </p:nvPr>
-        </p:nvSpPr>
-        <p:spPr/>
-        <p:txBody>
-          <a:bodyPr/>
-          <a:lstStyle/>
-          <a:p>
-            <a:r>
-              <a:rPr lang="en-US" dirty="0"/>
-              <a:t>The Common Patterns		</a:t>
-            </a:r>
-          </a:p>
-        </p:txBody>
-      </p:sp>
-      <p:sp>
-        <p:nvSpPr>
-          <p:cNvPr id="3" name="Content Placeholder 2">
-            <a:extLst>
-              <a:ext uri="{FF2B5EF4-FFF2-40B4-BE49-F238E27FC236}">
-                <a16:creationId xmlns:a16="http://schemas.microsoft.com/office/drawing/2014/main" id="{12453D61-FB55-4998-9723-4C01C6BE73E6}"/>
-              </a:ext>
-            </a:extLst>
-          </p:cNvPr>
-          <p:cNvSpPr>
-            <a:spLocks noGrp="1"/>
-          </p:cNvSpPr>
-          <p:nvPr>
-            <p:ph idx="1"/>
-          </p:nvPr>
-        </p:nvSpPr>
-        <p:spPr/>
-        <p:txBody>
-          <a:bodyPr/>
-          <a:lstStyle/>
-          <a:p>
-            <a:r>
-              <a:rPr lang="en-US" dirty="0"/>
-              <a:t>Iterators</a:t>
-            </a:r>
-          </a:p>
-          <a:p>
-            <a:pPr lvl="1"/>
-            <a:r>
-              <a:rPr lang="en-US" dirty="0"/>
-              <a:t>In computer programming, an </a:t>
-            </a:r>
-            <a:r>
-              <a:rPr lang="en-US" b="1" dirty="0"/>
-              <a:t>iterator</a:t>
-            </a:r>
-            <a:r>
-              <a:rPr lang="en-US" dirty="0"/>
-              <a:t> is an object that enables a programmer to traverse a container, particularly lists. Various types of </a:t>
-            </a:r>
-            <a:r>
-              <a:rPr lang="en-US" b="1" dirty="0"/>
-              <a:t>iterators</a:t>
-            </a:r>
-            <a:r>
-              <a:rPr lang="en-US" dirty="0"/>
-              <a:t> are often provided via a container's interface.</a:t>
-            </a:r>
-          </a:p>
-          <a:p>
-            <a:r>
-              <a:rPr lang="en-US" dirty="0"/>
-              <a:t>Observers</a:t>
-            </a:r>
-          </a:p>
-          <a:p>
-            <a:pPr lvl="1"/>
-            <a:r>
-              <a:rPr lang="en-US" dirty="0"/>
-              <a:t>Flip that and make it a function of time</a:t>
-            </a:r>
-          </a:p>
-        </p:txBody>
-      </p:sp>
-    </p:spTree>
-    <p:extLst>
-      <p:ext uri="{BB962C8B-B14F-4D97-AF65-F5344CB8AC3E}">
-        <p14:creationId xmlns:p14="http://schemas.microsoft.com/office/powerpoint/2010/main" val="4281573142"/>
-      </p:ext>
-    </p:extLst>
-  </p:cSld>
-  <p:clrMapOvr>
-    <a:masterClrMapping/>
-  </p:clrMapOvr>
-</p:sld>
-</file>
-
-<file path=ppt/slides/slide30.xml><?xml version="1.0" encoding="utf-8"?>
-<p:sld xmlns:a="http://schemas.openxmlformats.org/drawingml/2006/main" xmlns:r="http://schemas.openxmlformats.org/officeDocument/2006/relationships" xmlns:p="http://schemas.openxmlformats.org/presentationml/2006/main">
-  <p:cSld>
-    <p:spTree>
-      <p:nvGrpSpPr>
-        <p:cNvPr id="1" name=""/>
-        <p:cNvGrpSpPr/>
-        <p:nvPr/>
-      </p:nvGrpSpPr>
-      <p:grpSpPr>
-        <a:xfrm>
-          <a:off x="0" y="0"/>
-          <a:ext cx="0" cy="0"/>
-          <a:chOff x="0" y="0"/>
-          <a:chExt cx="0" cy="0"/>
-        </a:xfrm>
-      </p:grpSpPr>
-      <p:sp>
-        <p:nvSpPr>
-          <p:cNvPr id="2" name="Title 1">
-            <a:extLst>
-              <a:ext uri="{FF2B5EF4-FFF2-40B4-BE49-F238E27FC236}">
                 <a16:creationId xmlns:a16="http://schemas.microsoft.com/office/drawing/2014/main" id="{4097C708-B439-47A2-9778-70A060810126}"/>
               </a:ext>
             </a:extLst>
@@ -23734,7 +24646,7 @@
 </p:sld>
 </file>
 
-<file path=ppt/slides/slide31.xml><?xml version="1.0" encoding="utf-8"?>
+<file path=ppt/slides/slide36.xml><?xml version="1.0" encoding="utf-8"?>
 <p:sld xmlns:a="http://schemas.openxmlformats.org/drawingml/2006/main" xmlns:r="http://schemas.openxmlformats.org/officeDocument/2006/relationships" xmlns:p="http://schemas.openxmlformats.org/presentationml/2006/main">
   <p:cSld>
     <p:spTree>
@@ -23822,7 +24734,7 @@
 </p:sld>
 </file>
 
-<file path=ppt/slides/slide32.xml><?xml version="1.0" encoding="utf-8"?>
+<file path=ppt/slides/slide37.xml><?xml version="1.0" encoding="utf-8"?>
 <p:sld xmlns:a="http://schemas.openxmlformats.org/drawingml/2006/main" xmlns:r="http://schemas.openxmlformats.org/officeDocument/2006/relationships" xmlns:p="http://schemas.openxmlformats.org/presentationml/2006/main">
   <p:cSld>
     <p:spTree>
@@ -24194,7 +25106,7 @@
 </p:sld>
 </file>
 
-<file path=ppt/slides/slide33.xml><?xml version="1.0" encoding="utf-8"?>
+<file path=ppt/slides/slide38.xml><?xml version="1.0" encoding="utf-8"?>
 <p:sld xmlns:a="http://schemas.openxmlformats.org/drawingml/2006/main" xmlns:r="http://schemas.openxmlformats.org/officeDocument/2006/relationships" xmlns:p="http://schemas.openxmlformats.org/presentationml/2006/main">
   <p:cSld>
     <p:spTree>
@@ -24313,7 +25225,7 @@
 </p:sld>
 </file>
 
-<file path=ppt/slides/slide34.xml><?xml version="1.0" encoding="utf-8"?>
+<file path=ppt/slides/slide39.xml><?xml version="1.0" encoding="utf-8"?>
 <p:sld xmlns:a="http://schemas.openxmlformats.org/drawingml/2006/main" xmlns:r="http://schemas.openxmlformats.org/officeDocument/2006/relationships" xmlns:p="http://schemas.openxmlformats.org/presentationml/2006/main">
   <p:cSld>
     <p:spTree>
@@ -24431,259 +25343,6 @@
 </p:sld>
 </file>
 
-<file path=ppt/slides/slide35.xml><?xml version="1.0" encoding="utf-8"?>
-<p:sld xmlns:a="http://schemas.openxmlformats.org/drawingml/2006/main" xmlns:r="http://schemas.openxmlformats.org/officeDocument/2006/relationships" xmlns:p="http://schemas.openxmlformats.org/presentationml/2006/main">
-  <p:cSld>
-    <p:spTree>
-      <p:nvGrpSpPr>
-        <p:cNvPr id="1" name=""/>
-        <p:cNvGrpSpPr/>
-        <p:nvPr/>
-      </p:nvGrpSpPr>
-      <p:grpSpPr>
-        <a:xfrm>
-          <a:off x="0" y="0"/>
-          <a:ext cx="0" cy="0"/>
-          <a:chOff x="0" y="0"/>
-          <a:chExt cx="0" cy="0"/>
-        </a:xfrm>
-      </p:grpSpPr>
-      <p:sp>
-        <p:nvSpPr>
-          <p:cNvPr id="2" name="Title 1">
-            <a:extLst>
-              <a:ext uri="{FF2B5EF4-FFF2-40B4-BE49-F238E27FC236}">
-                <a16:creationId xmlns:a16="http://schemas.microsoft.com/office/drawing/2014/main" id="{DF4887C3-FEC3-4A89-833B-3B924FFF9AB8}"/>
-              </a:ext>
-            </a:extLst>
-          </p:cNvPr>
-          <p:cNvSpPr>
-            <a:spLocks noGrp="1"/>
-          </p:cNvSpPr>
-          <p:nvPr>
-            <p:ph type="title"/>
-          </p:nvPr>
-        </p:nvSpPr>
-        <p:spPr/>
-        <p:txBody>
-          <a:bodyPr/>
-          <a:lstStyle/>
-          <a:p>
-            <a:r>
-              <a:rPr lang="en-US" dirty="0"/>
-              <a:t>Additional Libraries</a:t>
-            </a:r>
-          </a:p>
-        </p:txBody>
-      </p:sp>
-      <p:sp>
-        <p:nvSpPr>
-          <p:cNvPr id="3" name="Content Placeholder 2">
-            <a:extLst>
-              <a:ext uri="{FF2B5EF4-FFF2-40B4-BE49-F238E27FC236}">
-                <a16:creationId xmlns:a16="http://schemas.microsoft.com/office/drawing/2014/main" id="{0B79442A-1B5C-40B6-B42B-513F4797DB3E}"/>
-              </a:ext>
-            </a:extLst>
-          </p:cNvPr>
-          <p:cNvSpPr>
-            <a:spLocks noGrp="1"/>
-          </p:cNvSpPr>
-          <p:nvPr>
-            <p:ph idx="1"/>
-          </p:nvPr>
-        </p:nvSpPr>
-        <p:spPr/>
-        <p:txBody>
-          <a:bodyPr/>
-          <a:lstStyle/>
-          <a:p>
-            <a:r>
-              <a:rPr lang="en-US" dirty="0" err="1"/>
-              <a:t>Akavache</a:t>
-            </a:r>
-            <a:r>
-              <a:rPr lang="en-US" dirty="0"/>
-              <a:t> for cross platform key value store</a:t>
-            </a:r>
-          </a:p>
-          <a:p>
-            <a:r>
-              <a:rPr lang="en-US" dirty="0"/>
-              <a:t>Refit for a simple web client</a:t>
-            </a:r>
-          </a:p>
-        </p:txBody>
-      </p:sp>
-    </p:spTree>
-    <p:extLst>
-      <p:ext uri="{BB962C8B-B14F-4D97-AF65-F5344CB8AC3E}">
-        <p14:creationId xmlns:p14="http://schemas.microsoft.com/office/powerpoint/2010/main" val="1356759631"/>
-      </p:ext>
-    </p:extLst>
-  </p:cSld>
-  <p:clrMapOvr>
-    <a:masterClrMapping/>
-  </p:clrMapOvr>
-</p:sld>
-</file>
-
-<file path=ppt/slides/slide36.xml><?xml version="1.0" encoding="utf-8"?>
-<p:sld xmlns:a="http://schemas.openxmlformats.org/drawingml/2006/main" xmlns:r="http://schemas.openxmlformats.org/officeDocument/2006/relationships" xmlns:p="http://schemas.openxmlformats.org/presentationml/2006/main">
-  <p:cSld>
-    <p:spTree>
-      <p:nvGrpSpPr>
-        <p:cNvPr id="1" name=""/>
-        <p:cNvGrpSpPr/>
-        <p:nvPr/>
-      </p:nvGrpSpPr>
-      <p:grpSpPr>
-        <a:xfrm>
-          <a:off x="0" y="0"/>
-          <a:ext cx="0" cy="0"/>
-          <a:chOff x="0" y="0"/>
-          <a:chExt cx="0" cy="0"/>
-        </a:xfrm>
-      </p:grpSpPr>
-      <p:sp>
-        <p:nvSpPr>
-          <p:cNvPr id="2" name="Title 1">
-            <a:extLst>
-              <a:ext uri="{FF2B5EF4-FFF2-40B4-BE49-F238E27FC236}">
-                <a16:creationId xmlns:a16="http://schemas.microsoft.com/office/drawing/2014/main" id="{68D96EAF-72F3-4B74-8C3E-F739453A74F6}"/>
-              </a:ext>
-            </a:extLst>
-          </p:cNvPr>
-          <p:cNvSpPr>
-            <a:spLocks noGrp="1"/>
-          </p:cNvSpPr>
-          <p:nvPr>
-            <p:ph type="title"/>
-          </p:nvPr>
-        </p:nvSpPr>
-        <p:spPr/>
-        <p:txBody>
-          <a:bodyPr/>
-          <a:lstStyle/>
-          <a:p>
-            <a:r>
-              <a:rPr lang="en-US" dirty="0"/>
-              <a:t>Links</a:t>
-            </a:r>
-          </a:p>
-        </p:txBody>
-      </p:sp>
-      <p:sp>
-        <p:nvSpPr>
-          <p:cNvPr id="3" name="Content Placeholder 2">
-            <a:extLst>
-              <a:ext uri="{FF2B5EF4-FFF2-40B4-BE49-F238E27FC236}">
-                <a16:creationId xmlns:a16="http://schemas.microsoft.com/office/drawing/2014/main" id="{BDDA8B42-5248-4158-8D6F-57626879ECAD}"/>
-              </a:ext>
-            </a:extLst>
-          </p:cNvPr>
-          <p:cNvSpPr>
-            <a:spLocks noGrp="1"/>
-          </p:cNvSpPr>
-          <p:nvPr>
-            <p:ph idx="1"/>
-          </p:nvPr>
-        </p:nvSpPr>
-        <p:spPr>
-          <a:xfrm>
-            <a:off x="648287" y="1866900"/>
-            <a:ext cx="4758945" cy="2855530"/>
-          </a:xfrm>
-        </p:spPr>
-        <p:txBody>
-          <a:bodyPr>
-            <a:normAutofit/>
-          </a:bodyPr>
-          <a:lstStyle/>
-          <a:p>
-            <a:r>
-              <a:rPr lang="en-US" dirty="0">
-                <a:hlinkClick r:id="rId2"/>
-              </a:rPr>
-              <a:t>http://www.introtorx.com/</a:t>
-            </a:r>
-            <a:endParaRPr lang="en-US" dirty="0"/>
-          </a:p>
-          <a:p>
-            <a:r>
-              <a:rPr lang="en-US" dirty="0">
-                <a:hlinkClick r:id="rId3"/>
-              </a:rPr>
-              <a:t>https://github.com/RolandPheasant/DynamicData</a:t>
-            </a:r>
-            <a:endParaRPr lang="en-US" dirty="0"/>
-          </a:p>
-          <a:p>
-            <a:r>
-              <a:rPr lang="en-US" dirty="0">
-                <a:hlinkClick r:id="rId4"/>
-              </a:rPr>
-              <a:t>https://reactiveui.net/</a:t>
-            </a:r>
-            <a:endParaRPr lang="en-US" dirty="0"/>
-          </a:p>
-          <a:p>
-            <a:r>
-              <a:rPr lang="en-US" dirty="0"/>
-              <a:t>silversalmon.com/</a:t>
-            </a:r>
-          </a:p>
-          <a:p>
-            <a:r>
-              <a:rPr lang="en-US" dirty="0"/>
-              <a:t>Pingaring.com</a:t>
-            </a:r>
-          </a:p>
-          <a:p>
-            <a:r>
-              <a:rPr lang="en-US" dirty="0" err="1"/>
-              <a:t>LinqPad</a:t>
-            </a:r>
-            <a:r>
-              <a:rPr lang="en-US" dirty="0"/>
-              <a:t> has great integration</a:t>
-            </a:r>
-          </a:p>
-          <a:p>
-            <a:r>
-              <a:rPr lang="en-US" dirty="0"/>
-              <a:t>reactivex.io</a:t>
-            </a:r>
-          </a:p>
-          <a:p>
-            <a:r>
-              <a:rPr lang="en-US" dirty="0">
-                <a:hlinkClick r:id="rId5"/>
-              </a:rPr>
-              <a:t>https://github.com/paulcbetts/refit</a:t>
-            </a:r>
-            <a:endParaRPr lang="en-US" dirty="0"/>
-          </a:p>
-          <a:p>
-            <a:r>
-              <a:rPr lang="en-US" dirty="0"/>
-              <a:t>https://github.com/akavache/Akavache</a:t>
-            </a:r>
-          </a:p>
-        </p:txBody>
-      </p:sp>
-    </p:spTree>
-    <p:extLst>
-      <p:ext uri="{BB962C8B-B14F-4D97-AF65-F5344CB8AC3E}">
-        <p14:creationId xmlns:p14="http://schemas.microsoft.com/office/powerpoint/2010/main" val="72156241"/>
-      </p:ext>
-    </p:extLst>
-  </p:cSld>
-  <p:clrMapOvr>
-    <a:masterClrMapping/>
-  </p:clrMapOvr>
-</p:sld>
-</file>
-
 <file path=ppt/slides/slide4.xml><?xml version="1.0" encoding="utf-8"?>
 <p:sld xmlns:a="http://schemas.openxmlformats.org/drawingml/2006/main" xmlns:r="http://schemas.openxmlformats.org/officeDocument/2006/relationships" xmlns:p="http://schemas.openxmlformats.org/presentationml/2006/main">
   <p:cSld>
@@ -24772,6 +25431,259 @@
 </p:sld>
 </file>
 
+<file path=ppt/slides/slide40.xml><?xml version="1.0" encoding="utf-8"?>
+<p:sld xmlns:a="http://schemas.openxmlformats.org/drawingml/2006/main" xmlns:r="http://schemas.openxmlformats.org/officeDocument/2006/relationships" xmlns:p="http://schemas.openxmlformats.org/presentationml/2006/main">
+  <p:cSld>
+    <p:spTree>
+      <p:nvGrpSpPr>
+        <p:cNvPr id="1" name=""/>
+        <p:cNvGrpSpPr/>
+        <p:nvPr/>
+      </p:nvGrpSpPr>
+      <p:grpSpPr>
+        <a:xfrm>
+          <a:off x="0" y="0"/>
+          <a:ext cx="0" cy="0"/>
+          <a:chOff x="0" y="0"/>
+          <a:chExt cx="0" cy="0"/>
+        </a:xfrm>
+      </p:grpSpPr>
+      <p:sp>
+        <p:nvSpPr>
+          <p:cNvPr id="2" name="Title 1">
+            <a:extLst>
+              <a:ext uri="{FF2B5EF4-FFF2-40B4-BE49-F238E27FC236}">
+                <a16:creationId xmlns:a16="http://schemas.microsoft.com/office/drawing/2014/main" id="{DF4887C3-FEC3-4A89-833B-3B924FFF9AB8}"/>
+              </a:ext>
+            </a:extLst>
+          </p:cNvPr>
+          <p:cNvSpPr>
+            <a:spLocks noGrp="1"/>
+          </p:cNvSpPr>
+          <p:nvPr>
+            <p:ph type="title"/>
+          </p:nvPr>
+        </p:nvSpPr>
+        <p:spPr/>
+        <p:txBody>
+          <a:bodyPr/>
+          <a:lstStyle/>
+          <a:p>
+            <a:r>
+              <a:rPr lang="en-US" dirty="0"/>
+              <a:t>Additional Libraries</a:t>
+            </a:r>
+          </a:p>
+        </p:txBody>
+      </p:sp>
+      <p:sp>
+        <p:nvSpPr>
+          <p:cNvPr id="3" name="Content Placeholder 2">
+            <a:extLst>
+              <a:ext uri="{FF2B5EF4-FFF2-40B4-BE49-F238E27FC236}">
+                <a16:creationId xmlns:a16="http://schemas.microsoft.com/office/drawing/2014/main" id="{0B79442A-1B5C-40B6-B42B-513F4797DB3E}"/>
+              </a:ext>
+            </a:extLst>
+          </p:cNvPr>
+          <p:cNvSpPr>
+            <a:spLocks noGrp="1"/>
+          </p:cNvSpPr>
+          <p:nvPr>
+            <p:ph idx="1"/>
+          </p:nvPr>
+        </p:nvSpPr>
+        <p:spPr/>
+        <p:txBody>
+          <a:bodyPr/>
+          <a:lstStyle/>
+          <a:p>
+            <a:r>
+              <a:rPr lang="en-US" dirty="0" err="1"/>
+              <a:t>Akavache</a:t>
+            </a:r>
+            <a:r>
+              <a:rPr lang="en-US" dirty="0"/>
+              <a:t> for cross platform key value store</a:t>
+            </a:r>
+          </a:p>
+          <a:p>
+            <a:r>
+              <a:rPr lang="en-US" dirty="0"/>
+              <a:t>Refit for a simple web client</a:t>
+            </a:r>
+          </a:p>
+        </p:txBody>
+      </p:sp>
+    </p:spTree>
+    <p:extLst>
+      <p:ext uri="{BB962C8B-B14F-4D97-AF65-F5344CB8AC3E}">
+        <p14:creationId xmlns:p14="http://schemas.microsoft.com/office/powerpoint/2010/main" val="1356759631"/>
+      </p:ext>
+    </p:extLst>
+  </p:cSld>
+  <p:clrMapOvr>
+    <a:masterClrMapping/>
+  </p:clrMapOvr>
+</p:sld>
+</file>
+
+<file path=ppt/slides/slide41.xml><?xml version="1.0" encoding="utf-8"?>
+<p:sld xmlns:a="http://schemas.openxmlformats.org/drawingml/2006/main" xmlns:r="http://schemas.openxmlformats.org/officeDocument/2006/relationships" xmlns:p="http://schemas.openxmlformats.org/presentationml/2006/main">
+  <p:cSld>
+    <p:spTree>
+      <p:nvGrpSpPr>
+        <p:cNvPr id="1" name=""/>
+        <p:cNvGrpSpPr/>
+        <p:nvPr/>
+      </p:nvGrpSpPr>
+      <p:grpSpPr>
+        <a:xfrm>
+          <a:off x="0" y="0"/>
+          <a:ext cx="0" cy="0"/>
+          <a:chOff x="0" y="0"/>
+          <a:chExt cx="0" cy="0"/>
+        </a:xfrm>
+      </p:grpSpPr>
+      <p:sp>
+        <p:nvSpPr>
+          <p:cNvPr id="2" name="Title 1">
+            <a:extLst>
+              <a:ext uri="{FF2B5EF4-FFF2-40B4-BE49-F238E27FC236}">
+                <a16:creationId xmlns:a16="http://schemas.microsoft.com/office/drawing/2014/main" id="{68D96EAF-72F3-4B74-8C3E-F739453A74F6}"/>
+              </a:ext>
+            </a:extLst>
+          </p:cNvPr>
+          <p:cNvSpPr>
+            <a:spLocks noGrp="1"/>
+          </p:cNvSpPr>
+          <p:nvPr>
+            <p:ph type="title"/>
+          </p:nvPr>
+        </p:nvSpPr>
+        <p:spPr/>
+        <p:txBody>
+          <a:bodyPr/>
+          <a:lstStyle/>
+          <a:p>
+            <a:r>
+              <a:rPr lang="en-US" dirty="0"/>
+              <a:t>Links</a:t>
+            </a:r>
+          </a:p>
+        </p:txBody>
+      </p:sp>
+      <p:sp>
+        <p:nvSpPr>
+          <p:cNvPr id="3" name="Content Placeholder 2">
+            <a:extLst>
+              <a:ext uri="{FF2B5EF4-FFF2-40B4-BE49-F238E27FC236}">
+                <a16:creationId xmlns:a16="http://schemas.microsoft.com/office/drawing/2014/main" id="{BDDA8B42-5248-4158-8D6F-57626879ECAD}"/>
+              </a:ext>
+            </a:extLst>
+          </p:cNvPr>
+          <p:cNvSpPr>
+            <a:spLocks noGrp="1"/>
+          </p:cNvSpPr>
+          <p:nvPr>
+            <p:ph idx="1"/>
+          </p:nvPr>
+        </p:nvSpPr>
+        <p:spPr>
+          <a:xfrm>
+            <a:off x="648287" y="1866900"/>
+            <a:ext cx="4758945" cy="2855530"/>
+          </a:xfrm>
+        </p:spPr>
+        <p:txBody>
+          <a:bodyPr>
+            <a:normAutofit/>
+          </a:bodyPr>
+          <a:lstStyle/>
+          <a:p>
+            <a:r>
+              <a:rPr lang="en-US" dirty="0">
+                <a:hlinkClick r:id="rId2"/>
+              </a:rPr>
+              <a:t>http://www.introtorx.com/</a:t>
+            </a:r>
+            <a:endParaRPr lang="en-US" dirty="0"/>
+          </a:p>
+          <a:p>
+            <a:r>
+              <a:rPr lang="en-US" dirty="0">
+                <a:hlinkClick r:id="rId3"/>
+              </a:rPr>
+              <a:t>https://github.com/RolandPheasant/DynamicData</a:t>
+            </a:r>
+            <a:endParaRPr lang="en-US" dirty="0"/>
+          </a:p>
+          <a:p>
+            <a:r>
+              <a:rPr lang="en-US" dirty="0">
+                <a:hlinkClick r:id="rId4"/>
+              </a:rPr>
+              <a:t>https://reactiveui.net/</a:t>
+            </a:r>
+            <a:endParaRPr lang="en-US" dirty="0"/>
+          </a:p>
+          <a:p>
+            <a:r>
+              <a:rPr lang="en-US" dirty="0"/>
+              <a:t>silversalmon.com/</a:t>
+            </a:r>
+          </a:p>
+          <a:p>
+            <a:r>
+              <a:rPr lang="en-US" dirty="0"/>
+              <a:t>Pingaring.com</a:t>
+            </a:r>
+          </a:p>
+          <a:p>
+            <a:r>
+              <a:rPr lang="en-US" dirty="0" err="1"/>
+              <a:t>LinqPad</a:t>
+            </a:r>
+            <a:r>
+              <a:rPr lang="en-US" dirty="0"/>
+              <a:t> has great integration</a:t>
+            </a:r>
+          </a:p>
+          <a:p>
+            <a:r>
+              <a:rPr lang="en-US" dirty="0"/>
+              <a:t>reactivex.io</a:t>
+            </a:r>
+          </a:p>
+          <a:p>
+            <a:r>
+              <a:rPr lang="en-US" dirty="0">
+                <a:hlinkClick r:id="rId5"/>
+              </a:rPr>
+              <a:t>https://github.com/paulcbetts/refit</a:t>
+            </a:r>
+            <a:endParaRPr lang="en-US" dirty="0"/>
+          </a:p>
+          <a:p>
+            <a:r>
+              <a:rPr lang="en-US" dirty="0"/>
+              <a:t>https://github.com/akavache/Akavache</a:t>
+            </a:r>
+          </a:p>
+        </p:txBody>
+      </p:sp>
+    </p:spTree>
+    <p:extLst>
+      <p:ext uri="{BB962C8B-B14F-4D97-AF65-F5344CB8AC3E}">
+        <p14:creationId xmlns:p14="http://schemas.microsoft.com/office/powerpoint/2010/main" val="72156241"/>
+      </p:ext>
+    </p:extLst>
+  </p:cSld>
+  <p:clrMapOvr>
+    <a:masterClrMapping/>
+  </p:clrMapOvr>
+</p:sld>
+</file>
+
 <file path=ppt/slides/slide5.xml><?xml version="1.0" encoding="utf-8"?>
 <p:sld xmlns:a="http://schemas.openxmlformats.org/drawingml/2006/main" xmlns:r="http://schemas.openxmlformats.org/officeDocument/2006/relationships" xmlns:p="http://schemas.openxmlformats.org/presentationml/2006/main">
   <p:cSld>
@@ -24794,7 +25706,7 @@
           <p:cNvPr id="2" name="Title 1">
             <a:extLst>
               <a:ext uri="{FF2B5EF4-FFF2-40B4-BE49-F238E27FC236}">
-                <a16:creationId xmlns:a16="http://schemas.microsoft.com/office/drawing/2014/main" id="{9FD93FCA-1CDF-4909-B274-2FCF4363B8FC}"/>
+                <a16:creationId xmlns:a16="http://schemas.microsoft.com/office/drawing/2014/main" id="{A85E98DD-42AC-4AF0-858C-C0BAE5853F2E}"/>
               </a:ext>
             </a:extLst>
           </p:cNvPr>
@@ -24811,76 +25723,60 @@
           <a:lstStyle/>
           <a:p>
             <a:r>
+              <a:rPr lang="en-US" dirty="0" err="1"/>
+              <a:t>IObservable</a:t>
+            </a:r>
+            <a:r>
               <a:rPr lang="en-US" dirty="0"/>
-              <a:t>Apply same iterator idea to observables</a:t>
-            </a:r>
-          </a:p>
-        </p:txBody>
-      </p:sp>
-      <p:pic>
-        <p:nvPicPr>
-          <p:cNvPr id="4" name="Picture 3">
+              <a:t>&lt;T&gt;		</a:t>
+            </a:r>
+          </a:p>
+        </p:txBody>
+      </p:sp>
+      <p:sp>
+        <p:nvSpPr>
+          <p:cNvPr id="3" name="Content Placeholder 2">
             <a:extLst>
               <a:ext uri="{FF2B5EF4-FFF2-40B4-BE49-F238E27FC236}">
-                <a16:creationId xmlns:a16="http://schemas.microsoft.com/office/drawing/2014/main" id="{36D00384-5678-42CB-AAC4-9EA0BA3E140B}"/>
+                <a16:creationId xmlns:a16="http://schemas.microsoft.com/office/drawing/2014/main" id="{12453D61-FB55-4998-9723-4C01C6BE73E6}"/>
               </a:ext>
             </a:extLst>
           </p:cNvPr>
-          <p:cNvPicPr>
-            <a:picLocks noChangeAspect="1"/>
-          </p:cNvPicPr>
-          <p:nvPr/>
-        </p:nvPicPr>
-        <p:blipFill>
-          <a:blip r:embed="rId3"/>
-          <a:stretch>
-            <a:fillRect/>
-          </a:stretch>
-        </p:blipFill>
-        <p:spPr>
-          <a:xfrm>
-            <a:off x="576476" y="3339850"/>
-            <a:ext cx="5724525" cy="1333500"/>
-          </a:xfrm>
-          <a:prstGeom prst="rect">
-            <a:avLst/>
-          </a:prstGeom>
-        </p:spPr>
-      </p:pic>
-      <p:pic>
-        <p:nvPicPr>
-          <p:cNvPr id="5" name="Picture 4">
-            <a:extLst>
-              <a:ext uri="{FF2B5EF4-FFF2-40B4-BE49-F238E27FC236}">
-                <a16:creationId xmlns:a16="http://schemas.microsoft.com/office/drawing/2014/main" id="{46C1C899-7CDF-46F2-A0C7-5C6B5D9E71EB}"/>
-              </a:ext>
-            </a:extLst>
-          </p:cNvPr>
-          <p:cNvPicPr>
-            <a:picLocks noChangeAspect="1"/>
-          </p:cNvPicPr>
-          <p:nvPr/>
-        </p:nvPicPr>
-        <p:blipFill>
-          <a:blip r:embed="rId4"/>
-          <a:stretch>
-            <a:fillRect/>
-          </a:stretch>
-        </p:blipFill>
-        <p:spPr>
-          <a:xfrm>
-            <a:off x="1033462" y="1688435"/>
-            <a:ext cx="4791075" cy="1304925"/>
-          </a:xfrm>
-          <a:prstGeom prst="rect">
-            <a:avLst/>
-          </a:prstGeom>
-        </p:spPr>
-      </p:pic>
+          <p:cNvSpPr>
+            <a:spLocks noGrp="1"/>
+          </p:cNvSpPr>
+          <p:nvPr>
+            <p:ph idx="1"/>
+          </p:nvPr>
+        </p:nvSpPr>
+        <p:spPr/>
+        <p:txBody>
+          <a:bodyPr/>
+          <a:lstStyle/>
+          <a:p>
+            <a:r>
+              <a:rPr lang="en-US" dirty="0"/>
+              <a:t>Pushes data to a stream</a:t>
+            </a:r>
+          </a:p>
+          <a:p>
+            <a:r>
+              <a:rPr lang="en-US" dirty="0"/>
+              <a:t>Doesn’t really have an end or may have an end</a:t>
+            </a:r>
+          </a:p>
+          <a:p>
+            <a:r>
+              <a:rPr lang="en-US" dirty="0"/>
+              <a:t>Filter on your packages</a:t>
+            </a:r>
+          </a:p>
+        </p:txBody>
+      </p:sp>
     </p:spTree>
     <p:extLst>
       <p:ext uri="{BB962C8B-B14F-4D97-AF65-F5344CB8AC3E}">
-        <p14:creationId xmlns:p14="http://schemas.microsoft.com/office/powerpoint/2010/main" val="3204729738"/>
+        <p14:creationId xmlns:p14="http://schemas.microsoft.com/office/powerpoint/2010/main" val="434030699"/>
       </p:ext>
     </p:extLst>
   </p:cSld>
@@ -24912,7 +25808,7 @@
           <p:cNvPr id="2" name="Title 1">
             <a:extLst>
               <a:ext uri="{FF2B5EF4-FFF2-40B4-BE49-F238E27FC236}">
-                <a16:creationId xmlns:a16="http://schemas.microsoft.com/office/drawing/2014/main" id="{A02CA362-8947-46E0-A7B6-75C57CAD64F5}"/>
+                <a16:creationId xmlns:a16="http://schemas.microsoft.com/office/drawing/2014/main" id="{8DF67540-F21C-49EE-9B50-5F93C534D608}"/>
               </a:ext>
             </a:extLst>
           </p:cNvPr>
@@ -24930,45 +25826,178 @@
           <a:p>
             <a:r>
               <a:rPr lang="en-US" dirty="0"/>
-              <a:t>Map (Select)</a:t>
-            </a:r>
-          </a:p>
-        </p:txBody>
-      </p:sp>
-      <p:pic>
-        <p:nvPicPr>
-          <p:cNvPr id="3" name="Picture 2">
+              <a:t>Creating Observables</a:t>
+            </a:r>
+          </a:p>
+        </p:txBody>
+      </p:sp>
+      <p:sp>
+        <p:nvSpPr>
+          <p:cNvPr id="3" name="Content Placeholder 2">
             <a:extLst>
               <a:ext uri="{FF2B5EF4-FFF2-40B4-BE49-F238E27FC236}">
-                <a16:creationId xmlns:a16="http://schemas.microsoft.com/office/drawing/2014/main" id="{D04D6C6D-BD34-4A6E-A4FA-8E7DDE2B0C4E}"/>
+                <a16:creationId xmlns:a16="http://schemas.microsoft.com/office/drawing/2014/main" id="{31A20A76-419D-4C68-93C9-66F750DBD00D}"/>
               </a:ext>
             </a:extLst>
           </p:cNvPr>
-          <p:cNvPicPr>
-            <a:picLocks noChangeAspect="1"/>
-          </p:cNvPicPr>
-          <p:nvPr/>
-        </p:nvPicPr>
-        <p:blipFill>
-          <a:blip r:embed="rId3"/>
-          <a:stretch>
-            <a:fillRect/>
-          </a:stretch>
-        </p:blipFill>
+          <p:cNvSpPr>
+            <a:spLocks noGrp="1"/>
+          </p:cNvSpPr>
+          <p:nvPr>
+            <p:ph idx="1"/>
+          </p:nvPr>
+        </p:nvSpPr>
         <p:spPr>
           <a:xfrm>
-            <a:off x="702245" y="1726840"/>
-            <a:ext cx="5733300" cy="3153838"/>
+            <a:off x="648287" y="1866900"/>
+            <a:ext cx="6121948" cy="2647950"/>
           </a:xfrm>
-          <a:prstGeom prst="rect">
-            <a:avLst/>
-          </a:prstGeom>
         </p:spPr>
-      </p:pic>
+        <p:txBody>
+          <a:bodyPr>
+            <a:normAutofit lnSpcReduction="10000"/>
+          </a:bodyPr>
+          <a:lstStyle/>
+          <a:p>
+            <a:r>
+              <a:rPr lang="en-US" dirty="0" err="1"/>
+              <a:t>var</a:t>
+            </a:r>
+            <a:r>
+              <a:rPr lang="en-US" dirty="0"/>
+              <a:t> range = </a:t>
+            </a:r>
+            <a:r>
+              <a:rPr lang="en-US" dirty="0" err="1"/>
+              <a:t>Observable.Range</a:t>
+            </a:r>
+            <a:r>
+              <a:rPr lang="en-US" dirty="0"/>
+              <a:t>(10, 15);</a:t>
+            </a:r>
+          </a:p>
+          <a:p>
+            <a:r>
+              <a:rPr lang="en-US" dirty="0" err="1"/>
+              <a:t>singleValue</a:t>
+            </a:r>
+            <a:r>
+              <a:rPr lang="en-US" dirty="0"/>
+              <a:t> = </a:t>
+            </a:r>
+            <a:r>
+              <a:rPr lang="en-US" dirty="0" err="1"/>
+              <a:t>Observable.Return</a:t>
+            </a:r>
+            <a:r>
+              <a:rPr lang="en-US" dirty="0"/>
+              <a:t>("Value");</a:t>
+            </a:r>
+          </a:p>
+          <a:p>
+            <a:r>
+              <a:rPr lang="en-US" dirty="0" err="1"/>
+              <a:t>Observable.Timer</a:t>
+            </a:r>
+            <a:r>
+              <a:rPr lang="en-US" dirty="0"/>
+              <a:t>(</a:t>
+            </a:r>
+            <a:r>
+              <a:rPr lang="en-US" dirty="0" err="1"/>
+              <a:t>TimeSpan.FromSeconds</a:t>
+            </a:r>
+            <a:r>
+              <a:rPr lang="en-US" dirty="0"/>
+              <a:t>(1));</a:t>
+            </a:r>
+          </a:p>
+          <a:p>
+            <a:r>
+              <a:rPr lang="en-US" dirty="0" err="1"/>
+              <a:t>Observable.Interval</a:t>
+            </a:r>
+            <a:r>
+              <a:rPr lang="en-US" dirty="0"/>
+              <a:t>(</a:t>
+            </a:r>
+            <a:r>
+              <a:rPr lang="en-US" dirty="0" err="1"/>
+              <a:t>TimeSpan.FromSeconds</a:t>
+            </a:r>
+            <a:r>
+              <a:rPr lang="en-US" dirty="0"/>
+              <a:t>(1));</a:t>
+            </a:r>
+          </a:p>
+          <a:p>
+            <a:r>
+              <a:rPr lang="en-US" dirty="0" err="1"/>
+              <a:t>Observable.FromEventPattern</a:t>
+            </a:r>
+            <a:br>
+              <a:rPr lang="en-US" dirty="0"/>
+            </a:br>
+            <a:r>
+              <a:rPr lang="en-US" dirty="0"/>
+              <a:t>(</a:t>
+            </a:r>
+          </a:p>
+          <a:p>
+            <a:pPr marL="0" indent="0">
+              <a:buNone/>
+            </a:pPr>
+            <a:r>
+              <a:rPr lang="en-US" dirty="0"/>
+              <a:t>		x =&gt; </a:t>
+            </a:r>
+            <a:r>
+              <a:rPr lang="en-US" dirty="0" err="1"/>
+              <a:t>tbUserName.TextChanged</a:t>
+            </a:r>
+            <a:r>
+              <a:rPr lang="en-US" dirty="0"/>
+              <a:t> += x,</a:t>
+            </a:r>
+          </a:p>
+          <a:p>
+            <a:pPr marL="0" indent="0">
+              <a:buNone/>
+            </a:pPr>
+            <a:r>
+              <a:rPr lang="en-US" dirty="0"/>
+              <a:t>		x =&gt; </a:t>
+            </a:r>
+            <a:r>
+              <a:rPr lang="en-US" dirty="0" err="1"/>
+              <a:t>tbUserName.TextChanged</a:t>
+            </a:r>
+            <a:r>
+              <a:rPr lang="en-US" dirty="0"/>
+              <a:t> -= x</a:t>
+            </a:r>
+          </a:p>
+          <a:p>
+            <a:pPr marL="0" indent="0">
+              <a:buNone/>
+            </a:pPr>
+            <a:r>
+              <a:rPr lang="en-US" dirty="0"/>
+              <a:t>      )</a:t>
+            </a:r>
+          </a:p>
+          <a:p>
+            <a:endParaRPr lang="en-US" dirty="0"/>
+          </a:p>
+          <a:p>
+            <a:endParaRPr lang="en-US" dirty="0"/>
+          </a:p>
+        </p:txBody>
+      </p:sp>
     </p:spTree>
     <p:extLst>
       <p:ext uri="{BB962C8B-B14F-4D97-AF65-F5344CB8AC3E}">
-        <p14:creationId xmlns:p14="http://schemas.microsoft.com/office/powerpoint/2010/main" val="684950098"/>
+        <p14:creationId xmlns:p14="http://schemas.microsoft.com/office/powerpoint/2010/main" val="3145917687"/>
       </p:ext>
     </p:extLst>
   </p:cSld>
@@ -25000,7 +26029,7 @@
           <p:cNvPr id="2" name="Title 1">
             <a:extLst>
               <a:ext uri="{FF2B5EF4-FFF2-40B4-BE49-F238E27FC236}">
-                <a16:creationId xmlns:a16="http://schemas.microsoft.com/office/drawing/2014/main" id="{B2CAA9B5-D458-49B6-84D2-FDECAC4608F2}"/>
+                <a16:creationId xmlns:a16="http://schemas.microsoft.com/office/drawing/2014/main" id="{8DF67540-F21C-49EE-9B50-5F93C534D608}"/>
               </a:ext>
             </a:extLst>
           </p:cNvPr>
@@ -25017,47 +26046,75 @@
           <a:lstStyle/>
           <a:p>
             <a:r>
-              <a:rPr lang="en-US" dirty="0" err="1"/>
-              <a:t>TakeUntil</a:t>
-            </a:r>
-            <a:endParaRPr lang="en-US" dirty="0"/>
-          </a:p>
-        </p:txBody>
-      </p:sp>
-      <p:pic>
-        <p:nvPicPr>
-          <p:cNvPr id="3" name="Picture 2">
+              <a:rPr lang="en-US" dirty="0"/>
+              <a:t>Subscribing</a:t>
+            </a:r>
+          </a:p>
+        </p:txBody>
+      </p:sp>
+      <p:sp>
+        <p:nvSpPr>
+          <p:cNvPr id="3" name="Content Placeholder 2">
             <a:extLst>
               <a:ext uri="{FF2B5EF4-FFF2-40B4-BE49-F238E27FC236}">
-                <a16:creationId xmlns:a16="http://schemas.microsoft.com/office/drawing/2014/main" id="{4CC4419A-06A8-478C-8AC7-14F794982764}"/>
+                <a16:creationId xmlns:a16="http://schemas.microsoft.com/office/drawing/2014/main" id="{31A20A76-419D-4C68-93C9-66F750DBD00D}"/>
               </a:ext>
             </a:extLst>
           </p:cNvPr>
-          <p:cNvPicPr>
-            <a:picLocks noChangeAspect="1"/>
-          </p:cNvPicPr>
-          <p:nvPr/>
-        </p:nvPicPr>
-        <p:blipFill>
-          <a:blip r:embed="rId3"/>
-          <a:stretch>
-            <a:fillRect/>
-          </a:stretch>
-        </p:blipFill>
+          <p:cNvSpPr>
+            <a:spLocks noGrp="1"/>
+          </p:cNvSpPr>
+          <p:nvPr>
+            <p:ph idx="1"/>
+          </p:nvPr>
+        </p:nvSpPr>
         <p:spPr>
           <a:xfrm>
-            <a:off x="754375" y="1688435"/>
-            <a:ext cx="5349250" cy="3331446"/>
+            <a:off x="648287" y="1866900"/>
+            <a:ext cx="6121948" cy="2647950"/>
           </a:xfrm>
-          <a:prstGeom prst="rect">
-            <a:avLst/>
-          </a:prstGeom>
         </p:spPr>
-      </p:pic>
+        <p:txBody>
+          <a:bodyPr>
+            <a:normAutofit/>
+          </a:bodyPr>
+          <a:lstStyle/>
+          <a:p>
+            <a:r>
+              <a:rPr lang="en-US" dirty="0"/>
+              <a:t>Receives the values produced by observable</a:t>
+            </a:r>
+          </a:p>
+          <a:p>
+            <a:r>
+              <a:rPr lang="en-US" dirty="0"/>
+              <a:t>Values are processed by Action&lt;T&gt;</a:t>
+            </a:r>
+          </a:p>
+          <a:p>
+            <a:r>
+              <a:rPr lang="en-US" dirty="0"/>
+              <a:t>Multiple subscribes can watch an observer</a:t>
+            </a:r>
+          </a:p>
+          <a:p>
+            <a:r>
+              <a:rPr lang="en-US" dirty="0"/>
+              <a:t>Dispose pattern to stop listening</a:t>
+            </a:r>
+          </a:p>
+          <a:p>
+            <a:endParaRPr lang="en-US" dirty="0"/>
+          </a:p>
+          <a:p>
+            <a:endParaRPr lang="en-US" dirty="0"/>
+          </a:p>
+        </p:txBody>
+      </p:sp>
     </p:spTree>
     <p:extLst>
       <p:ext uri="{BB962C8B-B14F-4D97-AF65-F5344CB8AC3E}">
-        <p14:creationId xmlns:p14="http://schemas.microsoft.com/office/powerpoint/2010/main" val="676314589"/>
+        <p14:creationId xmlns:p14="http://schemas.microsoft.com/office/powerpoint/2010/main" val="176208650"/>
       </p:ext>
     </p:extLst>
   </p:cSld>
@@ -25089,7 +26146,7 @@
           <p:cNvPr id="2" name="Title 1">
             <a:extLst>
               <a:ext uri="{FF2B5EF4-FFF2-40B4-BE49-F238E27FC236}">
-                <a16:creationId xmlns:a16="http://schemas.microsoft.com/office/drawing/2014/main" id="{7D1F2645-BC41-42DD-805C-C6675B96F396}"/>
+                <a16:creationId xmlns:a16="http://schemas.microsoft.com/office/drawing/2014/main" id="{A02CA362-8947-46E0-A7B6-75C57CAD64F5}"/>
               </a:ext>
             </a:extLst>
           </p:cNvPr>
@@ -25106,22 +26163,18 @@
           <a:lstStyle/>
           <a:p>
             <a:r>
-              <a:rPr lang="en-US" dirty="0" err="1"/>
-              <a:t>Observable.ToList</a:t>
-            </a:r>
-            <a:r>
               <a:rPr lang="en-US" dirty="0"/>
-              <a:t>()</a:t>
+              <a:t>Filter (where) Operator</a:t>
             </a:r>
           </a:p>
         </p:txBody>
       </p:sp>
       <p:pic>
         <p:nvPicPr>
-          <p:cNvPr id="3" name="Picture 2">
+          <p:cNvPr id="4" name="Picture 3">
             <a:extLst>
               <a:ext uri="{FF2B5EF4-FFF2-40B4-BE49-F238E27FC236}">
-                <a16:creationId xmlns:a16="http://schemas.microsoft.com/office/drawing/2014/main" id="{D5FB4D91-548C-40DA-A343-B2FF32C17D90}"/>
+                <a16:creationId xmlns:a16="http://schemas.microsoft.com/office/drawing/2014/main" id="{0A2D5F02-ED95-487A-ADE4-3D0799AA927C}"/>
               </a:ext>
             </a:extLst>
           </p:cNvPr>
@@ -25138,8 +26191,8 @@
         </p:blipFill>
         <p:spPr>
           <a:xfrm>
-            <a:off x="485540" y="1765245"/>
-            <a:ext cx="5886920" cy="2930435"/>
+            <a:off x="356600" y="1734599"/>
+            <a:ext cx="6356694" cy="3408901"/>
           </a:xfrm>
           <a:prstGeom prst="rect">
             <a:avLst/>
@@ -25149,7 +26202,7 @@
     </p:spTree>
     <p:extLst>
       <p:ext uri="{BB962C8B-B14F-4D97-AF65-F5344CB8AC3E}">
-        <p14:creationId xmlns:p14="http://schemas.microsoft.com/office/powerpoint/2010/main" val="605407153"/>
+        <p14:creationId xmlns:p14="http://schemas.microsoft.com/office/powerpoint/2010/main" val="1918794499"/>
       </p:ext>
     </p:extLst>
   </p:cSld>
@@ -25181,7 +26234,7 @@
           <p:cNvPr id="2" name="Title 1">
             <a:extLst>
               <a:ext uri="{FF2B5EF4-FFF2-40B4-BE49-F238E27FC236}">
-                <a16:creationId xmlns:a16="http://schemas.microsoft.com/office/drawing/2014/main" id="{ECA14AE0-3009-4D07-83CA-9A08DCFED9BB}"/>
+                <a16:creationId xmlns:a16="http://schemas.microsoft.com/office/drawing/2014/main" id="{9FD93FCA-1CDF-4909-B274-2FCF4363B8FC}"/>
               </a:ext>
             </a:extLst>
           </p:cNvPr>
@@ -25199,17 +26252,17 @@
           <a:p>
             <a:r>
               <a:rPr lang="en-US" dirty="0"/>
-              <a:t>Declare when the rules of your events conclude</a:t>
+              <a:t>Apply same iterator idea to observables</a:t>
             </a:r>
           </a:p>
         </p:txBody>
       </p:sp>
       <p:pic>
         <p:nvPicPr>
-          <p:cNvPr id="5" name="Picture 4">
+          <p:cNvPr id="6" name="Picture 5">
             <a:extLst>
               <a:ext uri="{FF2B5EF4-FFF2-40B4-BE49-F238E27FC236}">
-                <a16:creationId xmlns:a16="http://schemas.microsoft.com/office/drawing/2014/main" id="{305BE1A6-2C9B-48E7-9CC7-BE602A60668E}"/>
+                <a16:creationId xmlns:a16="http://schemas.microsoft.com/office/drawing/2014/main" id="{A7F28333-743F-4769-984D-CBD80A351448}"/>
               </a:ext>
             </a:extLst>
           </p:cNvPr>
@@ -25226,68 +26279,8 @@
         </p:blipFill>
         <p:spPr>
           <a:xfrm>
-            <a:off x="1884800" y="2590949"/>
-            <a:ext cx="3200400" cy="723900"/>
-          </a:xfrm>
-          <a:prstGeom prst="rect">
-            <a:avLst/>
-          </a:prstGeom>
-        </p:spPr>
-      </p:pic>
-      <p:pic>
-        <p:nvPicPr>
-          <p:cNvPr id="6" name="Picture 5">
-            <a:extLst>
-              <a:ext uri="{FF2B5EF4-FFF2-40B4-BE49-F238E27FC236}">
-                <a16:creationId xmlns:a16="http://schemas.microsoft.com/office/drawing/2014/main" id="{D67965C7-5433-4A00-A7F5-FD4398607001}"/>
-              </a:ext>
-            </a:extLst>
-          </p:cNvPr>
-          <p:cNvPicPr>
-            <a:picLocks noChangeAspect="1"/>
-          </p:cNvPicPr>
-          <p:nvPr/>
-        </p:nvPicPr>
-        <p:blipFill>
-          <a:blip r:embed="rId4"/>
-          <a:stretch>
-            <a:fillRect/>
-          </a:stretch>
-        </p:blipFill>
-        <p:spPr>
-          <a:xfrm>
-            <a:off x="2084825" y="1742649"/>
-            <a:ext cx="2800350" cy="695325"/>
-          </a:xfrm>
-          <a:prstGeom prst="rect">
-            <a:avLst/>
-          </a:prstGeom>
-        </p:spPr>
-      </p:pic>
-      <p:pic>
-        <p:nvPicPr>
-          <p:cNvPr id="7" name="Picture 6">
-            <a:extLst>
-              <a:ext uri="{FF2B5EF4-FFF2-40B4-BE49-F238E27FC236}">
-                <a16:creationId xmlns:a16="http://schemas.microsoft.com/office/drawing/2014/main" id="{8C031375-FAA0-4A4C-AE91-EE72839B474E}"/>
-              </a:ext>
-            </a:extLst>
-          </p:cNvPr>
-          <p:cNvPicPr>
-            <a:picLocks noChangeAspect="1"/>
-          </p:cNvPicPr>
-          <p:nvPr/>
-        </p:nvPicPr>
-        <p:blipFill>
-          <a:blip r:embed="rId5"/>
-          <a:stretch>
-            <a:fillRect/>
-          </a:stretch>
-        </p:blipFill>
-        <p:spPr>
-          <a:xfrm>
-            <a:off x="551300" y="3467824"/>
-            <a:ext cx="5867400" cy="1352550"/>
+            <a:off x="785812" y="2142147"/>
+            <a:ext cx="5286375" cy="2314575"/>
           </a:xfrm>
           <a:prstGeom prst="rect">
             <a:avLst/>
@@ -25297,7 +26290,7 @@
     </p:spTree>
     <p:extLst>
       <p:ext uri="{BB962C8B-B14F-4D97-AF65-F5344CB8AC3E}">
-        <p14:creationId xmlns:p14="http://schemas.microsoft.com/office/powerpoint/2010/main" val="3732777817"/>
+        <p14:creationId xmlns:p14="http://schemas.microsoft.com/office/powerpoint/2010/main" val="3204729738"/>
       </p:ext>
     </p:extLst>
   </p:cSld>

--- a/DenverDevDays20171116.pptx
+++ b/DenverDevDays20171116.pptx
@@ -6,7 +6,7 @@
     <p:sldMasterId id="2147483738" r:id="rId2"/>
   </p:sldMasterIdLst>
   <p:notesMasterIdLst>
-    <p:notesMasterId r:id="rId44"/>
+    <p:notesMasterId r:id="rId37"/>
   </p:notesMasterIdLst>
   <p:sldIdLst>
     <p:sldId id="260" r:id="rId3"/>
@@ -15,41 +15,34 @@
     <p:sldId id="282" r:id="rId6"/>
     <p:sldId id="308" r:id="rId7"/>
     <p:sldId id="309" r:id="rId8"/>
-    <p:sldId id="311" r:id="rId9"/>
-    <p:sldId id="310" r:id="rId10"/>
+    <p:sldId id="284" r:id="rId9"/>
+    <p:sldId id="311" r:id="rId10"/>
     <p:sldId id="285" r:id="rId11"/>
-    <p:sldId id="284" r:id="rId12"/>
-    <p:sldId id="312" r:id="rId13"/>
-    <p:sldId id="283" r:id="rId14"/>
-    <p:sldId id="306" r:id="rId15"/>
-    <p:sldId id="287" r:id="rId16"/>
-    <p:sldId id="301" r:id="rId17"/>
-    <p:sldId id="300" r:id="rId18"/>
-    <p:sldId id="261" r:id="rId19"/>
-    <p:sldId id="267" r:id="rId20"/>
-    <p:sldId id="270" r:id="rId21"/>
-    <p:sldId id="269" r:id="rId22"/>
-    <p:sldId id="298" r:id="rId23"/>
-    <p:sldId id="280" r:id="rId24"/>
-    <p:sldId id="262" r:id="rId25"/>
-    <p:sldId id="263" r:id="rId26"/>
-    <p:sldId id="264" r:id="rId27"/>
-    <p:sldId id="265" r:id="rId28"/>
-    <p:sldId id="288" r:id="rId29"/>
-    <p:sldId id="266" r:id="rId30"/>
-    <p:sldId id="268" r:id="rId31"/>
-    <p:sldId id="271" r:id="rId32"/>
-    <p:sldId id="272" r:id="rId33"/>
-    <p:sldId id="275" r:id="rId34"/>
-    <p:sldId id="276" r:id="rId35"/>
-    <p:sldId id="278" r:id="rId36"/>
-    <p:sldId id="303" r:id="rId37"/>
-    <p:sldId id="277" r:id="rId38"/>
-    <p:sldId id="274" r:id="rId39"/>
-    <p:sldId id="304" r:id="rId40"/>
-    <p:sldId id="305" r:id="rId41"/>
-    <p:sldId id="281" r:id="rId42"/>
-    <p:sldId id="302" r:id="rId43"/>
+    <p:sldId id="310" r:id="rId12"/>
+    <p:sldId id="261" r:id="rId13"/>
+    <p:sldId id="312" r:id="rId14"/>
+    <p:sldId id="267" r:id="rId15"/>
+    <p:sldId id="269" r:id="rId16"/>
+    <p:sldId id="280" r:id="rId17"/>
+    <p:sldId id="262" r:id="rId18"/>
+    <p:sldId id="264" r:id="rId19"/>
+    <p:sldId id="288" r:id="rId20"/>
+    <p:sldId id="266" r:id="rId21"/>
+    <p:sldId id="268" r:id="rId22"/>
+    <p:sldId id="271" r:id="rId23"/>
+    <p:sldId id="272" r:id="rId24"/>
+    <p:sldId id="313" r:id="rId25"/>
+    <p:sldId id="275" r:id="rId26"/>
+    <p:sldId id="276" r:id="rId27"/>
+    <p:sldId id="278" r:id="rId28"/>
+    <p:sldId id="303" r:id="rId29"/>
+    <p:sldId id="277" r:id="rId30"/>
+    <p:sldId id="274" r:id="rId31"/>
+    <p:sldId id="304" r:id="rId32"/>
+    <p:sldId id="305" r:id="rId33"/>
+    <p:sldId id="281" r:id="rId34"/>
+    <p:sldId id="302" r:id="rId35"/>
+    <p:sldId id="314" r:id="rId36"/>
   </p:sldIdLst>
   <p:sldSz cx="6858000" cy="5143500"/>
   <p:notesSz cx="6858000" cy="9144000"/>
@@ -159,31 +152,23 @@
             <p14:sldId id="282"/>
             <p14:sldId id="308"/>
             <p14:sldId id="309"/>
+            <p14:sldId id="284"/>
             <p14:sldId id="311"/>
+            <p14:sldId id="285"/>
             <p14:sldId id="310"/>
-            <p14:sldId id="285"/>
-            <p14:sldId id="284"/>
+            <p14:sldId id="261"/>
             <p14:sldId id="312"/>
-            <p14:sldId id="283"/>
-            <p14:sldId id="306"/>
-            <p14:sldId id="287"/>
-            <p14:sldId id="301"/>
-            <p14:sldId id="300"/>
-            <p14:sldId id="261"/>
             <p14:sldId id="267"/>
-            <p14:sldId id="270"/>
             <p14:sldId id="269"/>
-            <p14:sldId id="298"/>
             <p14:sldId id="280"/>
             <p14:sldId id="262"/>
-            <p14:sldId id="263"/>
             <p14:sldId id="264"/>
-            <p14:sldId id="265"/>
             <p14:sldId id="288"/>
             <p14:sldId id="266"/>
             <p14:sldId id="268"/>
             <p14:sldId id="271"/>
             <p14:sldId id="272"/>
+            <p14:sldId id="313"/>
             <p14:sldId id="275"/>
             <p14:sldId id="276"/>
             <p14:sldId id="278"/>
@@ -194,6 +179,7 @@
             <p14:sldId id="305"/>
             <p14:sldId id="281"/>
             <p14:sldId id="302"/>
+            <p14:sldId id="314"/>
           </p14:sldIdLst>
         </p14:section>
       </p14:sectionLst>
@@ -1946,7 +1932,7 @@
           <a:p>
             <a:r>
               <a:rPr lang="en-US" dirty="0"/>
-              <a:t>Super charges your disposables to allow for lots of ways to indicate when you want something to conclude</a:t>
+              <a:t>This is your basic transform operator</a:t>
             </a:r>
           </a:p>
         </p:txBody>
@@ -1977,7 +1963,7 @@
     </p:spTree>
     <p:extLst>
       <p:ext uri="{BB962C8B-B14F-4D97-AF65-F5344CB8AC3E}">
-        <p14:creationId xmlns:p14="http://schemas.microsoft.com/office/powerpoint/2010/main" val="2743236510"/>
+        <p14:creationId xmlns:p14="http://schemas.microsoft.com/office/powerpoint/2010/main" val="4040917862"/>
       </p:ext>
     </p:extLst>
   </p:cSld>
@@ -2031,22 +2017,13 @@
           <a:bodyPr/>
           <a:lstStyle/>
           <a:p>
-            <a:pPr marL="0" marR="0" lvl="0" indent="0" algn="l" defTabSz="914400" rtl="0" eaLnBrk="1" fontAlgn="auto" latinLnBrk="0" hangingPunct="1">
+            <a:pPr>
               <a:lnSpc>
-                <a:spcPct val="100000"/>
+                <a:spcPct val="107000"/>
               </a:lnSpc>
-              <a:spcBef>
-                <a:spcPts val="0"/>
-              </a:spcBef>
               <a:spcAft>
-                <a:spcPts val="0"/>
+                <a:spcPts val="800"/>
               </a:spcAft>
-              <a:buClrTx/>
-              <a:buSzTx/>
-              <a:buFontTx/>
-              <a:buNone/>
-              <a:tabLst/>
-              <a:defRPr/>
             </a:pPr>
             <a:r>
               <a:rPr lang="en-US" dirty="0">
@@ -2054,7 +2031,7 @@
                 <a:ea typeface="Calibri" panose="020F0502020204030204" pitchFamily="34" charset="0"/>
                 <a:cs typeface="Times New Roman" panose="02020603050405020304" pitchFamily="18" charset="0"/>
               </a:rPr>
-              <a:t>Now think about this same idea applied to the Observer pattern or to the pub sub model. In both models you have </a:t>
+              <a:t>There are a lot of really cool things once you’re able to describe your events with these Observable objects because that gives you a tactile element to work with. You can start doing really cool things with </a:t>
             </a:r>
             <a:r>
               <a:rPr lang="en-US" b="1" dirty="0">
@@ -2062,7 +2039,7 @@
                 <a:ea typeface="Calibri" panose="020F0502020204030204" pitchFamily="34" charset="0"/>
                 <a:cs typeface="Times New Roman" panose="02020603050405020304" pitchFamily="18" charset="0"/>
               </a:rPr>
-              <a:t>a set of messages you </a:t>
+              <a:t>exception handling</a:t>
             </a:r>
             <a:r>
               <a:rPr lang="en-US" dirty="0">
@@ -2070,7 +2047,7 @@
                 <a:ea typeface="Calibri" panose="020F0502020204030204" pitchFamily="34" charset="0"/>
                 <a:cs typeface="Times New Roman" panose="02020603050405020304" pitchFamily="18" charset="0"/>
               </a:rPr>
-              <a:t>want to </a:t>
+              <a:t> and </a:t>
             </a:r>
             <a:r>
               <a:rPr lang="en-US" b="1" dirty="0">
@@ -2078,7 +2055,7 @@
                 <a:ea typeface="Calibri" panose="020F0502020204030204" pitchFamily="34" charset="0"/>
                 <a:cs typeface="Times New Roman" panose="02020603050405020304" pitchFamily="18" charset="0"/>
               </a:rPr>
-              <a:t>iterate</a:t>
+              <a:t>retrying</a:t>
             </a:r>
             <a:r>
               <a:rPr lang="en-US" dirty="0">
@@ -2086,26 +2063,17 @@
                 <a:ea typeface="Calibri" panose="020F0502020204030204" pitchFamily="34" charset="0"/>
                 <a:cs typeface="Times New Roman" panose="02020603050405020304" pitchFamily="18" charset="0"/>
               </a:rPr>
-              <a:t> over the main difference is the direction of the iteration. </a:t>
-            </a:r>
-          </a:p>
-          <a:p>
-            <a:pPr marL="0" marR="0" lvl="0" indent="0" algn="l" defTabSz="914400" rtl="0" eaLnBrk="1" fontAlgn="auto" latinLnBrk="0" hangingPunct="1">
+              <a:t> your Observables by describing your intent.</a:t>
+            </a:r>
+          </a:p>
+          <a:p>
+            <a:pPr>
               <a:lnSpc>
-                <a:spcPct val="100000"/>
+                <a:spcPct val="107000"/>
               </a:lnSpc>
-              <a:spcBef>
-                <a:spcPts val="0"/>
-              </a:spcBef>
               <a:spcAft>
-                <a:spcPts val="0"/>
+                <a:spcPts val="800"/>
               </a:spcAft>
-              <a:buClrTx/>
-              <a:buSzTx/>
-              <a:buFontTx/>
-              <a:buNone/>
-              <a:tabLst/>
-              <a:defRPr/>
             </a:pPr>
             <a:endParaRPr lang="en-US" dirty="0">
               <a:latin typeface="Calibri" panose="020F0502020204030204" pitchFamily="34" charset="0"/>
@@ -2114,22 +2082,13 @@
             </a:endParaRPr>
           </a:p>
           <a:p>
-            <a:pPr marL="0" marR="0" lvl="0" indent="0" algn="l" defTabSz="914400" rtl="0" eaLnBrk="1" fontAlgn="auto" latinLnBrk="0" hangingPunct="1">
+            <a:pPr>
               <a:lnSpc>
-                <a:spcPct val="100000"/>
+                <a:spcPct val="107000"/>
               </a:lnSpc>
-              <a:spcBef>
-                <a:spcPts val="0"/>
-              </a:spcBef>
               <a:spcAft>
-                <a:spcPts val="0"/>
+                <a:spcPts val="800"/>
               </a:spcAft>
-              <a:buClrTx/>
-              <a:buSzTx/>
-              <a:buFontTx/>
-              <a:buNone/>
-              <a:tabLst/>
-              <a:defRPr/>
             </a:pPr>
             <a:r>
               <a:rPr lang="en-US" dirty="0">
@@ -2137,41 +2096,8 @@
                 <a:ea typeface="Calibri" panose="020F0502020204030204" pitchFamily="34" charset="0"/>
                 <a:cs typeface="Times New Roman" panose="02020603050405020304" pitchFamily="18" charset="0"/>
               </a:rPr>
-              <a:t>With the </a:t>
-            </a:r>
-            <a:r>
-              <a:rPr lang="en-US" b="1" dirty="0">
-                <a:latin typeface="Calibri" panose="020F0502020204030204" pitchFamily="34" charset="0"/>
-                <a:ea typeface="Calibri" panose="020F0502020204030204" pitchFamily="34" charset="0"/>
-                <a:cs typeface="Times New Roman" panose="02020603050405020304" pitchFamily="18" charset="0"/>
-              </a:rPr>
-              <a:t>observer pattern the producer controls </a:t>
-            </a:r>
-            <a:r>
-              <a:rPr lang="en-US" dirty="0">
-                <a:latin typeface="Calibri" panose="020F0502020204030204" pitchFamily="34" charset="0"/>
-                <a:ea typeface="Calibri" panose="020F0502020204030204" pitchFamily="34" charset="0"/>
-                <a:cs typeface="Times New Roman" panose="02020603050405020304" pitchFamily="18" charset="0"/>
-              </a:rPr>
-              <a:t>the iteration whereas </a:t>
-            </a:r>
-            <a:r>
-              <a:rPr lang="en-US" b="1" dirty="0">
-                <a:latin typeface="Calibri" panose="020F0502020204030204" pitchFamily="34" charset="0"/>
-                <a:ea typeface="Calibri" panose="020F0502020204030204" pitchFamily="34" charset="0"/>
-                <a:cs typeface="Times New Roman" panose="02020603050405020304" pitchFamily="18" charset="0"/>
-              </a:rPr>
-              <a:t>with the iterator pattern you control it</a:t>
-            </a:r>
-            <a:r>
-              <a:rPr lang="en-US" dirty="0">
-                <a:latin typeface="Calibri" panose="020F0502020204030204" pitchFamily="34" charset="0"/>
-                <a:ea typeface="Calibri" panose="020F0502020204030204" pitchFamily="34" charset="0"/>
-                <a:cs typeface="Times New Roman" panose="02020603050405020304" pitchFamily="18" charset="0"/>
-              </a:rPr>
-              <a:t>.  One extension that Reactive brings to the equation of the Observer pattern is the idea of declaratively stating when you’re done. </a:t>
-            </a:r>
-            <a:endParaRPr lang="en-US" dirty="0"/>
+              <a:t>Everything just becomes a stream of events and information</a:t>
+            </a:r>
           </a:p>
           <a:p>
             <a:endParaRPr lang="en-US" dirty="0"/>
@@ -2204,7 +2130,7 @@
     </p:spTree>
     <p:extLst>
       <p:ext uri="{BB962C8B-B14F-4D97-AF65-F5344CB8AC3E}">
-        <p14:creationId xmlns:p14="http://schemas.microsoft.com/office/powerpoint/2010/main" val="3987543394"/>
+        <p14:creationId xmlns:p14="http://schemas.microsoft.com/office/powerpoint/2010/main" val="3534255802"/>
       </p:ext>
     </p:extLst>
   </p:cSld>
@@ -2258,37 +2184,13 @@
           <a:bodyPr/>
           <a:lstStyle/>
           <a:p>
-            <a:pPr>
-              <a:lnSpc>
-                <a:spcPct val="107000"/>
-              </a:lnSpc>
-              <a:spcAft>
-                <a:spcPts val="800"/>
-              </a:spcAft>
-            </a:pPr>
-            <a:r>
-              <a:rPr lang="en-US" dirty="0">
-                <a:latin typeface="Calibri" panose="020F0502020204030204" pitchFamily="34" charset="0"/>
-                <a:ea typeface="Calibri" panose="020F0502020204030204" pitchFamily="34" charset="0"/>
-                <a:cs typeface="Times New Roman" panose="02020603050405020304" pitchFamily="18" charset="0"/>
-              </a:rPr>
-              <a:t>Prism </a:t>
-            </a:r>
-            <a:r>
-              <a:rPr lang="en-US" dirty="0" err="1">
-                <a:latin typeface="Calibri" panose="020F0502020204030204" pitchFamily="34" charset="0"/>
-                <a:ea typeface="Calibri" panose="020F0502020204030204" pitchFamily="34" charset="0"/>
-                <a:cs typeface="Times New Roman" panose="02020603050405020304" pitchFamily="18" charset="0"/>
-              </a:rPr>
-              <a:t>EventAggregator</a:t>
-            </a:r>
-            <a:r>
-              <a:rPr lang="en-US" dirty="0">
-                <a:latin typeface="Calibri" panose="020F0502020204030204" pitchFamily="34" charset="0"/>
-                <a:ea typeface="Calibri" panose="020F0502020204030204" pitchFamily="34" charset="0"/>
-                <a:cs typeface="Times New Roman" panose="02020603050405020304" pitchFamily="18" charset="0"/>
-              </a:rPr>
-              <a:t> and that overload you conveniently ignored until all your memory leaked everywhere. </a:t>
+            <a:r>
+              <a:rPr lang="en-US" dirty="0"/>
+              <a:t>Review concepts of managing your streams with marble diagrams real quick before jumping into </a:t>
+            </a:r>
+            <a:r>
+              <a:rPr lang="en-US" dirty="0" err="1"/>
+              <a:t>RxUI</a:t>
             </a:r>
             <a:endParaRPr lang="en-US" dirty="0"/>
           </a:p>
@@ -2311,7 +2213,7 @@
           <a:p>
             <a:fld id="{5D79DF13-5F95-4E48-8467-8F80F2768465}" type="slidenum">
               <a:rPr lang="en-US" smtClean="0"/>
-              <a:t>12</a:t>
+              <a:t>13</a:t>
             </a:fld>
             <a:endParaRPr lang="en-US"/>
           </a:p>
@@ -2320,7 +2222,7 @@
     </p:spTree>
     <p:extLst>
       <p:ext uri="{BB962C8B-B14F-4D97-AF65-F5344CB8AC3E}">
-        <p14:creationId xmlns:p14="http://schemas.microsoft.com/office/powerpoint/2010/main" val="2046236404"/>
+        <p14:creationId xmlns:p14="http://schemas.microsoft.com/office/powerpoint/2010/main" val="1387518610"/>
       </p:ext>
     </p:extLst>
   </p:cSld>
@@ -2374,10 +2276,43 @@
           <a:bodyPr/>
           <a:lstStyle/>
           <a:p>
-            <a:r>
-              <a:rPr lang="en-US" dirty="0"/>
-              <a:t>This is your basic transform operator</a:t>
-            </a:r>
+            <a:pPr>
+              <a:lnSpc>
+                <a:spcPct val="107000"/>
+              </a:lnSpc>
+              <a:spcAft>
+                <a:spcPts val="800"/>
+              </a:spcAft>
+            </a:pPr>
+            <a:r>
+              <a:rPr lang="en-US" dirty="0">
+                <a:latin typeface="Calibri" panose="020F0502020204030204" pitchFamily="34" charset="0"/>
+                <a:ea typeface="Calibri" panose="020F0502020204030204" pitchFamily="34" charset="0"/>
+                <a:cs typeface="Times New Roman" panose="02020603050405020304" pitchFamily="18" charset="0"/>
+              </a:rPr>
+              <a:t>You see this a lot now in JS with Angular 2 becoming popular now there’s a much larger excitement around tying in Reactive features to your UI. </a:t>
+            </a:r>
+          </a:p>
+          <a:p>
+            <a:pPr>
+              <a:lnSpc>
+                <a:spcPct val="107000"/>
+              </a:lnSpc>
+              <a:spcAft>
+                <a:spcPts val="800"/>
+              </a:spcAft>
+            </a:pPr>
+            <a:r>
+              <a:rPr lang="en-US" dirty="0">
+                <a:latin typeface="Calibri" panose="020F0502020204030204" pitchFamily="34" charset="0"/>
+                <a:ea typeface="Calibri" panose="020F0502020204030204" pitchFamily="34" charset="0"/>
+                <a:cs typeface="Times New Roman" panose="02020603050405020304" pitchFamily="18" charset="0"/>
+              </a:rPr>
+              <a:t>You’re basically turning all of your properties into streams of events. You’re turning them into time based arrays that you can “iterate” over and perform the same type of LINQ like interactions against</a:t>
+            </a:r>
+          </a:p>
+          <a:p>
+            <a:endParaRPr lang="en-US" dirty="0"/>
           </a:p>
         </p:txBody>
       </p:sp>
@@ -2398,7 +2333,7 @@
           <a:p>
             <a:fld id="{5D79DF13-5F95-4E48-8467-8F80F2768465}" type="slidenum">
               <a:rPr lang="en-US" smtClean="0"/>
-              <a:t>13</a:t>
+              <a:t>16</a:t>
             </a:fld>
             <a:endParaRPr lang="en-US"/>
           </a:p>
@@ -2407,7 +2342,7 @@
     </p:spTree>
     <p:extLst>
       <p:ext uri="{BB962C8B-B14F-4D97-AF65-F5344CB8AC3E}">
-        <p14:creationId xmlns:p14="http://schemas.microsoft.com/office/powerpoint/2010/main" val="2993121876"/>
+        <p14:creationId xmlns:p14="http://schemas.microsoft.com/office/powerpoint/2010/main" val="2992442398"/>
       </p:ext>
     </p:extLst>
   </p:cSld>
@@ -2461,55 +2396,7 @@
           <a:bodyPr/>
           <a:lstStyle/>
           <a:p>
-            <a:pPr>
-              <a:lnSpc>
-                <a:spcPct val="107000"/>
-              </a:lnSpc>
-              <a:spcAft>
-                <a:spcPts val="800"/>
-              </a:spcAft>
-            </a:pPr>
-            <a:r>
-              <a:rPr lang="en-US" dirty="0">
-                <a:latin typeface="Calibri" panose="020F0502020204030204" pitchFamily="34" charset="0"/>
-                <a:ea typeface="Calibri" panose="020F0502020204030204" pitchFamily="34" charset="0"/>
-                <a:cs typeface="Times New Roman" panose="02020603050405020304" pitchFamily="18" charset="0"/>
-              </a:rPr>
-              <a:t>How many people here have had to track down and fix leaky events?  Alright for the 6 of you that didn’t raise your hand I have some bad news for you about your code base.</a:t>
-            </a:r>
-          </a:p>
-          <a:p>
-            <a:pPr>
-              <a:lnSpc>
-                <a:spcPct val="107000"/>
-              </a:lnSpc>
-              <a:spcAft>
-                <a:spcPts val="800"/>
-              </a:spcAft>
-            </a:pPr>
-            <a:endParaRPr lang="en-US" dirty="0">
-              <a:latin typeface="Calibri" panose="020F0502020204030204" pitchFamily="34" charset="0"/>
-              <a:ea typeface="Calibri" panose="020F0502020204030204" pitchFamily="34" charset="0"/>
-              <a:cs typeface="Times New Roman" panose="02020603050405020304" pitchFamily="18" charset="0"/>
-            </a:endParaRPr>
-          </a:p>
-          <a:p>
-            <a:pPr>
-              <a:lnSpc>
-                <a:spcPct val="107000"/>
-              </a:lnSpc>
-              <a:spcAft>
-                <a:spcPts val="800"/>
-              </a:spcAft>
-            </a:pPr>
-            <a:r>
-              <a:rPr lang="en-US" dirty="0">
-                <a:latin typeface="Calibri" panose="020F0502020204030204" pitchFamily="34" charset="0"/>
-                <a:ea typeface="Calibri" panose="020F0502020204030204" pitchFamily="34" charset="0"/>
-                <a:cs typeface="Times New Roman" panose="02020603050405020304" pitchFamily="18" charset="0"/>
-              </a:rPr>
-              <a:t>This was the first place I started in on with Reactive programming. The idea of being able to aggregate together all your events and then declaratively indicate when you no longer care about them. </a:t>
-            </a:r>
+            <a:endParaRPr lang="en-US" dirty="0"/>
           </a:p>
         </p:txBody>
       </p:sp>
@@ -2530,7 +2417,7 @@
           <a:p>
             <a:fld id="{5D79DF13-5F95-4E48-8467-8F80F2768465}" type="slidenum">
               <a:rPr lang="en-US" smtClean="0"/>
-              <a:t>14</a:t>
+              <a:t>17</a:t>
             </a:fld>
             <a:endParaRPr lang="en-US"/>
           </a:p>
@@ -2539,7 +2426,7 @@
     </p:spTree>
     <p:extLst>
       <p:ext uri="{BB962C8B-B14F-4D97-AF65-F5344CB8AC3E}">
-        <p14:creationId xmlns:p14="http://schemas.microsoft.com/office/powerpoint/2010/main" val="20962474"/>
+        <p14:creationId xmlns:p14="http://schemas.microsoft.com/office/powerpoint/2010/main" val="2803818166"/>
       </p:ext>
     </p:extLst>
   </p:cSld>
@@ -2593,18 +2480,25 @@
           <a:bodyPr/>
           <a:lstStyle/>
           <a:p>
-            <a:r>
-              <a:rPr lang="en-US" dirty="0"/>
-              <a:t>Once you’ve </a:t>
-            </a:r>
-            <a:r>
-              <a:rPr lang="en-US" b="1" dirty="0"/>
-              <a:t>concluded</a:t>
-            </a:r>
-            <a:r>
-              <a:rPr lang="en-US" dirty="0"/>
-              <a:t> round up all the emitted events into a list</a:t>
-            </a:r>
+            <a:pPr>
+              <a:lnSpc>
+                <a:spcPct val="107000"/>
+              </a:lnSpc>
+              <a:spcAft>
+                <a:spcPts val="800"/>
+              </a:spcAft>
+            </a:pPr>
+            <a:r>
+              <a:rPr lang="en-US" dirty="0">
+                <a:latin typeface="Calibri" panose="020F0502020204030204" pitchFamily="34" charset="0"/>
+                <a:ea typeface="Calibri" panose="020F0502020204030204" pitchFamily="34" charset="0"/>
+                <a:cs typeface="Times New Roman" panose="02020603050405020304" pitchFamily="18" charset="0"/>
+              </a:rPr>
+              <a:t>It also won’t give you any Null Reference exceptions from the watched exception.  This is really powerful because now you describe Observable intents over expressions and you don’t care at all if any of the parts aren’t initialized. All you care about is describing the aggregated into of your properties. </a:t>
+            </a:r>
+          </a:p>
+          <a:p>
+            <a:endParaRPr lang="en-US" dirty="0"/>
           </a:p>
         </p:txBody>
       </p:sp>
@@ -2625,7 +2519,7 @@
           <a:p>
             <a:fld id="{5D79DF13-5F95-4E48-8467-8F80F2768465}" type="slidenum">
               <a:rPr lang="en-US" smtClean="0"/>
-              <a:t>15</a:t>
+              <a:t>18</a:t>
             </a:fld>
             <a:endParaRPr lang="en-US"/>
           </a:p>
@@ -2634,7 +2528,7 @@
     </p:spTree>
     <p:extLst>
       <p:ext uri="{BB962C8B-B14F-4D97-AF65-F5344CB8AC3E}">
-        <p14:creationId xmlns:p14="http://schemas.microsoft.com/office/powerpoint/2010/main" val="2237915528"/>
+        <p14:creationId xmlns:p14="http://schemas.microsoft.com/office/powerpoint/2010/main" val="1863488057"/>
       </p:ext>
     </p:extLst>
   </p:cSld>
@@ -2690,29 +2584,16 @@
           <a:p>
             <a:r>
               <a:rPr lang="en-US" dirty="0"/>
-              <a:t>The take operators are ways to describe the termination of your events. This is where you </a:t>
-            </a:r>
-            <a:r>
-              <a:rPr lang="en-US" b="1" dirty="0"/>
-              <a:t>declare</a:t>
+              <a:t>This is all achieved through </a:t>
+            </a:r>
+            <a:r>
+              <a:rPr lang="en-US" dirty="0" err="1"/>
+              <a:t>RxUI’s</a:t>
             </a:r>
             <a:r>
               <a:rPr lang="en-US" dirty="0"/>
-              <a:t> the intention of your stream to </a:t>
-            </a:r>
-            <a:r>
-              <a:rPr lang="en-US" b="1" dirty="0"/>
-              <a:t>conclude </a:t>
-            </a:r>
-            <a:r>
-              <a:rPr lang="en-US" b="0" dirty="0"/>
-              <a:t> It could be a page unloading or maybe the user clicks the CANCEL button for an operation. The world of events are the </a:t>
-            </a:r>
-            <a:r>
-              <a:rPr lang="en-US" b="0" dirty="0" err="1"/>
-              <a:t>liit</a:t>
-            </a:r>
-            <a:endParaRPr lang="en-US" b="1" dirty="0"/>
+              <a:t>  features with being able to describe new types of binding types and models</a:t>
+            </a:r>
           </a:p>
         </p:txBody>
       </p:sp>
@@ -2733,7 +2614,7 @@
           <a:p>
             <a:fld id="{5D79DF13-5F95-4E48-8467-8F80F2768465}" type="slidenum">
               <a:rPr lang="en-US" smtClean="0"/>
-              <a:t>16</a:t>
+              <a:t>21</a:t>
             </a:fld>
             <a:endParaRPr lang="en-US"/>
           </a:p>
@@ -2742,7 +2623,7 @@
     </p:spTree>
     <p:extLst>
       <p:ext uri="{BB962C8B-B14F-4D97-AF65-F5344CB8AC3E}">
-        <p14:creationId xmlns:p14="http://schemas.microsoft.com/office/powerpoint/2010/main" val="430994617"/>
+        <p14:creationId xmlns:p14="http://schemas.microsoft.com/office/powerpoint/2010/main" val="1628341547"/>
       </p:ext>
     </p:extLst>
   </p:cSld>
@@ -2796,90 +2677,10 @@
           <a:bodyPr/>
           <a:lstStyle/>
           <a:p>
-            <a:pPr>
-              <a:lnSpc>
-                <a:spcPct val="107000"/>
-              </a:lnSpc>
-              <a:spcAft>
-                <a:spcPts val="800"/>
-              </a:spcAft>
-            </a:pPr>
-            <a:r>
-              <a:rPr lang="en-US" dirty="0">
-                <a:latin typeface="Calibri" panose="020F0502020204030204" pitchFamily="34" charset="0"/>
-                <a:ea typeface="Calibri" panose="020F0502020204030204" pitchFamily="34" charset="0"/>
-                <a:cs typeface="Times New Roman" panose="02020603050405020304" pitchFamily="18" charset="0"/>
-              </a:rPr>
-              <a:t>There are a lot of really cool things once you’re able to describe your events with these Observable objects because that gives you a tactile element to work with. You can start doing really cool things with </a:t>
-            </a:r>
-            <a:r>
-              <a:rPr lang="en-US" b="1" dirty="0">
-                <a:latin typeface="Calibri" panose="020F0502020204030204" pitchFamily="34" charset="0"/>
-                <a:ea typeface="Calibri" panose="020F0502020204030204" pitchFamily="34" charset="0"/>
-                <a:cs typeface="Times New Roman" panose="02020603050405020304" pitchFamily="18" charset="0"/>
-              </a:rPr>
-              <a:t>exception handling</a:t>
-            </a:r>
-            <a:r>
-              <a:rPr lang="en-US" dirty="0">
-                <a:latin typeface="Calibri" panose="020F0502020204030204" pitchFamily="34" charset="0"/>
-                <a:ea typeface="Calibri" panose="020F0502020204030204" pitchFamily="34" charset="0"/>
-                <a:cs typeface="Times New Roman" panose="02020603050405020304" pitchFamily="18" charset="0"/>
-              </a:rPr>
-              <a:t> and </a:t>
-            </a:r>
-            <a:r>
-              <a:rPr lang="en-US" b="1" dirty="0">
-                <a:latin typeface="Calibri" panose="020F0502020204030204" pitchFamily="34" charset="0"/>
-                <a:ea typeface="Calibri" panose="020F0502020204030204" pitchFamily="34" charset="0"/>
-                <a:cs typeface="Times New Roman" panose="02020603050405020304" pitchFamily="18" charset="0"/>
-              </a:rPr>
-              <a:t>retrying</a:t>
-            </a:r>
-            <a:r>
-              <a:rPr lang="en-US" dirty="0">
-                <a:latin typeface="Calibri" panose="020F0502020204030204" pitchFamily="34" charset="0"/>
-                <a:ea typeface="Calibri" panose="020F0502020204030204" pitchFamily="34" charset="0"/>
-                <a:cs typeface="Times New Roman" panose="02020603050405020304" pitchFamily="18" charset="0"/>
-              </a:rPr>
-              <a:t> your Observables by describing your intent.</a:t>
-            </a:r>
-          </a:p>
-          <a:p>
-            <a:pPr>
-              <a:lnSpc>
-                <a:spcPct val="107000"/>
-              </a:lnSpc>
-              <a:spcAft>
-                <a:spcPts val="800"/>
-              </a:spcAft>
-            </a:pPr>
-            <a:endParaRPr lang="en-US" dirty="0">
-              <a:latin typeface="Calibri" panose="020F0502020204030204" pitchFamily="34" charset="0"/>
-              <a:ea typeface="Calibri" panose="020F0502020204030204" pitchFamily="34" charset="0"/>
-              <a:cs typeface="Times New Roman" panose="02020603050405020304" pitchFamily="18" charset="0"/>
-            </a:endParaRPr>
-          </a:p>
-          <a:p>
-            <a:pPr>
-              <a:lnSpc>
-                <a:spcPct val="107000"/>
-              </a:lnSpc>
-              <a:spcAft>
-                <a:spcPts val="800"/>
-              </a:spcAft>
-            </a:pPr>
-            <a:r>
-              <a:rPr lang="en-US" dirty="0">
-                <a:latin typeface="Calibri" panose="020F0502020204030204" pitchFamily="34" charset="0"/>
-                <a:ea typeface="Calibri" panose="020F0502020204030204" pitchFamily="34" charset="0"/>
-                <a:cs typeface="Times New Roman" panose="02020603050405020304" pitchFamily="18" charset="0"/>
-              </a:rPr>
-              <a:t>Everything just becomes a stream of events and information</a:t>
-            </a:r>
-          </a:p>
-          <a:p>
-            <a:endParaRPr lang="en-US" dirty="0"/>
+            <a:r>
+              <a:rPr lang="en-US" dirty="0"/>
+              <a:t>So much of what you want to be doing in MVVM deals around lists of data…  Filter, Sort, transform your models into VMs or in this sample proxies.   </a:t>
+            </a:r>
           </a:p>
         </p:txBody>
       </p:sp>
@@ -2900,7 +2701,7 @@
           <a:p>
             <a:fld id="{5D79DF13-5F95-4E48-8467-8F80F2768465}" type="slidenum">
               <a:rPr lang="en-US" smtClean="0"/>
-              <a:t>17</a:t>
+              <a:t>24</a:t>
             </a:fld>
             <a:endParaRPr lang="en-US"/>
           </a:p>
@@ -2909,7 +2710,7 @@
     </p:spTree>
     <p:extLst>
       <p:ext uri="{BB962C8B-B14F-4D97-AF65-F5344CB8AC3E}">
-        <p14:creationId xmlns:p14="http://schemas.microsoft.com/office/powerpoint/2010/main" val="3534255802"/>
+        <p14:creationId xmlns:p14="http://schemas.microsoft.com/office/powerpoint/2010/main" val="3439982483"/>
       </p:ext>
     </p:extLst>
   </p:cSld>
@@ -2965,13 +2766,8 @@
           <a:p>
             <a:r>
               <a:rPr lang="en-US" dirty="0"/>
-              <a:t>Review concepts of managing your streams with marble diagrams real quick before jumping into </a:t>
-            </a:r>
-            <a:r>
-              <a:rPr lang="en-US" dirty="0" err="1"/>
-              <a:t>RxUI</a:t>
-            </a:r>
-            <a:endParaRPr lang="en-US" dirty="0"/>
+              <a:t>This is similar to what we saw earlier but you’ll see a version of this in the demo I’ll show you.  The Filter and Sort here are powered by Observables.  They ingest an observable stream that tells the list when it needs to update it’s filter or sort. Streams on streams on streams on streams</a:t>
+            </a:r>
           </a:p>
         </p:txBody>
       </p:sp>
@@ -2992,7 +2788,7 @@
           <a:p>
             <a:fld id="{5D79DF13-5F95-4E48-8467-8F80F2768465}" type="slidenum">
               <a:rPr lang="en-US" smtClean="0"/>
-              <a:t>18</a:t>
+              <a:t>26</a:t>
             </a:fld>
             <a:endParaRPr lang="en-US"/>
           </a:p>
@@ -3001,7 +2797,7 @@
     </p:spTree>
     <p:extLst>
       <p:ext uri="{BB962C8B-B14F-4D97-AF65-F5344CB8AC3E}">
-        <p14:creationId xmlns:p14="http://schemas.microsoft.com/office/powerpoint/2010/main" val="1387518610"/>
+        <p14:creationId xmlns:p14="http://schemas.microsoft.com/office/powerpoint/2010/main" val="2824856827"/>
       </p:ext>
     </p:extLst>
   </p:cSld>
@@ -3055,40 +2851,64 @@
           <a:bodyPr/>
           <a:lstStyle/>
           <a:p>
-            <a:pPr>
-              <a:lnSpc>
-                <a:spcPct val="107000"/>
-              </a:lnSpc>
-              <a:spcAft>
-                <a:spcPts val="800"/>
-              </a:spcAft>
-            </a:pPr>
-            <a:r>
-              <a:rPr lang="en-US" dirty="0">
-                <a:latin typeface="Calibri" panose="020F0502020204030204" pitchFamily="34" charset="0"/>
-                <a:ea typeface="Calibri" panose="020F0502020204030204" pitchFamily="34" charset="0"/>
-                <a:cs typeface="Times New Roman" panose="02020603050405020304" pitchFamily="18" charset="0"/>
-              </a:rPr>
-              <a:t>You see this a lot now in JS with Angular 2 becoming popular now there’s a much larger excitement around tying in Reactive features to your UI. </a:t>
-            </a:r>
-          </a:p>
-          <a:p>
-            <a:pPr>
-              <a:lnSpc>
-                <a:spcPct val="107000"/>
-              </a:lnSpc>
-              <a:spcAft>
-                <a:spcPts val="800"/>
-              </a:spcAft>
-            </a:pPr>
-            <a:r>
-              <a:rPr lang="en-US" dirty="0">
-                <a:latin typeface="Calibri" panose="020F0502020204030204" pitchFamily="34" charset="0"/>
-                <a:ea typeface="Calibri" panose="020F0502020204030204" pitchFamily="34" charset="0"/>
-                <a:cs typeface="Times New Roman" panose="02020603050405020304" pitchFamily="18" charset="0"/>
-              </a:rPr>
-              <a:t>You’re basically turning all of your properties into streams of events. You’re turning them into time based arrays that you can “iterate” over and perform the same type of LINQ like interactions against</a:t>
-            </a:r>
+            <a:r>
+              <a:rPr lang="en-US" dirty="0"/>
+              <a:t>WPF first MVVM</a:t>
+            </a:r>
+            <a:br>
+              <a:rPr lang="en-US" dirty="0"/>
+            </a:br>
+            <a:r>
+              <a:rPr lang="en-US" dirty="0"/>
+              <a:t>Silverlight some time</a:t>
+            </a:r>
+          </a:p>
+          <a:p>
+            <a:r>
+              <a:rPr lang="en-US" dirty="0"/>
+              <a:t>KO</a:t>
+            </a:r>
+          </a:p>
+          <a:p>
+            <a:r>
+              <a:rPr lang="en-US" dirty="0"/>
+              <a:t>Xamarin</a:t>
+            </a:r>
+          </a:p>
+          <a:p>
+            <a:r>
+              <a:rPr lang="en-US" dirty="0"/>
+              <a:t>SQL Azure</a:t>
+            </a:r>
+          </a:p>
+          <a:p>
+            <a:endParaRPr lang="en-US" dirty="0"/>
+          </a:p>
+          <a:p>
+            <a:r>
+              <a:rPr lang="en-US" dirty="0"/>
+              <a:t>Built lots of </a:t>
+            </a:r>
+            <a:r>
+              <a:rPr lang="en-US" dirty="0" err="1"/>
+              <a:t>Uis</a:t>
+            </a:r>
+            <a:r>
+              <a:rPr lang="en-US" dirty="0"/>
+              <a:t> through WPF, Silverlight (it’s the future), Prism, </a:t>
+            </a:r>
+            <a:r>
+              <a:rPr lang="en-US" dirty="0" err="1"/>
+              <a:t>Caliburn</a:t>
+            </a:r>
+            <a:r>
+              <a:rPr lang="en-US"/>
+              <a:t>, ReactiveUI</a:t>
+            </a:r>
+            <a:endParaRPr lang="en-US" dirty="0"/>
+          </a:p>
+          <a:p>
+            <a:endParaRPr lang="en-US" dirty="0"/>
           </a:p>
           <a:p>
             <a:endParaRPr lang="en-US" dirty="0"/>
@@ -3112,7 +2932,7 @@
           <a:p>
             <a:fld id="{5D79DF13-5F95-4E48-8467-8F80F2768465}" type="slidenum">
               <a:rPr lang="en-US" smtClean="0"/>
-              <a:t>23</a:t>
+              <a:t>34</a:t>
             </a:fld>
             <a:endParaRPr lang="en-US"/>
           </a:p>
@@ -3121,7 +2941,7 @@
     </p:spTree>
     <p:extLst>
       <p:ext uri="{BB962C8B-B14F-4D97-AF65-F5344CB8AC3E}">
-        <p14:creationId xmlns:p14="http://schemas.microsoft.com/office/powerpoint/2010/main" val="2992442398"/>
+        <p14:creationId xmlns:p14="http://schemas.microsoft.com/office/powerpoint/2010/main" val="1628333293"/>
       </p:ext>
     </p:extLst>
   </p:cSld>
@@ -3266,569 +3086,6 @@
     <p:extLst>
       <p:ext uri="{BB962C8B-B14F-4D97-AF65-F5344CB8AC3E}">
         <p14:creationId xmlns:p14="http://schemas.microsoft.com/office/powerpoint/2010/main" val="1830672794"/>
-      </p:ext>
-    </p:extLst>
-  </p:cSld>
-  <p:clrMapOvr>
-    <a:masterClrMapping/>
-  </p:clrMapOvr>
-</p:notes>
-</file>
-
-<file path=ppt/notesSlides/notesSlide20.xml><?xml version="1.0" encoding="utf-8"?>
-<p:notes xmlns:a="http://schemas.openxmlformats.org/drawingml/2006/main" xmlns:r="http://schemas.openxmlformats.org/officeDocument/2006/relationships" xmlns:p="http://schemas.openxmlformats.org/presentationml/2006/main">
-  <p:cSld>
-    <p:spTree>
-      <p:nvGrpSpPr>
-        <p:cNvPr id="1" name=""/>
-        <p:cNvGrpSpPr/>
-        <p:nvPr/>
-      </p:nvGrpSpPr>
-      <p:grpSpPr>
-        <a:xfrm>
-          <a:off x="0" y="0"/>
-          <a:ext cx="0" cy="0"/>
-          <a:chOff x="0" y="0"/>
-          <a:chExt cx="0" cy="0"/>
-        </a:xfrm>
-      </p:grpSpPr>
-      <p:sp>
-        <p:nvSpPr>
-          <p:cNvPr id="2" name="Slide Image Placeholder 1"/>
-          <p:cNvSpPr>
-            <a:spLocks noGrp="1" noRot="1" noChangeAspect="1"/>
-          </p:cNvSpPr>
-          <p:nvPr>
-            <p:ph type="sldImg"/>
-          </p:nvPr>
-        </p:nvSpPr>
-        <p:spPr/>
-      </p:sp>
-      <p:sp>
-        <p:nvSpPr>
-          <p:cNvPr id="3" name="Notes Placeholder 2"/>
-          <p:cNvSpPr>
-            <a:spLocks noGrp="1"/>
-          </p:cNvSpPr>
-          <p:nvPr>
-            <p:ph type="body" idx="1"/>
-          </p:nvPr>
-        </p:nvSpPr>
-        <p:spPr/>
-        <p:txBody>
-          <a:bodyPr/>
-          <a:lstStyle/>
-          <a:p>
-            <a:r>
-              <a:rPr lang="en-US" b="1" dirty="0"/>
-              <a:t>MVVM </a:t>
-            </a:r>
-            <a:r>
-              <a:rPr lang="en-US" b="0" dirty="0"/>
-              <a:t> is largely about the </a:t>
-            </a:r>
-            <a:r>
-              <a:rPr lang="en-US" b="0" dirty="0" err="1"/>
-              <a:t>eventing</a:t>
-            </a:r>
-            <a:r>
-              <a:rPr lang="en-US" b="0" dirty="0"/>
-              <a:t> from both sides.  You have your Views </a:t>
-            </a:r>
-            <a:r>
-              <a:rPr lang="en-US" b="0" dirty="0" err="1"/>
-              <a:t>eventing</a:t>
-            </a:r>
-            <a:r>
-              <a:rPr lang="en-US" b="0" dirty="0"/>
-              <a:t> to the VM and the VM responding and services  produces streams of data back to the VM and need to tie together to your View</a:t>
-            </a:r>
-            <a:endParaRPr lang="en-US" b="1" dirty="0"/>
-          </a:p>
-        </p:txBody>
-      </p:sp>
-      <p:sp>
-        <p:nvSpPr>
-          <p:cNvPr id="4" name="Slide Number Placeholder 3"/>
-          <p:cNvSpPr>
-            <a:spLocks noGrp="1"/>
-          </p:cNvSpPr>
-          <p:nvPr>
-            <p:ph type="sldNum" sz="quarter" idx="10"/>
-          </p:nvPr>
-        </p:nvSpPr>
-        <p:spPr/>
-        <p:txBody>
-          <a:bodyPr/>
-          <a:lstStyle/>
-          <a:p>
-            <a:fld id="{5D79DF13-5F95-4E48-8467-8F80F2768465}" type="slidenum">
-              <a:rPr lang="en-US" smtClean="0"/>
-              <a:t>24</a:t>
-            </a:fld>
-            <a:endParaRPr lang="en-US"/>
-          </a:p>
-        </p:txBody>
-      </p:sp>
-    </p:spTree>
-    <p:extLst>
-      <p:ext uri="{BB962C8B-B14F-4D97-AF65-F5344CB8AC3E}">
-        <p14:creationId xmlns:p14="http://schemas.microsoft.com/office/powerpoint/2010/main" val="3306207640"/>
-      </p:ext>
-    </p:extLst>
-  </p:cSld>
-  <p:clrMapOvr>
-    <a:masterClrMapping/>
-  </p:clrMapOvr>
-</p:notes>
-</file>
-
-<file path=ppt/notesSlides/notesSlide21.xml><?xml version="1.0" encoding="utf-8"?>
-<p:notes xmlns:a="http://schemas.openxmlformats.org/drawingml/2006/main" xmlns:r="http://schemas.openxmlformats.org/officeDocument/2006/relationships" xmlns:p="http://schemas.openxmlformats.org/presentationml/2006/main">
-  <p:cSld>
-    <p:spTree>
-      <p:nvGrpSpPr>
-        <p:cNvPr id="1" name=""/>
-        <p:cNvGrpSpPr/>
-        <p:nvPr/>
-      </p:nvGrpSpPr>
-      <p:grpSpPr>
-        <a:xfrm>
-          <a:off x="0" y="0"/>
-          <a:ext cx="0" cy="0"/>
-          <a:chOff x="0" y="0"/>
-          <a:chExt cx="0" cy="0"/>
-        </a:xfrm>
-      </p:grpSpPr>
-      <p:sp>
-        <p:nvSpPr>
-          <p:cNvPr id="2" name="Slide Image Placeholder 1"/>
-          <p:cNvSpPr>
-            <a:spLocks noGrp="1" noRot="1" noChangeAspect="1"/>
-          </p:cNvSpPr>
-          <p:nvPr>
-            <p:ph type="sldImg"/>
-          </p:nvPr>
-        </p:nvSpPr>
-        <p:spPr/>
-      </p:sp>
-      <p:sp>
-        <p:nvSpPr>
-          <p:cNvPr id="3" name="Notes Placeholder 2"/>
-          <p:cNvSpPr>
-            <a:spLocks noGrp="1"/>
-          </p:cNvSpPr>
-          <p:nvPr>
-            <p:ph type="body" idx="1"/>
-          </p:nvPr>
-        </p:nvSpPr>
-        <p:spPr/>
-        <p:txBody>
-          <a:bodyPr/>
-          <a:lstStyle/>
-          <a:p>
-            <a:endParaRPr lang="en-US" dirty="0"/>
-          </a:p>
-        </p:txBody>
-      </p:sp>
-      <p:sp>
-        <p:nvSpPr>
-          <p:cNvPr id="4" name="Slide Number Placeholder 3"/>
-          <p:cNvSpPr>
-            <a:spLocks noGrp="1"/>
-          </p:cNvSpPr>
-          <p:nvPr>
-            <p:ph type="sldNum" sz="quarter" idx="10"/>
-          </p:nvPr>
-        </p:nvSpPr>
-        <p:spPr/>
-        <p:txBody>
-          <a:bodyPr/>
-          <a:lstStyle/>
-          <a:p>
-            <a:fld id="{5D79DF13-5F95-4E48-8467-8F80F2768465}" type="slidenum">
-              <a:rPr lang="en-US" smtClean="0"/>
-              <a:t>25</a:t>
-            </a:fld>
-            <a:endParaRPr lang="en-US"/>
-          </a:p>
-        </p:txBody>
-      </p:sp>
-    </p:spTree>
-    <p:extLst>
-      <p:ext uri="{BB962C8B-B14F-4D97-AF65-F5344CB8AC3E}">
-        <p14:creationId xmlns:p14="http://schemas.microsoft.com/office/powerpoint/2010/main" val="2803818166"/>
-      </p:ext>
-    </p:extLst>
-  </p:cSld>
-  <p:clrMapOvr>
-    <a:masterClrMapping/>
-  </p:clrMapOvr>
-</p:notes>
-</file>
-
-<file path=ppt/notesSlides/notesSlide22.xml><?xml version="1.0" encoding="utf-8"?>
-<p:notes xmlns:a="http://schemas.openxmlformats.org/drawingml/2006/main" xmlns:r="http://schemas.openxmlformats.org/officeDocument/2006/relationships" xmlns:p="http://schemas.openxmlformats.org/presentationml/2006/main">
-  <p:cSld>
-    <p:spTree>
-      <p:nvGrpSpPr>
-        <p:cNvPr id="1" name=""/>
-        <p:cNvGrpSpPr/>
-        <p:nvPr/>
-      </p:nvGrpSpPr>
-      <p:grpSpPr>
-        <a:xfrm>
-          <a:off x="0" y="0"/>
-          <a:ext cx="0" cy="0"/>
-          <a:chOff x="0" y="0"/>
-          <a:chExt cx="0" cy="0"/>
-        </a:xfrm>
-      </p:grpSpPr>
-      <p:sp>
-        <p:nvSpPr>
-          <p:cNvPr id="2" name="Slide Image Placeholder 1"/>
-          <p:cNvSpPr>
-            <a:spLocks noGrp="1" noRot="1" noChangeAspect="1"/>
-          </p:cNvSpPr>
-          <p:nvPr>
-            <p:ph type="sldImg"/>
-          </p:nvPr>
-        </p:nvSpPr>
-        <p:spPr/>
-      </p:sp>
-      <p:sp>
-        <p:nvSpPr>
-          <p:cNvPr id="3" name="Notes Placeholder 2"/>
-          <p:cNvSpPr>
-            <a:spLocks noGrp="1"/>
-          </p:cNvSpPr>
-          <p:nvPr>
-            <p:ph type="body" idx="1"/>
-          </p:nvPr>
-        </p:nvSpPr>
-        <p:spPr/>
-        <p:txBody>
-          <a:bodyPr/>
-          <a:lstStyle/>
-          <a:p>
-            <a:pPr>
-              <a:lnSpc>
-                <a:spcPct val="107000"/>
-              </a:lnSpc>
-              <a:spcAft>
-                <a:spcPts val="800"/>
-              </a:spcAft>
-            </a:pPr>
-            <a:r>
-              <a:rPr lang="en-US" dirty="0">
-                <a:latin typeface="Calibri" panose="020F0502020204030204" pitchFamily="34" charset="0"/>
-                <a:ea typeface="Calibri" panose="020F0502020204030204" pitchFamily="34" charset="0"/>
-                <a:cs typeface="Times New Roman" panose="02020603050405020304" pitchFamily="18" charset="0"/>
-              </a:rPr>
-              <a:t>It also won’t give you any Null Reference exceptions from the watched exception.  This is really powerful because now you describe Observable intents over expressions and you don’t care at all if any of the parts aren’t initialized. All you care about is describing the aggregated into of your properties. </a:t>
-            </a:r>
-          </a:p>
-          <a:p>
-            <a:endParaRPr lang="en-US" dirty="0"/>
-          </a:p>
-        </p:txBody>
-      </p:sp>
-      <p:sp>
-        <p:nvSpPr>
-          <p:cNvPr id="4" name="Slide Number Placeholder 3"/>
-          <p:cNvSpPr>
-            <a:spLocks noGrp="1"/>
-          </p:cNvSpPr>
-          <p:nvPr>
-            <p:ph type="sldNum" sz="quarter" idx="10"/>
-          </p:nvPr>
-        </p:nvSpPr>
-        <p:spPr/>
-        <p:txBody>
-          <a:bodyPr/>
-          <a:lstStyle/>
-          <a:p>
-            <a:fld id="{5D79DF13-5F95-4E48-8467-8F80F2768465}" type="slidenum">
-              <a:rPr lang="en-US" smtClean="0"/>
-              <a:t>27</a:t>
-            </a:fld>
-            <a:endParaRPr lang="en-US"/>
-          </a:p>
-        </p:txBody>
-      </p:sp>
-    </p:spTree>
-    <p:extLst>
-      <p:ext uri="{BB962C8B-B14F-4D97-AF65-F5344CB8AC3E}">
-        <p14:creationId xmlns:p14="http://schemas.microsoft.com/office/powerpoint/2010/main" val="1863488057"/>
-      </p:ext>
-    </p:extLst>
-  </p:cSld>
-  <p:clrMapOvr>
-    <a:masterClrMapping/>
-  </p:clrMapOvr>
-</p:notes>
-</file>
-
-<file path=ppt/notesSlides/notesSlide23.xml><?xml version="1.0" encoding="utf-8"?>
-<p:notes xmlns:a="http://schemas.openxmlformats.org/drawingml/2006/main" xmlns:r="http://schemas.openxmlformats.org/officeDocument/2006/relationships" xmlns:p="http://schemas.openxmlformats.org/presentationml/2006/main">
-  <p:cSld>
-    <p:spTree>
-      <p:nvGrpSpPr>
-        <p:cNvPr id="1" name=""/>
-        <p:cNvGrpSpPr/>
-        <p:nvPr/>
-      </p:nvGrpSpPr>
-      <p:grpSpPr>
-        <a:xfrm>
-          <a:off x="0" y="0"/>
-          <a:ext cx="0" cy="0"/>
-          <a:chOff x="0" y="0"/>
-          <a:chExt cx="0" cy="0"/>
-        </a:xfrm>
-      </p:grpSpPr>
-      <p:sp>
-        <p:nvSpPr>
-          <p:cNvPr id="2" name="Slide Image Placeholder 1"/>
-          <p:cNvSpPr>
-            <a:spLocks noGrp="1" noRot="1" noChangeAspect="1"/>
-          </p:cNvSpPr>
-          <p:nvPr>
-            <p:ph type="sldImg"/>
-          </p:nvPr>
-        </p:nvSpPr>
-        <p:spPr/>
-      </p:sp>
-      <p:sp>
-        <p:nvSpPr>
-          <p:cNvPr id="3" name="Notes Placeholder 2"/>
-          <p:cNvSpPr>
-            <a:spLocks noGrp="1"/>
-          </p:cNvSpPr>
-          <p:nvPr>
-            <p:ph type="body" idx="1"/>
-          </p:nvPr>
-        </p:nvSpPr>
-        <p:spPr/>
-        <p:txBody>
-          <a:bodyPr/>
-          <a:lstStyle/>
-          <a:p>
-            <a:r>
-              <a:rPr lang="en-US" dirty="0"/>
-              <a:t>This is all achieved through </a:t>
-            </a:r>
-            <a:r>
-              <a:rPr lang="en-US" dirty="0" err="1"/>
-              <a:t>RxUI’s</a:t>
-            </a:r>
-            <a:r>
-              <a:rPr lang="en-US" dirty="0"/>
-              <a:t>  features with being able to describe new types of binding types and models</a:t>
-            </a:r>
-          </a:p>
-        </p:txBody>
-      </p:sp>
-      <p:sp>
-        <p:nvSpPr>
-          <p:cNvPr id="4" name="Slide Number Placeholder 3"/>
-          <p:cNvSpPr>
-            <a:spLocks noGrp="1"/>
-          </p:cNvSpPr>
-          <p:nvPr>
-            <p:ph type="sldNum" sz="quarter" idx="10"/>
-          </p:nvPr>
-        </p:nvSpPr>
-        <p:spPr/>
-        <p:txBody>
-          <a:bodyPr/>
-          <a:lstStyle/>
-          <a:p>
-            <a:fld id="{5D79DF13-5F95-4E48-8467-8F80F2768465}" type="slidenum">
-              <a:rPr lang="en-US" smtClean="0"/>
-              <a:t>30</a:t>
-            </a:fld>
-            <a:endParaRPr lang="en-US"/>
-          </a:p>
-        </p:txBody>
-      </p:sp>
-    </p:spTree>
-    <p:extLst>
-      <p:ext uri="{BB962C8B-B14F-4D97-AF65-F5344CB8AC3E}">
-        <p14:creationId xmlns:p14="http://schemas.microsoft.com/office/powerpoint/2010/main" val="1628341547"/>
-      </p:ext>
-    </p:extLst>
-  </p:cSld>
-  <p:clrMapOvr>
-    <a:masterClrMapping/>
-  </p:clrMapOvr>
-</p:notes>
-</file>
-
-<file path=ppt/notesSlides/notesSlide24.xml><?xml version="1.0" encoding="utf-8"?>
-<p:notes xmlns:a="http://schemas.openxmlformats.org/drawingml/2006/main" xmlns:r="http://schemas.openxmlformats.org/officeDocument/2006/relationships" xmlns:p="http://schemas.openxmlformats.org/presentationml/2006/main">
-  <p:cSld>
-    <p:spTree>
-      <p:nvGrpSpPr>
-        <p:cNvPr id="1" name=""/>
-        <p:cNvGrpSpPr/>
-        <p:nvPr/>
-      </p:nvGrpSpPr>
-      <p:grpSpPr>
-        <a:xfrm>
-          <a:off x="0" y="0"/>
-          <a:ext cx="0" cy="0"/>
-          <a:chOff x="0" y="0"/>
-          <a:chExt cx="0" cy="0"/>
-        </a:xfrm>
-      </p:grpSpPr>
-      <p:sp>
-        <p:nvSpPr>
-          <p:cNvPr id="2" name="Slide Image Placeholder 1"/>
-          <p:cNvSpPr>
-            <a:spLocks noGrp="1" noRot="1" noChangeAspect="1"/>
-          </p:cNvSpPr>
-          <p:nvPr>
-            <p:ph type="sldImg"/>
-          </p:nvPr>
-        </p:nvSpPr>
-        <p:spPr/>
-      </p:sp>
-      <p:sp>
-        <p:nvSpPr>
-          <p:cNvPr id="3" name="Notes Placeholder 2"/>
-          <p:cNvSpPr>
-            <a:spLocks noGrp="1"/>
-          </p:cNvSpPr>
-          <p:nvPr>
-            <p:ph type="body" idx="1"/>
-          </p:nvPr>
-        </p:nvSpPr>
-        <p:spPr/>
-        <p:txBody>
-          <a:bodyPr/>
-          <a:lstStyle/>
-          <a:p>
-            <a:r>
-              <a:rPr lang="en-US" dirty="0"/>
-              <a:t>So much of what you want to be doing in MVVM deals around lists of data…  Filter, Sort, transform your models into VMs or in this sample proxies.   </a:t>
-            </a:r>
-          </a:p>
-        </p:txBody>
-      </p:sp>
-      <p:sp>
-        <p:nvSpPr>
-          <p:cNvPr id="4" name="Slide Number Placeholder 3"/>
-          <p:cNvSpPr>
-            <a:spLocks noGrp="1"/>
-          </p:cNvSpPr>
-          <p:nvPr>
-            <p:ph type="sldNum" sz="quarter" idx="10"/>
-          </p:nvPr>
-        </p:nvSpPr>
-        <p:spPr/>
-        <p:txBody>
-          <a:bodyPr/>
-          <a:lstStyle/>
-          <a:p>
-            <a:fld id="{5D79DF13-5F95-4E48-8467-8F80F2768465}" type="slidenum">
-              <a:rPr lang="en-US" smtClean="0"/>
-              <a:t>32</a:t>
-            </a:fld>
-            <a:endParaRPr lang="en-US"/>
-          </a:p>
-        </p:txBody>
-      </p:sp>
-    </p:spTree>
-    <p:extLst>
-      <p:ext uri="{BB962C8B-B14F-4D97-AF65-F5344CB8AC3E}">
-        <p14:creationId xmlns:p14="http://schemas.microsoft.com/office/powerpoint/2010/main" val="3439982483"/>
-      </p:ext>
-    </p:extLst>
-  </p:cSld>
-  <p:clrMapOvr>
-    <a:masterClrMapping/>
-  </p:clrMapOvr>
-</p:notes>
-</file>
-
-<file path=ppt/notesSlides/notesSlide25.xml><?xml version="1.0" encoding="utf-8"?>
-<p:notes xmlns:a="http://schemas.openxmlformats.org/drawingml/2006/main" xmlns:r="http://schemas.openxmlformats.org/officeDocument/2006/relationships" xmlns:p="http://schemas.openxmlformats.org/presentationml/2006/main">
-  <p:cSld>
-    <p:spTree>
-      <p:nvGrpSpPr>
-        <p:cNvPr id="1" name=""/>
-        <p:cNvGrpSpPr/>
-        <p:nvPr/>
-      </p:nvGrpSpPr>
-      <p:grpSpPr>
-        <a:xfrm>
-          <a:off x="0" y="0"/>
-          <a:ext cx="0" cy="0"/>
-          <a:chOff x="0" y="0"/>
-          <a:chExt cx="0" cy="0"/>
-        </a:xfrm>
-      </p:grpSpPr>
-      <p:sp>
-        <p:nvSpPr>
-          <p:cNvPr id="2" name="Slide Image Placeholder 1"/>
-          <p:cNvSpPr>
-            <a:spLocks noGrp="1" noRot="1" noChangeAspect="1"/>
-          </p:cNvSpPr>
-          <p:nvPr>
-            <p:ph type="sldImg"/>
-          </p:nvPr>
-        </p:nvSpPr>
-        <p:spPr/>
-      </p:sp>
-      <p:sp>
-        <p:nvSpPr>
-          <p:cNvPr id="3" name="Notes Placeholder 2"/>
-          <p:cNvSpPr>
-            <a:spLocks noGrp="1"/>
-          </p:cNvSpPr>
-          <p:nvPr>
-            <p:ph type="body" idx="1"/>
-          </p:nvPr>
-        </p:nvSpPr>
-        <p:spPr/>
-        <p:txBody>
-          <a:bodyPr/>
-          <a:lstStyle/>
-          <a:p>
-            <a:r>
-              <a:rPr lang="en-US" dirty="0"/>
-              <a:t>This is similar to what we saw earlier but you’ll see a version of this in the demo I’ll show you.  The Filter and Sort here are powered by Observables.  They ingest an observable stream that tells the list when it needs to update it’s filter or sort. Streams on streams on streams on streams</a:t>
-            </a:r>
-          </a:p>
-        </p:txBody>
-      </p:sp>
-      <p:sp>
-        <p:nvSpPr>
-          <p:cNvPr id="4" name="Slide Number Placeholder 3"/>
-          <p:cNvSpPr>
-            <a:spLocks noGrp="1"/>
-          </p:cNvSpPr>
-          <p:nvPr>
-            <p:ph type="sldNum" sz="quarter" idx="10"/>
-          </p:nvPr>
-        </p:nvSpPr>
-        <p:spPr/>
-        <p:txBody>
-          <a:bodyPr/>
-          <a:lstStyle/>
-          <a:p>
-            <a:fld id="{5D79DF13-5F95-4E48-8467-8F80F2768465}" type="slidenum">
-              <a:rPr lang="en-US" smtClean="0"/>
-              <a:t>34</a:t>
-            </a:fld>
-            <a:endParaRPr lang="en-US"/>
-          </a:p>
-        </p:txBody>
-      </p:sp>
-    </p:spTree>
-    <p:extLst>
-      <p:ext uri="{BB962C8B-B14F-4D97-AF65-F5344CB8AC3E}">
-        <p14:creationId xmlns:p14="http://schemas.microsoft.com/office/powerpoint/2010/main" val="2824856827"/>
       </p:ext>
     </p:extLst>
   </p:cSld>
@@ -4479,7 +3736,7 @@
           <a:p>
             <a:r>
               <a:rPr lang="en-US" dirty="0"/>
-              <a:t>This is the particular entity creating the observables. Placing data onto a stream and producing bubbles for you to use</a:t>
+              <a:t>Super charges your disposables to allow for lots of ways to indicate when you want something to conclude</a:t>
             </a:r>
           </a:p>
         </p:txBody>
@@ -4510,7 +3767,7 @@
     </p:spTree>
     <p:extLst>
       <p:ext uri="{BB962C8B-B14F-4D97-AF65-F5344CB8AC3E}">
-        <p14:creationId xmlns:p14="http://schemas.microsoft.com/office/powerpoint/2010/main" val="2851500935"/>
+        <p14:creationId xmlns:p14="http://schemas.microsoft.com/office/powerpoint/2010/main" val="2743236510"/>
       </p:ext>
     </p:extLst>
   </p:cSld>
@@ -4566,7 +3823,7 @@
           <a:p>
             <a:r>
               <a:rPr lang="en-US" dirty="0"/>
-              <a:t>This is your basic transform operator</a:t>
+              <a:t>This is the other side of the observable . This is the consumer listening to the conveyor belt of information</a:t>
             </a:r>
           </a:p>
         </p:txBody>
@@ -4597,7 +3854,7 @@
     </p:spTree>
     <p:extLst>
       <p:ext uri="{BB962C8B-B14F-4D97-AF65-F5344CB8AC3E}">
-        <p14:creationId xmlns:p14="http://schemas.microsoft.com/office/powerpoint/2010/main" val="4040917862"/>
+        <p14:creationId xmlns:p14="http://schemas.microsoft.com/office/powerpoint/2010/main" val="2851500935"/>
       </p:ext>
     </p:extLst>
   </p:cSld>
@@ -21532,7 +20789,7 @@
           <p:cNvPr id="2" name="Title 1">
             <a:extLst>
               <a:ext uri="{FF2B5EF4-FFF2-40B4-BE49-F238E27FC236}">
-                <a16:creationId xmlns:a16="http://schemas.microsoft.com/office/drawing/2014/main" id="{E89AE91D-475B-4B68-BFCA-4AAA6C28925D}"/>
+                <a16:creationId xmlns:a16="http://schemas.microsoft.com/office/drawing/2014/main" id="{A02CA362-8947-46E0-A7B6-75C57CAD64F5}"/>
               </a:ext>
             </a:extLst>
           </p:cNvPr>
@@ -21550,56 +20807,7 @@
           <a:p>
             <a:r>
               <a:rPr lang="en-US" dirty="0"/>
-              <a:t>Disposable Bonanza</a:t>
-            </a:r>
-          </a:p>
-        </p:txBody>
-      </p:sp>
-      <p:sp>
-        <p:nvSpPr>
-          <p:cNvPr id="3" name="Content Placeholder 2">
-            <a:extLst>
-              <a:ext uri="{FF2B5EF4-FFF2-40B4-BE49-F238E27FC236}">
-                <a16:creationId xmlns:a16="http://schemas.microsoft.com/office/drawing/2014/main" id="{73443EB1-07C7-4EB2-9326-33DDD9875EC3}"/>
-              </a:ext>
-            </a:extLst>
-          </p:cNvPr>
-          <p:cNvSpPr>
-            <a:spLocks noGrp="1"/>
-          </p:cNvSpPr>
-          <p:nvPr>
-            <p:ph idx="1"/>
-          </p:nvPr>
-        </p:nvSpPr>
-        <p:spPr/>
-        <p:txBody>
-          <a:bodyPr/>
-          <a:lstStyle/>
-          <a:p>
-            <a:r>
-              <a:rPr lang="en-US" dirty="0" err="1"/>
-              <a:t>CompositeDisposable</a:t>
-            </a:r>
-            <a:endParaRPr lang="en-US" dirty="0"/>
-          </a:p>
-          <a:p>
-            <a:r>
-              <a:rPr lang="en-US" dirty="0" err="1"/>
-              <a:t>SerialDisposable</a:t>
-            </a:r>
-            <a:r>
-              <a:rPr lang="en-US" dirty="0"/>
-              <a:t> </a:t>
-            </a:r>
-          </a:p>
-          <a:p>
-            <a:r>
-              <a:rPr lang="en-US" dirty="0" err="1"/>
-              <a:t>Disposable.Create</a:t>
-            </a:r>
-            <a:r>
-              <a:rPr lang="en-US" dirty="0"/>
-              <a:t>(Action) </a:t>
+              <a:t>Filter (where) Operator</a:t>
             </a:r>
           </a:p>
         </p:txBody>
@@ -21609,7 +20817,7 @@
           <p:cNvPr id="4" name="Picture 3">
             <a:extLst>
               <a:ext uri="{FF2B5EF4-FFF2-40B4-BE49-F238E27FC236}">
-                <a16:creationId xmlns:a16="http://schemas.microsoft.com/office/drawing/2014/main" id="{45848FCF-38CB-4B25-A5CA-2A13A4BC38B1}"/>
+                <a16:creationId xmlns:a16="http://schemas.microsoft.com/office/drawing/2014/main" id="{0A2D5F02-ED95-487A-ADE4-3D0799AA927C}"/>
               </a:ext>
             </a:extLst>
           </p:cNvPr>
@@ -21626,38 +20834,8 @@
         </p:blipFill>
         <p:spPr>
           <a:xfrm>
-            <a:off x="4235505" y="452497"/>
-            <a:ext cx="1456867" cy="1018052"/>
-          </a:xfrm>
-          <a:prstGeom prst="rect">
-            <a:avLst/>
-          </a:prstGeom>
-        </p:spPr>
-      </p:pic>
-      <p:pic>
-        <p:nvPicPr>
-          <p:cNvPr id="5" name="Picture 4">
-            <a:extLst>
-              <a:ext uri="{FF2B5EF4-FFF2-40B4-BE49-F238E27FC236}">
-                <a16:creationId xmlns:a16="http://schemas.microsoft.com/office/drawing/2014/main" id="{3C1BF6B4-1533-48FC-86A0-9801C5FC89C2}"/>
-              </a:ext>
-            </a:extLst>
-          </p:cNvPr>
-          <p:cNvPicPr>
-            <a:picLocks noChangeAspect="1"/>
-          </p:cNvPicPr>
-          <p:nvPr/>
-        </p:nvPicPr>
-        <p:blipFill>
-          <a:blip r:embed="rId4"/>
-          <a:stretch>
-            <a:fillRect/>
-          </a:stretch>
-        </p:blipFill>
-        <p:spPr>
-          <a:xfrm>
-            <a:off x="361950" y="3000375"/>
-            <a:ext cx="6134100" cy="1514475"/>
+            <a:off x="356600" y="1734599"/>
+            <a:ext cx="6356694" cy="3408901"/>
           </a:xfrm>
           <a:prstGeom prst="rect">
             <a:avLst/>
@@ -21667,7 +20845,7 @@
     </p:spTree>
     <p:extLst>
       <p:ext uri="{BB962C8B-B14F-4D97-AF65-F5344CB8AC3E}">
-        <p14:creationId xmlns:p14="http://schemas.microsoft.com/office/powerpoint/2010/main" val="1332315155"/>
+        <p14:creationId xmlns:p14="http://schemas.microsoft.com/office/powerpoint/2010/main" val="1918794499"/>
       </p:ext>
     </p:extLst>
   </p:cSld>
@@ -21696,10 +20874,10 @@
       </p:grpSpPr>
       <p:sp>
         <p:nvSpPr>
-          <p:cNvPr id="2" name="Title 1">
+          <p:cNvPr id="3" name="Title 2">
             <a:extLst>
               <a:ext uri="{FF2B5EF4-FFF2-40B4-BE49-F238E27FC236}">
-                <a16:creationId xmlns:a16="http://schemas.microsoft.com/office/drawing/2014/main" id="{9FD93FCA-1CDF-4909-B274-2FCF4363B8FC}"/>
+                <a16:creationId xmlns:a16="http://schemas.microsoft.com/office/drawing/2014/main" id="{ABC7F4F2-712D-4047-8D50-F89F3FF900CB}"/>
               </a:ext>
             </a:extLst>
           </p:cNvPr>
@@ -21717,17 +20895,17 @@
           <a:p>
             <a:r>
               <a:rPr lang="en-US" dirty="0"/>
-              <a:t>Apply same iterator idea to observables</a:t>
+              <a:t>Retry and Exception handling made easy</a:t>
             </a:r>
           </a:p>
         </p:txBody>
       </p:sp>
       <p:pic>
         <p:nvPicPr>
-          <p:cNvPr id="4" name="Picture 3">
+          <p:cNvPr id="5" name="Picture 4">
             <a:extLst>
               <a:ext uri="{FF2B5EF4-FFF2-40B4-BE49-F238E27FC236}">
-                <a16:creationId xmlns:a16="http://schemas.microsoft.com/office/drawing/2014/main" id="{36D00384-5678-42CB-AAC4-9EA0BA3E140B}"/>
+                <a16:creationId xmlns:a16="http://schemas.microsoft.com/office/drawing/2014/main" id="{A1E15C33-3F10-475B-8D34-BC15D90C3AFE}"/>
               </a:ext>
             </a:extLst>
           </p:cNvPr>
@@ -21744,38 +20922,8 @@
         </p:blipFill>
         <p:spPr>
           <a:xfrm>
-            <a:off x="576476" y="3339850"/>
-            <a:ext cx="5724525" cy="1333500"/>
-          </a:xfrm>
-          <a:prstGeom prst="rect">
-            <a:avLst/>
-          </a:prstGeom>
-        </p:spPr>
-      </p:pic>
-      <p:pic>
-        <p:nvPicPr>
-          <p:cNvPr id="5" name="Picture 4">
-            <a:extLst>
-              <a:ext uri="{FF2B5EF4-FFF2-40B4-BE49-F238E27FC236}">
-                <a16:creationId xmlns:a16="http://schemas.microsoft.com/office/drawing/2014/main" id="{46C1C899-7CDF-46F2-A0C7-5C6B5D9E71EB}"/>
-              </a:ext>
-            </a:extLst>
-          </p:cNvPr>
-          <p:cNvPicPr>
-            <a:picLocks noChangeAspect="1"/>
-          </p:cNvPicPr>
-          <p:nvPr/>
-        </p:nvPicPr>
-        <p:blipFill>
-          <a:blip r:embed="rId4"/>
-          <a:stretch>
-            <a:fillRect/>
-          </a:stretch>
-        </p:blipFill>
-        <p:spPr>
-          <a:xfrm>
-            <a:off x="1033462" y="1688435"/>
-            <a:ext cx="4791075" cy="1304925"/>
+            <a:off x="7387" y="2562712"/>
+            <a:ext cx="6858000" cy="1072756"/>
           </a:xfrm>
           <a:prstGeom prst="rect">
             <a:avLst/>
@@ -21785,7 +20933,7 @@
     </p:spTree>
     <p:extLst>
       <p:ext uri="{BB962C8B-B14F-4D97-AF65-F5344CB8AC3E}">
-        <p14:creationId xmlns:p14="http://schemas.microsoft.com/office/powerpoint/2010/main" val="11607011"/>
+        <p14:creationId xmlns:p14="http://schemas.microsoft.com/office/powerpoint/2010/main" val="3274046353"/>
       </p:ext>
     </p:extLst>
   </p:cSld>
@@ -21817,7 +20965,7 @@
           <p:cNvPr id="2" name="Title 1">
             <a:extLst>
               <a:ext uri="{FF2B5EF4-FFF2-40B4-BE49-F238E27FC236}">
-                <a16:creationId xmlns:a16="http://schemas.microsoft.com/office/drawing/2014/main" id="{ECA14AE0-3009-4D07-83CA-9A08DCFED9BB}"/>
+                <a16:creationId xmlns:a16="http://schemas.microsoft.com/office/drawing/2014/main" id="{45FF0757-1C43-4638-9EB4-5F145A9B1908}"/>
               </a:ext>
             </a:extLst>
           </p:cNvPr>
@@ -21835,105 +20983,15 @@
           <a:p>
             <a:r>
               <a:rPr lang="en-US" dirty="0"/>
-              <a:t>Declare when the rules of your events conclude</a:t>
-            </a:r>
-          </a:p>
-        </p:txBody>
-      </p:sp>
-      <p:pic>
-        <p:nvPicPr>
-          <p:cNvPr id="5" name="Picture 4">
-            <a:extLst>
-              <a:ext uri="{FF2B5EF4-FFF2-40B4-BE49-F238E27FC236}">
-                <a16:creationId xmlns:a16="http://schemas.microsoft.com/office/drawing/2014/main" id="{305BE1A6-2C9B-48E7-9CC7-BE602A60668E}"/>
-              </a:ext>
-            </a:extLst>
-          </p:cNvPr>
-          <p:cNvPicPr>
-            <a:picLocks noChangeAspect="1"/>
-          </p:cNvPicPr>
-          <p:nvPr/>
-        </p:nvPicPr>
-        <p:blipFill>
-          <a:blip r:embed="rId3"/>
-          <a:stretch>
-            <a:fillRect/>
-          </a:stretch>
-        </p:blipFill>
-        <p:spPr>
-          <a:xfrm>
-            <a:off x="1884800" y="2590949"/>
-            <a:ext cx="3200400" cy="723900"/>
-          </a:xfrm>
-          <a:prstGeom prst="rect">
-            <a:avLst/>
-          </a:prstGeom>
-        </p:spPr>
-      </p:pic>
-      <p:pic>
-        <p:nvPicPr>
-          <p:cNvPr id="6" name="Picture 5">
-            <a:extLst>
-              <a:ext uri="{FF2B5EF4-FFF2-40B4-BE49-F238E27FC236}">
-                <a16:creationId xmlns:a16="http://schemas.microsoft.com/office/drawing/2014/main" id="{D67965C7-5433-4A00-A7F5-FD4398607001}"/>
-              </a:ext>
-            </a:extLst>
-          </p:cNvPr>
-          <p:cNvPicPr>
-            <a:picLocks noChangeAspect="1"/>
-          </p:cNvPicPr>
-          <p:nvPr/>
-        </p:nvPicPr>
-        <p:blipFill>
-          <a:blip r:embed="rId4"/>
-          <a:stretch>
-            <a:fillRect/>
-          </a:stretch>
-        </p:blipFill>
-        <p:spPr>
-          <a:xfrm>
-            <a:off x="2084825" y="1742649"/>
-            <a:ext cx="2800350" cy="695325"/>
-          </a:xfrm>
-          <a:prstGeom prst="rect">
-            <a:avLst/>
-          </a:prstGeom>
-        </p:spPr>
-      </p:pic>
-      <p:pic>
-        <p:nvPicPr>
-          <p:cNvPr id="7" name="Picture 6">
-            <a:extLst>
-              <a:ext uri="{FF2B5EF4-FFF2-40B4-BE49-F238E27FC236}">
-                <a16:creationId xmlns:a16="http://schemas.microsoft.com/office/drawing/2014/main" id="{8C031375-FAA0-4A4C-AE91-EE72839B474E}"/>
-              </a:ext>
-            </a:extLst>
-          </p:cNvPr>
-          <p:cNvPicPr>
-            <a:picLocks noChangeAspect="1"/>
-          </p:cNvPicPr>
-          <p:nvPr/>
-        </p:nvPicPr>
-        <p:blipFill>
-          <a:blip r:embed="rId5"/>
-          <a:stretch>
-            <a:fillRect/>
-          </a:stretch>
-        </p:blipFill>
-        <p:spPr>
-          <a:xfrm>
-            <a:off x="551300" y="3467824"/>
-            <a:ext cx="5867400" cy="1352550"/>
-          </a:xfrm>
-          <a:prstGeom prst="rect">
-            <a:avLst/>
-          </a:prstGeom>
-        </p:spPr>
-      </p:pic>
+              <a:t>Start Login Demo</a:t>
+            </a:r>
+          </a:p>
+        </p:txBody>
+      </p:sp>
     </p:spTree>
     <p:extLst>
       <p:ext uri="{BB962C8B-B14F-4D97-AF65-F5344CB8AC3E}">
-        <p14:creationId xmlns:p14="http://schemas.microsoft.com/office/powerpoint/2010/main" val="3732777817"/>
+        <p14:creationId xmlns:p14="http://schemas.microsoft.com/office/powerpoint/2010/main" val="2525056599"/>
       </p:ext>
     </p:extLst>
   </p:cSld>
@@ -21944,451 +21002,6 @@
 </file>
 
 <file path=ppt/slides/slide13.xml><?xml version="1.0" encoding="utf-8"?>
-<p:sld xmlns:a="http://schemas.openxmlformats.org/drawingml/2006/main" xmlns:r="http://schemas.openxmlformats.org/officeDocument/2006/relationships" xmlns:p="http://schemas.openxmlformats.org/presentationml/2006/main">
-  <p:cSld>
-    <p:spTree>
-      <p:nvGrpSpPr>
-        <p:cNvPr id="1" name=""/>
-        <p:cNvGrpSpPr/>
-        <p:nvPr/>
-      </p:nvGrpSpPr>
-      <p:grpSpPr>
-        <a:xfrm>
-          <a:off x="0" y="0"/>
-          <a:ext cx="0" cy="0"/>
-          <a:chOff x="0" y="0"/>
-          <a:chExt cx="0" cy="0"/>
-        </a:xfrm>
-      </p:grpSpPr>
-      <p:sp>
-        <p:nvSpPr>
-          <p:cNvPr id="2" name="Title 1">
-            <a:extLst>
-              <a:ext uri="{FF2B5EF4-FFF2-40B4-BE49-F238E27FC236}">
-                <a16:creationId xmlns:a16="http://schemas.microsoft.com/office/drawing/2014/main" id="{A02CA362-8947-46E0-A7B6-75C57CAD64F5}"/>
-              </a:ext>
-            </a:extLst>
-          </p:cNvPr>
-          <p:cNvSpPr>
-            <a:spLocks noGrp="1"/>
-          </p:cNvSpPr>
-          <p:nvPr>
-            <p:ph type="title"/>
-          </p:nvPr>
-        </p:nvSpPr>
-        <p:spPr/>
-        <p:txBody>
-          <a:bodyPr/>
-          <a:lstStyle/>
-          <a:p>
-            <a:r>
-              <a:rPr lang="en-US" dirty="0"/>
-              <a:t>Map (Select)</a:t>
-            </a:r>
-          </a:p>
-        </p:txBody>
-      </p:sp>
-      <p:pic>
-        <p:nvPicPr>
-          <p:cNvPr id="3" name="Picture 2">
-            <a:extLst>
-              <a:ext uri="{FF2B5EF4-FFF2-40B4-BE49-F238E27FC236}">
-                <a16:creationId xmlns:a16="http://schemas.microsoft.com/office/drawing/2014/main" id="{D04D6C6D-BD34-4A6E-A4FA-8E7DDE2B0C4E}"/>
-              </a:ext>
-            </a:extLst>
-          </p:cNvPr>
-          <p:cNvPicPr>
-            <a:picLocks noChangeAspect="1"/>
-          </p:cNvPicPr>
-          <p:nvPr/>
-        </p:nvPicPr>
-        <p:blipFill>
-          <a:blip r:embed="rId3"/>
-          <a:stretch>
-            <a:fillRect/>
-          </a:stretch>
-        </p:blipFill>
-        <p:spPr>
-          <a:xfrm>
-            <a:off x="702245" y="1726840"/>
-            <a:ext cx="5733300" cy="3153838"/>
-          </a:xfrm>
-          <a:prstGeom prst="rect">
-            <a:avLst/>
-          </a:prstGeom>
-        </p:spPr>
-      </p:pic>
-    </p:spTree>
-    <p:extLst>
-      <p:ext uri="{BB962C8B-B14F-4D97-AF65-F5344CB8AC3E}">
-        <p14:creationId xmlns:p14="http://schemas.microsoft.com/office/powerpoint/2010/main" val="684950098"/>
-      </p:ext>
-    </p:extLst>
-  </p:cSld>
-  <p:clrMapOvr>
-    <a:masterClrMapping/>
-  </p:clrMapOvr>
-</p:sld>
-</file>
-
-<file path=ppt/slides/slide14.xml><?xml version="1.0" encoding="utf-8"?>
-<p:sld xmlns:a="http://schemas.openxmlformats.org/drawingml/2006/main" xmlns:r="http://schemas.openxmlformats.org/officeDocument/2006/relationships" xmlns:p="http://schemas.openxmlformats.org/presentationml/2006/main">
-  <p:cSld>
-    <p:spTree>
-      <p:nvGrpSpPr>
-        <p:cNvPr id="1" name=""/>
-        <p:cNvGrpSpPr/>
-        <p:nvPr/>
-      </p:nvGrpSpPr>
-      <p:grpSpPr>
-        <a:xfrm>
-          <a:off x="0" y="0"/>
-          <a:ext cx="0" cy="0"/>
-          <a:chOff x="0" y="0"/>
-          <a:chExt cx="0" cy="0"/>
-        </a:xfrm>
-      </p:grpSpPr>
-      <p:sp>
-        <p:nvSpPr>
-          <p:cNvPr id="2" name="Title 1">
-            <a:extLst>
-              <a:ext uri="{FF2B5EF4-FFF2-40B4-BE49-F238E27FC236}">
-                <a16:creationId xmlns:a16="http://schemas.microsoft.com/office/drawing/2014/main" id="{8B788311-4CD4-4AB6-B944-0A84420911A8}"/>
-              </a:ext>
-            </a:extLst>
-          </p:cNvPr>
-          <p:cNvSpPr>
-            <a:spLocks noGrp="1"/>
-          </p:cNvSpPr>
-          <p:nvPr>
-            <p:ph type="title"/>
-          </p:nvPr>
-        </p:nvSpPr>
-        <p:spPr/>
-        <p:txBody>
-          <a:bodyPr/>
-          <a:lstStyle/>
-          <a:p>
-            <a:r>
-              <a:rPr lang="en-US" dirty="0"/>
-              <a:t>Greatly reduce leaky events</a:t>
-            </a:r>
-          </a:p>
-        </p:txBody>
-      </p:sp>
-      <p:pic>
-        <p:nvPicPr>
-          <p:cNvPr id="3" name="Picture 2">
-            <a:extLst>
-              <a:ext uri="{FF2B5EF4-FFF2-40B4-BE49-F238E27FC236}">
-                <a16:creationId xmlns:a16="http://schemas.microsoft.com/office/drawing/2014/main" id="{13A0B6F4-000E-4F52-AB10-3A526EBC6B0B}"/>
-              </a:ext>
-            </a:extLst>
-          </p:cNvPr>
-          <p:cNvPicPr>
-            <a:picLocks noChangeAspect="1"/>
-          </p:cNvPicPr>
-          <p:nvPr/>
-        </p:nvPicPr>
-        <p:blipFill>
-          <a:blip r:embed="rId3"/>
-          <a:stretch>
-            <a:fillRect/>
-          </a:stretch>
-        </p:blipFill>
-        <p:spPr>
-          <a:xfrm>
-            <a:off x="1965235" y="1957270"/>
-            <a:ext cx="2927530" cy="2699338"/>
-          </a:xfrm>
-          <a:prstGeom prst="rect">
-            <a:avLst/>
-          </a:prstGeom>
-        </p:spPr>
-      </p:pic>
-    </p:spTree>
-    <p:extLst>
-      <p:ext uri="{BB962C8B-B14F-4D97-AF65-F5344CB8AC3E}">
-        <p14:creationId xmlns:p14="http://schemas.microsoft.com/office/powerpoint/2010/main" val="2760584091"/>
-      </p:ext>
-    </p:extLst>
-  </p:cSld>
-  <p:clrMapOvr>
-    <a:masterClrMapping/>
-  </p:clrMapOvr>
-</p:sld>
-</file>
-
-<file path=ppt/slides/slide15.xml><?xml version="1.0" encoding="utf-8"?>
-<p:sld xmlns:a="http://schemas.openxmlformats.org/drawingml/2006/main" xmlns:r="http://schemas.openxmlformats.org/officeDocument/2006/relationships" xmlns:p="http://schemas.openxmlformats.org/presentationml/2006/main">
-  <p:cSld>
-    <p:spTree>
-      <p:nvGrpSpPr>
-        <p:cNvPr id="1" name=""/>
-        <p:cNvGrpSpPr/>
-        <p:nvPr/>
-      </p:nvGrpSpPr>
-      <p:grpSpPr>
-        <a:xfrm>
-          <a:off x="0" y="0"/>
-          <a:ext cx="0" cy="0"/>
-          <a:chOff x="0" y="0"/>
-          <a:chExt cx="0" cy="0"/>
-        </a:xfrm>
-      </p:grpSpPr>
-      <p:sp>
-        <p:nvSpPr>
-          <p:cNvPr id="2" name="Title 1">
-            <a:extLst>
-              <a:ext uri="{FF2B5EF4-FFF2-40B4-BE49-F238E27FC236}">
-                <a16:creationId xmlns:a16="http://schemas.microsoft.com/office/drawing/2014/main" id="{7D1F2645-BC41-42DD-805C-C6675B96F396}"/>
-              </a:ext>
-            </a:extLst>
-          </p:cNvPr>
-          <p:cNvSpPr>
-            <a:spLocks noGrp="1"/>
-          </p:cNvSpPr>
-          <p:nvPr>
-            <p:ph type="title"/>
-          </p:nvPr>
-        </p:nvSpPr>
-        <p:spPr/>
-        <p:txBody>
-          <a:bodyPr/>
-          <a:lstStyle/>
-          <a:p>
-            <a:r>
-              <a:rPr lang="en-US" dirty="0" err="1"/>
-              <a:t>Observable.ToList</a:t>
-            </a:r>
-            <a:r>
-              <a:rPr lang="en-US" dirty="0"/>
-              <a:t>()</a:t>
-            </a:r>
-          </a:p>
-        </p:txBody>
-      </p:sp>
-      <p:pic>
-        <p:nvPicPr>
-          <p:cNvPr id="3" name="Picture 2">
-            <a:extLst>
-              <a:ext uri="{FF2B5EF4-FFF2-40B4-BE49-F238E27FC236}">
-                <a16:creationId xmlns:a16="http://schemas.microsoft.com/office/drawing/2014/main" id="{D5FB4D91-548C-40DA-A343-B2FF32C17D90}"/>
-              </a:ext>
-            </a:extLst>
-          </p:cNvPr>
-          <p:cNvPicPr>
-            <a:picLocks noChangeAspect="1"/>
-          </p:cNvPicPr>
-          <p:nvPr/>
-        </p:nvPicPr>
-        <p:blipFill>
-          <a:blip r:embed="rId3"/>
-          <a:stretch>
-            <a:fillRect/>
-          </a:stretch>
-        </p:blipFill>
-        <p:spPr>
-          <a:xfrm>
-            <a:off x="485540" y="1765245"/>
-            <a:ext cx="5886920" cy="2930435"/>
-          </a:xfrm>
-          <a:prstGeom prst="rect">
-            <a:avLst/>
-          </a:prstGeom>
-        </p:spPr>
-      </p:pic>
-    </p:spTree>
-    <p:extLst>
-      <p:ext uri="{BB962C8B-B14F-4D97-AF65-F5344CB8AC3E}">
-        <p14:creationId xmlns:p14="http://schemas.microsoft.com/office/powerpoint/2010/main" val="605407153"/>
-      </p:ext>
-    </p:extLst>
-  </p:cSld>
-  <p:clrMapOvr>
-    <a:masterClrMapping/>
-  </p:clrMapOvr>
-</p:sld>
-</file>
-
-<file path=ppt/slides/slide16.xml><?xml version="1.0" encoding="utf-8"?>
-<p:sld xmlns:a="http://schemas.openxmlformats.org/drawingml/2006/main" xmlns:r="http://schemas.openxmlformats.org/officeDocument/2006/relationships" xmlns:p="http://schemas.openxmlformats.org/presentationml/2006/main">
-  <p:cSld>
-    <p:spTree>
-      <p:nvGrpSpPr>
-        <p:cNvPr id="1" name=""/>
-        <p:cNvGrpSpPr/>
-        <p:nvPr/>
-      </p:nvGrpSpPr>
-      <p:grpSpPr>
-        <a:xfrm>
-          <a:off x="0" y="0"/>
-          <a:ext cx="0" cy="0"/>
-          <a:chOff x="0" y="0"/>
-          <a:chExt cx="0" cy="0"/>
-        </a:xfrm>
-      </p:grpSpPr>
-      <p:sp>
-        <p:nvSpPr>
-          <p:cNvPr id="2" name="Title 1">
-            <a:extLst>
-              <a:ext uri="{FF2B5EF4-FFF2-40B4-BE49-F238E27FC236}">
-                <a16:creationId xmlns:a16="http://schemas.microsoft.com/office/drawing/2014/main" id="{B2CAA9B5-D458-49B6-84D2-FDECAC4608F2}"/>
-              </a:ext>
-            </a:extLst>
-          </p:cNvPr>
-          <p:cNvSpPr>
-            <a:spLocks noGrp="1"/>
-          </p:cNvSpPr>
-          <p:nvPr>
-            <p:ph type="title"/>
-          </p:nvPr>
-        </p:nvSpPr>
-        <p:spPr/>
-        <p:txBody>
-          <a:bodyPr/>
-          <a:lstStyle/>
-          <a:p>
-            <a:r>
-              <a:rPr lang="en-US" dirty="0" err="1"/>
-              <a:t>TakeUntil</a:t>
-            </a:r>
-            <a:endParaRPr lang="en-US" dirty="0"/>
-          </a:p>
-        </p:txBody>
-      </p:sp>
-      <p:pic>
-        <p:nvPicPr>
-          <p:cNvPr id="3" name="Picture 2">
-            <a:extLst>
-              <a:ext uri="{FF2B5EF4-FFF2-40B4-BE49-F238E27FC236}">
-                <a16:creationId xmlns:a16="http://schemas.microsoft.com/office/drawing/2014/main" id="{4CC4419A-06A8-478C-8AC7-14F794982764}"/>
-              </a:ext>
-            </a:extLst>
-          </p:cNvPr>
-          <p:cNvPicPr>
-            <a:picLocks noChangeAspect="1"/>
-          </p:cNvPicPr>
-          <p:nvPr/>
-        </p:nvPicPr>
-        <p:blipFill>
-          <a:blip r:embed="rId3"/>
-          <a:stretch>
-            <a:fillRect/>
-          </a:stretch>
-        </p:blipFill>
-        <p:spPr>
-          <a:xfrm>
-            <a:off x="754375" y="1688435"/>
-            <a:ext cx="5349250" cy="3331446"/>
-          </a:xfrm>
-          <a:prstGeom prst="rect">
-            <a:avLst/>
-          </a:prstGeom>
-        </p:spPr>
-      </p:pic>
-    </p:spTree>
-    <p:extLst>
-      <p:ext uri="{BB962C8B-B14F-4D97-AF65-F5344CB8AC3E}">
-        <p14:creationId xmlns:p14="http://schemas.microsoft.com/office/powerpoint/2010/main" val="676314589"/>
-      </p:ext>
-    </p:extLst>
-  </p:cSld>
-  <p:clrMapOvr>
-    <a:masterClrMapping/>
-  </p:clrMapOvr>
-</p:sld>
-</file>
-
-<file path=ppt/slides/slide17.xml><?xml version="1.0" encoding="utf-8"?>
-<p:sld xmlns:a="http://schemas.openxmlformats.org/drawingml/2006/main" xmlns:r="http://schemas.openxmlformats.org/officeDocument/2006/relationships" xmlns:p="http://schemas.openxmlformats.org/presentationml/2006/main">
-  <p:cSld>
-    <p:spTree>
-      <p:nvGrpSpPr>
-        <p:cNvPr id="1" name=""/>
-        <p:cNvGrpSpPr/>
-        <p:nvPr/>
-      </p:nvGrpSpPr>
-      <p:grpSpPr>
-        <a:xfrm>
-          <a:off x="0" y="0"/>
-          <a:ext cx="0" cy="0"/>
-          <a:chOff x="0" y="0"/>
-          <a:chExt cx="0" cy="0"/>
-        </a:xfrm>
-      </p:grpSpPr>
-      <p:sp>
-        <p:nvSpPr>
-          <p:cNvPr id="3" name="Title 2">
-            <a:extLst>
-              <a:ext uri="{FF2B5EF4-FFF2-40B4-BE49-F238E27FC236}">
-                <a16:creationId xmlns:a16="http://schemas.microsoft.com/office/drawing/2014/main" id="{ABC7F4F2-712D-4047-8D50-F89F3FF900CB}"/>
-              </a:ext>
-            </a:extLst>
-          </p:cNvPr>
-          <p:cNvSpPr>
-            <a:spLocks noGrp="1"/>
-          </p:cNvSpPr>
-          <p:nvPr>
-            <p:ph type="title"/>
-          </p:nvPr>
-        </p:nvSpPr>
-        <p:spPr/>
-        <p:txBody>
-          <a:bodyPr/>
-          <a:lstStyle/>
-          <a:p>
-            <a:r>
-              <a:rPr lang="en-US" dirty="0"/>
-              <a:t>Retry and Exception handling made easy</a:t>
-            </a:r>
-          </a:p>
-        </p:txBody>
-      </p:sp>
-      <p:pic>
-        <p:nvPicPr>
-          <p:cNvPr id="6" name="Picture 5">
-            <a:extLst>
-              <a:ext uri="{FF2B5EF4-FFF2-40B4-BE49-F238E27FC236}">
-                <a16:creationId xmlns:a16="http://schemas.microsoft.com/office/drawing/2014/main" id="{B7C14E4E-D125-4B18-B297-7752921AC6AE}"/>
-              </a:ext>
-            </a:extLst>
-          </p:cNvPr>
-          <p:cNvPicPr>
-            <a:picLocks noChangeAspect="1"/>
-          </p:cNvPicPr>
-          <p:nvPr/>
-        </p:nvPicPr>
-        <p:blipFill>
-          <a:blip r:embed="rId3"/>
-          <a:stretch>
-            <a:fillRect/>
-          </a:stretch>
-        </p:blipFill>
-        <p:spPr>
-          <a:xfrm>
-            <a:off x="2181225" y="2264510"/>
-            <a:ext cx="2495550" cy="1657350"/>
-          </a:xfrm>
-          <a:prstGeom prst="rect">
-            <a:avLst/>
-          </a:prstGeom>
-        </p:spPr>
-      </p:pic>
-    </p:spTree>
-    <p:extLst>
-      <p:ext uri="{BB962C8B-B14F-4D97-AF65-F5344CB8AC3E}">
-        <p14:creationId xmlns:p14="http://schemas.microsoft.com/office/powerpoint/2010/main" val="3274046353"/>
-      </p:ext>
-    </p:extLst>
-  </p:cSld>
-  <p:clrMapOvr>
-    <a:masterClrMapping/>
-  </p:clrMapOvr>
-</p:sld>
-</file>
-
-<file path=ppt/slides/slide18.xml><?xml version="1.0" encoding="utf-8"?>
 <p:sld xmlns:a="http://schemas.openxmlformats.org/drawingml/2006/main" xmlns:r="http://schemas.openxmlformats.org/officeDocument/2006/relationships" xmlns:p="http://schemas.openxmlformats.org/presentationml/2006/main">
   <p:cSld>
     <p:spTree>
@@ -22476,7 +21089,7 @@
 </p:sld>
 </file>
 
-<file path=ppt/slides/slide19.xml><?xml version="1.0" encoding="utf-8"?>
+<file path=ppt/slides/slide14.xml><?xml version="1.0" encoding="utf-8"?>
 <p:sld xmlns:a="http://schemas.openxmlformats.org/drawingml/2006/main" xmlns:r="http://schemas.openxmlformats.org/officeDocument/2006/relationships" xmlns:p="http://schemas.openxmlformats.org/presentationml/2006/main">
   <p:cSld>
     <p:spTree>
@@ -22498,250 +21111,6 @@
           <p:cNvPr id="2" name="Title 1">
             <a:extLst>
               <a:ext uri="{FF2B5EF4-FFF2-40B4-BE49-F238E27FC236}">
-                <a16:creationId xmlns:a16="http://schemas.microsoft.com/office/drawing/2014/main" id="{D33BDEB7-52DF-44C7-8F21-CF8BDBA9CC4B}"/>
-              </a:ext>
-            </a:extLst>
-          </p:cNvPr>
-          <p:cNvSpPr>
-            <a:spLocks noGrp="1"/>
-          </p:cNvSpPr>
-          <p:nvPr>
-            <p:ph type="title"/>
-          </p:nvPr>
-        </p:nvSpPr>
-        <p:spPr/>
-        <p:txBody>
-          <a:bodyPr/>
-          <a:lstStyle/>
-          <a:p>
-            <a:r>
-              <a:rPr lang="en-US" dirty="0"/>
-              <a:t>MERGE</a:t>
-            </a:r>
-          </a:p>
-        </p:txBody>
-      </p:sp>
-      <p:pic>
-        <p:nvPicPr>
-          <p:cNvPr id="4" name="Picture 3">
-            <a:extLst>
-              <a:ext uri="{FF2B5EF4-FFF2-40B4-BE49-F238E27FC236}">
-                <a16:creationId xmlns:a16="http://schemas.microsoft.com/office/drawing/2014/main" id="{B9B59DC1-3209-43FF-A6E0-87A2B3AFCB74}"/>
-              </a:ext>
-            </a:extLst>
-          </p:cNvPr>
-          <p:cNvPicPr>
-            <a:picLocks noChangeAspect="1"/>
-          </p:cNvPicPr>
-          <p:nvPr/>
-        </p:nvPicPr>
-        <p:blipFill>
-          <a:blip r:embed="rId2"/>
-          <a:stretch>
-            <a:fillRect/>
-          </a:stretch>
-        </p:blipFill>
-        <p:spPr>
-          <a:xfrm>
-            <a:off x="438206" y="1721420"/>
-            <a:ext cx="6068355" cy="3193035"/>
-          </a:xfrm>
-          <a:prstGeom prst="rect">
-            <a:avLst/>
-          </a:prstGeom>
-        </p:spPr>
-      </p:pic>
-    </p:spTree>
-    <p:extLst>
-      <p:ext uri="{BB962C8B-B14F-4D97-AF65-F5344CB8AC3E}">
-        <p14:creationId xmlns:p14="http://schemas.microsoft.com/office/powerpoint/2010/main" val="848984786"/>
-      </p:ext>
-    </p:extLst>
-  </p:cSld>
-  <p:clrMapOvr>
-    <a:masterClrMapping/>
-  </p:clrMapOvr>
-</p:sld>
-</file>
-
-<file path=ppt/slides/slide2.xml><?xml version="1.0" encoding="utf-8"?>
-<p:sld xmlns:a="http://schemas.openxmlformats.org/drawingml/2006/main" xmlns:r="http://schemas.openxmlformats.org/officeDocument/2006/relationships" xmlns:p="http://schemas.openxmlformats.org/presentationml/2006/main">
-  <p:cSld>
-    <p:spTree>
-      <p:nvGrpSpPr>
-        <p:cNvPr id="1" name=""/>
-        <p:cNvGrpSpPr/>
-        <p:nvPr/>
-      </p:nvGrpSpPr>
-      <p:grpSpPr>
-        <a:xfrm>
-          <a:off x="0" y="0"/>
-          <a:ext cx="0" cy="0"/>
-          <a:chOff x="0" y="0"/>
-          <a:chExt cx="0" cy="0"/>
-        </a:xfrm>
-      </p:grpSpPr>
-      <p:sp>
-        <p:nvSpPr>
-          <p:cNvPr id="2" name="Title 1">
-            <a:extLst>
-              <a:ext uri="{FF2B5EF4-FFF2-40B4-BE49-F238E27FC236}">
-                <a16:creationId xmlns:a16="http://schemas.microsoft.com/office/drawing/2014/main" id="{7E940219-A523-4DDF-B5AB-17DE44AB8092}"/>
-              </a:ext>
-            </a:extLst>
-          </p:cNvPr>
-          <p:cNvSpPr>
-            <a:spLocks noGrp="1"/>
-          </p:cNvSpPr>
-          <p:nvPr>
-            <p:ph type="title"/>
-          </p:nvPr>
-        </p:nvSpPr>
-        <p:spPr/>
-        <p:txBody>
-          <a:bodyPr/>
-          <a:lstStyle/>
-          <a:p>
-            <a:r>
-              <a:rPr lang="en-US" dirty="0"/>
-              <a:t>Term and Library Clarification</a:t>
-            </a:r>
-          </a:p>
-        </p:txBody>
-      </p:sp>
-      <p:sp>
-        <p:nvSpPr>
-          <p:cNvPr id="3" name="Content Placeholder 2">
-            <a:extLst>
-              <a:ext uri="{FF2B5EF4-FFF2-40B4-BE49-F238E27FC236}">
-                <a16:creationId xmlns:a16="http://schemas.microsoft.com/office/drawing/2014/main" id="{D7532444-18B2-4038-8929-C19359541C1E}"/>
-              </a:ext>
-            </a:extLst>
-          </p:cNvPr>
-          <p:cNvSpPr>
-            <a:spLocks noGrp="1"/>
-          </p:cNvSpPr>
-          <p:nvPr>
-            <p:ph idx="1"/>
-          </p:nvPr>
-        </p:nvSpPr>
-        <p:spPr>
-          <a:xfrm>
-            <a:off x="648287" y="1866900"/>
-            <a:ext cx="4758945" cy="2932340"/>
-          </a:xfrm>
-        </p:spPr>
-        <p:txBody>
-          <a:bodyPr/>
-          <a:lstStyle/>
-          <a:p>
-            <a:r>
-              <a:rPr lang="en-US" dirty="0"/>
-              <a:t>ReactJS</a:t>
-            </a:r>
-          </a:p>
-          <a:p>
-            <a:pPr lvl="1"/>
-            <a:r>
-              <a:rPr lang="en-US" dirty="0"/>
-              <a:t>A view library that shares 5 letters with the word Reactive</a:t>
-            </a:r>
-          </a:p>
-          <a:p>
-            <a:pPr lvl="1"/>
-            <a:r>
-              <a:rPr lang="en-US" dirty="0"/>
-              <a:t>Can work with reactive libraries </a:t>
-            </a:r>
-            <a:r>
-              <a:rPr lang="en-US" dirty="0" err="1"/>
-              <a:t>Mobx</a:t>
-            </a:r>
-            <a:r>
-              <a:rPr lang="en-US" dirty="0"/>
-              <a:t>, Meteor, </a:t>
-            </a:r>
-            <a:r>
-              <a:rPr lang="en-US" dirty="0" err="1"/>
-              <a:t>RxJS</a:t>
-            </a:r>
-            <a:r>
-              <a:rPr lang="en-US" dirty="0"/>
-              <a:t>, etc..</a:t>
-            </a:r>
-          </a:p>
-          <a:p>
-            <a:r>
-              <a:rPr lang="en-US" dirty="0" err="1"/>
-              <a:t>ReactiveX</a:t>
-            </a:r>
-            <a:r>
-              <a:rPr lang="en-US" dirty="0"/>
-              <a:t> </a:t>
-            </a:r>
-          </a:p>
-          <a:p>
-            <a:pPr lvl="1"/>
-            <a:r>
-              <a:rPr lang="en-US" dirty="0"/>
-              <a:t>What we’re mainly talking about today</a:t>
-            </a:r>
-          </a:p>
-          <a:p>
-            <a:r>
-              <a:rPr lang="en-US" dirty="0"/>
-              <a:t>ReactiveUI</a:t>
-            </a:r>
-          </a:p>
-          <a:p>
-            <a:pPr lvl="1"/>
-            <a:r>
-              <a:rPr lang="en-US" dirty="0"/>
-              <a:t>Cross platform MVVM library built on top of </a:t>
-            </a:r>
-            <a:r>
-              <a:rPr lang="en-US" dirty="0" err="1"/>
-              <a:t>ReactiveX</a:t>
-            </a:r>
-            <a:endParaRPr lang="en-US" dirty="0"/>
-          </a:p>
-        </p:txBody>
-      </p:sp>
-    </p:spTree>
-    <p:extLst>
-      <p:ext uri="{BB962C8B-B14F-4D97-AF65-F5344CB8AC3E}">
-        <p14:creationId xmlns:p14="http://schemas.microsoft.com/office/powerpoint/2010/main" val="3471887714"/>
-      </p:ext>
-    </p:extLst>
-  </p:cSld>
-  <p:clrMapOvr>
-    <a:masterClrMapping/>
-  </p:clrMapOvr>
-</p:sld>
-</file>
-
-<file path=ppt/slides/slide20.xml><?xml version="1.0" encoding="utf-8"?>
-<p:sld xmlns:a="http://schemas.openxmlformats.org/drawingml/2006/main" xmlns:r="http://schemas.openxmlformats.org/officeDocument/2006/relationships" xmlns:p="http://schemas.openxmlformats.org/presentationml/2006/main">
-  <p:cSld>
-    <p:spTree>
-      <p:nvGrpSpPr>
-        <p:cNvPr id="1" name=""/>
-        <p:cNvGrpSpPr/>
-        <p:nvPr/>
-      </p:nvGrpSpPr>
-      <p:grpSpPr>
-        <a:xfrm>
-          <a:off x="0" y="0"/>
-          <a:ext cx="0" cy="0"/>
-          <a:chOff x="0" y="0"/>
-          <a:chExt cx="0" cy="0"/>
-        </a:xfrm>
-      </p:grpSpPr>
-      <p:sp>
-        <p:nvSpPr>
-          <p:cNvPr id="2" name="Title 1">
-            <a:extLst>
-              <a:ext uri="{FF2B5EF4-FFF2-40B4-BE49-F238E27FC236}">
                 <a16:creationId xmlns:a16="http://schemas.microsoft.com/office/drawing/2014/main" id="{16A4AD5E-8055-4673-8121-ACAC31CB61BA}"/>
               </a:ext>
             </a:extLst>
@@ -22765,36 +21134,6 @@
           </a:p>
         </p:txBody>
       </p:sp>
-      <p:pic>
-        <p:nvPicPr>
-          <p:cNvPr id="4" name="Picture 3">
-            <a:extLst>
-              <a:ext uri="{FF2B5EF4-FFF2-40B4-BE49-F238E27FC236}">
-                <a16:creationId xmlns:a16="http://schemas.microsoft.com/office/drawing/2014/main" id="{5055877F-5D55-4C6F-BF6D-9E17B3795101}"/>
-              </a:ext>
-            </a:extLst>
-          </p:cNvPr>
-          <p:cNvPicPr>
-            <a:picLocks noChangeAspect="1"/>
-          </p:cNvPicPr>
-          <p:nvPr/>
-        </p:nvPicPr>
-        <p:blipFill>
-          <a:blip r:embed="rId2"/>
-          <a:stretch>
-            <a:fillRect/>
-          </a:stretch>
-        </p:blipFill>
-        <p:spPr>
-          <a:xfrm>
-            <a:off x="4197100" y="426903"/>
-            <a:ext cx="1056360" cy="1069242"/>
-          </a:xfrm>
-          <a:prstGeom prst="rect">
-            <a:avLst/>
-          </a:prstGeom>
-        </p:spPr>
-      </p:pic>
       <p:sp>
         <p:nvSpPr>
           <p:cNvPr id="5" name="Rectangle 4">
@@ -22850,7 +21189,7 @@
           <p:nvPr/>
         </p:nvPicPr>
         <p:blipFill>
-          <a:blip r:embed="rId3"/>
+          <a:blip r:embed="rId2"/>
           <a:stretch>
             <a:fillRect/>
           </a:stretch>
@@ -22878,7 +21217,7 @@
 </p:sld>
 </file>
 
-<file path=ppt/slides/slide21.xml><?xml version="1.0" encoding="utf-8"?>
+<file path=ppt/slides/slide15.xml><?xml version="1.0" encoding="utf-8"?>
 <p:sld xmlns:a="http://schemas.openxmlformats.org/drawingml/2006/main" xmlns:r="http://schemas.openxmlformats.org/officeDocument/2006/relationships" xmlns:p="http://schemas.openxmlformats.org/presentationml/2006/main">
   <p:cSld>
     <p:spTree>
@@ -22900,7 +21239,7 @@
           <p:cNvPr id="2" name="Title 1">
             <a:extLst>
               <a:ext uri="{FF2B5EF4-FFF2-40B4-BE49-F238E27FC236}">
-                <a16:creationId xmlns:a16="http://schemas.microsoft.com/office/drawing/2014/main" id="{04C600DD-2955-4624-A5B8-78BC73BB8E2B}"/>
+                <a16:creationId xmlns:a16="http://schemas.microsoft.com/office/drawing/2014/main" id="{5BFC8591-6334-446B-8A88-893BA3D9258A}"/>
               </a:ext>
             </a:extLst>
           </p:cNvPr>
@@ -22918,45 +21257,79 @@
           <a:p>
             <a:r>
               <a:rPr lang="en-US" dirty="0"/>
-              <a:t>Multicast Your Streams</a:t>
-            </a:r>
-          </a:p>
-        </p:txBody>
-      </p:sp>
-      <p:pic>
-        <p:nvPicPr>
-          <p:cNvPr id="3" name="Picture 2">
+              <a:t>Additional operators</a:t>
+            </a:r>
+          </a:p>
+        </p:txBody>
+      </p:sp>
+      <p:sp>
+        <p:nvSpPr>
+          <p:cNvPr id="3" name="Content Placeholder 2">
             <a:extLst>
               <a:ext uri="{FF2B5EF4-FFF2-40B4-BE49-F238E27FC236}">
-                <a16:creationId xmlns:a16="http://schemas.microsoft.com/office/drawing/2014/main" id="{C09C62FD-DFF4-4E2E-B509-48629245E009}"/>
+                <a16:creationId xmlns:a16="http://schemas.microsoft.com/office/drawing/2014/main" id="{ECC65BC1-33BA-4492-981A-5FB32E0FBB45}"/>
               </a:ext>
             </a:extLst>
           </p:cNvPr>
-          <p:cNvPicPr>
-            <a:picLocks noChangeAspect="1"/>
-          </p:cNvPicPr>
-          <p:nvPr/>
-        </p:nvPicPr>
-        <p:blipFill>
-          <a:blip r:embed="rId2"/>
-          <a:stretch>
-            <a:fillRect/>
-          </a:stretch>
-        </p:blipFill>
-        <p:spPr>
-          <a:xfrm>
-            <a:off x="636246" y="1611625"/>
-            <a:ext cx="5456423" cy="3396943"/>
-          </a:xfrm>
-          <a:prstGeom prst="rect">
-            <a:avLst/>
-          </a:prstGeom>
-        </p:spPr>
-      </p:pic>
+          <p:cNvSpPr>
+            <a:spLocks noGrp="1"/>
+          </p:cNvSpPr>
+          <p:nvPr>
+            <p:ph idx="1"/>
+          </p:nvPr>
+        </p:nvSpPr>
+        <p:spPr/>
+        <p:txBody>
+          <a:bodyPr/>
+          <a:lstStyle/>
+          <a:p>
+            <a:r>
+              <a:rPr lang="en-US" dirty="0"/>
+              <a:t>Retry</a:t>
+            </a:r>
+          </a:p>
+          <a:p>
+            <a:r>
+              <a:rPr lang="en-US" dirty="0"/>
+              <a:t>Catch</a:t>
+            </a:r>
+          </a:p>
+          <a:p>
+            <a:r>
+              <a:rPr lang="en-US" dirty="0"/>
+              <a:t>Replay</a:t>
+            </a:r>
+          </a:p>
+          <a:p>
+            <a:r>
+              <a:rPr lang="en-US" dirty="0"/>
+              <a:t>Group</a:t>
+            </a:r>
+          </a:p>
+          <a:p>
+            <a:r>
+              <a:rPr lang="en-US" dirty="0"/>
+              <a:t>Window</a:t>
+            </a:r>
+          </a:p>
+          <a:p>
+            <a:r>
+              <a:rPr lang="en-US" dirty="0"/>
+              <a:t>reactivex.io/documentation/operators.html</a:t>
+            </a:r>
+          </a:p>
+          <a:p>
+            <a:r>
+              <a:rPr lang="en-US" dirty="0"/>
+              <a:t>Connected Observables</a:t>
+            </a:r>
+          </a:p>
+        </p:txBody>
+      </p:sp>
     </p:spTree>
     <p:extLst>
       <p:ext uri="{BB962C8B-B14F-4D97-AF65-F5344CB8AC3E}">
-        <p14:creationId xmlns:p14="http://schemas.microsoft.com/office/powerpoint/2010/main" val="31608537"/>
+        <p14:creationId xmlns:p14="http://schemas.microsoft.com/office/powerpoint/2010/main" val="3432165949"/>
       </p:ext>
     </p:extLst>
   </p:cSld>
@@ -22966,7 +21339,7 @@
 </p:sld>
 </file>
 
-<file path=ppt/slides/slide22.xml><?xml version="1.0" encoding="utf-8"?>
+<file path=ppt/slides/slide16.xml><?xml version="1.0" encoding="utf-8"?>
 <p:sld xmlns:a="http://schemas.openxmlformats.org/drawingml/2006/main" xmlns:r="http://schemas.openxmlformats.org/officeDocument/2006/relationships" xmlns:p="http://schemas.openxmlformats.org/presentationml/2006/main">
   <p:cSld>
     <p:spTree>
@@ -22988,122 +21361,6 @@
           <p:cNvPr id="2" name="Title 1">
             <a:extLst>
               <a:ext uri="{FF2B5EF4-FFF2-40B4-BE49-F238E27FC236}">
-                <a16:creationId xmlns:a16="http://schemas.microsoft.com/office/drawing/2014/main" id="{5BFC8591-6334-446B-8A88-893BA3D9258A}"/>
-              </a:ext>
-            </a:extLst>
-          </p:cNvPr>
-          <p:cNvSpPr>
-            <a:spLocks noGrp="1"/>
-          </p:cNvSpPr>
-          <p:nvPr>
-            <p:ph type="title"/>
-          </p:nvPr>
-        </p:nvSpPr>
-        <p:spPr/>
-        <p:txBody>
-          <a:bodyPr/>
-          <a:lstStyle/>
-          <a:p>
-            <a:r>
-              <a:rPr lang="en-US" dirty="0"/>
-              <a:t>Additional operators</a:t>
-            </a:r>
-          </a:p>
-        </p:txBody>
-      </p:sp>
-      <p:sp>
-        <p:nvSpPr>
-          <p:cNvPr id="3" name="Content Placeholder 2">
-            <a:extLst>
-              <a:ext uri="{FF2B5EF4-FFF2-40B4-BE49-F238E27FC236}">
-                <a16:creationId xmlns:a16="http://schemas.microsoft.com/office/drawing/2014/main" id="{ECC65BC1-33BA-4492-981A-5FB32E0FBB45}"/>
-              </a:ext>
-            </a:extLst>
-          </p:cNvPr>
-          <p:cNvSpPr>
-            <a:spLocks noGrp="1"/>
-          </p:cNvSpPr>
-          <p:nvPr>
-            <p:ph idx="1"/>
-          </p:nvPr>
-        </p:nvSpPr>
-        <p:spPr/>
-        <p:txBody>
-          <a:bodyPr/>
-          <a:lstStyle/>
-          <a:p>
-            <a:r>
-              <a:rPr lang="en-US" dirty="0"/>
-              <a:t>Retry</a:t>
-            </a:r>
-          </a:p>
-          <a:p>
-            <a:r>
-              <a:rPr lang="en-US" dirty="0"/>
-              <a:t>Catch</a:t>
-            </a:r>
-          </a:p>
-          <a:p>
-            <a:r>
-              <a:rPr lang="en-US" dirty="0"/>
-              <a:t>Replay</a:t>
-            </a:r>
-          </a:p>
-          <a:p>
-            <a:r>
-              <a:rPr lang="en-US" dirty="0"/>
-              <a:t>Group</a:t>
-            </a:r>
-          </a:p>
-          <a:p>
-            <a:r>
-              <a:rPr lang="en-US" dirty="0"/>
-              <a:t>Window</a:t>
-            </a:r>
-          </a:p>
-          <a:p>
-            <a:r>
-              <a:rPr lang="en-US" dirty="0"/>
-              <a:t>reactivex.io/documentation/operators.html</a:t>
-            </a:r>
-          </a:p>
-        </p:txBody>
-      </p:sp>
-    </p:spTree>
-    <p:extLst>
-      <p:ext uri="{BB962C8B-B14F-4D97-AF65-F5344CB8AC3E}">
-        <p14:creationId xmlns:p14="http://schemas.microsoft.com/office/powerpoint/2010/main" val="3432165949"/>
-      </p:ext>
-    </p:extLst>
-  </p:cSld>
-  <p:clrMapOvr>
-    <a:masterClrMapping/>
-  </p:clrMapOvr>
-</p:sld>
-</file>
-
-<file path=ppt/slides/slide23.xml><?xml version="1.0" encoding="utf-8"?>
-<p:sld xmlns:a="http://schemas.openxmlformats.org/drawingml/2006/main" xmlns:r="http://schemas.openxmlformats.org/officeDocument/2006/relationships" xmlns:p="http://schemas.openxmlformats.org/presentationml/2006/main">
-  <p:cSld>
-    <p:spTree>
-      <p:nvGrpSpPr>
-        <p:cNvPr id="1" name=""/>
-        <p:cNvGrpSpPr/>
-        <p:nvPr/>
-      </p:nvGrpSpPr>
-      <p:grpSpPr>
-        <a:xfrm>
-          <a:off x="0" y="0"/>
-          <a:ext cx="0" cy="0"/>
-          <a:chOff x="0" y="0"/>
-          <a:chExt cx="0" cy="0"/>
-        </a:xfrm>
-      </p:grpSpPr>
-      <p:sp>
-        <p:nvSpPr>
-          <p:cNvPr id="2" name="Title 1">
-            <a:extLst>
-              <a:ext uri="{FF2B5EF4-FFF2-40B4-BE49-F238E27FC236}">
                 <a16:creationId xmlns:a16="http://schemas.microsoft.com/office/drawing/2014/main" id="{9CE54AF5-44DC-4091-97B3-49FB3D08513B}"/>
               </a:ext>
             </a:extLst>
@@ -23209,129 +21466,7 @@
 </p:sld>
 </file>
 
-<file path=ppt/slides/slide24.xml><?xml version="1.0" encoding="utf-8"?>
-<p:sld xmlns:a="http://schemas.openxmlformats.org/drawingml/2006/main" xmlns:r="http://schemas.openxmlformats.org/officeDocument/2006/relationships" xmlns:p="http://schemas.openxmlformats.org/presentationml/2006/main">
-  <p:cSld>
-    <p:spTree>
-      <p:nvGrpSpPr>
-        <p:cNvPr id="1" name=""/>
-        <p:cNvGrpSpPr/>
-        <p:nvPr/>
-      </p:nvGrpSpPr>
-      <p:grpSpPr>
-        <a:xfrm>
-          <a:off x="0" y="0"/>
-          <a:ext cx="0" cy="0"/>
-          <a:chOff x="0" y="0"/>
-          <a:chExt cx="0" cy="0"/>
-        </a:xfrm>
-      </p:grpSpPr>
-      <p:sp>
-        <p:nvSpPr>
-          <p:cNvPr id="2" name="Title 1">
-            <a:extLst>
-              <a:ext uri="{FF2B5EF4-FFF2-40B4-BE49-F238E27FC236}">
-                <a16:creationId xmlns:a16="http://schemas.microsoft.com/office/drawing/2014/main" id="{712CC902-F4EB-4459-B5AC-9CCCB3CDE68E}"/>
-              </a:ext>
-            </a:extLst>
-          </p:cNvPr>
-          <p:cNvSpPr>
-            <a:spLocks noGrp="1"/>
-          </p:cNvSpPr>
-          <p:nvPr>
-            <p:ph type="title"/>
-          </p:nvPr>
-        </p:nvSpPr>
-        <p:spPr/>
-        <p:txBody>
-          <a:bodyPr/>
-          <a:lstStyle/>
-          <a:p>
-            <a:r>
-              <a:rPr lang="en-US" dirty="0"/>
-              <a:t>Why am I excited?	</a:t>
-            </a:r>
-          </a:p>
-        </p:txBody>
-      </p:sp>
-      <p:sp>
-        <p:nvSpPr>
-          <p:cNvPr id="4" name="Content Placeholder 3">
-            <a:extLst>
-              <a:ext uri="{FF2B5EF4-FFF2-40B4-BE49-F238E27FC236}">
-                <a16:creationId xmlns:a16="http://schemas.microsoft.com/office/drawing/2014/main" id="{BDCB3414-3498-40BB-8876-0CD70AA90FB4}"/>
-              </a:ext>
-            </a:extLst>
-          </p:cNvPr>
-          <p:cNvSpPr>
-            <a:spLocks noGrp="1"/>
-          </p:cNvSpPr>
-          <p:nvPr>
-            <p:ph idx="1"/>
-          </p:nvPr>
-        </p:nvSpPr>
-        <p:spPr/>
-        <p:txBody>
-          <a:bodyPr/>
-          <a:lstStyle/>
-          <a:p>
-            <a:r>
-              <a:rPr lang="en-US" dirty="0"/>
-              <a:t>Turn all those property notifications into Observables</a:t>
-            </a:r>
-          </a:p>
-          <a:p>
-            <a:r>
-              <a:rPr lang="en-US" dirty="0"/>
-              <a:t>Express all of your UI interactions declaratively</a:t>
-            </a:r>
-          </a:p>
-          <a:p>
-            <a:r>
-              <a:rPr lang="en-US" dirty="0"/>
-              <a:t>Fully unit testable</a:t>
-            </a:r>
-          </a:p>
-          <a:p>
-            <a:r>
-              <a:rPr lang="en-US" dirty="0"/>
-              <a:t>Easily emulate time based events virtually for instant testing</a:t>
-            </a:r>
-          </a:p>
-          <a:p>
-            <a:pPr lvl="1"/>
-            <a:r>
-              <a:rPr lang="en-US" dirty="0"/>
-              <a:t>Harder to achieve with </a:t>
-            </a:r>
-            <a:r>
-              <a:rPr lang="en-US" dirty="0" err="1"/>
-              <a:t>async</a:t>
-            </a:r>
-            <a:r>
-              <a:rPr lang="en-US" dirty="0"/>
-              <a:t> (task) based designs</a:t>
-            </a:r>
-          </a:p>
-          <a:p>
-            <a:endParaRPr lang="en-US" dirty="0"/>
-          </a:p>
-        </p:txBody>
-      </p:sp>
-    </p:spTree>
-    <p:extLst>
-      <p:ext uri="{BB962C8B-B14F-4D97-AF65-F5344CB8AC3E}">
-        <p14:creationId xmlns:p14="http://schemas.microsoft.com/office/powerpoint/2010/main" val="219242292"/>
-      </p:ext>
-    </p:extLst>
-  </p:cSld>
-  <p:clrMapOvr>
-    <a:masterClrMapping/>
-  </p:clrMapOvr>
-</p:sld>
-</file>
-
-<file path=ppt/slides/slide25.xml><?xml version="1.0" encoding="utf-8"?>
+<file path=ppt/slides/slide17.xml><?xml version="1.0" encoding="utf-8"?>
 <p:sld xmlns:a="http://schemas.openxmlformats.org/drawingml/2006/main" xmlns:r="http://schemas.openxmlformats.org/officeDocument/2006/relationships" xmlns:p="http://schemas.openxmlformats.org/presentationml/2006/main">
   <p:cSld>
     <p:spTree>
@@ -23408,10 +21543,10 @@
       </p:pic>
       <p:pic>
         <p:nvPicPr>
-          <p:cNvPr id="6" name="Picture 5">
+          <p:cNvPr id="5" name="Picture 4">
             <a:extLst>
               <a:ext uri="{FF2B5EF4-FFF2-40B4-BE49-F238E27FC236}">
-                <a16:creationId xmlns:a16="http://schemas.microsoft.com/office/drawing/2014/main" id="{96C2717D-360B-4CD5-9A4B-EAB49EF870E1}"/>
+                <a16:creationId xmlns:a16="http://schemas.microsoft.com/office/drawing/2014/main" id="{3A469F17-FE00-4DCC-BF57-A8B7E2623D76}"/>
               </a:ext>
             </a:extLst>
           </p:cNvPr>
@@ -23428,8 +21563,8 @@
         </p:blipFill>
         <p:spPr>
           <a:xfrm>
-            <a:off x="150574" y="3147825"/>
-            <a:ext cx="6556852" cy="1199200"/>
+            <a:off x="0" y="3109420"/>
+            <a:ext cx="6858000" cy="1577340"/>
           </a:xfrm>
           <a:prstGeom prst="rect">
             <a:avLst/>
@@ -23449,125 +21584,7 @@
 </p:sld>
 </file>
 
-<file path=ppt/slides/slide26.xml><?xml version="1.0" encoding="utf-8"?>
-<p:sld xmlns:a="http://schemas.openxmlformats.org/drawingml/2006/main" xmlns:r="http://schemas.openxmlformats.org/officeDocument/2006/relationships" xmlns:p="http://schemas.openxmlformats.org/presentationml/2006/main">
-  <p:cSld>
-    <p:spTree>
-      <p:nvGrpSpPr>
-        <p:cNvPr id="1" name=""/>
-        <p:cNvGrpSpPr/>
-        <p:nvPr/>
-      </p:nvGrpSpPr>
-      <p:grpSpPr>
-        <a:xfrm>
-          <a:off x="0" y="0"/>
-          <a:ext cx="0" cy="0"/>
-          <a:chOff x="0" y="0"/>
-          <a:chExt cx="0" cy="0"/>
-        </a:xfrm>
-      </p:grpSpPr>
-      <p:sp>
-        <p:nvSpPr>
-          <p:cNvPr id="2" name="Title 1">
-            <a:extLst>
-              <a:ext uri="{FF2B5EF4-FFF2-40B4-BE49-F238E27FC236}">
-                <a16:creationId xmlns:a16="http://schemas.microsoft.com/office/drawing/2014/main" id="{9A2DB35C-2F7F-4796-87AE-2C0D46FDD807}"/>
-              </a:ext>
-            </a:extLst>
-          </p:cNvPr>
-          <p:cNvSpPr>
-            <a:spLocks noGrp="1"/>
-          </p:cNvSpPr>
-          <p:nvPr>
-            <p:ph type="title"/>
-          </p:nvPr>
-        </p:nvSpPr>
-        <p:spPr/>
-        <p:txBody>
-          <a:bodyPr/>
-          <a:lstStyle/>
-          <a:p>
-            <a:r>
-              <a:rPr lang="en-US" dirty="0"/>
-              <a:t>Tie together all your streams</a:t>
-            </a:r>
-          </a:p>
-        </p:txBody>
-      </p:sp>
-      <p:pic>
-        <p:nvPicPr>
-          <p:cNvPr id="3" name="Picture 2">
-            <a:extLst>
-              <a:ext uri="{FF2B5EF4-FFF2-40B4-BE49-F238E27FC236}">
-                <a16:creationId xmlns:a16="http://schemas.microsoft.com/office/drawing/2014/main" id="{CC111B5D-154A-4FA3-93F8-8B3A087C7F31}"/>
-              </a:ext>
-            </a:extLst>
-          </p:cNvPr>
-          <p:cNvPicPr>
-            <a:picLocks noChangeAspect="1"/>
-          </p:cNvPicPr>
-          <p:nvPr/>
-        </p:nvPicPr>
-        <p:blipFill>
-          <a:blip r:embed="rId2"/>
-          <a:stretch>
-            <a:fillRect/>
-          </a:stretch>
-        </p:blipFill>
-        <p:spPr>
-          <a:xfrm>
-            <a:off x="1714499" y="2648560"/>
-            <a:ext cx="3429001" cy="2257813"/>
-          </a:xfrm>
-          <a:prstGeom prst="rect">
-            <a:avLst/>
-          </a:prstGeom>
-        </p:spPr>
-      </p:pic>
-      <p:pic>
-        <p:nvPicPr>
-          <p:cNvPr id="4" name="Picture 3">
-            <a:extLst>
-              <a:ext uri="{FF2B5EF4-FFF2-40B4-BE49-F238E27FC236}">
-                <a16:creationId xmlns:a16="http://schemas.microsoft.com/office/drawing/2014/main" id="{6B31B35D-60E6-45F4-933E-FF5B9F153B8E}"/>
-              </a:ext>
-            </a:extLst>
-          </p:cNvPr>
-          <p:cNvPicPr>
-            <a:picLocks noChangeAspect="1"/>
-          </p:cNvPicPr>
-          <p:nvPr/>
-        </p:nvPicPr>
-        <p:blipFill>
-          <a:blip r:embed="rId3"/>
-          <a:stretch>
-            <a:fillRect/>
-          </a:stretch>
-        </p:blipFill>
-        <p:spPr>
-          <a:xfrm>
-            <a:off x="241385" y="1667084"/>
-            <a:ext cx="6561419" cy="904666"/>
-          </a:xfrm>
-          <a:prstGeom prst="rect">
-            <a:avLst/>
-          </a:prstGeom>
-        </p:spPr>
-      </p:pic>
-    </p:spTree>
-    <p:extLst>
-      <p:ext uri="{BB962C8B-B14F-4D97-AF65-F5344CB8AC3E}">
-        <p14:creationId xmlns:p14="http://schemas.microsoft.com/office/powerpoint/2010/main" val="2841688170"/>
-      </p:ext>
-    </p:extLst>
-  </p:cSld>
-  <p:clrMapOvr>
-    <a:masterClrMapping/>
-  </p:clrMapOvr>
-</p:sld>
-</file>
-
-<file path=ppt/slides/slide27.xml><?xml version="1.0" encoding="utf-8"?>
+<file path=ppt/slides/slide18.xml><?xml version="1.0" encoding="utf-8"?>
 <p:sld xmlns:a="http://schemas.openxmlformats.org/drawingml/2006/main" xmlns:r="http://schemas.openxmlformats.org/officeDocument/2006/relationships" xmlns:p="http://schemas.openxmlformats.org/presentationml/2006/main">
   <p:cSld>
     <p:spTree>
@@ -23634,8 +21651,8 @@
         </p:blipFill>
         <p:spPr>
           <a:xfrm>
-            <a:off x="649830" y="2226105"/>
-            <a:ext cx="5410200" cy="1257300"/>
+            <a:off x="164575" y="2034080"/>
+            <a:ext cx="6528850" cy="1517268"/>
           </a:xfrm>
           <a:prstGeom prst="rect">
             <a:avLst/>
@@ -23655,7 +21672,7 @@
 </p:sld>
 </file>
 
-<file path=ppt/slides/slide28.xml><?xml version="1.0" encoding="utf-8"?>
+<file path=ppt/slides/slide19.xml><?xml version="1.0" encoding="utf-8"?>
 <p:sld xmlns:a="http://schemas.openxmlformats.org/drawingml/2006/main" xmlns:r="http://schemas.openxmlformats.org/officeDocument/2006/relationships" xmlns:p="http://schemas.openxmlformats.org/presentationml/2006/main">
   <p:cSld>
     <p:spTree>
@@ -23702,10 +21719,10 @@
       </p:sp>
       <p:pic>
         <p:nvPicPr>
-          <p:cNvPr id="3" name="Picture 2">
+          <p:cNvPr id="4" name="Picture 3">
             <a:extLst>
               <a:ext uri="{FF2B5EF4-FFF2-40B4-BE49-F238E27FC236}">
-                <a16:creationId xmlns:a16="http://schemas.microsoft.com/office/drawing/2014/main" id="{6B2DB066-6D31-4EE2-9F9F-2C081D176DCB}"/>
+                <a16:creationId xmlns:a16="http://schemas.microsoft.com/office/drawing/2014/main" id="{22D11C9F-6573-4E1D-8937-71F7D0456D50}"/>
               </a:ext>
             </a:extLst>
           </p:cNvPr>
@@ -23722,8 +21739,8 @@
         </p:blipFill>
         <p:spPr>
           <a:xfrm>
-            <a:off x="356600" y="2686965"/>
-            <a:ext cx="6367556" cy="614480"/>
+            <a:off x="351862" y="2648560"/>
+            <a:ext cx="6154276" cy="699598"/>
           </a:xfrm>
           <a:prstGeom prst="rect">
             <a:avLst/>
@@ -23743,7 +21760,7 @@
 </p:sld>
 </file>
 
-<file path=ppt/slides/slide29.xml><?xml version="1.0" encoding="utf-8"?>
+<file path=ppt/slides/slide2.xml><?xml version="1.0" encoding="utf-8"?>
 <p:sld xmlns:a="http://schemas.openxmlformats.org/drawingml/2006/main" xmlns:r="http://schemas.openxmlformats.org/officeDocument/2006/relationships" xmlns:p="http://schemas.openxmlformats.org/presentationml/2006/main">
   <p:cSld>
     <p:spTree>
@@ -23765,7 +21782,7 @@
           <p:cNvPr id="2" name="Title 1">
             <a:extLst>
               <a:ext uri="{FF2B5EF4-FFF2-40B4-BE49-F238E27FC236}">
-                <a16:creationId xmlns:a16="http://schemas.microsoft.com/office/drawing/2014/main" id="{DB042689-0D7F-4F66-B107-4760786B6CC3}"/>
+                <a16:creationId xmlns:a16="http://schemas.microsoft.com/office/drawing/2014/main" id="{7E940219-A523-4DDF-B5AB-17DE44AB8092}"/>
               </a:ext>
             </a:extLst>
           </p:cNvPr>
@@ -23783,15 +21800,113 @@
           <a:p>
             <a:r>
               <a:rPr lang="en-US" dirty="0"/>
-              <a:t>Reactive UI Demo</a:t>
-            </a:r>
+              <a:t>Term and Library Clarification</a:t>
+            </a:r>
+          </a:p>
+        </p:txBody>
+      </p:sp>
+      <p:sp>
+        <p:nvSpPr>
+          <p:cNvPr id="3" name="Content Placeholder 2">
+            <a:extLst>
+              <a:ext uri="{FF2B5EF4-FFF2-40B4-BE49-F238E27FC236}">
+                <a16:creationId xmlns:a16="http://schemas.microsoft.com/office/drawing/2014/main" id="{D7532444-18B2-4038-8929-C19359541C1E}"/>
+              </a:ext>
+            </a:extLst>
+          </p:cNvPr>
+          <p:cNvSpPr>
+            <a:spLocks noGrp="1"/>
+          </p:cNvSpPr>
+          <p:nvPr>
+            <p:ph idx="1"/>
+          </p:nvPr>
+        </p:nvSpPr>
+        <p:spPr>
+          <a:xfrm>
+            <a:off x="648287" y="1866900"/>
+            <a:ext cx="4758945" cy="2932340"/>
+          </a:xfrm>
+        </p:spPr>
+        <p:txBody>
+          <a:bodyPr/>
+          <a:lstStyle/>
+          <a:p>
+            <a:r>
+              <a:rPr lang="en-US" dirty="0"/>
+              <a:t>ReactJS</a:t>
+            </a:r>
+          </a:p>
+          <a:p>
+            <a:pPr lvl="1"/>
+            <a:r>
+              <a:rPr lang="en-US" dirty="0"/>
+              <a:t>A view library that shares 5 letters with the word Reactive</a:t>
+            </a:r>
+          </a:p>
+          <a:p>
+            <a:pPr lvl="1"/>
+            <a:r>
+              <a:rPr lang="en-US" dirty="0"/>
+              <a:t>Can work with reactive libraries </a:t>
+            </a:r>
+            <a:r>
+              <a:rPr lang="en-US" dirty="0" err="1"/>
+              <a:t>Mobx</a:t>
+            </a:r>
+            <a:r>
+              <a:rPr lang="en-US" dirty="0"/>
+              <a:t>, Meteor, </a:t>
+            </a:r>
+            <a:r>
+              <a:rPr lang="en-US" dirty="0" err="1"/>
+              <a:t>RxJS</a:t>
+            </a:r>
+            <a:r>
+              <a:rPr lang="en-US" dirty="0"/>
+              <a:t>, etc..</a:t>
+            </a:r>
+          </a:p>
+          <a:p>
+            <a:r>
+              <a:rPr lang="en-US" dirty="0" err="1"/>
+              <a:t>ReactiveX</a:t>
+            </a:r>
+            <a:r>
+              <a:rPr lang="en-US" dirty="0"/>
+              <a:t> </a:t>
+            </a:r>
+          </a:p>
+          <a:p>
+            <a:pPr lvl="1"/>
+            <a:r>
+              <a:rPr lang="en-US" dirty="0"/>
+              <a:t>What we’re mainly talking about today</a:t>
+            </a:r>
+          </a:p>
+          <a:p>
+            <a:r>
+              <a:rPr lang="en-US" dirty="0"/>
+              <a:t>ReactiveUI</a:t>
+            </a:r>
+          </a:p>
+          <a:p>
+            <a:pPr lvl="1"/>
+            <a:r>
+              <a:rPr lang="en-US" dirty="0"/>
+              <a:t>Cross platform MVVM library built on top of </a:t>
+            </a:r>
+            <a:r>
+              <a:rPr lang="en-US" dirty="0" err="1"/>
+              <a:t>ReactiveX</a:t>
+            </a:r>
+            <a:endParaRPr lang="en-US" dirty="0"/>
           </a:p>
         </p:txBody>
       </p:sp>
     </p:spTree>
     <p:extLst>
       <p:ext uri="{BB962C8B-B14F-4D97-AF65-F5344CB8AC3E}">
-        <p14:creationId xmlns:p14="http://schemas.microsoft.com/office/powerpoint/2010/main" val="1685316842"/>
+        <p14:creationId xmlns:p14="http://schemas.microsoft.com/office/powerpoint/2010/main" val="3471887714"/>
       </p:ext>
     </p:extLst>
   </p:cSld>
@@ -23801,7 +21916,7 @@
 </p:sld>
 </file>
 
-<file path=ppt/slides/slide3.xml><?xml version="1.0" encoding="utf-8"?>
+<file path=ppt/slides/slide20.xml><?xml version="1.0" encoding="utf-8"?>
 <p:sld xmlns:a="http://schemas.openxmlformats.org/drawingml/2006/main" xmlns:r="http://schemas.openxmlformats.org/officeDocument/2006/relationships" xmlns:p="http://schemas.openxmlformats.org/presentationml/2006/main">
   <p:cSld>
     <p:spTree>
@@ -23823,7 +21938,7 @@
           <p:cNvPr id="2" name="Title 1">
             <a:extLst>
               <a:ext uri="{FF2B5EF4-FFF2-40B4-BE49-F238E27FC236}">
-                <a16:creationId xmlns:a16="http://schemas.microsoft.com/office/drawing/2014/main" id="{A85E98DD-42AC-4AF0-858C-C0BAE5853F2E}"/>
+                <a16:creationId xmlns:a16="http://schemas.microsoft.com/office/drawing/2014/main" id="{DB042689-0D7F-4F66-B107-4760786B6CC3}"/>
               </a:ext>
             </a:extLst>
           </p:cNvPr>
@@ -23840,87 +21955,8 @@
           <a:lstStyle/>
           <a:p>
             <a:r>
-              <a:rPr lang="en-US" dirty="0" err="1"/>
-              <a:t>IEnumerable</a:t>
-            </a:r>
-            <a:r>
               <a:rPr lang="en-US" dirty="0"/>
-              <a:t>&lt;T&gt;		</a:t>
-            </a:r>
-          </a:p>
-        </p:txBody>
-      </p:sp>
-      <p:sp>
-        <p:nvSpPr>
-          <p:cNvPr id="3" name="Content Placeholder 2">
-            <a:extLst>
-              <a:ext uri="{FF2B5EF4-FFF2-40B4-BE49-F238E27FC236}">
-                <a16:creationId xmlns:a16="http://schemas.microsoft.com/office/drawing/2014/main" id="{12453D61-FB55-4998-9723-4C01C6BE73E6}"/>
-              </a:ext>
-            </a:extLst>
-          </p:cNvPr>
-          <p:cNvSpPr>
-            <a:spLocks noGrp="1"/>
-          </p:cNvSpPr>
-          <p:nvPr>
-            <p:ph idx="1"/>
-          </p:nvPr>
-        </p:nvSpPr>
-        <p:spPr/>
-        <p:txBody>
-          <a:bodyPr/>
-          <a:lstStyle/>
-          <a:p>
-            <a:r>
-              <a:rPr lang="en-US" dirty="0"/>
-              <a:t>Iterators</a:t>
-            </a:r>
-          </a:p>
-          <a:p>
-            <a:pPr lvl="1"/>
-            <a:r>
-              <a:rPr lang="en-US" dirty="0"/>
-              <a:t>In computer programming, an </a:t>
-            </a:r>
-            <a:r>
-              <a:rPr lang="en-US" b="1" dirty="0"/>
-              <a:t>iterator</a:t>
-            </a:r>
-            <a:r>
-              <a:rPr lang="en-US" dirty="0"/>
-              <a:t> is an object that enables a programmer to traverse a container, particularly lists. Various types of </a:t>
-            </a:r>
-            <a:r>
-              <a:rPr lang="en-US" b="1" dirty="0"/>
-              <a:t>iterators</a:t>
-            </a:r>
-            <a:r>
-              <a:rPr lang="en-US" dirty="0"/>
-              <a:t> are often provided via a container's interface.</a:t>
-            </a:r>
-          </a:p>
-          <a:p>
-            <a:pPr lvl="1"/>
-            <a:r>
-              <a:rPr lang="en-US" dirty="0" err="1"/>
-              <a:t>IEnumerable</a:t>
-            </a:r>
-            <a:r>
-              <a:rPr lang="en-US" dirty="0"/>
-              <a:t>&lt;T&gt; let’s us pull the data from a package</a:t>
-            </a:r>
-          </a:p>
-          <a:p>
-            <a:r>
-              <a:rPr lang="en-US" dirty="0"/>
-              <a:t>Observers</a:t>
-            </a:r>
-          </a:p>
-          <a:p>
-            <a:pPr lvl="1"/>
-            <a:r>
-              <a:rPr lang="en-US" dirty="0"/>
-              <a:t>Flip that and make it a function of time</a:t>
+              <a:t>Reactive UI Demo</a:t>
             </a:r>
           </a:p>
         </p:txBody>
@@ -23928,7 +21964,7 @@
     </p:spTree>
     <p:extLst>
       <p:ext uri="{BB962C8B-B14F-4D97-AF65-F5344CB8AC3E}">
-        <p14:creationId xmlns:p14="http://schemas.microsoft.com/office/powerpoint/2010/main" val="4281573142"/>
+        <p14:creationId xmlns:p14="http://schemas.microsoft.com/office/powerpoint/2010/main" val="1685316842"/>
       </p:ext>
     </p:extLst>
   </p:cSld>
@@ -23938,7 +21974,7 @@
 </p:sld>
 </file>
 
-<file path=ppt/slides/slide30.xml><?xml version="1.0" encoding="utf-8"?>
+<file path=ppt/slides/slide21.xml><?xml version="1.0" encoding="utf-8"?>
 <p:sld xmlns:a="http://schemas.openxmlformats.org/drawingml/2006/main" xmlns:r="http://schemas.openxmlformats.org/officeDocument/2006/relationships" xmlns:p="http://schemas.openxmlformats.org/presentationml/2006/main">
   <p:cSld>
     <p:spTree>
@@ -24026,7 +22062,7 @@
 </p:sld>
 </file>
 
-<file path=ppt/slides/slide31.xml><?xml version="1.0" encoding="utf-8"?>
+<file path=ppt/slides/slide22.xml><?xml version="1.0" encoding="utf-8"?>
 <p:sld xmlns:a="http://schemas.openxmlformats.org/drawingml/2006/main" xmlns:r="http://schemas.openxmlformats.org/officeDocument/2006/relationships" xmlns:p="http://schemas.openxmlformats.org/presentationml/2006/main">
   <p:cSld>
     <p:spTree>
@@ -24144,7 +22180,65 @@
 </p:sld>
 </file>
 
-<file path=ppt/slides/slide32.xml><?xml version="1.0" encoding="utf-8"?>
+<file path=ppt/slides/slide23.xml><?xml version="1.0" encoding="utf-8"?>
+<p:sld xmlns:a="http://schemas.openxmlformats.org/drawingml/2006/main" xmlns:r="http://schemas.openxmlformats.org/officeDocument/2006/relationships" xmlns:p="http://schemas.openxmlformats.org/presentationml/2006/main">
+  <p:cSld>
+    <p:spTree>
+      <p:nvGrpSpPr>
+        <p:cNvPr id="1" name=""/>
+        <p:cNvGrpSpPr/>
+        <p:nvPr/>
+      </p:nvGrpSpPr>
+      <p:grpSpPr>
+        <a:xfrm>
+          <a:off x="0" y="0"/>
+          <a:ext cx="0" cy="0"/>
+          <a:chOff x="0" y="0"/>
+          <a:chExt cx="0" cy="0"/>
+        </a:xfrm>
+      </p:grpSpPr>
+      <p:sp>
+        <p:nvSpPr>
+          <p:cNvPr id="2" name="Title 1">
+            <a:extLst>
+              <a:ext uri="{FF2B5EF4-FFF2-40B4-BE49-F238E27FC236}">
+                <a16:creationId xmlns:a16="http://schemas.microsoft.com/office/drawing/2014/main" id="{9512F67D-67CC-46C3-B96D-260D94F1ACB0}"/>
+              </a:ext>
+            </a:extLst>
+          </p:cNvPr>
+          <p:cNvSpPr>
+            <a:spLocks noGrp="1"/>
+          </p:cNvSpPr>
+          <p:nvPr>
+            <p:ph type="title"/>
+          </p:nvPr>
+        </p:nvSpPr>
+        <p:spPr/>
+        <p:txBody>
+          <a:bodyPr/>
+          <a:lstStyle/>
+          <a:p>
+            <a:r>
+              <a:rPr lang="en-US" dirty="0"/>
+              <a:t>Mouse Pressed Demo</a:t>
+            </a:r>
+          </a:p>
+        </p:txBody>
+      </p:sp>
+    </p:spTree>
+    <p:extLst>
+      <p:ext uri="{BB962C8B-B14F-4D97-AF65-F5344CB8AC3E}">
+        <p14:creationId xmlns:p14="http://schemas.microsoft.com/office/powerpoint/2010/main" val="414535359"/>
+      </p:ext>
+    </p:extLst>
+  </p:cSld>
+  <p:clrMapOvr>
+    <a:masterClrMapping/>
+  </p:clrMapOvr>
+</p:sld>
+</file>
+
+<file path=ppt/slides/slide24.xml><?xml version="1.0" encoding="utf-8"?>
 <p:sld xmlns:a="http://schemas.openxmlformats.org/drawingml/2006/main" xmlns:r="http://schemas.openxmlformats.org/officeDocument/2006/relationships" xmlns:p="http://schemas.openxmlformats.org/presentationml/2006/main">
   <p:cSld>
     <p:spTree>
@@ -24269,7 +22363,7 @@
 </p:sld>
 </file>
 
-<file path=ppt/slides/slide33.xml><?xml version="1.0" encoding="utf-8"?>
+<file path=ppt/slides/slide25.xml><?xml version="1.0" encoding="utf-8"?>
 <p:sld xmlns:a="http://schemas.openxmlformats.org/drawingml/2006/main" xmlns:r="http://schemas.openxmlformats.org/officeDocument/2006/relationships" xmlns:p="http://schemas.openxmlformats.org/presentationml/2006/main">
   <p:cSld>
     <p:spTree>
@@ -24357,7 +22451,7 @@
 </p:sld>
 </file>
 
-<file path=ppt/slides/slide34.xml><?xml version="1.0" encoding="utf-8"?>
+<file path=ppt/slides/slide26.xml><?xml version="1.0" encoding="utf-8"?>
 <p:sld xmlns:a="http://schemas.openxmlformats.org/drawingml/2006/main" xmlns:r="http://schemas.openxmlformats.org/officeDocument/2006/relationships" xmlns:p="http://schemas.openxmlformats.org/presentationml/2006/main">
   <p:cSld>
     <p:spTree>
@@ -24509,7 +22603,7 @@
 </p:sld>
 </file>
 
-<file path=ppt/slides/slide35.xml><?xml version="1.0" encoding="utf-8"?>
+<file path=ppt/slides/slide27.xml><?xml version="1.0" encoding="utf-8"?>
 <p:sld xmlns:a="http://schemas.openxmlformats.org/drawingml/2006/main" xmlns:r="http://schemas.openxmlformats.org/officeDocument/2006/relationships" xmlns:p="http://schemas.openxmlformats.org/presentationml/2006/main">
   <p:cSld>
     <p:spTree>
@@ -24646,7 +22740,7 @@
 </p:sld>
 </file>
 
-<file path=ppt/slides/slide36.xml><?xml version="1.0" encoding="utf-8"?>
+<file path=ppt/slides/slide28.xml><?xml version="1.0" encoding="utf-8"?>
 <p:sld xmlns:a="http://schemas.openxmlformats.org/drawingml/2006/main" xmlns:r="http://schemas.openxmlformats.org/officeDocument/2006/relationships" xmlns:p="http://schemas.openxmlformats.org/presentationml/2006/main">
   <p:cSld>
     <p:spTree>
@@ -24734,7 +22828,7 @@
 </p:sld>
 </file>
 
-<file path=ppt/slides/slide37.xml><?xml version="1.0" encoding="utf-8"?>
+<file path=ppt/slides/slide29.xml><?xml version="1.0" encoding="utf-8"?>
 <p:sld xmlns:a="http://schemas.openxmlformats.org/drawingml/2006/main" xmlns:r="http://schemas.openxmlformats.org/officeDocument/2006/relationships" xmlns:p="http://schemas.openxmlformats.org/presentationml/2006/main">
   <p:cSld>
     <p:spTree>
@@ -24835,69 +22929,18 @@
           </a:p>
           <a:p>
             <a:r>
-              <a:rPr lang="en-US" dirty="0" err="1"/>
-              <a:t>Tizen</a:t>
-            </a:r>
-            <a:r>
               <a:rPr lang="en-US" dirty="0"/>
-              <a:t> being built</a:t>
+              <a:t>Tizen being built</a:t>
             </a:r>
           </a:p>
           <a:p>
             <a:r>
               <a:rPr lang="en-US" dirty="0"/>
-              <a:t>?</a:t>
-            </a:r>
-          </a:p>
-        </p:txBody>
-      </p:sp>
-      <p:pic>
-        <p:nvPicPr>
-          <p:cNvPr id="4" name="Picture 2" descr="Image result for developer developer developers ballmer">
-            <a:extLst>
-              <a:ext uri="{FF2B5EF4-FFF2-40B4-BE49-F238E27FC236}">
-                <a16:creationId xmlns:a16="http://schemas.microsoft.com/office/drawing/2014/main" id="{70C50A46-D37B-4627-A550-4767A5044D52}"/>
-              </a:ext>
-            </a:extLst>
-          </p:cNvPr>
-          <p:cNvPicPr>
-            <a:picLocks noChangeAspect="1" noChangeArrowheads="1"/>
-          </p:cNvPicPr>
-          <p:nvPr/>
-        </p:nvPicPr>
-        <p:blipFill>
-          <a:blip r:embed="rId2">
-            <a:extLst>
-              <a:ext uri="{28A0092B-C50C-407E-A947-70E740481C1C}">
-                <a14:useLocalDpi xmlns:a14="http://schemas.microsoft.com/office/drawing/2010/main" val="0"/>
-              </a:ext>
-            </a:extLst>
-          </a:blip>
-          <a:srcRect/>
-          <a:stretch>
-            <a:fillRect/>
-          </a:stretch>
-        </p:blipFill>
-        <p:spPr bwMode="auto">
-          <a:xfrm>
-            <a:off x="2814520" y="1762125"/>
-            <a:ext cx="3810000" cy="2857500"/>
-          </a:xfrm>
-          <a:prstGeom prst="rect">
-            <a:avLst/>
-          </a:prstGeom>
-          <a:noFill/>
-          <a:extLst>
-            <a:ext uri="{909E8E84-426E-40DD-AFC4-6F175D3DCCD1}">
-              <a14:hiddenFill xmlns:a14="http://schemas.microsoft.com/office/drawing/2010/main">
-                <a:solidFill>
-                  <a:srgbClr val="FFFFFF"/>
-                </a:solidFill>
-              </a14:hiddenFill>
-            </a:ext>
-          </a:extLst>
-        </p:spPr>
-      </p:pic>
+              <a:t>Xamarin.Forms</a:t>
+            </a:r>
+          </a:p>
+        </p:txBody>
+      </p:sp>
       <p:sp>
         <p:nvSpPr>
           <p:cNvPr id="5" name="TextBox 4">
@@ -25106,7 +23149,144 @@
 </p:sld>
 </file>
 
-<file path=ppt/slides/slide38.xml><?xml version="1.0" encoding="utf-8"?>
+<file path=ppt/slides/slide3.xml><?xml version="1.0" encoding="utf-8"?>
+<p:sld xmlns:a="http://schemas.openxmlformats.org/drawingml/2006/main" xmlns:r="http://schemas.openxmlformats.org/officeDocument/2006/relationships" xmlns:p="http://schemas.openxmlformats.org/presentationml/2006/main">
+  <p:cSld>
+    <p:spTree>
+      <p:nvGrpSpPr>
+        <p:cNvPr id="1" name=""/>
+        <p:cNvGrpSpPr/>
+        <p:nvPr/>
+      </p:nvGrpSpPr>
+      <p:grpSpPr>
+        <a:xfrm>
+          <a:off x="0" y="0"/>
+          <a:ext cx="0" cy="0"/>
+          <a:chOff x="0" y="0"/>
+          <a:chExt cx="0" cy="0"/>
+        </a:xfrm>
+      </p:grpSpPr>
+      <p:sp>
+        <p:nvSpPr>
+          <p:cNvPr id="2" name="Title 1">
+            <a:extLst>
+              <a:ext uri="{FF2B5EF4-FFF2-40B4-BE49-F238E27FC236}">
+                <a16:creationId xmlns:a16="http://schemas.microsoft.com/office/drawing/2014/main" id="{A85E98DD-42AC-4AF0-858C-C0BAE5853F2E}"/>
+              </a:ext>
+            </a:extLst>
+          </p:cNvPr>
+          <p:cNvSpPr>
+            <a:spLocks noGrp="1"/>
+          </p:cNvSpPr>
+          <p:nvPr>
+            <p:ph type="title"/>
+          </p:nvPr>
+        </p:nvSpPr>
+        <p:spPr/>
+        <p:txBody>
+          <a:bodyPr/>
+          <a:lstStyle/>
+          <a:p>
+            <a:r>
+              <a:rPr lang="en-US" dirty="0" err="1"/>
+              <a:t>IEnumerable</a:t>
+            </a:r>
+            <a:r>
+              <a:rPr lang="en-US" dirty="0"/>
+              <a:t>&lt;T&gt;		</a:t>
+            </a:r>
+          </a:p>
+        </p:txBody>
+      </p:sp>
+      <p:sp>
+        <p:nvSpPr>
+          <p:cNvPr id="3" name="Content Placeholder 2">
+            <a:extLst>
+              <a:ext uri="{FF2B5EF4-FFF2-40B4-BE49-F238E27FC236}">
+                <a16:creationId xmlns:a16="http://schemas.microsoft.com/office/drawing/2014/main" id="{12453D61-FB55-4998-9723-4C01C6BE73E6}"/>
+              </a:ext>
+            </a:extLst>
+          </p:cNvPr>
+          <p:cNvSpPr>
+            <a:spLocks noGrp="1"/>
+          </p:cNvSpPr>
+          <p:nvPr>
+            <p:ph idx="1"/>
+          </p:nvPr>
+        </p:nvSpPr>
+        <p:spPr/>
+        <p:txBody>
+          <a:bodyPr/>
+          <a:lstStyle/>
+          <a:p>
+            <a:r>
+              <a:rPr lang="en-US" dirty="0"/>
+              <a:t>Iterators</a:t>
+            </a:r>
+          </a:p>
+          <a:p>
+            <a:pPr lvl="1"/>
+            <a:r>
+              <a:rPr lang="en-US" dirty="0"/>
+              <a:t>In computer programming, an </a:t>
+            </a:r>
+            <a:r>
+              <a:rPr lang="en-US" b="1" dirty="0"/>
+              <a:t>iterator</a:t>
+            </a:r>
+            <a:r>
+              <a:rPr lang="en-US" dirty="0"/>
+              <a:t> is an object that enables a programmer to traverse a container, particularly lists. Various types of </a:t>
+            </a:r>
+            <a:r>
+              <a:rPr lang="en-US" b="1" dirty="0"/>
+              <a:t>iterators</a:t>
+            </a:r>
+            <a:r>
+              <a:rPr lang="en-US" dirty="0"/>
+              <a:t> are often provided via a container's interface.</a:t>
+            </a:r>
+          </a:p>
+          <a:p>
+            <a:pPr lvl="1"/>
+            <a:r>
+              <a:rPr lang="en-US" dirty="0" err="1"/>
+              <a:t>IEnumerable</a:t>
+            </a:r>
+            <a:r>
+              <a:rPr lang="en-US" dirty="0"/>
+              <a:t>&lt;T&gt; let’s us pull the data from a package</a:t>
+            </a:r>
+          </a:p>
+          <a:p>
+            <a:r>
+              <a:rPr lang="en-US" dirty="0"/>
+              <a:t>Observers</a:t>
+            </a:r>
+          </a:p>
+          <a:p>
+            <a:pPr lvl="1"/>
+            <a:r>
+              <a:rPr lang="en-US" dirty="0"/>
+              <a:t>Flip that and make it a function of time</a:t>
+            </a:r>
+          </a:p>
+        </p:txBody>
+      </p:sp>
+    </p:spTree>
+    <p:extLst>
+      <p:ext uri="{BB962C8B-B14F-4D97-AF65-F5344CB8AC3E}">
+        <p14:creationId xmlns:p14="http://schemas.microsoft.com/office/powerpoint/2010/main" val="4281573142"/>
+      </p:ext>
+    </p:extLst>
+  </p:cSld>
+  <p:clrMapOvr>
+    <a:masterClrMapping/>
+  </p:clrMapOvr>
+</p:sld>
+</file>
+
+<file path=ppt/slides/slide30.xml><?xml version="1.0" encoding="utf-8"?>
 <p:sld xmlns:a="http://schemas.openxmlformats.org/drawingml/2006/main" xmlns:r="http://schemas.openxmlformats.org/officeDocument/2006/relationships" xmlns:p="http://schemas.openxmlformats.org/presentationml/2006/main">
   <p:cSld>
     <p:spTree>
@@ -25225,7 +23405,7 @@
 </p:sld>
 </file>
 
-<file path=ppt/slides/slide39.xml><?xml version="1.0" encoding="utf-8"?>
+<file path=ppt/slides/slide31.xml><?xml version="1.0" encoding="utf-8"?>
 <p:sld xmlns:a="http://schemas.openxmlformats.org/drawingml/2006/main" xmlns:r="http://schemas.openxmlformats.org/officeDocument/2006/relationships" xmlns:p="http://schemas.openxmlformats.org/presentationml/2006/main">
   <p:cSld>
     <p:spTree>
@@ -25343,6 +23523,384 @@
 </p:sld>
 </file>
 
+<file path=ppt/slides/slide32.xml><?xml version="1.0" encoding="utf-8"?>
+<p:sld xmlns:a="http://schemas.openxmlformats.org/drawingml/2006/main" xmlns:r="http://schemas.openxmlformats.org/officeDocument/2006/relationships" xmlns:p="http://schemas.openxmlformats.org/presentationml/2006/main">
+  <p:cSld>
+    <p:spTree>
+      <p:nvGrpSpPr>
+        <p:cNvPr id="1" name=""/>
+        <p:cNvGrpSpPr/>
+        <p:nvPr/>
+      </p:nvGrpSpPr>
+      <p:grpSpPr>
+        <a:xfrm>
+          <a:off x="0" y="0"/>
+          <a:ext cx="0" cy="0"/>
+          <a:chOff x="0" y="0"/>
+          <a:chExt cx="0" cy="0"/>
+        </a:xfrm>
+      </p:grpSpPr>
+      <p:sp>
+        <p:nvSpPr>
+          <p:cNvPr id="2" name="Title 1">
+            <a:extLst>
+              <a:ext uri="{FF2B5EF4-FFF2-40B4-BE49-F238E27FC236}">
+                <a16:creationId xmlns:a16="http://schemas.microsoft.com/office/drawing/2014/main" id="{DF4887C3-FEC3-4A89-833B-3B924FFF9AB8}"/>
+              </a:ext>
+            </a:extLst>
+          </p:cNvPr>
+          <p:cNvSpPr>
+            <a:spLocks noGrp="1"/>
+          </p:cNvSpPr>
+          <p:nvPr>
+            <p:ph type="title"/>
+          </p:nvPr>
+        </p:nvSpPr>
+        <p:spPr/>
+        <p:txBody>
+          <a:bodyPr/>
+          <a:lstStyle/>
+          <a:p>
+            <a:r>
+              <a:rPr lang="en-US" dirty="0"/>
+              <a:t>Additional Libraries</a:t>
+            </a:r>
+          </a:p>
+        </p:txBody>
+      </p:sp>
+      <p:sp>
+        <p:nvSpPr>
+          <p:cNvPr id="3" name="Content Placeholder 2">
+            <a:extLst>
+              <a:ext uri="{FF2B5EF4-FFF2-40B4-BE49-F238E27FC236}">
+                <a16:creationId xmlns:a16="http://schemas.microsoft.com/office/drawing/2014/main" id="{0B79442A-1B5C-40B6-B42B-513F4797DB3E}"/>
+              </a:ext>
+            </a:extLst>
+          </p:cNvPr>
+          <p:cNvSpPr>
+            <a:spLocks noGrp="1"/>
+          </p:cNvSpPr>
+          <p:nvPr>
+            <p:ph idx="1"/>
+          </p:nvPr>
+        </p:nvSpPr>
+        <p:spPr/>
+        <p:txBody>
+          <a:bodyPr/>
+          <a:lstStyle/>
+          <a:p>
+            <a:r>
+              <a:rPr lang="en-US" dirty="0" err="1"/>
+              <a:t>Akavache</a:t>
+            </a:r>
+            <a:r>
+              <a:rPr lang="en-US" dirty="0"/>
+              <a:t> for cross platform key value store</a:t>
+            </a:r>
+          </a:p>
+          <a:p>
+            <a:r>
+              <a:rPr lang="en-US" dirty="0"/>
+              <a:t>Refit for a simple web client</a:t>
+            </a:r>
+          </a:p>
+        </p:txBody>
+      </p:sp>
+    </p:spTree>
+    <p:extLst>
+      <p:ext uri="{BB962C8B-B14F-4D97-AF65-F5344CB8AC3E}">
+        <p14:creationId xmlns:p14="http://schemas.microsoft.com/office/powerpoint/2010/main" val="1356759631"/>
+      </p:ext>
+    </p:extLst>
+  </p:cSld>
+  <p:clrMapOvr>
+    <a:masterClrMapping/>
+  </p:clrMapOvr>
+</p:sld>
+</file>
+
+<file path=ppt/slides/slide33.xml><?xml version="1.0" encoding="utf-8"?>
+<p:sld xmlns:a="http://schemas.openxmlformats.org/drawingml/2006/main" xmlns:r="http://schemas.openxmlformats.org/officeDocument/2006/relationships" xmlns:p="http://schemas.openxmlformats.org/presentationml/2006/main">
+  <p:cSld>
+    <p:spTree>
+      <p:nvGrpSpPr>
+        <p:cNvPr id="1" name=""/>
+        <p:cNvGrpSpPr/>
+        <p:nvPr/>
+      </p:nvGrpSpPr>
+      <p:grpSpPr>
+        <a:xfrm>
+          <a:off x="0" y="0"/>
+          <a:ext cx="0" cy="0"/>
+          <a:chOff x="0" y="0"/>
+          <a:chExt cx="0" cy="0"/>
+        </a:xfrm>
+      </p:grpSpPr>
+      <p:sp>
+        <p:nvSpPr>
+          <p:cNvPr id="2" name="Title 1">
+            <a:extLst>
+              <a:ext uri="{FF2B5EF4-FFF2-40B4-BE49-F238E27FC236}">
+                <a16:creationId xmlns:a16="http://schemas.microsoft.com/office/drawing/2014/main" id="{68D96EAF-72F3-4B74-8C3E-F739453A74F6}"/>
+              </a:ext>
+            </a:extLst>
+          </p:cNvPr>
+          <p:cNvSpPr>
+            <a:spLocks noGrp="1"/>
+          </p:cNvSpPr>
+          <p:nvPr>
+            <p:ph type="title"/>
+          </p:nvPr>
+        </p:nvSpPr>
+        <p:spPr/>
+        <p:txBody>
+          <a:bodyPr/>
+          <a:lstStyle/>
+          <a:p>
+            <a:r>
+              <a:rPr lang="en-US" dirty="0"/>
+              <a:t>Links</a:t>
+            </a:r>
+          </a:p>
+        </p:txBody>
+      </p:sp>
+      <p:sp>
+        <p:nvSpPr>
+          <p:cNvPr id="3" name="Content Placeholder 2">
+            <a:extLst>
+              <a:ext uri="{FF2B5EF4-FFF2-40B4-BE49-F238E27FC236}">
+                <a16:creationId xmlns:a16="http://schemas.microsoft.com/office/drawing/2014/main" id="{BDDA8B42-5248-4158-8D6F-57626879ECAD}"/>
+              </a:ext>
+            </a:extLst>
+          </p:cNvPr>
+          <p:cNvSpPr>
+            <a:spLocks noGrp="1"/>
+          </p:cNvSpPr>
+          <p:nvPr>
+            <p:ph idx="1"/>
+          </p:nvPr>
+        </p:nvSpPr>
+        <p:spPr>
+          <a:xfrm>
+            <a:off x="894270" y="1726840"/>
+            <a:ext cx="4758945" cy="2855530"/>
+          </a:xfrm>
+        </p:spPr>
+        <p:txBody>
+          <a:bodyPr>
+            <a:normAutofit/>
+          </a:bodyPr>
+          <a:lstStyle/>
+          <a:p>
+            <a:r>
+              <a:rPr lang="en-US" dirty="0">
+                <a:hlinkClick r:id="rId2"/>
+              </a:rPr>
+              <a:t>http://www.introtorx.com/</a:t>
+            </a:r>
+            <a:endParaRPr lang="en-US" dirty="0"/>
+          </a:p>
+          <a:p>
+            <a:r>
+              <a:rPr lang="en-US" dirty="0">
+                <a:hlinkClick r:id="rId3"/>
+              </a:rPr>
+              <a:t>https://github.com/RolandPheasant/DynamicData</a:t>
+            </a:r>
+            <a:endParaRPr lang="en-US" dirty="0"/>
+          </a:p>
+          <a:p>
+            <a:r>
+              <a:rPr lang="en-US" dirty="0">
+                <a:hlinkClick r:id="rId4"/>
+              </a:rPr>
+              <a:t>https://reactiveui.net/</a:t>
+            </a:r>
+            <a:endParaRPr lang="en-US" dirty="0"/>
+          </a:p>
+          <a:p>
+            <a:r>
+              <a:rPr lang="en-US" dirty="0"/>
+              <a:t>Pingaring.com</a:t>
+            </a:r>
+          </a:p>
+          <a:p>
+            <a:r>
+              <a:rPr lang="en-US" dirty="0" err="1"/>
+              <a:t>LinqPad</a:t>
+            </a:r>
+            <a:r>
+              <a:rPr lang="en-US" dirty="0"/>
+              <a:t> has great integration</a:t>
+            </a:r>
+          </a:p>
+          <a:p>
+            <a:r>
+              <a:rPr lang="en-US" dirty="0"/>
+              <a:t>reactivex.io</a:t>
+            </a:r>
+          </a:p>
+          <a:p>
+            <a:r>
+              <a:rPr lang="en-US" dirty="0">
+                <a:hlinkClick r:id="rId5"/>
+              </a:rPr>
+              <a:t>https://github.com/paulcbetts/refit</a:t>
+            </a:r>
+            <a:endParaRPr lang="en-US" dirty="0"/>
+          </a:p>
+          <a:p>
+            <a:r>
+              <a:rPr lang="en-US" dirty="0">
+                <a:hlinkClick r:id="rId6"/>
+              </a:rPr>
+              <a:t>https://github.com/akavache/Akavache</a:t>
+            </a:r>
+            <a:endParaRPr lang="en-US" dirty="0"/>
+          </a:p>
+          <a:p>
+            <a:r>
+              <a:rPr lang="en-US" dirty="0"/>
+              <a:t>Michael </a:t>
+            </a:r>
+            <a:r>
+              <a:rPr lang="en-US" dirty="0" err="1"/>
+              <a:t>Stonis</a:t>
+            </a:r>
+            <a:endParaRPr lang="en-US" dirty="0"/>
+          </a:p>
+        </p:txBody>
+      </p:sp>
+    </p:spTree>
+    <p:extLst>
+      <p:ext uri="{BB962C8B-B14F-4D97-AF65-F5344CB8AC3E}">
+        <p14:creationId xmlns:p14="http://schemas.microsoft.com/office/powerpoint/2010/main" val="72156241"/>
+      </p:ext>
+    </p:extLst>
+  </p:cSld>
+  <p:clrMapOvr>
+    <a:masterClrMapping/>
+  </p:clrMapOvr>
+</p:sld>
+</file>
+
+<file path=ppt/slides/slide34.xml><?xml version="1.0" encoding="utf-8"?>
+<p:sld xmlns:a="http://schemas.openxmlformats.org/drawingml/2006/main" xmlns:r="http://schemas.openxmlformats.org/officeDocument/2006/relationships" xmlns:p="http://schemas.openxmlformats.org/presentationml/2006/main">
+  <p:cSld>
+    <p:spTree>
+      <p:nvGrpSpPr>
+        <p:cNvPr id="1" name=""/>
+        <p:cNvGrpSpPr/>
+        <p:nvPr/>
+      </p:nvGrpSpPr>
+      <p:grpSpPr>
+        <a:xfrm>
+          <a:off x="0" y="0"/>
+          <a:ext cx="0" cy="0"/>
+          <a:chOff x="0" y="0"/>
+          <a:chExt cx="0" cy="0"/>
+        </a:xfrm>
+      </p:grpSpPr>
+      <p:sp>
+        <p:nvSpPr>
+          <p:cNvPr id="2" name="Title 1">
+            <a:extLst>
+              <a:ext uri="{FF2B5EF4-FFF2-40B4-BE49-F238E27FC236}">
+                <a16:creationId xmlns:a16="http://schemas.microsoft.com/office/drawing/2014/main" id="{7E940219-A523-4DDF-B5AB-17DE44AB8092}"/>
+              </a:ext>
+            </a:extLst>
+          </p:cNvPr>
+          <p:cNvSpPr>
+            <a:spLocks noGrp="1"/>
+          </p:cNvSpPr>
+          <p:nvPr>
+            <p:ph type="title"/>
+          </p:nvPr>
+        </p:nvSpPr>
+        <p:spPr/>
+        <p:txBody>
+          <a:bodyPr/>
+          <a:lstStyle/>
+          <a:p>
+            <a:r>
+              <a:rPr lang="en-US" dirty="0"/>
+              <a:t>About me</a:t>
+            </a:r>
+          </a:p>
+        </p:txBody>
+      </p:sp>
+      <p:sp>
+        <p:nvSpPr>
+          <p:cNvPr id="3" name="Content Placeholder 2">
+            <a:extLst>
+              <a:ext uri="{FF2B5EF4-FFF2-40B4-BE49-F238E27FC236}">
+                <a16:creationId xmlns:a16="http://schemas.microsoft.com/office/drawing/2014/main" id="{D7532444-18B2-4038-8929-C19359541C1E}"/>
+              </a:ext>
+            </a:extLst>
+          </p:cNvPr>
+          <p:cNvSpPr>
+            <a:spLocks noGrp="1"/>
+          </p:cNvSpPr>
+          <p:nvPr>
+            <p:ph idx="1"/>
+          </p:nvPr>
+        </p:nvSpPr>
+        <p:spPr/>
+        <p:txBody>
+          <a:bodyPr/>
+          <a:lstStyle/>
+          <a:p>
+            <a:r>
+              <a:rPr lang="en-US" dirty="0"/>
+              <a:t>Xamarin Forms Developer at Microsoft</a:t>
+            </a:r>
+          </a:p>
+          <a:p>
+            <a:r>
+              <a:rPr lang="en-US" dirty="0">
+                <a:hlinkClick r:id="rId3"/>
+              </a:rPr>
+              <a:t>https://www.pingaring.com</a:t>
+            </a:r>
+            <a:endParaRPr lang="en-US" dirty="0"/>
+          </a:p>
+          <a:p>
+            <a:r>
+              <a:rPr lang="en-US" dirty="0"/>
+              <a:t>@</a:t>
+            </a:r>
+            <a:r>
+              <a:rPr lang="en-US" dirty="0" err="1"/>
+              <a:t>PureWeen</a:t>
+            </a:r>
+            <a:endParaRPr lang="en-US" dirty="0"/>
+          </a:p>
+          <a:p>
+            <a:r>
+              <a:rPr lang="en-US" dirty="0"/>
+              <a:t>Github.com/</a:t>
+            </a:r>
+            <a:r>
+              <a:rPr lang="en-US" dirty="0" err="1"/>
+              <a:t>PureWeen</a:t>
+            </a:r>
+            <a:endParaRPr lang="en-US" dirty="0"/>
+          </a:p>
+        </p:txBody>
+      </p:sp>
+    </p:spTree>
+    <p:extLst>
+      <p:ext uri="{BB962C8B-B14F-4D97-AF65-F5344CB8AC3E}">
+        <p14:creationId xmlns:p14="http://schemas.microsoft.com/office/powerpoint/2010/main" val="1663368458"/>
+      </p:ext>
+    </p:extLst>
+  </p:cSld>
+  <p:clrMapOvr>
+    <a:masterClrMapping/>
+  </p:clrMapOvr>
+</p:sld>
+</file>
+
 <file path=ppt/slides/slide4.xml><?xml version="1.0" encoding="utf-8"?>
 <p:sld xmlns:a="http://schemas.openxmlformats.org/drawingml/2006/main" xmlns:r="http://schemas.openxmlformats.org/officeDocument/2006/relationships" xmlns:p="http://schemas.openxmlformats.org/presentationml/2006/main">
   <p:cSld>
@@ -25431,259 +23989,6 @@
 </p:sld>
 </file>
 
-<file path=ppt/slides/slide40.xml><?xml version="1.0" encoding="utf-8"?>
-<p:sld xmlns:a="http://schemas.openxmlformats.org/drawingml/2006/main" xmlns:r="http://schemas.openxmlformats.org/officeDocument/2006/relationships" xmlns:p="http://schemas.openxmlformats.org/presentationml/2006/main">
-  <p:cSld>
-    <p:spTree>
-      <p:nvGrpSpPr>
-        <p:cNvPr id="1" name=""/>
-        <p:cNvGrpSpPr/>
-        <p:nvPr/>
-      </p:nvGrpSpPr>
-      <p:grpSpPr>
-        <a:xfrm>
-          <a:off x="0" y="0"/>
-          <a:ext cx="0" cy="0"/>
-          <a:chOff x="0" y="0"/>
-          <a:chExt cx="0" cy="0"/>
-        </a:xfrm>
-      </p:grpSpPr>
-      <p:sp>
-        <p:nvSpPr>
-          <p:cNvPr id="2" name="Title 1">
-            <a:extLst>
-              <a:ext uri="{FF2B5EF4-FFF2-40B4-BE49-F238E27FC236}">
-                <a16:creationId xmlns:a16="http://schemas.microsoft.com/office/drawing/2014/main" id="{DF4887C3-FEC3-4A89-833B-3B924FFF9AB8}"/>
-              </a:ext>
-            </a:extLst>
-          </p:cNvPr>
-          <p:cNvSpPr>
-            <a:spLocks noGrp="1"/>
-          </p:cNvSpPr>
-          <p:nvPr>
-            <p:ph type="title"/>
-          </p:nvPr>
-        </p:nvSpPr>
-        <p:spPr/>
-        <p:txBody>
-          <a:bodyPr/>
-          <a:lstStyle/>
-          <a:p>
-            <a:r>
-              <a:rPr lang="en-US" dirty="0"/>
-              <a:t>Additional Libraries</a:t>
-            </a:r>
-          </a:p>
-        </p:txBody>
-      </p:sp>
-      <p:sp>
-        <p:nvSpPr>
-          <p:cNvPr id="3" name="Content Placeholder 2">
-            <a:extLst>
-              <a:ext uri="{FF2B5EF4-FFF2-40B4-BE49-F238E27FC236}">
-                <a16:creationId xmlns:a16="http://schemas.microsoft.com/office/drawing/2014/main" id="{0B79442A-1B5C-40B6-B42B-513F4797DB3E}"/>
-              </a:ext>
-            </a:extLst>
-          </p:cNvPr>
-          <p:cNvSpPr>
-            <a:spLocks noGrp="1"/>
-          </p:cNvSpPr>
-          <p:nvPr>
-            <p:ph idx="1"/>
-          </p:nvPr>
-        </p:nvSpPr>
-        <p:spPr/>
-        <p:txBody>
-          <a:bodyPr/>
-          <a:lstStyle/>
-          <a:p>
-            <a:r>
-              <a:rPr lang="en-US" dirty="0" err="1"/>
-              <a:t>Akavache</a:t>
-            </a:r>
-            <a:r>
-              <a:rPr lang="en-US" dirty="0"/>
-              <a:t> for cross platform key value store</a:t>
-            </a:r>
-          </a:p>
-          <a:p>
-            <a:r>
-              <a:rPr lang="en-US" dirty="0"/>
-              <a:t>Refit for a simple web client</a:t>
-            </a:r>
-          </a:p>
-        </p:txBody>
-      </p:sp>
-    </p:spTree>
-    <p:extLst>
-      <p:ext uri="{BB962C8B-B14F-4D97-AF65-F5344CB8AC3E}">
-        <p14:creationId xmlns:p14="http://schemas.microsoft.com/office/powerpoint/2010/main" val="1356759631"/>
-      </p:ext>
-    </p:extLst>
-  </p:cSld>
-  <p:clrMapOvr>
-    <a:masterClrMapping/>
-  </p:clrMapOvr>
-</p:sld>
-</file>
-
-<file path=ppt/slides/slide41.xml><?xml version="1.0" encoding="utf-8"?>
-<p:sld xmlns:a="http://schemas.openxmlformats.org/drawingml/2006/main" xmlns:r="http://schemas.openxmlformats.org/officeDocument/2006/relationships" xmlns:p="http://schemas.openxmlformats.org/presentationml/2006/main">
-  <p:cSld>
-    <p:spTree>
-      <p:nvGrpSpPr>
-        <p:cNvPr id="1" name=""/>
-        <p:cNvGrpSpPr/>
-        <p:nvPr/>
-      </p:nvGrpSpPr>
-      <p:grpSpPr>
-        <a:xfrm>
-          <a:off x="0" y="0"/>
-          <a:ext cx="0" cy="0"/>
-          <a:chOff x="0" y="0"/>
-          <a:chExt cx="0" cy="0"/>
-        </a:xfrm>
-      </p:grpSpPr>
-      <p:sp>
-        <p:nvSpPr>
-          <p:cNvPr id="2" name="Title 1">
-            <a:extLst>
-              <a:ext uri="{FF2B5EF4-FFF2-40B4-BE49-F238E27FC236}">
-                <a16:creationId xmlns:a16="http://schemas.microsoft.com/office/drawing/2014/main" id="{68D96EAF-72F3-4B74-8C3E-F739453A74F6}"/>
-              </a:ext>
-            </a:extLst>
-          </p:cNvPr>
-          <p:cNvSpPr>
-            <a:spLocks noGrp="1"/>
-          </p:cNvSpPr>
-          <p:nvPr>
-            <p:ph type="title"/>
-          </p:nvPr>
-        </p:nvSpPr>
-        <p:spPr/>
-        <p:txBody>
-          <a:bodyPr/>
-          <a:lstStyle/>
-          <a:p>
-            <a:r>
-              <a:rPr lang="en-US" dirty="0"/>
-              <a:t>Links</a:t>
-            </a:r>
-          </a:p>
-        </p:txBody>
-      </p:sp>
-      <p:sp>
-        <p:nvSpPr>
-          <p:cNvPr id="3" name="Content Placeholder 2">
-            <a:extLst>
-              <a:ext uri="{FF2B5EF4-FFF2-40B4-BE49-F238E27FC236}">
-                <a16:creationId xmlns:a16="http://schemas.microsoft.com/office/drawing/2014/main" id="{BDDA8B42-5248-4158-8D6F-57626879ECAD}"/>
-              </a:ext>
-            </a:extLst>
-          </p:cNvPr>
-          <p:cNvSpPr>
-            <a:spLocks noGrp="1"/>
-          </p:cNvSpPr>
-          <p:nvPr>
-            <p:ph idx="1"/>
-          </p:nvPr>
-        </p:nvSpPr>
-        <p:spPr>
-          <a:xfrm>
-            <a:off x="648287" y="1866900"/>
-            <a:ext cx="4758945" cy="2855530"/>
-          </a:xfrm>
-        </p:spPr>
-        <p:txBody>
-          <a:bodyPr>
-            <a:normAutofit/>
-          </a:bodyPr>
-          <a:lstStyle/>
-          <a:p>
-            <a:r>
-              <a:rPr lang="en-US" dirty="0">
-                <a:hlinkClick r:id="rId2"/>
-              </a:rPr>
-              <a:t>http://www.introtorx.com/</a:t>
-            </a:r>
-            <a:endParaRPr lang="en-US" dirty="0"/>
-          </a:p>
-          <a:p>
-            <a:r>
-              <a:rPr lang="en-US" dirty="0">
-                <a:hlinkClick r:id="rId3"/>
-              </a:rPr>
-              <a:t>https://github.com/RolandPheasant/DynamicData</a:t>
-            </a:r>
-            <a:endParaRPr lang="en-US" dirty="0"/>
-          </a:p>
-          <a:p>
-            <a:r>
-              <a:rPr lang="en-US" dirty="0">
-                <a:hlinkClick r:id="rId4"/>
-              </a:rPr>
-              <a:t>https://reactiveui.net/</a:t>
-            </a:r>
-            <a:endParaRPr lang="en-US" dirty="0"/>
-          </a:p>
-          <a:p>
-            <a:r>
-              <a:rPr lang="en-US" dirty="0"/>
-              <a:t>silversalmon.com/</a:t>
-            </a:r>
-          </a:p>
-          <a:p>
-            <a:r>
-              <a:rPr lang="en-US" dirty="0"/>
-              <a:t>Pingaring.com</a:t>
-            </a:r>
-          </a:p>
-          <a:p>
-            <a:r>
-              <a:rPr lang="en-US" dirty="0" err="1"/>
-              <a:t>LinqPad</a:t>
-            </a:r>
-            <a:r>
-              <a:rPr lang="en-US" dirty="0"/>
-              <a:t> has great integration</a:t>
-            </a:r>
-          </a:p>
-          <a:p>
-            <a:r>
-              <a:rPr lang="en-US" dirty="0"/>
-              <a:t>reactivex.io</a:t>
-            </a:r>
-          </a:p>
-          <a:p>
-            <a:r>
-              <a:rPr lang="en-US" dirty="0">
-                <a:hlinkClick r:id="rId5"/>
-              </a:rPr>
-              <a:t>https://github.com/paulcbetts/refit</a:t>
-            </a:r>
-            <a:endParaRPr lang="en-US" dirty="0"/>
-          </a:p>
-          <a:p>
-            <a:r>
-              <a:rPr lang="en-US" dirty="0"/>
-              <a:t>https://github.com/akavache/Akavache</a:t>
-            </a:r>
-          </a:p>
-        </p:txBody>
-      </p:sp>
-    </p:spTree>
-    <p:extLst>
-      <p:ext uri="{BB962C8B-B14F-4D97-AF65-F5344CB8AC3E}">
-        <p14:creationId xmlns:p14="http://schemas.microsoft.com/office/powerpoint/2010/main" val="72156241"/>
-      </p:ext>
-    </p:extLst>
-  </p:cSld>
-  <p:clrMapOvr>
-    <a:masterClrMapping/>
-  </p:clrMapOvr>
-</p:sld>
-</file>
-
 <file path=ppt/slides/slide5.xml><?xml version="1.0" encoding="utf-8"?>
 <p:sld xmlns:a="http://schemas.openxmlformats.org/drawingml/2006/main" xmlns:r="http://schemas.openxmlformats.org/officeDocument/2006/relationships" xmlns:p="http://schemas.openxmlformats.org/presentationml/2006/main">
   <p:cSld>
@@ -26029,7 +24334,7 @@
           <p:cNvPr id="2" name="Title 1">
             <a:extLst>
               <a:ext uri="{FF2B5EF4-FFF2-40B4-BE49-F238E27FC236}">
-                <a16:creationId xmlns:a16="http://schemas.microsoft.com/office/drawing/2014/main" id="{8DF67540-F21C-49EE-9B50-5F93C534D608}"/>
+                <a16:creationId xmlns:a16="http://schemas.microsoft.com/office/drawing/2014/main" id="{E89AE91D-475B-4B68-BFCA-4AAA6C28925D}"/>
               </a:ext>
             </a:extLst>
           </p:cNvPr>
@@ -26047,7 +24352,7 @@
           <a:p>
             <a:r>
               <a:rPr lang="en-US" dirty="0"/>
-              <a:t>Subscribing</a:t>
+              <a:t>Easy to Cleanup</a:t>
             </a:r>
           </a:p>
         </p:txBody>
@@ -26057,7 +24362,7 @@
           <p:cNvPr id="3" name="Content Placeholder 2">
             <a:extLst>
               <a:ext uri="{FF2B5EF4-FFF2-40B4-BE49-F238E27FC236}">
-                <a16:creationId xmlns:a16="http://schemas.microsoft.com/office/drawing/2014/main" id="{31A20A76-419D-4C68-93C9-66F750DBD00D}"/>
+                <a16:creationId xmlns:a16="http://schemas.microsoft.com/office/drawing/2014/main" id="{73443EB1-07C7-4EB2-9326-33DDD9875EC3}"/>
               </a:ext>
             </a:extLst>
           </p:cNvPr>
@@ -26068,53 +24373,73 @@
             <p:ph idx="1"/>
           </p:nvPr>
         </p:nvSpPr>
+        <p:spPr/>
+        <p:txBody>
+          <a:bodyPr/>
+          <a:lstStyle/>
+          <a:p>
+            <a:r>
+              <a:rPr lang="en-US" dirty="0" err="1"/>
+              <a:t>CompositeDisposable</a:t>
+            </a:r>
+            <a:endParaRPr lang="en-US" dirty="0"/>
+          </a:p>
+          <a:p>
+            <a:r>
+              <a:rPr lang="en-US" dirty="0" err="1"/>
+              <a:t>SerialDisposable</a:t>
+            </a:r>
+            <a:r>
+              <a:rPr lang="en-US" dirty="0"/>
+              <a:t> </a:t>
+            </a:r>
+          </a:p>
+          <a:p>
+            <a:r>
+              <a:rPr lang="en-US" dirty="0" err="1"/>
+              <a:t>Disposable.Create</a:t>
+            </a:r>
+            <a:r>
+              <a:rPr lang="en-US" dirty="0"/>
+              <a:t>(Action) </a:t>
+            </a:r>
+          </a:p>
+        </p:txBody>
+      </p:sp>
+      <p:pic>
+        <p:nvPicPr>
+          <p:cNvPr id="5" name="Picture 4">
+            <a:extLst>
+              <a:ext uri="{FF2B5EF4-FFF2-40B4-BE49-F238E27FC236}">
+                <a16:creationId xmlns:a16="http://schemas.microsoft.com/office/drawing/2014/main" id="{3C1BF6B4-1533-48FC-86A0-9801C5FC89C2}"/>
+              </a:ext>
+            </a:extLst>
+          </p:cNvPr>
+          <p:cNvPicPr>
+            <a:picLocks noChangeAspect="1"/>
+          </p:cNvPicPr>
+          <p:nvPr/>
+        </p:nvPicPr>
+        <p:blipFill>
+          <a:blip r:embed="rId3"/>
+          <a:stretch>
+            <a:fillRect/>
+          </a:stretch>
+        </p:blipFill>
         <p:spPr>
           <a:xfrm>
-            <a:off x="648287" y="1866900"/>
-            <a:ext cx="6121948" cy="2647950"/>
+            <a:off x="361950" y="3000375"/>
+            <a:ext cx="6134100" cy="1514475"/>
           </a:xfrm>
+          <a:prstGeom prst="rect">
+            <a:avLst/>
+          </a:prstGeom>
         </p:spPr>
-        <p:txBody>
-          <a:bodyPr>
-            <a:normAutofit/>
-          </a:bodyPr>
-          <a:lstStyle/>
-          <a:p>
-            <a:r>
-              <a:rPr lang="en-US" dirty="0"/>
-              <a:t>Receives the values produced by observable</a:t>
-            </a:r>
-          </a:p>
-          <a:p>
-            <a:r>
-              <a:rPr lang="en-US" dirty="0"/>
-              <a:t>Values are processed by Action&lt;T&gt;</a:t>
-            </a:r>
-          </a:p>
-          <a:p>
-            <a:r>
-              <a:rPr lang="en-US" dirty="0"/>
-              <a:t>Multiple subscribes can watch an observer</a:t>
-            </a:r>
-          </a:p>
-          <a:p>
-            <a:r>
-              <a:rPr lang="en-US" dirty="0"/>
-              <a:t>Dispose pattern to stop listening</a:t>
-            </a:r>
-          </a:p>
-          <a:p>
-            <a:endParaRPr lang="en-US" dirty="0"/>
-          </a:p>
-          <a:p>
-            <a:endParaRPr lang="en-US" dirty="0"/>
-          </a:p>
-        </p:txBody>
-      </p:sp>
+      </p:pic>
     </p:spTree>
     <p:extLst>
       <p:ext uri="{BB962C8B-B14F-4D97-AF65-F5344CB8AC3E}">
-        <p14:creationId xmlns:p14="http://schemas.microsoft.com/office/powerpoint/2010/main" val="176208650"/>
+        <p14:creationId xmlns:p14="http://schemas.microsoft.com/office/powerpoint/2010/main" val="1332315155"/>
       </p:ext>
     </p:extLst>
   </p:cSld>
@@ -26146,7 +24471,7 @@
           <p:cNvPr id="2" name="Title 1">
             <a:extLst>
               <a:ext uri="{FF2B5EF4-FFF2-40B4-BE49-F238E27FC236}">
-                <a16:creationId xmlns:a16="http://schemas.microsoft.com/office/drawing/2014/main" id="{A02CA362-8947-46E0-A7B6-75C57CAD64F5}"/>
+                <a16:creationId xmlns:a16="http://schemas.microsoft.com/office/drawing/2014/main" id="{8DF67540-F21C-49EE-9B50-5F93C534D608}"/>
               </a:ext>
             </a:extLst>
           </p:cNvPr>
@@ -26164,45 +24489,74 @@
           <a:p>
             <a:r>
               <a:rPr lang="en-US" dirty="0"/>
-              <a:t>Filter (where) Operator</a:t>
-            </a:r>
-          </a:p>
-        </p:txBody>
-      </p:sp>
-      <p:pic>
-        <p:nvPicPr>
-          <p:cNvPr id="4" name="Picture 3">
+              <a:t>Subscribing</a:t>
+            </a:r>
+          </a:p>
+        </p:txBody>
+      </p:sp>
+      <p:sp>
+        <p:nvSpPr>
+          <p:cNvPr id="3" name="Content Placeholder 2">
             <a:extLst>
               <a:ext uri="{FF2B5EF4-FFF2-40B4-BE49-F238E27FC236}">
-                <a16:creationId xmlns:a16="http://schemas.microsoft.com/office/drawing/2014/main" id="{0A2D5F02-ED95-487A-ADE4-3D0799AA927C}"/>
+                <a16:creationId xmlns:a16="http://schemas.microsoft.com/office/drawing/2014/main" id="{31A20A76-419D-4C68-93C9-66F750DBD00D}"/>
               </a:ext>
             </a:extLst>
           </p:cNvPr>
-          <p:cNvPicPr>
-            <a:picLocks noChangeAspect="1"/>
-          </p:cNvPicPr>
-          <p:nvPr/>
-        </p:nvPicPr>
-        <p:blipFill>
-          <a:blip r:embed="rId3"/>
-          <a:stretch>
-            <a:fillRect/>
-          </a:stretch>
-        </p:blipFill>
+          <p:cNvSpPr>
+            <a:spLocks noGrp="1"/>
+          </p:cNvSpPr>
+          <p:nvPr>
+            <p:ph idx="1"/>
+          </p:nvPr>
+        </p:nvSpPr>
         <p:spPr>
           <a:xfrm>
-            <a:off x="356600" y="1734599"/>
-            <a:ext cx="6356694" cy="3408901"/>
+            <a:off x="648287" y="1866900"/>
+            <a:ext cx="6121948" cy="2647950"/>
           </a:xfrm>
-          <a:prstGeom prst="rect">
-            <a:avLst/>
-          </a:prstGeom>
         </p:spPr>
-      </p:pic>
+        <p:txBody>
+          <a:bodyPr>
+            <a:normAutofit/>
+          </a:bodyPr>
+          <a:lstStyle/>
+          <a:p>
+            <a:r>
+              <a:rPr lang="en-US" dirty="0"/>
+              <a:t>Receives the values produced by observable</a:t>
+            </a:r>
+          </a:p>
+          <a:p>
+            <a:r>
+              <a:rPr lang="en-US" dirty="0"/>
+              <a:t>Values are processed by Action&lt;T&gt;</a:t>
+            </a:r>
+          </a:p>
+          <a:p>
+            <a:r>
+              <a:rPr lang="en-US" dirty="0"/>
+              <a:t>Multiple subscribes can watch an observer</a:t>
+            </a:r>
+          </a:p>
+          <a:p>
+            <a:r>
+              <a:rPr lang="en-US" dirty="0"/>
+              <a:t>Dispose pattern to stop listening</a:t>
+            </a:r>
+          </a:p>
+          <a:p>
+            <a:endParaRPr lang="en-US" dirty="0"/>
+          </a:p>
+          <a:p>
+            <a:endParaRPr lang="en-US" dirty="0"/>
+          </a:p>
+        </p:txBody>
+      </p:sp>
     </p:spTree>
     <p:extLst>
       <p:ext uri="{BB962C8B-B14F-4D97-AF65-F5344CB8AC3E}">
-        <p14:creationId xmlns:p14="http://schemas.microsoft.com/office/powerpoint/2010/main" val="1918794499"/>
+        <p14:creationId xmlns:p14="http://schemas.microsoft.com/office/powerpoint/2010/main" val="176208650"/>
       </p:ext>
     </p:extLst>
   </p:cSld>
@@ -26279,8 +24633,38 @@
         </p:blipFill>
         <p:spPr>
           <a:xfrm>
-            <a:off x="785812" y="2142147"/>
+            <a:off x="785812" y="1650030"/>
             <a:ext cx="5286375" cy="2314575"/>
+          </a:xfrm>
+          <a:prstGeom prst="rect">
+            <a:avLst/>
+          </a:prstGeom>
+        </p:spPr>
+      </p:pic>
+      <p:pic>
+        <p:nvPicPr>
+          <p:cNvPr id="7" name="Picture 6">
+            <a:extLst>
+              <a:ext uri="{FF2B5EF4-FFF2-40B4-BE49-F238E27FC236}">
+                <a16:creationId xmlns:a16="http://schemas.microsoft.com/office/drawing/2014/main" id="{284957A6-7709-4DFB-AF4F-1CC121E85336}"/>
+              </a:ext>
+            </a:extLst>
+          </p:cNvPr>
+          <p:cNvPicPr>
+            <a:picLocks noChangeAspect="1"/>
+          </p:cNvPicPr>
+          <p:nvPr/>
+        </p:nvPicPr>
+        <p:blipFill>
+          <a:blip r:embed="rId4"/>
+          <a:stretch>
+            <a:fillRect/>
+          </a:stretch>
+        </p:blipFill>
+        <p:spPr>
+          <a:xfrm>
+            <a:off x="1892800" y="4184760"/>
+            <a:ext cx="2800350" cy="695325"/>
           </a:xfrm>
           <a:prstGeom prst="rect">
             <a:avLst/>

--- a/DenverDevDays20171116.pptx
+++ b/DenverDevDays20171116.pptx
@@ -21451,6 +21451,17 @@
             </a:r>
             <a:endParaRPr lang="en-US" dirty="0"/>
           </a:p>
+          <a:p>
+            <a:r>
+              <a:rPr lang="en-US" dirty="0"/>
+              <a:t>Observable versions of </a:t>
+            </a:r>
+            <a:r>
+              <a:rPr lang="en-US"/>
+              <a:t>all platform events</a:t>
+            </a:r>
+            <a:endParaRPr lang="en-US" dirty="0"/>
+          </a:p>
         </p:txBody>
       </p:sp>
     </p:spTree>

--- a/DenverDevDays20171116.pptx
+++ b/DenverDevDays20171116.pptx
@@ -11,8 +11,8 @@
   <p:sldIdLst>
     <p:sldId id="260" r:id="rId3"/>
     <p:sldId id="307" r:id="rId4"/>
-    <p:sldId id="289" r:id="rId5"/>
-    <p:sldId id="282" r:id="rId6"/>
+    <p:sldId id="282" r:id="rId5"/>
+    <p:sldId id="289" r:id="rId6"/>
     <p:sldId id="308" r:id="rId7"/>
     <p:sldId id="309" r:id="rId8"/>
     <p:sldId id="311" r:id="rId9"/>
@@ -155,8 +155,8 @@
           <p14:sldIdLst>
             <p14:sldId id="260"/>
             <p14:sldId id="307"/>
+            <p14:sldId id="282"/>
             <p14:sldId id="289"/>
-            <p14:sldId id="282"/>
             <p14:sldId id="308"/>
             <p14:sldId id="309"/>
             <p14:sldId id="311"/>
@@ -1489,7 +1489,7 @@
           <a:p>
             <a:fld id="{0E87BA1A-9B4F-4A68-96F7-6F9A551A6FEA}" type="datetimeFigureOut">
               <a:rPr lang="en-US" smtClean="0"/>
-              <a:t>3/11/2018</a:t>
+              <a:t>3/13/2018</a:t>
             </a:fld>
             <a:endParaRPr lang="en-US"/>
           </a:p>
@@ -1802,57 +1802,37 @@
           <a:p>
             <a:r>
               <a:rPr lang="en-US" dirty="0"/>
-              <a:t>WPF first MVVM</a:t>
-            </a:r>
-            <a:br>
+              <a:t>I started with ASP.NET FORMS</a:t>
+            </a:r>
+          </a:p>
+          <a:p>
+            <a:r>
               <a:rPr lang="en-US" dirty="0"/>
-            </a:br>
+              <a:t>My first experience with MVVM was Silverlight where I’ve used a number of FWS</a:t>
+            </a:r>
+          </a:p>
+          <a:p>
             <a:r>
               <a:rPr lang="en-US" dirty="0"/>
-              <a:t>Silverlight some time</a:t>
-            </a:r>
-          </a:p>
-          <a:p>
+              <a:t>Prism, </a:t>
+            </a:r>
+            <a:r>
+              <a:rPr lang="en-US" dirty="0" err="1"/>
+              <a:t>Caiburn</a:t>
+            </a:r>
             <a:r>
               <a:rPr lang="en-US" dirty="0"/>
-              <a:t>KO</a:t>
+              <a:t>, before settling on ReactiveUI which mainly came around when I was trying to fix memory leaks.</a:t>
             </a:r>
           </a:p>
           <a:p>
             <a:r>
               <a:rPr lang="en-US" dirty="0"/>
-              <a:t>Xamarin</a:t>
-            </a:r>
-          </a:p>
-          <a:p>
-            <a:r>
-              <a:rPr lang="en-US" dirty="0"/>
-              <a:t>SQL Azure</a:t>
-            </a:r>
-          </a:p>
-          <a:p>
-            <a:endParaRPr lang="en-US" dirty="0"/>
-          </a:p>
-          <a:p>
-            <a:r>
-              <a:rPr lang="en-US" dirty="0"/>
-              <a:t>Built lots of </a:t>
+              <a:t>I’ve done WPF, UWP, Native Xamarin and now Primarily Xamarin </a:t>
             </a:r>
             <a:r>
               <a:rPr lang="en-US" dirty="0" err="1"/>
-              <a:t>Uis</a:t>
-            </a:r>
-            <a:r>
-              <a:rPr lang="en-US" dirty="0"/>
-              <a:t> through WPF, Silverlight (it’s the future), Prism, </a:t>
-            </a:r>
-            <a:r>
-              <a:rPr lang="en-US" dirty="0" err="1"/>
-              <a:t>Caliburn</a:t>
-            </a:r>
-            <a:r>
-              <a:rPr lang="en-US"/>
-              <a:t>, ReactiveUI</a:t>
+              <a:t>Formss</a:t>
             </a:r>
             <a:endParaRPr lang="en-US" dirty="0"/>
           </a:p>
@@ -3177,65 +3157,69 @@
           <a:p>
             <a:r>
               <a:rPr lang="en-US" dirty="0"/>
-              <a:t>WPF first MVVM</a:t>
+              <a:t>First point of clarity is the difference between ReactJS and Reactive. This happens less now that </a:t>
+            </a:r>
+            <a:r>
+              <a:rPr lang="en-US" dirty="0" err="1"/>
+              <a:t>RxJS</a:t>
+            </a:r>
+            <a:r>
+              <a:rPr lang="en-US" dirty="0"/>
+              <a:t> has started picking up steam.   Does anyone know when </a:t>
+            </a:r>
+            <a:r>
+              <a:rPr lang="en-US" dirty="0" err="1"/>
+              <a:t>RxJS</a:t>
+            </a:r>
+            <a:r>
+              <a:rPr lang="en-US" dirty="0"/>
+              <a:t> first came available? I first started messing with it probably around 6 or 7 years ago but couldn’t find info</a:t>
+            </a:r>
+          </a:p>
+          <a:p>
+            <a:endParaRPr lang="en-US" dirty="0"/>
+          </a:p>
+          <a:p>
+            <a:r>
+              <a:rPr lang="en-US" dirty="0"/>
+              <a:t>The next idea which we’re mainly talking today is </a:t>
+            </a:r>
+            <a:r>
+              <a:rPr lang="en-US" dirty="0" err="1"/>
+              <a:t>ReactiveX</a:t>
+            </a:r>
+            <a:r>
+              <a:rPr lang="en-US" dirty="0"/>
+              <a:t> which is the umbrella term and source of all the terms </a:t>
             </a:r>
             <a:br>
               <a:rPr lang="en-US" dirty="0"/>
             </a:br>
             <a:r>
               <a:rPr lang="en-US" dirty="0"/>
-              <a:t>Silverlight some time</a:t>
-            </a:r>
-          </a:p>
-          <a:p>
+              <a:t>http://reactivex.io/</a:t>
+            </a:r>
+          </a:p>
+          <a:p>
+            <a:endParaRPr lang="en-US" dirty="0"/>
+          </a:p>
+          <a:p>
+            <a:r>
+              <a:rPr lang="en-US" dirty="0" err="1"/>
+              <a:t>ReacitveUI</a:t>
+            </a:r>
             <a:r>
               <a:rPr lang="en-US" dirty="0"/>
-              <a:t>KO</a:t>
-            </a:r>
-          </a:p>
-          <a:p>
+              <a:t> is a set of libraries and extensions used to turn MVVM based event streams into </a:t>
+            </a:r>
+            <a:r>
+              <a:rPr lang="en-US" dirty="0" err="1"/>
+              <a:t>ReactiveX</a:t>
+            </a:r>
             <a:r>
               <a:rPr lang="en-US" dirty="0"/>
-              <a:t>Xamarin</a:t>
-            </a:r>
-          </a:p>
-          <a:p>
-            <a:r>
-              <a:rPr lang="en-US" dirty="0"/>
-              <a:t>SQL Azure</a:t>
-            </a:r>
-          </a:p>
-          <a:p>
-            <a:endParaRPr lang="en-US" dirty="0"/>
-          </a:p>
-          <a:p>
-            <a:r>
-              <a:rPr lang="en-US" dirty="0"/>
-              <a:t>Built lots of </a:t>
-            </a:r>
-            <a:r>
-              <a:rPr lang="en-US" dirty="0" err="1"/>
-              <a:t>Uis</a:t>
-            </a:r>
-            <a:r>
-              <a:rPr lang="en-US" dirty="0"/>
-              <a:t> through WPF, Silverlight (it’s the future), Prism, </a:t>
-            </a:r>
-            <a:r>
-              <a:rPr lang="en-US" dirty="0" err="1"/>
-              <a:t>Caliburn</a:t>
-            </a:r>
-            <a:r>
-              <a:rPr lang="en-US"/>
-              <a:t>, ReactiveUI</a:t>
-            </a:r>
-            <a:endParaRPr lang="en-US" dirty="0"/>
-          </a:p>
-          <a:p>
-            <a:endParaRPr lang="en-US" dirty="0"/>
-          </a:p>
-          <a:p>
-            <a:endParaRPr lang="en-US" dirty="0"/>
+              <a:t> concepts</a:t>
+            </a:r>
           </a:p>
         </p:txBody>
       </p:sp>
@@ -3882,29 +3866,21 @@
           <a:bodyPr/>
           <a:lstStyle/>
           <a:p>
-            <a:pPr>
-              <a:lnSpc>
-                <a:spcPct val="107000"/>
-              </a:lnSpc>
-              <a:spcAft>
-                <a:spcPts val="800"/>
-              </a:spcAft>
-            </a:pPr>
             <a:r>
               <a:rPr lang="en-US" dirty="0">
                 <a:latin typeface="Calibri" panose="020F0502020204030204" pitchFamily="34" charset="0"/>
                 <a:ea typeface="Calibri" panose="020F0502020204030204" pitchFamily="34" charset="0"/>
                 <a:cs typeface="Times New Roman" panose="02020603050405020304" pitchFamily="18" charset="0"/>
               </a:rPr>
-              <a:t>How many people are familiar with </a:t>
-            </a:r>
-            <a:r>
-              <a:rPr lang="en-US" dirty="0" err="1">
+              <a:t>So here we have the iterator pattern. </a:t>
+            </a:r>
+            <a:r>
+              <a:rPr lang="en-US" b="1" dirty="0">
                 <a:latin typeface="Calibri" panose="020F0502020204030204" pitchFamily="34" charset="0"/>
                 <a:ea typeface="Calibri" panose="020F0502020204030204" pitchFamily="34" charset="0"/>
                 <a:cs typeface="Times New Roman" panose="02020603050405020304" pitchFamily="18" charset="0"/>
               </a:rPr>
-              <a:t>System.Reactive</a:t>
+              <a:t>We have a list of parents</a:t>
             </a:r>
             <a:r>
               <a:rPr lang="en-US" dirty="0">
@@ -3912,46 +3888,24 @@
                 <a:ea typeface="Calibri" panose="020F0502020204030204" pitchFamily="34" charset="0"/>
                 <a:cs typeface="Times New Roman" panose="02020603050405020304" pitchFamily="18" charset="0"/>
               </a:rPr>
-              <a:t> Programming? </a:t>
-            </a:r>
-            <a:br>
+              <a:t> each with a set </a:t>
+            </a:r>
+            <a:r>
+              <a:rPr lang="en-US" b="1" dirty="0">
+                <a:latin typeface="Calibri" panose="020F0502020204030204" pitchFamily="34" charset="0"/>
+                <a:ea typeface="Calibri" panose="020F0502020204030204" pitchFamily="34" charset="0"/>
+                <a:cs typeface="Times New Roman" panose="02020603050405020304" pitchFamily="18" charset="0"/>
+              </a:rPr>
+              <a:t>of children that we want to filter over</a:t>
+            </a:r>
+            <a:r>
               <a:rPr lang="en-US" dirty="0">
                 <a:latin typeface="Calibri" panose="020F0502020204030204" pitchFamily="34" charset="0"/>
                 <a:ea typeface="Calibri" panose="020F0502020204030204" pitchFamily="34" charset="0"/>
                 <a:cs typeface="Times New Roman" panose="02020603050405020304" pitchFamily="18" charset="0"/>
               </a:rPr>
-            </a:br>
-            <a:r>
-              <a:rPr lang="en-US" dirty="0">
-                <a:latin typeface="Calibri" panose="020F0502020204030204" pitchFamily="34" charset="0"/>
-                <a:ea typeface="Calibri" panose="020F0502020204030204" pitchFamily="34" charset="0"/>
-                <a:cs typeface="Times New Roman" panose="02020603050405020304" pitchFamily="18" charset="0"/>
-              </a:rPr>
-              <a:t>And how many people have used it extensively?</a:t>
-            </a:r>
-          </a:p>
-          <a:p>
-            <a:r>
-              <a:rPr lang="en-US" dirty="0">
-                <a:latin typeface="Calibri" panose="020F0502020204030204" pitchFamily="34" charset="0"/>
-                <a:ea typeface="Calibri" panose="020F0502020204030204" pitchFamily="34" charset="0"/>
-                <a:cs typeface="Times New Roman" panose="02020603050405020304" pitchFamily="18" charset="0"/>
-              </a:rPr>
-              <a:t>How many people have used LINQ?  Let’s start with the familiar world of LINQ over </a:t>
-            </a:r>
-            <a:r>
-              <a:rPr lang="en-US" dirty="0" err="1">
-                <a:latin typeface="Calibri" panose="020F0502020204030204" pitchFamily="34" charset="0"/>
-                <a:ea typeface="Calibri" panose="020F0502020204030204" pitchFamily="34" charset="0"/>
-                <a:cs typeface="Times New Roman" panose="02020603050405020304" pitchFamily="18" charset="0"/>
-              </a:rPr>
-              <a:t>IEnumerable</a:t>
-            </a:r>
-            <a:endParaRPr lang="en-US" dirty="0">
-              <a:latin typeface="Calibri" panose="020F0502020204030204" pitchFamily="34" charset="0"/>
-              <a:ea typeface="Calibri" panose="020F0502020204030204" pitchFamily="34" charset="0"/>
-              <a:cs typeface="Times New Roman" panose="02020603050405020304" pitchFamily="18" charset="0"/>
-            </a:endParaRPr>
+              <a:t> and flatten into a list so that we have all the good children.  </a:t>
+            </a:r>
           </a:p>
           <a:p>
             <a:endParaRPr lang="en-US" dirty="0">
@@ -3965,9 +3919,31 @@
                 <a:latin typeface="Calibri" panose="020F0502020204030204" pitchFamily="34" charset="0"/>
                 <a:cs typeface="Times New Roman" panose="02020603050405020304" pitchFamily="18" charset="0"/>
               </a:rPr>
-              <a:t>What is an iterator? </a:t>
-            </a:r>
-            <a:endParaRPr lang="en-US" dirty="0"/>
+              <a:t>Giving us a very imperative way to ask the Iterator for information. Any questions about what’s happening here?</a:t>
+            </a:r>
+          </a:p>
+          <a:p>
+            <a:endParaRPr lang="en-US" dirty="0">
+              <a:latin typeface="Calibri" panose="020F0502020204030204" pitchFamily="34" charset="0"/>
+              <a:cs typeface="Times New Roman" panose="02020603050405020304" pitchFamily="18" charset="0"/>
+            </a:endParaRPr>
+          </a:p>
+          <a:p>
+            <a:r>
+              <a:rPr lang="en-US" dirty="0">
+                <a:latin typeface="Calibri" panose="020F0502020204030204" pitchFamily="34" charset="0"/>
+                <a:cs typeface="Times New Roman" panose="02020603050405020304" pitchFamily="18" charset="0"/>
+              </a:rPr>
+              <a:t>Now let’s take this idea and convert it over to a mouse event because at this point we’re </a:t>
+            </a:r>
+            <a:r>
+              <a:rPr lang="en-US" b="1" dirty="0">
+                <a:latin typeface="Calibri" panose="020F0502020204030204" pitchFamily="34" charset="0"/>
+                <a:cs typeface="Times New Roman" panose="02020603050405020304" pitchFamily="18" charset="0"/>
+              </a:rPr>
+              <a:t>equating the idea of an array and an event</a:t>
+            </a:r>
+            <a:endParaRPr lang="en-US" b="1" dirty="0"/>
           </a:p>
           <a:p>
             <a:endParaRPr lang="en-US" dirty="0"/>
@@ -4000,7 +3976,7 @@
     </p:spTree>
     <p:extLst>
       <p:ext uri="{BB962C8B-B14F-4D97-AF65-F5344CB8AC3E}">
-        <p14:creationId xmlns:p14="http://schemas.microsoft.com/office/powerpoint/2010/main" val="1008806032"/>
+        <p14:creationId xmlns:p14="http://schemas.microsoft.com/office/powerpoint/2010/main" val="3941245179"/>
       </p:ext>
     </p:extLst>
   </p:cSld>
@@ -4054,21 +4030,29 @@
           <a:bodyPr/>
           <a:lstStyle/>
           <a:p>
+            <a:pPr>
+              <a:lnSpc>
+                <a:spcPct val="107000"/>
+              </a:lnSpc>
+              <a:spcAft>
+                <a:spcPts val="800"/>
+              </a:spcAft>
+            </a:pPr>
             <a:r>
               <a:rPr lang="en-US" dirty="0">
                 <a:latin typeface="Calibri" panose="020F0502020204030204" pitchFamily="34" charset="0"/>
                 <a:ea typeface="Calibri" panose="020F0502020204030204" pitchFamily="34" charset="0"/>
                 <a:cs typeface="Times New Roman" panose="02020603050405020304" pitchFamily="18" charset="0"/>
               </a:rPr>
-              <a:t>So here we have the iterator pattern. </a:t>
-            </a:r>
-            <a:r>
-              <a:rPr lang="en-US" b="1" dirty="0">
+              <a:t>How many people are familiar with </a:t>
+            </a:r>
+            <a:r>
+              <a:rPr lang="en-US" dirty="0" err="1">
                 <a:latin typeface="Calibri" panose="020F0502020204030204" pitchFamily="34" charset="0"/>
                 <a:ea typeface="Calibri" panose="020F0502020204030204" pitchFamily="34" charset="0"/>
                 <a:cs typeface="Times New Roman" panose="02020603050405020304" pitchFamily="18" charset="0"/>
               </a:rPr>
-              <a:t>We have a list of parents</a:t>
+              <a:t>System.Reactive</a:t>
             </a:r>
             <a:r>
               <a:rPr lang="en-US" dirty="0">
@@ -4076,24 +4060,46 @@
                 <a:ea typeface="Calibri" panose="020F0502020204030204" pitchFamily="34" charset="0"/>
                 <a:cs typeface="Times New Roman" panose="02020603050405020304" pitchFamily="18" charset="0"/>
               </a:rPr>
-              <a:t> each with a set </a:t>
-            </a:r>
-            <a:r>
-              <a:rPr lang="en-US" b="1" dirty="0">
-                <a:latin typeface="Calibri" panose="020F0502020204030204" pitchFamily="34" charset="0"/>
-                <a:ea typeface="Calibri" panose="020F0502020204030204" pitchFamily="34" charset="0"/>
-                <a:cs typeface="Times New Roman" panose="02020603050405020304" pitchFamily="18" charset="0"/>
-              </a:rPr>
-              <a:t>of children that we want to filter over</a:t>
-            </a:r>
-            <a:r>
+              <a:t> Programming? </a:t>
+            </a:r>
+            <a:br>
               <a:rPr lang="en-US" dirty="0">
                 <a:latin typeface="Calibri" panose="020F0502020204030204" pitchFamily="34" charset="0"/>
                 <a:ea typeface="Calibri" panose="020F0502020204030204" pitchFamily="34" charset="0"/>
                 <a:cs typeface="Times New Roman" panose="02020603050405020304" pitchFamily="18" charset="0"/>
               </a:rPr>
-              <a:t> and flatten into a list so that we have all the good children.  </a:t>
-            </a:r>
+            </a:br>
+            <a:r>
+              <a:rPr lang="en-US" dirty="0">
+                <a:latin typeface="Calibri" panose="020F0502020204030204" pitchFamily="34" charset="0"/>
+                <a:ea typeface="Calibri" panose="020F0502020204030204" pitchFamily="34" charset="0"/>
+                <a:cs typeface="Times New Roman" panose="02020603050405020304" pitchFamily="18" charset="0"/>
+              </a:rPr>
+              <a:t>And how many people have used it extensively?</a:t>
+            </a:r>
+          </a:p>
+          <a:p>
+            <a:r>
+              <a:rPr lang="en-US" dirty="0">
+                <a:latin typeface="Calibri" panose="020F0502020204030204" pitchFamily="34" charset="0"/>
+                <a:ea typeface="Calibri" panose="020F0502020204030204" pitchFamily="34" charset="0"/>
+                <a:cs typeface="Times New Roman" panose="02020603050405020304" pitchFamily="18" charset="0"/>
+              </a:rPr>
+              <a:t>How many people have used LINQ?  Let’s start with the familiar world of LINQ over </a:t>
+            </a:r>
+            <a:r>
+              <a:rPr lang="en-US" dirty="0" err="1">
+                <a:latin typeface="Calibri" panose="020F0502020204030204" pitchFamily="34" charset="0"/>
+                <a:ea typeface="Calibri" panose="020F0502020204030204" pitchFamily="34" charset="0"/>
+                <a:cs typeface="Times New Roman" panose="02020603050405020304" pitchFamily="18" charset="0"/>
+              </a:rPr>
+              <a:t>IEnumerable</a:t>
+            </a:r>
+            <a:endParaRPr lang="en-US" dirty="0">
+              <a:latin typeface="Calibri" panose="020F0502020204030204" pitchFamily="34" charset="0"/>
+              <a:ea typeface="Calibri" panose="020F0502020204030204" pitchFamily="34" charset="0"/>
+              <a:cs typeface="Times New Roman" panose="02020603050405020304" pitchFamily="18" charset="0"/>
+            </a:endParaRPr>
           </a:p>
           <a:p>
             <a:endParaRPr lang="en-US" dirty="0">
@@ -4107,31 +4113,9 @@
                 <a:latin typeface="Calibri" panose="020F0502020204030204" pitchFamily="34" charset="0"/>
                 <a:cs typeface="Times New Roman" panose="02020603050405020304" pitchFamily="18" charset="0"/>
               </a:rPr>
-              <a:t>Giving us a very imperative way to ask the Iterator for information. Any questions about what’s happening here?</a:t>
-            </a:r>
-          </a:p>
-          <a:p>
-            <a:endParaRPr lang="en-US" dirty="0">
-              <a:latin typeface="Calibri" panose="020F0502020204030204" pitchFamily="34" charset="0"/>
-              <a:cs typeface="Times New Roman" panose="02020603050405020304" pitchFamily="18" charset="0"/>
-            </a:endParaRPr>
-          </a:p>
-          <a:p>
-            <a:r>
-              <a:rPr lang="en-US" dirty="0">
-                <a:latin typeface="Calibri" panose="020F0502020204030204" pitchFamily="34" charset="0"/>
-                <a:cs typeface="Times New Roman" panose="02020603050405020304" pitchFamily="18" charset="0"/>
-              </a:rPr>
-              <a:t>Now let’s take this idea and convert it over to a mouse event because at this point we’re </a:t>
-            </a:r>
-            <a:r>
-              <a:rPr lang="en-US" b="1" dirty="0">
-                <a:latin typeface="Calibri" panose="020F0502020204030204" pitchFamily="34" charset="0"/>
-                <a:cs typeface="Times New Roman" panose="02020603050405020304" pitchFamily="18" charset="0"/>
-              </a:rPr>
-              <a:t>equating the idea of an array and an event</a:t>
-            </a:r>
-            <a:endParaRPr lang="en-US" b="1" dirty="0"/>
+              <a:t>What is an iterator? </a:t>
+            </a:r>
+            <a:endParaRPr lang="en-US" dirty="0"/>
           </a:p>
           <a:p>
             <a:endParaRPr lang="en-US" dirty="0"/>
@@ -4164,7 +4148,7 @@
     </p:spTree>
     <p:extLst>
       <p:ext uri="{BB962C8B-B14F-4D97-AF65-F5344CB8AC3E}">
-        <p14:creationId xmlns:p14="http://schemas.microsoft.com/office/powerpoint/2010/main" val="3941245179"/>
+        <p14:creationId xmlns:p14="http://schemas.microsoft.com/office/powerpoint/2010/main" val="1008806032"/>
       </p:ext>
     </p:extLst>
   </p:cSld>
@@ -5270,7 +5254,7 @@
             </a:ln>
             <a:extLst>
               <a:ext uri="{91240B29-F687-4f45-9708-019B960494DF}">
-                <a14:hiddenLine xmlns:a14="http://schemas.microsoft.com/office/drawing/2010/main" xmlns="" w="9525">
+                <a14:hiddenLine xmlns="" xmlns:a14="http://schemas.microsoft.com/office/drawing/2010/main" w="9525">
                   <a:solidFill>
                     <a:srgbClr val="000000"/>
                   </a:solidFill>
@@ -5467,7 +5451,7 @@
           <a:p>
             <a:fld id="{837A2B02-7409-40FB-8AE3-73E6A090FF21}" type="datetimeFigureOut">
               <a:rPr lang="en-US" smtClean="0"/>
-              <a:t>3/11/2018</a:t>
+              <a:t>3/13/2018</a:t>
             </a:fld>
             <a:endParaRPr lang="en-US"/>
           </a:p>
@@ -6351,7 +6335,7 @@
             </a:ln>
             <a:extLst>
               <a:ext uri="{91240B29-F687-4f45-9708-019B960494DF}">
-                <a14:hiddenLine xmlns:a14="http://schemas.microsoft.com/office/drawing/2010/main" xmlns="" w="9525">
+                <a14:hiddenLine xmlns="" xmlns:a14="http://schemas.microsoft.com/office/drawing/2010/main" w="9525">
                   <a:solidFill>
                     <a:srgbClr val="000000"/>
                   </a:solidFill>
@@ -6568,7 +6552,7 @@
           <a:p>
             <a:fld id="{837A2B02-7409-40FB-8AE3-73E6A090FF21}" type="datetimeFigureOut">
               <a:rPr lang="en-US" smtClean="0"/>
-              <a:t>3/11/2018</a:t>
+              <a:t>3/13/2018</a:t>
             </a:fld>
             <a:endParaRPr lang="en-US"/>
           </a:p>
@@ -7437,7 +7421,7 @@
             </a:ln>
             <a:extLst>
               <a:ext uri="{91240B29-F687-4f45-9708-019B960494DF}">
-                <a14:hiddenLine xmlns:a14="http://schemas.microsoft.com/office/drawing/2010/main" xmlns="" w="9525">
+                <a14:hiddenLine xmlns="" xmlns:a14="http://schemas.microsoft.com/office/drawing/2010/main" w="9525">
                   <a:solidFill>
                     <a:srgbClr val="000000"/>
                   </a:solidFill>
@@ -7566,7 +7550,7 @@
           <a:p>
             <a:fld id="{837A2B02-7409-40FB-8AE3-73E6A090FF21}" type="datetimeFigureOut">
               <a:rPr lang="en-US" smtClean="0"/>
-              <a:t>3/11/2018</a:t>
+              <a:t>3/13/2018</a:t>
             </a:fld>
             <a:endParaRPr lang="en-US"/>
           </a:p>
@@ -8398,7 +8382,7 @@
             </a:ln>
             <a:extLst>
               <a:ext uri="{91240B29-F687-4f45-9708-019B960494DF}">
-                <a14:hiddenLine xmlns:a14="http://schemas.microsoft.com/office/drawing/2010/main" xmlns="" w="9525">
+                <a14:hiddenLine xmlns="" xmlns:a14="http://schemas.microsoft.com/office/drawing/2010/main" w="9525">
                   <a:solidFill>
                     <a:srgbClr val="000000"/>
                   </a:solidFill>
@@ -8681,7 +8665,7 @@
           <a:p>
             <a:fld id="{837A2B02-7409-40FB-8AE3-73E6A090FF21}" type="datetimeFigureOut">
               <a:rPr lang="en-US" smtClean="0"/>
-              <a:t>3/11/2018</a:t>
+              <a:t>3/13/2018</a:t>
             </a:fld>
             <a:endParaRPr lang="en-US"/>
           </a:p>
@@ -9513,7 +9497,7 @@
             </a:ln>
             <a:extLst>
               <a:ext uri="{91240B29-F687-4f45-9708-019B960494DF}">
-                <a14:hiddenLine xmlns:a14="http://schemas.microsoft.com/office/drawing/2010/main" xmlns="" w="9525">
+                <a14:hiddenLine xmlns="" xmlns:a14="http://schemas.microsoft.com/office/drawing/2010/main" w="9525">
                   <a:solidFill>
                     <a:srgbClr val="000000"/>
                   </a:solidFill>
@@ -9695,7 +9679,7 @@
           <a:p>
             <a:fld id="{837A2B02-7409-40FB-8AE3-73E6A090FF21}" type="datetimeFigureOut">
               <a:rPr lang="en-US" smtClean="0"/>
-              <a:t>3/11/2018</a:t>
+              <a:t>3/13/2018</a:t>
             </a:fld>
             <a:endParaRPr lang="en-US"/>
           </a:p>
@@ -10367,7 +10351,7 @@
           <a:p>
             <a:fld id="{837A2B02-7409-40FB-8AE3-73E6A090FF21}" type="datetimeFigureOut">
               <a:rPr lang="en-US" smtClean="0"/>
-              <a:t>3/11/2018</a:t>
+              <a:t>3/13/2018</a:t>
             </a:fld>
             <a:endParaRPr lang="en-US"/>
           </a:p>
@@ -11240,7 +11224,7 @@
           <a:p>
             <a:fld id="{837A2B02-7409-40FB-8AE3-73E6A090FF21}" type="datetimeFigureOut">
               <a:rPr lang="en-US" smtClean="0"/>
-              <a:t>3/11/2018</a:t>
+              <a:t>3/13/2018</a:t>
             </a:fld>
             <a:endParaRPr lang="en-US"/>
           </a:p>
@@ -11427,7 +11411,7 @@
           <a:p>
             <a:fld id="{837A2B02-7409-40FB-8AE3-73E6A090FF21}" type="datetimeFigureOut">
               <a:rPr lang="en-US" smtClean="0"/>
-              <a:t>3/11/2018</a:t>
+              <a:t>3/13/2018</a:t>
             </a:fld>
             <a:endParaRPr lang="en-US"/>
           </a:p>
@@ -12262,7 +12246,7 @@
           </a:ln>
           <a:extLst>
             <a:ext uri="{91240B29-F687-4f45-9708-019B960494DF}">
-              <a14:hiddenLine xmlns:a14="http://schemas.microsoft.com/office/drawing/2010/main" xmlns="" w="9525">
+              <a14:hiddenLine xmlns="" xmlns:a14="http://schemas.microsoft.com/office/drawing/2010/main" w="9525">
                 <a:solidFill>
                   <a:srgbClr val="000000"/>
                 </a:solidFill>
@@ -12376,7 +12360,7 @@
           <a:p>
             <a:fld id="{837A2B02-7409-40FB-8AE3-73E6A090FF21}" type="datetimeFigureOut">
               <a:rPr lang="en-US" smtClean="0"/>
-              <a:t>3/11/2018</a:t>
+              <a:t>3/13/2018</a:t>
             </a:fld>
             <a:endParaRPr lang="en-US"/>
           </a:p>
@@ -12637,7 +12621,7 @@
           <a:p>
             <a:fld id="{099D5864-85AC-4D1D-9A2C-1A0380C4B4CE}" type="datetimeFigureOut">
               <a:rPr lang="en-US" smtClean="0"/>
-              <a:t>3/11/2018</a:t>
+              <a:t>3/13/2018</a:t>
             </a:fld>
             <a:endParaRPr lang="en-US"/>
           </a:p>
@@ -12835,7 +12819,7 @@
           <a:p>
             <a:fld id="{099D5864-85AC-4D1D-9A2C-1A0380C4B4CE}" type="datetimeFigureOut">
               <a:rPr lang="en-US" smtClean="0"/>
-              <a:t>3/11/2018</a:t>
+              <a:t>3/13/2018</a:t>
             </a:fld>
             <a:endParaRPr lang="en-US"/>
           </a:p>
@@ -13026,7 +13010,7 @@
           <a:p>
             <a:fld id="{837A2B02-7409-40FB-8AE3-73E6A090FF21}" type="datetimeFigureOut">
               <a:rPr lang="en-US" smtClean="0"/>
-              <a:t>3/11/2018</a:t>
+              <a:t>3/13/2018</a:t>
             </a:fld>
             <a:endParaRPr lang="en-US"/>
           </a:p>
@@ -13301,7 +13285,7 @@
           <a:p>
             <a:fld id="{099D5864-85AC-4D1D-9A2C-1A0380C4B4CE}" type="datetimeFigureOut">
               <a:rPr lang="en-US" smtClean="0"/>
-              <a:t>3/11/2018</a:t>
+              <a:t>3/13/2018</a:t>
             </a:fld>
             <a:endParaRPr lang="en-US"/>
           </a:p>
@@ -13566,7 +13550,7 @@
           <a:p>
             <a:fld id="{099D5864-85AC-4D1D-9A2C-1A0380C4B4CE}" type="datetimeFigureOut">
               <a:rPr lang="en-US" smtClean="0"/>
-              <a:t>3/11/2018</a:t>
+              <a:t>3/13/2018</a:t>
             </a:fld>
             <a:endParaRPr lang="en-US"/>
           </a:p>
@@ -13978,7 +13962,7 @@
           <a:p>
             <a:fld id="{099D5864-85AC-4D1D-9A2C-1A0380C4B4CE}" type="datetimeFigureOut">
               <a:rPr lang="en-US" smtClean="0"/>
-              <a:t>3/11/2018</a:t>
+              <a:t>3/13/2018</a:t>
             </a:fld>
             <a:endParaRPr lang="en-US"/>
           </a:p>
@@ -14119,7 +14103,7 @@
           <a:p>
             <a:fld id="{099D5864-85AC-4D1D-9A2C-1A0380C4B4CE}" type="datetimeFigureOut">
               <a:rPr lang="en-US" smtClean="0"/>
-              <a:t>3/11/2018</a:t>
+              <a:t>3/13/2018</a:t>
             </a:fld>
             <a:endParaRPr lang="en-US"/>
           </a:p>
@@ -14232,7 +14216,7 @@
           <a:p>
             <a:fld id="{099D5864-85AC-4D1D-9A2C-1A0380C4B4CE}" type="datetimeFigureOut">
               <a:rPr lang="en-US" smtClean="0"/>
-              <a:t>3/11/2018</a:t>
+              <a:t>3/13/2018</a:t>
             </a:fld>
             <a:endParaRPr lang="en-US"/>
           </a:p>
@@ -14543,7 +14527,7 @@
           <a:p>
             <a:fld id="{099D5864-85AC-4D1D-9A2C-1A0380C4B4CE}" type="datetimeFigureOut">
               <a:rPr lang="en-US" smtClean="0"/>
-              <a:t>3/11/2018</a:t>
+              <a:t>3/13/2018</a:t>
             </a:fld>
             <a:endParaRPr lang="en-US"/>
           </a:p>
@@ -14831,7 +14815,7 @@
           <a:p>
             <a:fld id="{099D5864-85AC-4D1D-9A2C-1A0380C4B4CE}" type="datetimeFigureOut">
               <a:rPr lang="en-US" smtClean="0"/>
-              <a:t>3/11/2018</a:t>
+              <a:t>3/13/2018</a:t>
             </a:fld>
             <a:endParaRPr lang="en-US"/>
           </a:p>
@@ -15029,7 +15013,7 @@
           <a:p>
             <a:fld id="{099D5864-85AC-4D1D-9A2C-1A0380C4B4CE}" type="datetimeFigureOut">
               <a:rPr lang="en-US" smtClean="0"/>
-              <a:t>3/11/2018</a:t>
+              <a:t>3/13/2018</a:t>
             </a:fld>
             <a:endParaRPr lang="en-US"/>
           </a:p>
@@ -15237,7 +15221,7 @@
           <a:p>
             <a:fld id="{099D5864-85AC-4D1D-9A2C-1A0380C4B4CE}" type="datetimeFigureOut">
               <a:rPr lang="en-US" smtClean="0"/>
-              <a:t>3/11/2018</a:t>
+              <a:t>3/13/2018</a:t>
             </a:fld>
             <a:endParaRPr lang="en-US"/>
           </a:p>
@@ -16066,7 +16050,7 @@
             </a:ln>
             <a:extLst>
               <a:ext uri="{91240B29-F687-4f45-9708-019B960494DF}">
-                <a14:hiddenLine xmlns:a14="http://schemas.microsoft.com/office/drawing/2010/main" xmlns="" w="9525">
+                <a14:hiddenLine xmlns="" xmlns:a14="http://schemas.microsoft.com/office/drawing/2010/main" w="9525">
                   <a:solidFill>
                     <a:srgbClr val="000000"/>
                   </a:solidFill>
@@ -16248,7 +16232,7 @@
           <a:p>
             <a:fld id="{837A2B02-7409-40FB-8AE3-73E6A090FF21}" type="datetimeFigureOut">
               <a:rPr lang="en-US" smtClean="0"/>
-              <a:t>3/11/2018</a:t>
+              <a:t>3/13/2018</a:t>
             </a:fld>
             <a:endParaRPr lang="en-US"/>
           </a:p>
@@ -16532,7 +16516,7 @@
           <a:p>
             <a:fld id="{837A2B02-7409-40FB-8AE3-73E6A090FF21}" type="datetimeFigureOut">
               <a:rPr lang="en-US" smtClean="0"/>
-              <a:t>3/11/2018</a:t>
+              <a:t>3/13/2018</a:t>
             </a:fld>
             <a:endParaRPr lang="en-US"/>
           </a:p>
@@ -16932,7 +16916,7 @@
           <a:p>
             <a:fld id="{837A2B02-7409-40FB-8AE3-73E6A090FF21}" type="datetimeFigureOut">
               <a:rPr lang="en-US" smtClean="0"/>
-              <a:t>3/11/2018</a:t>
+              <a:t>3/13/2018</a:t>
             </a:fld>
             <a:endParaRPr lang="en-US"/>
           </a:p>
@@ -17062,7 +17046,7 @@
           <a:p>
             <a:fld id="{837A2B02-7409-40FB-8AE3-73E6A090FF21}" type="datetimeFigureOut">
               <a:rPr lang="en-US" smtClean="0"/>
-              <a:t>3/11/2018</a:t>
+              <a:t>3/13/2018</a:t>
             </a:fld>
             <a:endParaRPr lang="en-US"/>
           </a:p>
@@ -17205,7 +17189,7 @@
           <a:p>
             <a:fld id="{837A2B02-7409-40FB-8AE3-73E6A090FF21}" type="datetimeFigureOut">
               <a:rPr lang="en-US" smtClean="0"/>
-              <a:t>3/11/2018</a:t>
+              <a:t>3/13/2018</a:t>
             </a:fld>
             <a:endParaRPr lang="en-US"/>
           </a:p>
@@ -18034,7 +18018,7 @@
             </a:ln>
             <a:extLst>
               <a:ext uri="{91240B29-F687-4f45-9708-019B960494DF}">
-                <a14:hiddenLine xmlns:a14="http://schemas.microsoft.com/office/drawing/2010/main" xmlns="" w="9525">
+                <a14:hiddenLine xmlns="" xmlns:a14="http://schemas.microsoft.com/office/drawing/2010/main" w="9525">
                   <a:solidFill>
                     <a:srgbClr val="000000"/>
                   </a:solidFill>
@@ -18227,7 +18211,7 @@
           <a:p>
             <a:fld id="{837A2B02-7409-40FB-8AE3-73E6A090FF21}" type="datetimeFigureOut">
               <a:rPr lang="en-US" smtClean="0"/>
-              <a:t>3/11/2018</a:t>
+              <a:t>3/13/2018</a:t>
             </a:fld>
             <a:endParaRPr lang="en-US"/>
           </a:p>
@@ -19092,7 +19076,7 @@
             </a:ln>
             <a:extLst>
               <a:ext uri="{91240B29-F687-4f45-9708-019B960494DF}">
-                <a14:hiddenLine xmlns:a14="http://schemas.microsoft.com/office/drawing/2010/main" xmlns="" w="9525">
+                <a14:hiddenLine xmlns="" xmlns:a14="http://schemas.microsoft.com/office/drawing/2010/main" w="9525">
                   <a:solidFill>
                     <a:srgbClr val="000000"/>
                   </a:solidFill>
@@ -19309,7 +19293,7 @@
           <a:p>
             <a:fld id="{837A2B02-7409-40FB-8AE3-73E6A090FF21}" type="datetimeFigureOut">
               <a:rPr lang="en-US" smtClean="0"/>
-              <a:t>3/11/2018</a:t>
+              <a:t>3/13/2018</a:t>
             </a:fld>
             <a:endParaRPr lang="en-US"/>
           </a:p>
@@ -20142,7 +20126,7 @@
             </a:ln>
             <a:extLst>
               <a:ext uri="{91240B29-F687-4f45-9708-019B960494DF}">
-                <a14:hiddenLine xmlns:a14="http://schemas.microsoft.com/office/drawing/2010/main" xmlns="" w="9525">
+                <a14:hiddenLine xmlns="" xmlns:a14="http://schemas.microsoft.com/office/drawing/2010/main" w="9525">
                   <a:solidFill>
                     <a:srgbClr val="000000"/>
                   </a:solidFill>
@@ -20283,7 +20267,7 @@
           <a:p>
             <a:fld id="{837A2B02-7409-40FB-8AE3-73E6A090FF21}" type="datetimeFigureOut">
               <a:rPr lang="en-US" smtClean="0"/>
-              <a:t>3/11/2018</a:t>
+              <a:t>3/13/2018</a:t>
             </a:fld>
             <a:endParaRPr lang="en-US"/>
           </a:p>
@@ -20993,7 +20977,7 @@
           <a:p>
             <a:fld id="{099D5864-85AC-4D1D-9A2C-1A0380C4B4CE}" type="datetimeFigureOut">
               <a:rPr lang="en-US" smtClean="0"/>
-              <a:t>3/11/2018</a:t>
+              <a:t>3/13/2018</a:t>
             </a:fld>
             <a:endParaRPr lang="en-US"/>
           </a:p>
@@ -23823,7 +23807,7 @@
           <p:cNvPr id="2" name="Title 1">
             <a:extLst>
               <a:ext uri="{FF2B5EF4-FFF2-40B4-BE49-F238E27FC236}">
-                <a16:creationId xmlns:a16="http://schemas.microsoft.com/office/drawing/2014/main" id="{A85E98DD-42AC-4AF0-858C-C0BAE5853F2E}"/>
+                <a16:creationId xmlns:a16="http://schemas.microsoft.com/office/drawing/2014/main" id="{048F85EC-1392-4054-82CE-76C245DEC107}"/>
               </a:ext>
             </a:extLst>
           </p:cNvPr>
@@ -23840,95 +23824,46 @@
           <a:lstStyle/>
           <a:p>
             <a:r>
-              <a:rPr lang="en-US" dirty="0" err="1"/>
-              <a:t>IEnumerable</a:t>
-            </a:r>
-            <a:r>
               <a:rPr lang="en-US" dirty="0"/>
-              <a:t>&lt;T&gt;		</a:t>
-            </a:r>
-          </a:p>
-        </p:txBody>
-      </p:sp>
-      <p:sp>
-        <p:nvSpPr>
-          <p:cNvPr id="3" name="Content Placeholder 2">
+              <a:t>Start with the familiar iterator pattern</a:t>
+            </a:r>
+          </a:p>
+        </p:txBody>
+      </p:sp>
+      <p:pic>
+        <p:nvPicPr>
+          <p:cNvPr id="6" name="Picture 5">
             <a:extLst>
               <a:ext uri="{FF2B5EF4-FFF2-40B4-BE49-F238E27FC236}">
-                <a16:creationId xmlns:a16="http://schemas.microsoft.com/office/drawing/2014/main" id="{12453D61-FB55-4998-9723-4C01C6BE73E6}"/>
+                <a16:creationId xmlns:a16="http://schemas.microsoft.com/office/drawing/2014/main" id="{C29F179F-C167-4E4A-A25B-99FD0CBA5673}"/>
               </a:ext>
             </a:extLst>
           </p:cNvPr>
-          <p:cNvSpPr>
-            <a:spLocks noGrp="1"/>
-          </p:cNvSpPr>
-          <p:nvPr>
-            <p:ph idx="1"/>
-          </p:nvPr>
-        </p:nvSpPr>
-        <p:spPr/>
-        <p:txBody>
-          <a:bodyPr/>
-          <a:lstStyle/>
-          <a:p>
-            <a:r>
-              <a:rPr lang="en-US" dirty="0"/>
-              <a:t>Iterators</a:t>
-            </a:r>
-          </a:p>
-          <a:p>
-            <a:pPr lvl="1"/>
-            <a:r>
-              <a:rPr lang="en-US" dirty="0"/>
-              <a:t>In computer programming, an </a:t>
-            </a:r>
-            <a:r>
-              <a:rPr lang="en-US" b="1" dirty="0"/>
-              <a:t>iterator</a:t>
-            </a:r>
-            <a:r>
-              <a:rPr lang="en-US" dirty="0"/>
-              <a:t> is an object that enables a programmer to traverse a container, particularly lists. Various types of </a:t>
-            </a:r>
-            <a:r>
-              <a:rPr lang="en-US" b="1" dirty="0"/>
-              <a:t>iterators</a:t>
-            </a:r>
-            <a:r>
-              <a:rPr lang="en-US" dirty="0"/>
-              <a:t> are often provided via a container's interface.</a:t>
-            </a:r>
-          </a:p>
-          <a:p>
-            <a:pPr lvl="1"/>
-            <a:r>
-              <a:rPr lang="en-US" dirty="0" err="1"/>
-              <a:t>IEnumerable</a:t>
-            </a:r>
-            <a:r>
-              <a:rPr lang="en-US" dirty="0"/>
-              <a:t>&lt;T&gt; let’s us pull the data from a package</a:t>
-            </a:r>
-          </a:p>
-          <a:p>
-            <a:r>
-              <a:rPr lang="en-US" dirty="0"/>
-              <a:t>Observers</a:t>
-            </a:r>
-          </a:p>
-          <a:p>
-            <a:pPr lvl="1"/>
-            <a:r>
-              <a:rPr lang="en-US" dirty="0"/>
-              <a:t>Flip that and make it a function of time</a:t>
-            </a:r>
-          </a:p>
-        </p:txBody>
-      </p:sp>
+          <p:cNvPicPr>
+            <a:picLocks noChangeAspect="1"/>
+          </p:cNvPicPr>
+          <p:nvPr/>
+        </p:nvPicPr>
+        <p:blipFill>
+          <a:blip r:embed="rId3"/>
+          <a:stretch>
+            <a:fillRect/>
+          </a:stretch>
+        </p:blipFill>
+        <p:spPr>
+          <a:xfrm>
+            <a:off x="585787" y="1880460"/>
+            <a:ext cx="5686425" cy="1190625"/>
+          </a:xfrm>
+          <a:prstGeom prst="rect">
+            <a:avLst/>
+          </a:prstGeom>
+        </p:spPr>
+      </p:pic>
     </p:spTree>
     <p:extLst>
       <p:ext uri="{BB962C8B-B14F-4D97-AF65-F5344CB8AC3E}">
-        <p14:creationId xmlns:p14="http://schemas.microsoft.com/office/powerpoint/2010/main" val="4281573142"/>
+        <p14:creationId xmlns:p14="http://schemas.microsoft.com/office/powerpoint/2010/main" val="2808662460"/>
       </p:ext>
     </p:extLst>
   </p:cSld>
@@ -25365,7 +25300,7 @@
           <p:cNvPr id="2" name="Title 1">
             <a:extLst>
               <a:ext uri="{FF2B5EF4-FFF2-40B4-BE49-F238E27FC236}">
-                <a16:creationId xmlns:a16="http://schemas.microsoft.com/office/drawing/2014/main" id="{048F85EC-1392-4054-82CE-76C245DEC107}"/>
+                <a16:creationId xmlns:a16="http://schemas.microsoft.com/office/drawing/2014/main" id="{A85E98DD-42AC-4AF0-858C-C0BAE5853F2E}"/>
               </a:ext>
             </a:extLst>
           </p:cNvPr>
@@ -25382,46 +25317,104 @@
           <a:lstStyle/>
           <a:p>
             <a:r>
+              <a:rPr lang="en-US" dirty="0" err="1"/>
+              <a:t>IEnumerable</a:t>
+            </a:r>
+            <a:r>
               <a:rPr lang="en-US" dirty="0"/>
-              <a:t>Start with the familiar iterator pattern</a:t>
-            </a:r>
-          </a:p>
-        </p:txBody>
-      </p:sp>
-      <p:pic>
-        <p:nvPicPr>
-          <p:cNvPr id="6" name="Picture 5">
+              <a:t>&lt;T&gt;	 comparison</a:t>
+            </a:r>
+          </a:p>
+        </p:txBody>
+      </p:sp>
+      <p:sp>
+        <p:nvSpPr>
+          <p:cNvPr id="3" name="Content Placeholder 2">
             <a:extLst>
               <a:ext uri="{FF2B5EF4-FFF2-40B4-BE49-F238E27FC236}">
-                <a16:creationId xmlns:a16="http://schemas.microsoft.com/office/drawing/2014/main" id="{C29F179F-C167-4E4A-A25B-99FD0CBA5673}"/>
+                <a16:creationId xmlns:a16="http://schemas.microsoft.com/office/drawing/2014/main" id="{12453D61-FB55-4998-9723-4C01C6BE73E6}"/>
               </a:ext>
             </a:extLst>
           </p:cNvPr>
-          <p:cNvPicPr>
-            <a:picLocks noChangeAspect="1"/>
-          </p:cNvPicPr>
-          <p:nvPr/>
-        </p:nvPicPr>
-        <p:blipFill>
-          <a:blip r:embed="rId3"/>
-          <a:stretch>
-            <a:fillRect/>
-          </a:stretch>
-        </p:blipFill>
-        <p:spPr>
-          <a:xfrm>
-            <a:off x="585787" y="1880460"/>
-            <a:ext cx="5686425" cy="1190625"/>
-          </a:xfrm>
-          <a:prstGeom prst="rect">
-            <a:avLst/>
-          </a:prstGeom>
-        </p:spPr>
-      </p:pic>
+          <p:cNvSpPr>
+            <a:spLocks noGrp="1"/>
+          </p:cNvSpPr>
+          <p:nvPr>
+            <p:ph idx="1"/>
+          </p:nvPr>
+        </p:nvSpPr>
+        <p:spPr/>
+        <p:txBody>
+          <a:bodyPr/>
+          <a:lstStyle/>
+          <a:p>
+            <a:r>
+              <a:rPr lang="en-US" dirty="0" err="1"/>
+              <a:t>IEnumerable</a:t>
+            </a:r>
+            <a:r>
+              <a:rPr lang="en-US"/>
+              <a:t>&lt;T&gt; </a:t>
+            </a:r>
+            <a:r>
+              <a:rPr lang="en-US" dirty="0"/>
+              <a:t>is to Lists what </a:t>
+            </a:r>
+            <a:r>
+              <a:rPr lang="en-US" dirty="0" err="1"/>
+              <a:t>IObservable</a:t>
+            </a:r>
+            <a:r>
+              <a:rPr lang="en-US" dirty="0"/>
+              <a:t>&lt;T&gt; is to events</a:t>
+            </a:r>
+          </a:p>
+          <a:p>
+            <a:r>
+              <a:rPr lang="en-US" dirty="0"/>
+              <a:t>Iterators</a:t>
+            </a:r>
+          </a:p>
+          <a:p>
+            <a:pPr lvl="1"/>
+            <a:r>
+              <a:rPr lang="en-US" dirty="0"/>
+              <a:t>In computer programming, an </a:t>
+            </a:r>
+            <a:r>
+              <a:rPr lang="en-US" b="1" dirty="0"/>
+              <a:t>iterator</a:t>
+            </a:r>
+            <a:r>
+              <a:rPr lang="en-US" dirty="0"/>
+              <a:t> is an object that enables a programmer to traverse a container, particularly lists. Various types of </a:t>
+            </a:r>
+            <a:r>
+              <a:rPr lang="en-US" b="1" dirty="0"/>
+              <a:t>iterators</a:t>
+            </a:r>
+            <a:r>
+              <a:rPr lang="en-US" dirty="0"/>
+              <a:t> are often provided via a container's interface.</a:t>
+            </a:r>
+          </a:p>
+          <a:p>
+            <a:pPr lvl="1"/>
+            <a:r>
+              <a:rPr lang="en-US" dirty="0" err="1"/>
+              <a:t>IEnumerable</a:t>
+            </a:r>
+            <a:r>
+              <a:rPr lang="en-US" dirty="0"/>
+              <a:t>&lt;T&gt; let’s us pull the data from a package</a:t>
+            </a:r>
+          </a:p>
+        </p:txBody>
+      </p:sp>
     </p:spTree>
     <p:extLst>
       <p:ext uri="{BB962C8B-B14F-4D97-AF65-F5344CB8AC3E}">
-        <p14:creationId xmlns:p14="http://schemas.microsoft.com/office/powerpoint/2010/main" val="2808662460"/>
+        <p14:creationId xmlns:p14="http://schemas.microsoft.com/office/powerpoint/2010/main" val="4281573142"/>
       </p:ext>
     </p:extLst>
   </p:cSld>

--- a/DenverDevDays20171116.pptx
+++ b/DenverDevDays20171116.pptx
@@ -6,7 +6,7 @@
     <p:sldMasterId id="2147483738" r:id="rId2"/>
   </p:sldMasterIdLst>
   <p:notesMasterIdLst>
-    <p:notesMasterId r:id="rId37"/>
+    <p:notesMasterId r:id="rId39"/>
   </p:notesMasterIdLst>
   <p:sldIdLst>
     <p:sldId id="260" r:id="rId3"/>
@@ -26,23 +26,25 @@
     <p:sldId id="280" r:id="rId17"/>
     <p:sldId id="262" r:id="rId18"/>
     <p:sldId id="264" r:id="rId19"/>
-    <p:sldId id="288" r:id="rId20"/>
-    <p:sldId id="266" r:id="rId21"/>
-    <p:sldId id="268" r:id="rId22"/>
+    <p:sldId id="316" r:id="rId20"/>
+    <p:sldId id="288" r:id="rId21"/>
+    <p:sldId id="266" r:id="rId22"/>
     <p:sldId id="271" r:id="rId23"/>
-    <p:sldId id="272" r:id="rId24"/>
-    <p:sldId id="313" r:id="rId25"/>
-    <p:sldId id="275" r:id="rId26"/>
-    <p:sldId id="276" r:id="rId27"/>
-    <p:sldId id="278" r:id="rId28"/>
-    <p:sldId id="303" r:id="rId29"/>
-    <p:sldId id="277" r:id="rId30"/>
-    <p:sldId id="274" r:id="rId31"/>
-    <p:sldId id="304" r:id="rId32"/>
-    <p:sldId id="305" r:id="rId33"/>
-    <p:sldId id="281" r:id="rId34"/>
-    <p:sldId id="302" r:id="rId35"/>
-    <p:sldId id="314" r:id="rId36"/>
+    <p:sldId id="268" r:id="rId24"/>
+    <p:sldId id="272" r:id="rId25"/>
+    <p:sldId id="313" r:id="rId26"/>
+    <p:sldId id="315" r:id="rId27"/>
+    <p:sldId id="275" r:id="rId28"/>
+    <p:sldId id="276" r:id="rId29"/>
+    <p:sldId id="278" r:id="rId30"/>
+    <p:sldId id="303" r:id="rId31"/>
+    <p:sldId id="277" r:id="rId32"/>
+    <p:sldId id="274" r:id="rId33"/>
+    <p:sldId id="304" r:id="rId34"/>
+    <p:sldId id="305" r:id="rId35"/>
+    <p:sldId id="281" r:id="rId36"/>
+    <p:sldId id="302" r:id="rId37"/>
+    <p:sldId id="314" r:id="rId38"/>
   </p:sldIdLst>
   <p:sldSz cx="6858000" cy="5143500"/>
   <p:notesSz cx="6858000" cy="9144000"/>
@@ -163,12 +165,14 @@
             <p14:sldId id="280"/>
             <p14:sldId id="262"/>
             <p14:sldId id="264"/>
+            <p14:sldId id="316"/>
             <p14:sldId id="288"/>
             <p14:sldId id="266"/>
+            <p14:sldId id="271"/>
             <p14:sldId id="268"/>
-            <p14:sldId id="271"/>
             <p14:sldId id="272"/>
             <p14:sldId id="313"/>
+            <p14:sldId id="315"/>
             <p14:sldId id="275"/>
             <p14:sldId id="276"/>
             <p14:sldId id="278"/>
@@ -1475,7 +1479,7 @@
           <a:p>
             <a:fld id="{0E87BA1A-9B4F-4A68-96F7-6F9A551A6FEA}" type="datetimeFigureOut">
               <a:rPr lang="en-US" smtClean="0"/>
-              <a:t>3/11/2018</a:t>
+              <a:t>3/13/2018</a:t>
             </a:fld>
             <a:endParaRPr lang="en-US"/>
           </a:p>
@@ -1788,57 +1792,37 @@
           <a:p>
             <a:r>
               <a:rPr lang="en-US" dirty="0"/>
-              <a:t>WPF first MVVM</a:t>
-            </a:r>
-            <a:br>
+              <a:t>I started with ASP.NET FORMS</a:t>
+            </a:r>
+          </a:p>
+          <a:p>
+            <a:r>
               <a:rPr lang="en-US" dirty="0"/>
-            </a:br>
+              <a:t>My first experience with MVVM was Silverlight where I’ve used a number of FWS</a:t>
+            </a:r>
+          </a:p>
+          <a:p>
             <a:r>
               <a:rPr lang="en-US" dirty="0"/>
-              <a:t>Silverlight some time</a:t>
-            </a:r>
-          </a:p>
-          <a:p>
+              <a:t>Prism, </a:t>
+            </a:r>
+            <a:r>
+              <a:rPr lang="en-US" dirty="0" err="1"/>
+              <a:t>Caiburn</a:t>
+            </a:r>
             <a:r>
               <a:rPr lang="en-US" dirty="0"/>
-              <a:t>KO</a:t>
+              <a:t>, before settling on ReactiveUI which mainly came around when I was trying to fix memory leaks.</a:t>
             </a:r>
           </a:p>
           <a:p>
             <a:r>
               <a:rPr lang="en-US" dirty="0"/>
-              <a:t>Xamarin</a:t>
-            </a:r>
-          </a:p>
-          <a:p>
-            <a:r>
-              <a:rPr lang="en-US" dirty="0"/>
-              <a:t>SQL Azure</a:t>
-            </a:r>
-          </a:p>
-          <a:p>
-            <a:endParaRPr lang="en-US" dirty="0"/>
-          </a:p>
-          <a:p>
-            <a:r>
-              <a:rPr lang="en-US" dirty="0"/>
-              <a:t>Built lots of </a:t>
+              <a:t>I’ve done WPF, UWP, Native Xamarin and now Primarily Xamarin </a:t>
             </a:r>
             <a:r>
               <a:rPr lang="en-US" dirty="0" err="1"/>
-              <a:t>Uis</a:t>
-            </a:r>
-            <a:r>
-              <a:rPr lang="en-US" dirty="0"/>
-              <a:t> through WPF, Silverlight (it’s the future), Prism, </a:t>
-            </a:r>
-            <a:r>
-              <a:rPr lang="en-US" dirty="0" err="1"/>
-              <a:t>Caliburn</a:t>
-            </a:r>
-            <a:r>
-              <a:rPr lang="en-US"/>
-              <a:t>, ReactiveUI</a:t>
+              <a:t>Formss</a:t>
             </a:r>
             <a:endParaRPr lang="en-US" dirty="0"/>
           </a:p>
@@ -2184,15 +2168,94 @@
           <a:bodyPr/>
           <a:lstStyle/>
           <a:p>
+            <a:pPr marL="0" marR="0" lvl="0" indent="0" algn="l" defTabSz="914400" rtl="0" eaLnBrk="1" fontAlgn="auto" latinLnBrk="0" hangingPunct="1">
+              <a:lnSpc>
+                <a:spcPct val="100000"/>
+              </a:lnSpc>
+              <a:spcBef>
+                <a:spcPts val="0"/>
+              </a:spcBef>
+              <a:spcAft>
+                <a:spcPts val="0"/>
+              </a:spcAft>
+              <a:buClrTx/>
+              <a:buSzTx/>
+              <a:buFontTx/>
+              <a:buNone/>
+              <a:tabLst/>
+              <a:defRPr/>
+            </a:pPr>
             <a:r>
               <a:rPr lang="en-US" dirty="0"/>
-              <a:t>Review concepts of managing your streams with marble diagrams real quick before jumping into </a:t>
+              <a:t>Who’s used </a:t>
+            </a:r>
+            <a:r>
+              <a:rPr lang="en-US" dirty="0" err="1"/>
+              <a:t>ReactiveX</a:t>
+            </a:r>
+            <a:r>
+              <a:rPr lang="en-US" dirty="0"/>
+              <a:t> in some form somewhere?   Who’s excited to see another auto complete demo with </a:t>
+            </a:r>
+            <a:r>
+              <a:rPr lang="en-US" dirty="0" err="1"/>
+              <a:t>ReactiveX</a:t>
+            </a:r>
+            <a:r>
+              <a:rPr lang="en-US" dirty="0"/>
+              <a:t>?</a:t>
+            </a:r>
+          </a:p>
+          <a:p>
+            <a:pPr marL="0" marR="0" lvl="0" indent="0" algn="l" defTabSz="914400" rtl="0" eaLnBrk="1" fontAlgn="auto" latinLnBrk="0" hangingPunct="1">
+              <a:lnSpc>
+                <a:spcPct val="100000"/>
+              </a:lnSpc>
+              <a:spcBef>
+                <a:spcPts val="0"/>
+              </a:spcBef>
+              <a:spcAft>
+                <a:spcPts val="0"/>
+              </a:spcAft>
+              <a:buClrTx/>
+              <a:buSzTx/>
+              <a:buFontTx/>
+              <a:buNone/>
+              <a:tabLst/>
+              <a:defRPr/>
+            </a:pPr>
+            <a:endParaRPr lang="en-US" dirty="0"/>
+          </a:p>
+          <a:p>
+            <a:pPr marL="0" marR="0" lvl="0" indent="0" algn="l" defTabSz="914400" rtl="0" eaLnBrk="1" fontAlgn="auto" latinLnBrk="0" hangingPunct="1">
+              <a:lnSpc>
+                <a:spcPct val="100000"/>
+              </a:lnSpc>
+              <a:spcBef>
+                <a:spcPts val="0"/>
+              </a:spcBef>
+              <a:spcAft>
+                <a:spcPts val="0"/>
+              </a:spcAft>
+              <a:buClrTx/>
+              <a:buSzTx/>
+              <a:buFontTx/>
+              <a:buNone/>
+              <a:tabLst/>
+              <a:defRPr/>
+            </a:pPr>
+            <a:r>
+              <a:rPr lang="en-US" dirty="0"/>
+              <a:t>Next slides have marble diagrams and also remember to go back to slides during </a:t>
             </a:r>
             <a:r>
               <a:rPr lang="en-US" dirty="0" err="1"/>
               <a:t>RxUI</a:t>
             </a:r>
-            <a:endParaRPr lang="en-US" dirty="0"/>
+            <a:r>
+              <a:rPr lang="en-US" dirty="0"/>
+              <a:t> demo</a:t>
+            </a:r>
           </a:p>
         </p:txBody>
       </p:sp>
@@ -2213,7 +2276,7 @@
           <a:p>
             <a:fld id="{5D79DF13-5F95-4E48-8467-8F80F2768465}" type="slidenum">
               <a:rPr lang="en-US" smtClean="0"/>
-              <a:t>13</a:t>
+              <a:t>12</a:t>
             </a:fld>
             <a:endParaRPr lang="en-US"/>
           </a:p>
@@ -2222,7 +2285,7 @@
     </p:spTree>
     <p:extLst>
       <p:ext uri="{BB962C8B-B14F-4D97-AF65-F5344CB8AC3E}">
-        <p14:creationId xmlns:p14="http://schemas.microsoft.com/office/powerpoint/2010/main" val="1387518610"/>
+        <p14:creationId xmlns:p14="http://schemas.microsoft.com/office/powerpoint/2010/main" val="1879799681"/>
       </p:ext>
     </p:extLst>
   </p:cSld>
@@ -2276,42 +2339,14 @@
           <a:bodyPr/>
           <a:lstStyle/>
           <a:p>
-            <a:pPr>
-              <a:lnSpc>
-                <a:spcPct val="107000"/>
-              </a:lnSpc>
-              <a:spcAft>
-                <a:spcPts val="800"/>
-              </a:spcAft>
-            </a:pPr>
-            <a:r>
-              <a:rPr lang="en-US" dirty="0">
-                <a:latin typeface="Calibri" panose="020F0502020204030204" pitchFamily="34" charset="0"/>
-                <a:ea typeface="Calibri" panose="020F0502020204030204" pitchFamily="34" charset="0"/>
-                <a:cs typeface="Times New Roman" panose="02020603050405020304" pitchFamily="18" charset="0"/>
-              </a:rPr>
-              <a:t>You see this a lot now in JS with Angular 2 becoming popular now there’s a much larger excitement around tying in Reactive features to your UI. </a:t>
-            </a:r>
-          </a:p>
-          <a:p>
-            <a:pPr>
-              <a:lnSpc>
-                <a:spcPct val="107000"/>
-              </a:lnSpc>
-              <a:spcAft>
-                <a:spcPts val="800"/>
-              </a:spcAft>
-            </a:pPr>
-            <a:r>
-              <a:rPr lang="en-US" dirty="0">
-                <a:latin typeface="Calibri" panose="020F0502020204030204" pitchFamily="34" charset="0"/>
-                <a:ea typeface="Calibri" panose="020F0502020204030204" pitchFamily="34" charset="0"/>
-                <a:cs typeface="Times New Roman" panose="02020603050405020304" pitchFamily="18" charset="0"/>
-              </a:rPr>
-              <a:t>You’re basically turning all of your properties into streams of events. You’re turning them into time based arrays that you can “iterate” over and perform the same type of LINQ like interactions against</a:t>
-            </a:r>
-          </a:p>
-          <a:p>
+            <a:r>
+              <a:rPr lang="en-US" dirty="0"/>
+              <a:t>Review concepts of managing your streams with marble diagrams real quick before jumping into </a:t>
+            </a:r>
+            <a:r>
+              <a:rPr lang="en-US" dirty="0" err="1"/>
+              <a:t>RxUI</a:t>
+            </a:r>
             <a:endParaRPr lang="en-US" dirty="0"/>
           </a:p>
         </p:txBody>
@@ -2333,7 +2368,7 @@
           <a:p>
             <a:fld id="{5D79DF13-5F95-4E48-8467-8F80F2768465}" type="slidenum">
               <a:rPr lang="en-US" smtClean="0"/>
-              <a:t>16</a:t>
+              <a:t>13</a:t>
             </a:fld>
             <a:endParaRPr lang="en-US"/>
           </a:p>
@@ -2342,7 +2377,7 @@
     </p:spTree>
     <p:extLst>
       <p:ext uri="{BB962C8B-B14F-4D97-AF65-F5344CB8AC3E}">
-        <p14:creationId xmlns:p14="http://schemas.microsoft.com/office/powerpoint/2010/main" val="2992442398"/>
+        <p14:creationId xmlns:p14="http://schemas.microsoft.com/office/powerpoint/2010/main" val="1387518610"/>
       </p:ext>
     </p:extLst>
   </p:cSld>
@@ -2417,7 +2452,7 @@
           <a:p>
             <a:fld id="{5D79DF13-5F95-4E48-8467-8F80F2768465}" type="slidenum">
               <a:rPr lang="en-US" smtClean="0"/>
-              <a:t>17</a:t>
+              <a:t>15</a:t>
             </a:fld>
             <a:endParaRPr lang="en-US"/>
           </a:p>
@@ -2426,7 +2461,7 @@
     </p:spTree>
     <p:extLst>
       <p:ext uri="{BB962C8B-B14F-4D97-AF65-F5344CB8AC3E}">
-        <p14:creationId xmlns:p14="http://schemas.microsoft.com/office/powerpoint/2010/main" val="2803818166"/>
+        <p14:creationId xmlns:p14="http://schemas.microsoft.com/office/powerpoint/2010/main" val="2356465687"/>
       </p:ext>
     </p:extLst>
   </p:cSld>
@@ -2494,7 +2529,25 @@
                 <a:ea typeface="Calibri" panose="020F0502020204030204" pitchFamily="34" charset="0"/>
                 <a:cs typeface="Times New Roman" panose="02020603050405020304" pitchFamily="18" charset="0"/>
               </a:rPr>
-              <a:t>It also won’t give you any Null Reference exceptions from the watched exception.  This is really powerful because now you describe Observable intents over expressions and you don’t care at all if any of the parts aren’t initialized. All you care about is describing the aggregated into of your properties. </a:t>
+              <a:t>You see this a lot now in JS with Angular 2 becoming popular now there’s a much larger excitement around tying in Reactive features to your UI. </a:t>
+            </a:r>
+          </a:p>
+          <a:p>
+            <a:pPr>
+              <a:lnSpc>
+                <a:spcPct val="107000"/>
+              </a:lnSpc>
+              <a:spcAft>
+                <a:spcPts val="800"/>
+              </a:spcAft>
+            </a:pPr>
+            <a:r>
+              <a:rPr lang="en-US" dirty="0">
+                <a:latin typeface="Calibri" panose="020F0502020204030204" pitchFamily="34" charset="0"/>
+                <a:ea typeface="Calibri" panose="020F0502020204030204" pitchFamily="34" charset="0"/>
+                <a:cs typeface="Times New Roman" panose="02020603050405020304" pitchFamily="18" charset="0"/>
+              </a:rPr>
+              <a:t>You’re basically turning all of your properties into streams of events. You’re turning them into time based arrays that you can “iterate” over and perform the same type of LINQ like interactions against</a:t>
             </a:r>
           </a:p>
           <a:p>
@@ -2519,7 +2572,7 @@
           <a:p>
             <a:fld id="{5D79DF13-5F95-4E48-8467-8F80F2768465}" type="slidenum">
               <a:rPr lang="en-US" smtClean="0"/>
-              <a:t>18</a:t>
+              <a:t>16</a:t>
             </a:fld>
             <a:endParaRPr lang="en-US"/>
           </a:p>
@@ -2528,7 +2581,7 @@
     </p:spTree>
     <p:extLst>
       <p:ext uri="{BB962C8B-B14F-4D97-AF65-F5344CB8AC3E}">
-        <p14:creationId xmlns:p14="http://schemas.microsoft.com/office/powerpoint/2010/main" val="1863488057"/>
+        <p14:creationId xmlns:p14="http://schemas.microsoft.com/office/powerpoint/2010/main" val="2992442398"/>
       </p:ext>
     </p:extLst>
   </p:cSld>
@@ -2582,18 +2635,7 @@
           <a:bodyPr/>
           <a:lstStyle/>
           <a:p>
-            <a:r>
-              <a:rPr lang="en-US" dirty="0"/>
-              <a:t>This is all achieved through </a:t>
-            </a:r>
-            <a:r>
-              <a:rPr lang="en-US" dirty="0" err="1"/>
-              <a:t>RxUI’s</a:t>
-            </a:r>
-            <a:r>
-              <a:rPr lang="en-US" dirty="0"/>
-              <a:t>  features with being able to describe new types of binding types and models</a:t>
-            </a:r>
+            <a:endParaRPr lang="en-US" dirty="0"/>
           </a:p>
         </p:txBody>
       </p:sp>
@@ -2614,7 +2656,7 @@
           <a:p>
             <a:fld id="{5D79DF13-5F95-4E48-8467-8F80F2768465}" type="slidenum">
               <a:rPr lang="en-US" smtClean="0"/>
-              <a:t>21</a:t>
+              <a:t>17</a:t>
             </a:fld>
             <a:endParaRPr lang="en-US"/>
           </a:p>
@@ -2623,7 +2665,7 @@
     </p:spTree>
     <p:extLst>
       <p:ext uri="{BB962C8B-B14F-4D97-AF65-F5344CB8AC3E}">
-        <p14:creationId xmlns:p14="http://schemas.microsoft.com/office/powerpoint/2010/main" val="1628341547"/>
+        <p14:creationId xmlns:p14="http://schemas.microsoft.com/office/powerpoint/2010/main" val="2803818166"/>
       </p:ext>
     </p:extLst>
   </p:cSld>
@@ -2679,7 +2721,7 @@
           <a:p>
             <a:r>
               <a:rPr lang="en-US" dirty="0"/>
-              <a:t>So much of what you want to be doing in MVVM deals around lists of data…  Filter, Sort, transform your models into VMs or in this sample proxies.   </a:t>
+              <a:t>Use this independently of ReactiveUI to more easily work with UI Events</a:t>
             </a:r>
           </a:p>
         </p:txBody>
@@ -2701,7 +2743,7 @@
           <a:p>
             <a:fld id="{5D79DF13-5F95-4E48-8467-8F80F2768465}" type="slidenum">
               <a:rPr lang="en-US" smtClean="0"/>
-              <a:t>24</a:t>
+              <a:t>18</a:t>
             </a:fld>
             <a:endParaRPr lang="en-US"/>
           </a:p>
@@ -2710,7 +2752,7 @@
     </p:spTree>
     <p:extLst>
       <p:ext uri="{BB962C8B-B14F-4D97-AF65-F5344CB8AC3E}">
-        <p14:creationId xmlns:p14="http://schemas.microsoft.com/office/powerpoint/2010/main" val="3439982483"/>
+        <p14:creationId xmlns:p14="http://schemas.microsoft.com/office/powerpoint/2010/main" val="2245216342"/>
       </p:ext>
     </p:extLst>
   </p:cSld>
@@ -2764,10 +2806,25 @@
           <a:bodyPr/>
           <a:lstStyle/>
           <a:p>
-            <a:r>
-              <a:rPr lang="en-US" dirty="0"/>
-              <a:t>This is similar to what we saw earlier but you’ll see a version of this in the demo I’ll show you.  The Filter and Sort here are powered by Observables.  They ingest an observable stream that tells the list when it needs to update it’s filter or sort. Streams on streams on streams on streams</a:t>
-            </a:r>
+            <a:pPr>
+              <a:lnSpc>
+                <a:spcPct val="107000"/>
+              </a:lnSpc>
+              <a:spcAft>
+                <a:spcPts val="800"/>
+              </a:spcAft>
+            </a:pPr>
+            <a:r>
+              <a:rPr lang="en-US" dirty="0">
+                <a:latin typeface="Calibri" panose="020F0502020204030204" pitchFamily="34" charset="0"/>
+                <a:ea typeface="Calibri" panose="020F0502020204030204" pitchFamily="34" charset="0"/>
+                <a:cs typeface="Times New Roman" panose="02020603050405020304" pitchFamily="18" charset="0"/>
+              </a:rPr>
+              <a:t>It also won’t give you any Null Reference exceptions from the watched exception.  This is really powerful because now you describe Observable intents over expressions and you don’t care at all if any of the parts aren’t initialized. All you care about is describing the aggregated into of your properties. </a:t>
+            </a:r>
+          </a:p>
+          <a:p>
+            <a:endParaRPr lang="en-US" dirty="0"/>
           </a:p>
         </p:txBody>
       </p:sp>
@@ -2788,7 +2845,7 @@
           <a:p>
             <a:fld id="{5D79DF13-5F95-4E48-8467-8F80F2768465}" type="slidenum">
               <a:rPr lang="en-US" smtClean="0"/>
-              <a:t>26</a:t>
+              <a:t>19</a:t>
             </a:fld>
             <a:endParaRPr lang="en-US"/>
           </a:p>
@@ -2797,7 +2854,7 @@
     </p:spTree>
     <p:extLst>
       <p:ext uri="{BB962C8B-B14F-4D97-AF65-F5344CB8AC3E}">
-        <p14:creationId xmlns:p14="http://schemas.microsoft.com/office/powerpoint/2010/main" val="2824856827"/>
+        <p14:creationId xmlns:p14="http://schemas.microsoft.com/office/powerpoint/2010/main" val="1863488057"/>
       </p:ext>
     </p:extLst>
   </p:cSld>
@@ -2853,65 +2910,16 @@
           <a:p>
             <a:r>
               <a:rPr lang="en-US" dirty="0"/>
-              <a:t>WPF first MVVM</a:t>
-            </a:r>
-            <a:br>
+              <a:t>This is all achieved through </a:t>
+            </a:r>
+            <a:r>
+              <a:rPr lang="en-US" dirty="0" err="1"/>
+              <a:t>RxUI’s</a:t>
+            </a:r>
+            <a:r>
               <a:rPr lang="en-US" dirty="0"/>
-            </a:br>
-            <a:r>
-              <a:rPr lang="en-US" dirty="0"/>
-              <a:t>Silverlight some time</a:t>
-            </a:r>
-          </a:p>
-          <a:p>
-            <a:r>
-              <a:rPr lang="en-US" dirty="0"/>
-              <a:t>KO</a:t>
-            </a:r>
-          </a:p>
-          <a:p>
-            <a:r>
-              <a:rPr lang="en-US" dirty="0"/>
-              <a:t>Xamarin</a:t>
-            </a:r>
-          </a:p>
-          <a:p>
-            <a:r>
-              <a:rPr lang="en-US" dirty="0"/>
-              <a:t>SQL Azure</a:t>
-            </a:r>
-          </a:p>
-          <a:p>
-            <a:endParaRPr lang="en-US" dirty="0"/>
-          </a:p>
-          <a:p>
-            <a:r>
-              <a:rPr lang="en-US" dirty="0"/>
-              <a:t>Built lots of </a:t>
-            </a:r>
-            <a:r>
-              <a:rPr lang="en-US" dirty="0" err="1"/>
-              <a:t>Uis</a:t>
-            </a:r>
-            <a:r>
-              <a:rPr lang="en-US" dirty="0"/>
-              <a:t> through WPF, Silverlight (it’s the future), Prism, </a:t>
-            </a:r>
-            <a:r>
-              <a:rPr lang="en-US" dirty="0" err="1"/>
-              <a:t>Caliburn</a:t>
-            </a:r>
-            <a:r>
-              <a:rPr lang="en-US"/>
-              <a:t>, ReactiveUI</a:t>
-            </a:r>
-            <a:endParaRPr lang="en-US" dirty="0"/>
-          </a:p>
-          <a:p>
-            <a:endParaRPr lang="en-US" dirty="0"/>
-          </a:p>
-          <a:p>
-            <a:endParaRPr lang="en-US" dirty="0"/>
+              <a:t>  features with being able to describe new types of binding types and models</a:t>
+            </a:r>
           </a:p>
         </p:txBody>
       </p:sp>
@@ -2932,7 +2940,7 @@
           <a:p>
             <a:fld id="{5D79DF13-5F95-4E48-8467-8F80F2768465}" type="slidenum">
               <a:rPr lang="en-US" smtClean="0"/>
-              <a:t>34</a:t>
+              <a:t>21</a:t>
             </a:fld>
             <a:endParaRPr lang="en-US"/>
           </a:p>
@@ -2941,7 +2949,7 @@
     </p:spTree>
     <p:extLst>
       <p:ext uri="{BB962C8B-B14F-4D97-AF65-F5344CB8AC3E}">
-        <p14:creationId xmlns:p14="http://schemas.microsoft.com/office/powerpoint/2010/main" val="1628333293"/>
+        <p14:creationId xmlns:p14="http://schemas.microsoft.com/office/powerpoint/2010/main" val="1628341547"/>
       </p:ext>
     </p:extLst>
   </p:cSld>
@@ -2997,65 +3005,78 @@
           <a:p>
             <a:r>
               <a:rPr lang="en-US" dirty="0"/>
-              <a:t>WPF first MVVM</a:t>
+              <a:t>First point of clarity is the difference between ReactJS and Reactive. This happens less now that </a:t>
+            </a:r>
+            <a:r>
+              <a:rPr lang="en-US" dirty="0" err="1"/>
+              <a:t>RxJS</a:t>
+            </a:r>
+            <a:r>
+              <a:rPr lang="en-US" dirty="0"/>
+              <a:t> has started picking up steam.   Does anyone know when </a:t>
+            </a:r>
+            <a:r>
+              <a:rPr lang="en-US" dirty="0" err="1"/>
+              <a:t>RxJS</a:t>
+            </a:r>
+            <a:r>
+              <a:rPr lang="en-US" dirty="0"/>
+              <a:t> first came available? I first started messing with it probably around 6 or 7 years ago but couldn’t find info</a:t>
+            </a:r>
+          </a:p>
+          <a:p>
+            <a:endParaRPr lang="en-US" dirty="0"/>
+          </a:p>
+          <a:p>
+            <a:r>
+              <a:rPr lang="en-US" dirty="0"/>
+              <a:t>The next idea which we’re mainly talking today is </a:t>
+            </a:r>
+            <a:r>
+              <a:rPr lang="en-US" dirty="0" err="1"/>
+              <a:t>ReactiveX</a:t>
+            </a:r>
+            <a:r>
+              <a:rPr lang="en-US" dirty="0"/>
+              <a:t> which is the umbrella term and source of all the terms </a:t>
             </a:r>
             <a:br>
               <a:rPr lang="en-US" dirty="0"/>
             </a:br>
             <a:r>
               <a:rPr lang="en-US" dirty="0"/>
-              <a:t>Silverlight some time</a:t>
-            </a:r>
+              <a:t>http://reactivex.io/</a:t>
+            </a:r>
+          </a:p>
+          <a:p>
+            <a:endParaRPr lang="en-US" dirty="0"/>
           </a:p>
           <a:p>
             <a:r>
               <a:rPr lang="en-US" dirty="0"/>
-              <a:t>KO</a:t>
-            </a:r>
-          </a:p>
-          <a:p>
+              <a:t>In this talk I’ll start with basic ideas around observables and then move on to </a:t>
+            </a:r>
+          </a:p>
+          <a:p>
+            <a:endParaRPr lang="en-US" dirty="0"/>
+          </a:p>
+          <a:p>
+            <a:r>
+              <a:rPr lang="en-US" dirty="0" err="1"/>
+              <a:t>ReacitveUI</a:t>
+            </a:r>
             <a:r>
               <a:rPr lang="en-US" dirty="0"/>
-              <a:t>Xamarin</a:t>
-            </a:r>
-          </a:p>
-          <a:p>
+              <a:t> is a set of libraries and extensions used to turn MVVM based event streams into </a:t>
+            </a:r>
+            <a:r>
+              <a:rPr lang="en-US" dirty="0" err="1"/>
+              <a:t>ReactiveX</a:t>
+            </a:r>
             <a:r>
               <a:rPr lang="en-US" dirty="0"/>
-              <a:t>SQL Azure</a:t>
-            </a:r>
-          </a:p>
-          <a:p>
-            <a:endParaRPr lang="en-US" dirty="0"/>
-          </a:p>
-          <a:p>
-            <a:r>
-              <a:rPr lang="en-US" dirty="0"/>
-              <a:t>Built lots of </a:t>
-            </a:r>
-            <a:r>
-              <a:rPr lang="en-US" dirty="0" err="1"/>
-              <a:t>Uis</a:t>
-            </a:r>
-            <a:r>
-              <a:rPr lang="en-US" dirty="0"/>
-              <a:t> through WPF, Silverlight (it’s the future), Prism, </a:t>
-            </a:r>
-            <a:r>
-              <a:rPr lang="en-US" dirty="0" err="1"/>
-              <a:t>Caliburn</a:t>
-            </a:r>
-            <a:r>
-              <a:rPr lang="en-US"/>
-              <a:t>, ReactiveUI</a:t>
-            </a:r>
-            <a:endParaRPr lang="en-US" dirty="0"/>
-          </a:p>
-          <a:p>
-            <a:endParaRPr lang="en-US" dirty="0"/>
-          </a:p>
-          <a:p>
-            <a:endParaRPr lang="en-US" dirty="0"/>
+              <a:t> concepts</a:t>
+            </a:r>
           </a:p>
         </p:txBody>
       </p:sp>
@@ -3086,6 +3107,424 @@
     <p:extLst>
       <p:ext uri="{BB962C8B-B14F-4D97-AF65-F5344CB8AC3E}">
         <p14:creationId xmlns:p14="http://schemas.microsoft.com/office/powerpoint/2010/main" val="1830672794"/>
+      </p:ext>
+    </p:extLst>
+  </p:cSld>
+  <p:clrMapOvr>
+    <a:masterClrMapping/>
+  </p:clrMapOvr>
+</p:notes>
+</file>
+
+<file path=ppt/notesSlides/notesSlide20.xml><?xml version="1.0" encoding="utf-8"?>
+<p:notes xmlns:a="http://schemas.openxmlformats.org/drawingml/2006/main" xmlns:r="http://schemas.openxmlformats.org/officeDocument/2006/relationships" xmlns:p="http://schemas.openxmlformats.org/presentationml/2006/main">
+  <p:cSld>
+    <p:spTree>
+      <p:nvGrpSpPr>
+        <p:cNvPr id="1" name=""/>
+        <p:cNvGrpSpPr/>
+        <p:nvPr/>
+      </p:nvGrpSpPr>
+      <p:grpSpPr>
+        <a:xfrm>
+          <a:off x="0" y="0"/>
+          <a:ext cx="0" cy="0"/>
+          <a:chOff x="0" y="0"/>
+          <a:chExt cx="0" cy="0"/>
+        </a:xfrm>
+      </p:grpSpPr>
+      <p:sp>
+        <p:nvSpPr>
+          <p:cNvPr id="2" name="Slide Image Placeholder 1"/>
+          <p:cNvSpPr>
+            <a:spLocks noGrp="1" noRot="1" noChangeAspect="1"/>
+          </p:cNvSpPr>
+          <p:nvPr>
+            <p:ph type="sldImg"/>
+          </p:nvPr>
+        </p:nvSpPr>
+        <p:spPr/>
+      </p:sp>
+      <p:sp>
+        <p:nvSpPr>
+          <p:cNvPr id="3" name="Notes Placeholder 2"/>
+          <p:cNvSpPr>
+            <a:spLocks noGrp="1"/>
+          </p:cNvSpPr>
+          <p:nvPr>
+            <p:ph type="body" idx="1"/>
+          </p:nvPr>
+        </p:nvSpPr>
+        <p:spPr/>
+        <p:txBody>
+          <a:bodyPr/>
+          <a:lstStyle/>
+          <a:p>
+            <a:r>
+              <a:rPr lang="en-US" dirty="0"/>
+              <a:t>The great thing is that you’re setting up your VM events then you can just go crazy tying data streams together</a:t>
+            </a:r>
+          </a:p>
+          <a:p>
+            <a:endParaRPr lang="en-US" dirty="0"/>
+          </a:p>
+          <a:p>
+            <a:r>
+              <a:rPr lang="en-US" dirty="0"/>
+              <a:t>Make sure to show them </a:t>
+            </a:r>
+            <a:r>
+              <a:rPr lang="en-US"/>
+              <a:t>the tests!!</a:t>
+            </a:r>
+          </a:p>
+        </p:txBody>
+      </p:sp>
+      <p:sp>
+        <p:nvSpPr>
+          <p:cNvPr id="4" name="Slide Number Placeholder 3"/>
+          <p:cNvSpPr>
+            <a:spLocks noGrp="1"/>
+          </p:cNvSpPr>
+          <p:nvPr>
+            <p:ph type="sldNum" sz="quarter" idx="10"/>
+          </p:nvPr>
+        </p:nvSpPr>
+        <p:spPr/>
+        <p:txBody>
+          <a:bodyPr/>
+          <a:lstStyle/>
+          <a:p>
+            <a:fld id="{5D79DF13-5F95-4E48-8467-8F80F2768465}" type="slidenum">
+              <a:rPr lang="en-US" smtClean="0"/>
+              <a:t>22</a:t>
+            </a:fld>
+            <a:endParaRPr lang="en-US"/>
+          </a:p>
+        </p:txBody>
+      </p:sp>
+    </p:spTree>
+    <p:extLst>
+      <p:ext uri="{BB962C8B-B14F-4D97-AF65-F5344CB8AC3E}">
+        <p14:creationId xmlns:p14="http://schemas.microsoft.com/office/powerpoint/2010/main" val="1477674691"/>
+      </p:ext>
+    </p:extLst>
+  </p:cSld>
+  <p:clrMapOvr>
+    <a:masterClrMapping/>
+  </p:clrMapOvr>
+</p:notes>
+</file>
+
+<file path=ppt/notesSlides/notesSlide21.xml><?xml version="1.0" encoding="utf-8"?>
+<p:notes xmlns:a="http://schemas.openxmlformats.org/drawingml/2006/main" xmlns:r="http://schemas.openxmlformats.org/officeDocument/2006/relationships" xmlns:p="http://schemas.openxmlformats.org/presentationml/2006/main">
+  <p:cSld>
+    <p:spTree>
+      <p:nvGrpSpPr>
+        <p:cNvPr id="1" name=""/>
+        <p:cNvGrpSpPr/>
+        <p:nvPr/>
+      </p:nvGrpSpPr>
+      <p:grpSpPr>
+        <a:xfrm>
+          <a:off x="0" y="0"/>
+          <a:ext cx="0" cy="0"/>
+          <a:chOff x="0" y="0"/>
+          <a:chExt cx="0" cy="0"/>
+        </a:xfrm>
+      </p:grpSpPr>
+      <p:sp>
+        <p:nvSpPr>
+          <p:cNvPr id="2" name="Slide Image Placeholder 1"/>
+          <p:cNvSpPr>
+            <a:spLocks noGrp="1" noRot="1" noChangeAspect="1"/>
+          </p:cNvSpPr>
+          <p:nvPr>
+            <p:ph type="sldImg"/>
+          </p:nvPr>
+        </p:nvSpPr>
+        <p:spPr/>
+      </p:sp>
+      <p:sp>
+        <p:nvSpPr>
+          <p:cNvPr id="3" name="Notes Placeholder 2"/>
+          <p:cNvSpPr>
+            <a:spLocks noGrp="1"/>
+          </p:cNvSpPr>
+          <p:nvPr>
+            <p:ph type="body" idx="1"/>
+          </p:nvPr>
+        </p:nvSpPr>
+        <p:spPr/>
+        <p:txBody>
+          <a:bodyPr/>
+          <a:lstStyle/>
+          <a:p>
+            <a:r>
+              <a:rPr lang="en-US" dirty="0"/>
+              <a:t>So much of what you want to be doing in MVVM deals around lists of data…  Filter, Sort, transform your models into VMs or in this sample proxies.   </a:t>
+            </a:r>
+          </a:p>
+        </p:txBody>
+      </p:sp>
+      <p:sp>
+        <p:nvSpPr>
+          <p:cNvPr id="4" name="Slide Number Placeholder 3"/>
+          <p:cNvSpPr>
+            <a:spLocks noGrp="1"/>
+          </p:cNvSpPr>
+          <p:nvPr>
+            <p:ph type="sldNum" sz="quarter" idx="10"/>
+          </p:nvPr>
+        </p:nvSpPr>
+        <p:spPr/>
+        <p:txBody>
+          <a:bodyPr/>
+          <a:lstStyle/>
+          <a:p>
+            <a:fld id="{5D79DF13-5F95-4E48-8467-8F80F2768465}" type="slidenum">
+              <a:rPr lang="en-US" smtClean="0"/>
+              <a:t>26</a:t>
+            </a:fld>
+            <a:endParaRPr lang="en-US"/>
+          </a:p>
+        </p:txBody>
+      </p:sp>
+    </p:spTree>
+    <p:extLst>
+      <p:ext uri="{BB962C8B-B14F-4D97-AF65-F5344CB8AC3E}">
+        <p14:creationId xmlns:p14="http://schemas.microsoft.com/office/powerpoint/2010/main" val="3439982483"/>
+      </p:ext>
+    </p:extLst>
+  </p:cSld>
+  <p:clrMapOvr>
+    <a:masterClrMapping/>
+  </p:clrMapOvr>
+</p:notes>
+</file>
+
+<file path=ppt/notesSlides/notesSlide22.xml><?xml version="1.0" encoding="utf-8"?>
+<p:notes xmlns:a="http://schemas.openxmlformats.org/drawingml/2006/main" xmlns:r="http://schemas.openxmlformats.org/officeDocument/2006/relationships" xmlns:p="http://schemas.openxmlformats.org/presentationml/2006/main">
+  <p:cSld>
+    <p:spTree>
+      <p:nvGrpSpPr>
+        <p:cNvPr id="1" name=""/>
+        <p:cNvGrpSpPr/>
+        <p:nvPr/>
+      </p:nvGrpSpPr>
+      <p:grpSpPr>
+        <a:xfrm>
+          <a:off x="0" y="0"/>
+          <a:ext cx="0" cy="0"/>
+          <a:chOff x="0" y="0"/>
+          <a:chExt cx="0" cy="0"/>
+        </a:xfrm>
+      </p:grpSpPr>
+      <p:sp>
+        <p:nvSpPr>
+          <p:cNvPr id="2" name="Slide Image Placeholder 1"/>
+          <p:cNvSpPr>
+            <a:spLocks noGrp="1" noRot="1" noChangeAspect="1"/>
+          </p:cNvSpPr>
+          <p:nvPr>
+            <p:ph type="sldImg"/>
+          </p:nvPr>
+        </p:nvSpPr>
+        <p:spPr/>
+      </p:sp>
+      <p:sp>
+        <p:nvSpPr>
+          <p:cNvPr id="3" name="Notes Placeholder 2"/>
+          <p:cNvSpPr>
+            <a:spLocks noGrp="1"/>
+          </p:cNvSpPr>
+          <p:nvPr>
+            <p:ph type="body" idx="1"/>
+          </p:nvPr>
+        </p:nvSpPr>
+        <p:spPr/>
+        <p:txBody>
+          <a:bodyPr/>
+          <a:lstStyle/>
+          <a:p>
+            <a:r>
+              <a:rPr lang="en-US" dirty="0"/>
+              <a:t>This is similar to what we saw earlier but you’ll see a version of this in the demo I’ll show you.  The Filter and Sort here are powered by Observables.  They ingest an observable stream that tells the list when it needs to update it’s filter or sort. Streams on streams on streams on streams</a:t>
+            </a:r>
+          </a:p>
+        </p:txBody>
+      </p:sp>
+      <p:sp>
+        <p:nvSpPr>
+          <p:cNvPr id="4" name="Slide Number Placeholder 3"/>
+          <p:cNvSpPr>
+            <a:spLocks noGrp="1"/>
+          </p:cNvSpPr>
+          <p:nvPr>
+            <p:ph type="sldNum" sz="quarter" idx="10"/>
+          </p:nvPr>
+        </p:nvSpPr>
+        <p:spPr/>
+        <p:txBody>
+          <a:bodyPr/>
+          <a:lstStyle/>
+          <a:p>
+            <a:fld id="{5D79DF13-5F95-4E48-8467-8F80F2768465}" type="slidenum">
+              <a:rPr lang="en-US" smtClean="0"/>
+              <a:t>28</a:t>
+            </a:fld>
+            <a:endParaRPr lang="en-US"/>
+          </a:p>
+        </p:txBody>
+      </p:sp>
+    </p:spTree>
+    <p:extLst>
+      <p:ext uri="{BB962C8B-B14F-4D97-AF65-F5344CB8AC3E}">
+        <p14:creationId xmlns:p14="http://schemas.microsoft.com/office/powerpoint/2010/main" val="2824856827"/>
+      </p:ext>
+    </p:extLst>
+  </p:cSld>
+  <p:clrMapOvr>
+    <a:masterClrMapping/>
+  </p:clrMapOvr>
+</p:notes>
+</file>
+
+<file path=ppt/notesSlides/notesSlide23.xml><?xml version="1.0" encoding="utf-8"?>
+<p:notes xmlns:a="http://schemas.openxmlformats.org/drawingml/2006/main" xmlns:r="http://schemas.openxmlformats.org/officeDocument/2006/relationships" xmlns:p="http://schemas.openxmlformats.org/presentationml/2006/main">
+  <p:cSld>
+    <p:spTree>
+      <p:nvGrpSpPr>
+        <p:cNvPr id="1" name=""/>
+        <p:cNvGrpSpPr/>
+        <p:nvPr/>
+      </p:nvGrpSpPr>
+      <p:grpSpPr>
+        <a:xfrm>
+          <a:off x="0" y="0"/>
+          <a:ext cx="0" cy="0"/>
+          <a:chOff x="0" y="0"/>
+          <a:chExt cx="0" cy="0"/>
+        </a:xfrm>
+      </p:grpSpPr>
+      <p:sp>
+        <p:nvSpPr>
+          <p:cNvPr id="2" name="Slide Image Placeholder 1"/>
+          <p:cNvSpPr>
+            <a:spLocks noGrp="1" noRot="1" noChangeAspect="1"/>
+          </p:cNvSpPr>
+          <p:nvPr>
+            <p:ph type="sldImg"/>
+          </p:nvPr>
+        </p:nvSpPr>
+        <p:spPr/>
+      </p:sp>
+      <p:sp>
+        <p:nvSpPr>
+          <p:cNvPr id="3" name="Notes Placeholder 2"/>
+          <p:cNvSpPr>
+            <a:spLocks noGrp="1"/>
+          </p:cNvSpPr>
+          <p:nvPr>
+            <p:ph type="body" idx="1"/>
+          </p:nvPr>
+        </p:nvSpPr>
+        <p:spPr/>
+        <p:txBody>
+          <a:bodyPr/>
+          <a:lstStyle/>
+          <a:p>
+            <a:r>
+              <a:rPr lang="en-US" dirty="0"/>
+              <a:t>WPF first MVVM</a:t>
+            </a:r>
+            <a:br>
+              <a:rPr lang="en-US" dirty="0"/>
+            </a:br>
+            <a:r>
+              <a:rPr lang="en-US" dirty="0"/>
+              <a:t>Silverlight some time</a:t>
+            </a:r>
+          </a:p>
+          <a:p>
+            <a:r>
+              <a:rPr lang="en-US" dirty="0"/>
+              <a:t>KO</a:t>
+            </a:r>
+          </a:p>
+          <a:p>
+            <a:r>
+              <a:rPr lang="en-US" dirty="0"/>
+              <a:t>Xamarin</a:t>
+            </a:r>
+          </a:p>
+          <a:p>
+            <a:r>
+              <a:rPr lang="en-US" dirty="0"/>
+              <a:t>SQL Azure</a:t>
+            </a:r>
+          </a:p>
+          <a:p>
+            <a:endParaRPr lang="en-US" dirty="0"/>
+          </a:p>
+          <a:p>
+            <a:r>
+              <a:rPr lang="en-US" dirty="0"/>
+              <a:t>Built lots of </a:t>
+            </a:r>
+            <a:r>
+              <a:rPr lang="en-US" dirty="0" err="1"/>
+              <a:t>Uis</a:t>
+            </a:r>
+            <a:r>
+              <a:rPr lang="en-US" dirty="0"/>
+              <a:t> through WPF, Silverlight (it’s the future), Prism, </a:t>
+            </a:r>
+            <a:r>
+              <a:rPr lang="en-US" dirty="0" err="1"/>
+              <a:t>Caliburn</a:t>
+            </a:r>
+            <a:r>
+              <a:rPr lang="en-US"/>
+              <a:t>, ReactiveUI</a:t>
+            </a:r>
+            <a:endParaRPr lang="en-US" dirty="0"/>
+          </a:p>
+          <a:p>
+            <a:endParaRPr lang="en-US" dirty="0"/>
+          </a:p>
+          <a:p>
+            <a:endParaRPr lang="en-US" dirty="0"/>
+          </a:p>
+        </p:txBody>
+      </p:sp>
+      <p:sp>
+        <p:nvSpPr>
+          <p:cNvPr id="4" name="Slide Number Placeholder 3"/>
+          <p:cNvSpPr>
+            <a:spLocks noGrp="1"/>
+          </p:cNvSpPr>
+          <p:nvPr>
+            <p:ph type="sldNum" sz="quarter" idx="10"/>
+          </p:nvPr>
+        </p:nvSpPr>
+        <p:spPr/>
+        <p:txBody>
+          <a:bodyPr/>
+          <a:lstStyle/>
+          <a:p>
+            <a:fld id="{5D79DF13-5F95-4E48-8467-8F80F2768465}" type="slidenum">
+              <a:rPr lang="en-US" smtClean="0"/>
+              <a:t>36</a:t>
+            </a:fld>
+            <a:endParaRPr lang="en-US"/>
+          </a:p>
+        </p:txBody>
+      </p:sp>
+    </p:spTree>
+    <p:extLst>
+      <p:ext uri="{BB962C8B-B14F-4D97-AF65-F5344CB8AC3E}">
+        <p14:creationId xmlns:p14="http://schemas.microsoft.com/office/powerpoint/2010/main" val="1628333293"/>
       </p:ext>
     </p:extLst>
   </p:cSld>
@@ -3148,81 +3587,20 @@
               </a:spcAft>
             </a:pPr>
             <a:r>
+              <a:rPr lang="en-US" dirty="0" err="1">
+                <a:latin typeface="Calibri" panose="020F0502020204030204" pitchFamily="34" charset="0"/>
+                <a:ea typeface="Calibri" panose="020F0502020204030204" pitchFamily="34" charset="0"/>
+                <a:cs typeface="Times New Roman" panose="02020603050405020304" pitchFamily="18" charset="0"/>
+              </a:rPr>
+              <a:t>Ienumerable</a:t>
+            </a:r>
+            <a:r>
               <a:rPr lang="en-US" dirty="0">
                 <a:latin typeface="Calibri" panose="020F0502020204030204" pitchFamily="34" charset="0"/>
                 <a:ea typeface="Calibri" panose="020F0502020204030204" pitchFamily="34" charset="0"/>
                 <a:cs typeface="Times New Roman" panose="02020603050405020304" pitchFamily="18" charset="0"/>
               </a:rPr>
-              <a:t>How many people are familiar with </a:t>
-            </a:r>
-            <a:r>
-              <a:rPr lang="en-US" dirty="0" err="1">
-                <a:latin typeface="Calibri" panose="020F0502020204030204" pitchFamily="34" charset="0"/>
-                <a:ea typeface="Calibri" panose="020F0502020204030204" pitchFamily="34" charset="0"/>
-                <a:cs typeface="Times New Roman" panose="02020603050405020304" pitchFamily="18" charset="0"/>
-              </a:rPr>
-              <a:t>System.Reactive</a:t>
-            </a:r>
-            <a:r>
-              <a:rPr lang="en-US" dirty="0">
-                <a:latin typeface="Calibri" panose="020F0502020204030204" pitchFamily="34" charset="0"/>
-                <a:ea typeface="Calibri" panose="020F0502020204030204" pitchFamily="34" charset="0"/>
-                <a:cs typeface="Times New Roman" panose="02020603050405020304" pitchFamily="18" charset="0"/>
-              </a:rPr>
-              <a:t> Programming? </a:t>
-            </a:r>
-            <a:br>
-              <a:rPr lang="en-US" dirty="0">
-                <a:latin typeface="Calibri" panose="020F0502020204030204" pitchFamily="34" charset="0"/>
-                <a:ea typeface="Calibri" panose="020F0502020204030204" pitchFamily="34" charset="0"/>
-                <a:cs typeface="Times New Roman" panose="02020603050405020304" pitchFamily="18" charset="0"/>
-              </a:rPr>
-            </a:br>
-            <a:r>
-              <a:rPr lang="en-US" dirty="0">
-                <a:latin typeface="Calibri" panose="020F0502020204030204" pitchFamily="34" charset="0"/>
-                <a:ea typeface="Calibri" panose="020F0502020204030204" pitchFamily="34" charset="0"/>
-                <a:cs typeface="Times New Roman" panose="02020603050405020304" pitchFamily="18" charset="0"/>
-              </a:rPr>
-              <a:t>And how many people have used it extensively?</a:t>
-            </a:r>
-          </a:p>
-          <a:p>
-            <a:r>
-              <a:rPr lang="en-US" dirty="0">
-                <a:latin typeface="Calibri" panose="020F0502020204030204" pitchFamily="34" charset="0"/>
-                <a:ea typeface="Calibri" panose="020F0502020204030204" pitchFamily="34" charset="0"/>
-                <a:cs typeface="Times New Roman" panose="02020603050405020304" pitchFamily="18" charset="0"/>
-              </a:rPr>
-              <a:t>How many people have used LINQ?  Let’s start with the familiar world of LINQ over </a:t>
-            </a:r>
-            <a:r>
-              <a:rPr lang="en-US" dirty="0" err="1">
-                <a:latin typeface="Calibri" panose="020F0502020204030204" pitchFamily="34" charset="0"/>
-                <a:ea typeface="Calibri" panose="020F0502020204030204" pitchFamily="34" charset="0"/>
-                <a:cs typeface="Times New Roman" panose="02020603050405020304" pitchFamily="18" charset="0"/>
-              </a:rPr>
-              <a:t>IEnumerable</a:t>
-            </a:r>
-            <a:endParaRPr lang="en-US" dirty="0">
-              <a:latin typeface="Calibri" panose="020F0502020204030204" pitchFamily="34" charset="0"/>
-              <a:ea typeface="Calibri" panose="020F0502020204030204" pitchFamily="34" charset="0"/>
-              <a:cs typeface="Times New Roman" panose="02020603050405020304" pitchFamily="18" charset="0"/>
-            </a:endParaRPr>
-          </a:p>
-          <a:p>
-            <a:endParaRPr lang="en-US" dirty="0">
-              <a:latin typeface="Calibri" panose="020F0502020204030204" pitchFamily="34" charset="0"/>
-              <a:cs typeface="Times New Roman" panose="02020603050405020304" pitchFamily="18" charset="0"/>
-            </a:endParaRPr>
-          </a:p>
-          <a:p>
-            <a:r>
-              <a:rPr lang="en-US" dirty="0">
-                <a:latin typeface="Calibri" panose="020F0502020204030204" pitchFamily="34" charset="0"/>
-                <a:cs typeface="Times New Roman" panose="02020603050405020304" pitchFamily="18" charset="0"/>
-              </a:rPr>
-              <a:t>What is an iterator? </a:t>
+              <a:t> and pulling data from a source</a:t>
             </a:r>
             <a:endParaRPr lang="en-US" dirty="0"/>
           </a:p>
@@ -4527,7 +4905,7 @@
             </a:ln>
             <a:extLst>
               <a:ext uri="{91240B29-F687-4f45-9708-019B960494DF}">
-                <a14:hiddenLine xmlns:a14="http://schemas.microsoft.com/office/drawing/2010/main" xmlns="" w="9525">
+                <a14:hiddenLine xmlns="" xmlns:a14="http://schemas.microsoft.com/office/drawing/2010/main" w="9525">
                   <a:solidFill>
                     <a:srgbClr val="000000"/>
                   </a:solidFill>
@@ -4724,7 +5102,7 @@
           <a:p>
             <a:fld id="{837A2B02-7409-40FB-8AE3-73E6A090FF21}" type="datetimeFigureOut">
               <a:rPr lang="en-US" smtClean="0"/>
-              <a:t>3/11/2018</a:t>
+              <a:t>3/13/2018</a:t>
             </a:fld>
             <a:endParaRPr lang="en-US"/>
           </a:p>
@@ -5608,7 +5986,7 @@
             </a:ln>
             <a:extLst>
               <a:ext uri="{91240B29-F687-4f45-9708-019B960494DF}">
-                <a14:hiddenLine xmlns:a14="http://schemas.microsoft.com/office/drawing/2010/main" xmlns="" w="9525">
+                <a14:hiddenLine xmlns="" xmlns:a14="http://schemas.microsoft.com/office/drawing/2010/main" w="9525">
                   <a:solidFill>
                     <a:srgbClr val="000000"/>
                   </a:solidFill>
@@ -5825,7 +6203,7 @@
           <a:p>
             <a:fld id="{837A2B02-7409-40FB-8AE3-73E6A090FF21}" type="datetimeFigureOut">
               <a:rPr lang="en-US" smtClean="0"/>
-              <a:t>3/11/2018</a:t>
+              <a:t>3/13/2018</a:t>
             </a:fld>
             <a:endParaRPr lang="en-US"/>
           </a:p>
@@ -6694,7 +7072,7 @@
             </a:ln>
             <a:extLst>
               <a:ext uri="{91240B29-F687-4f45-9708-019B960494DF}">
-                <a14:hiddenLine xmlns:a14="http://schemas.microsoft.com/office/drawing/2010/main" xmlns="" w="9525">
+                <a14:hiddenLine xmlns="" xmlns:a14="http://schemas.microsoft.com/office/drawing/2010/main" w="9525">
                   <a:solidFill>
                     <a:srgbClr val="000000"/>
                   </a:solidFill>
@@ -6823,7 +7201,7 @@
           <a:p>
             <a:fld id="{837A2B02-7409-40FB-8AE3-73E6A090FF21}" type="datetimeFigureOut">
               <a:rPr lang="en-US" smtClean="0"/>
-              <a:t>3/11/2018</a:t>
+              <a:t>3/13/2018</a:t>
             </a:fld>
             <a:endParaRPr lang="en-US"/>
           </a:p>
@@ -7655,7 +8033,7 @@
             </a:ln>
             <a:extLst>
               <a:ext uri="{91240B29-F687-4f45-9708-019B960494DF}">
-                <a14:hiddenLine xmlns:a14="http://schemas.microsoft.com/office/drawing/2010/main" xmlns="" w="9525">
+                <a14:hiddenLine xmlns="" xmlns:a14="http://schemas.microsoft.com/office/drawing/2010/main" w="9525">
                   <a:solidFill>
                     <a:srgbClr val="000000"/>
                   </a:solidFill>
@@ -7938,7 +8316,7 @@
           <a:p>
             <a:fld id="{837A2B02-7409-40FB-8AE3-73E6A090FF21}" type="datetimeFigureOut">
               <a:rPr lang="en-US" smtClean="0"/>
-              <a:t>3/11/2018</a:t>
+              <a:t>3/13/2018</a:t>
             </a:fld>
             <a:endParaRPr lang="en-US"/>
           </a:p>
@@ -8770,7 +9148,7 @@
             </a:ln>
             <a:extLst>
               <a:ext uri="{91240B29-F687-4f45-9708-019B960494DF}">
-                <a14:hiddenLine xmlns:a14="http://schemas.microsoft.com/office/drawing/2010/main" xmlns="" w="9525">
+                <a14:hiddenLine xmlns="" xmlns:a14="http://schemas.microsoft.com/office/drawing/2010/main" w="9525">
                   <a:solidFill>
                     <a:srgbClr val="000000"/>
                   </a:solidFill>
@@ -8952,7 +9330,7 @@
           <a:p>
             <a:fld id="{837A2B02-7409-40FB-8AE3-73E6A090FF21}" type="datetimeFigureOut">
               <a:rPr lang="en-US" smtClean="0"/>
-              <a:t>3/11/2018</a:t>
+              <a:t>3/13/2018</a:t>
             </a:fld>
             <a:endParaRPr lang="en-US"/>
           </a:p>
@@ -9624,7 +10002,7 @@
           <a:p>
             <a:fld id="{837A2B02-7409-40FB-8AE3-73E6A090FF21}" type="datetimeFigureOut">
               <a:rPr lang="en-US" smtClean="0"/>
-              <a:t>3/11/2018</a:t>
+              <a:t>3/13/2018</a:t>
             </a:fld>
             <a:endParaRPr lang="en-US"/>
           </a:p>
@@ -10497,7 +10875,7 @@
           <a:p>
             <a:fld id="{837A2B02-7409-40FB-8AE3-73E6A090FF21}" type="datetimeFigureOut">
               <a:rPr lang="en-US" smtClean="0"/>
-              <a:t>3/11/2018</a:t>
+              <a:t>3/13/2018</a:t>
             </a:fld>
             <a:endParaRPr lang="en-US"/>
           </a:p>
@@ -10684,7 +11062,7 @@
           <a:p>
             <a:fld id="{837A2B02-7409-40FB-8AE3-73E6A090FF21}" type="datetimeFigureOut">
               <a:rPr lang="en-US" smtClean="0"/>
-              <a:t>3/11/2018</a:t>
+              <a:t>3/13/2018</a:t>
             </a:fld>
             <a:endParaRPr lang="en-US"/>
           </a:p>
@@ -11519,7 +11897,7 @@
           </a:ln>
           <a:extLst>
             <a:ext uri="{91240B29-F687-4f45-9708-019B960494DF}">
-              <a14:hiddenLine xmlns:a14="http://schemas.microsoft.com/office/drawing/2010/main" xmlns="" w="9525">
+              <a14:hiddenLine xmlns="" xmlns:a14="http://schemas.microsoft.com/office/drawing/2010/main" w="9525">
                 <a:solidFill>
                   <a:srgbClr val="000000"/>
                 </a:solidFill>
@@ -11633,7 +12011,7 @@
           <a:p>
             <a:fld id="{837A2B02-7409-40FB-8AE3-73E6A090FF21}" type="datetimeFigureOut">
               <a:rPr lang="en-US" smtClean="0"/>
-              <a:t>3/11/2018</a:t>
+              <a:t>3/13/2018</a:t>
             </a:fld>
             <a:endParaRPr lang="en-US"/>
           </a:p>
@@ -11894,7 +12272,7 @@
           <a:p>
             <a:fld id="{099D5864-85AC-4D1D-9A2C-1A0380C4B4CE}" type="datetimeFigureOut">
               <a:rPr lang="en-US" smtClean="0"/>
-              <a:t>3/11/2018</a:t>
+              <a:t>3/13/2018</a:t>
             </a:fld>
             <a:endParaRPr lang="en-US"/>
           </a:p>
@@ -12092,7 +12470,7 @@
           <a:p>
             <a:fld id="{099D5864-85AC-4D1D-9A2C-1A0380C4B4CE}" type="datetimeFigureOut">
               <a:rPr lang="en-US" smtClean="0"/>
-              <a:t>3/11/2018</a:t>
+              <a:t>3/13/2018</a:t>
             </a:fld>
             <a:endParaRPr lang="en-US"/>
           </a:p>
@@ -12283,7 +12661,7 @@
           <a:p>
             <a:fld id="{837A2B02-7409-40FB-8AE3-73E6A090FF21}" type="datetimeFigureOut">
               <a:rPr lang="en-US" smtClean="0"/>
-              <a:t>3/11/2018</a:t>
+              <a:t>3/13/2018</a:t>
             </a:fld>
             <a:endParaRPr lang="en-US"/>
           </a:p>
@@ -12558,7 +12936,7 @@
           <a:p>
             <a:fld id="{099D5864-85AC-4D1D-9A2C-1A0380C4B4CE}" type="datetimeFigureOut">
               <a:rPr lang="en-US" smtClean="0"/>
-              <a:t>3/11/2018</a:t>
+              <a:t>3/13/2018</a:t>
             </a:fld>
             <a:endParaRPr lang="en-US"/>
           </a:p>
@@ -12823,7 +13201,7 @@
           <a:p>
             <a:fld id="{099D5864-85AC-4D1D-9A2C-1A0380C4B4CE}" type="datetimeFigureOut">
               <a:rPr lang="en-US" smtClean="0"/>
-              <a:t>3/11/2018</a:t>
+              <a:t>3/13/2018</a:t>
             </a:fld>
             <a:endParaRPr lang="en-US"/>
           </a:p>
@@ -13235,7 +13613,7 @@
           <a:p>
             <a:fld id="{099D5864-85AC-4D1D-9A2C-1A0380C4B4CE}" type="datetimeFigureOut">
               <a:rPr lang="en-US" smtClean="0"/>
-              <a:t>3/11/2018</a:t>
+              <a:t>3/13/2018</a:t>
             </a:fld>
             <a:endParaRPr lang="en-US"/>
           </a:p>
@@ -13376,7 +13754,7 @@
           <a:p>
             <a:fld id="{099D5864-85AC-4D1D-9A2C-1A0380C4B4CE}" type="datetimeFigureOut">
               <a:rPr lang="en-US" smtClean="0"/>
-              <a:t>3/11/2018</a:t>
+              <a:t>3/13/2018</a:t>
             </a:fld>
             <a:endParaRPr lang="en-US"/>
           </a:p>
@@ -13489,7 +13867,7 @@
           <a:p>
             <a:fld id="{099D5864-85AC-4D1D-9A2C-1A0380C4B4CE}" type="datetimeFigureOut">
               <a:rPr lang="en-US" smtClean="0"/>
-              <a:t>3/11/2018</a:t>
+              <a:t>3/13/2018</a:t>
             </a:fld>
             <a:endParaRPr lang="en-US"/>
           </a:p>
@@ -13800,7 +14178,7 @@
           <a:p>
             <a:fld id="{099D5864-85AC-4D1D-9A2C-1A0380C4B4CE}" type="datetimeFigureOut">
               <a:rPr lang="en-US" smtClean="0"/>
-              <a:t>3/11/2018</a:t>
+              <a:t>3/13/2018</a:t>
             </a:fld>
             <a:endParaRPr lang="en-US"/>
           </a:p>
@@ -14088,7 +14466,7 @@
           <a:p>
             <a:fld id="{099D5864-85AC-4D1D-9A2C-1A0380C4B4CE}" type="datetimeFigureOut">
               <a:rPr lang="en-US" smtClean="0"/>
-              <a:t>3/11/2018</a:t>
+              <a:t>3/13/2018</a:t>
             </a:fld>
             <a:endParaRPr lang="en-US"/>
           </a:p>
@@ -14286,7 +14664,7 @@
           <a:p>
             <a:fld id="{099D5864-85AC-4D1D-9A2C-1A0380C4B4CE}" type="datetimeFigureOut">
               <a:rPr lang="en-US" smtClean="0"/>
-              <a:t>3/11/2018</a:t>
+              <a:t>3/13/2018</a:t>
             </a:fld>
             <a:endParaRPr lang="en-US"/>
           </a:p>
@@ -14494,7 +14872,7 @@
           <a:p>
             <a:fld id="{099D5864-85AC-4D1D-9A2C-1A0380C4B4CE}" type="datetimeFigureOut">
               <a:rPr lang="en-US" smtClean="0"/>
-              <a:t>3/11/2018</a:t>
+              <a:t>3/13/2018</a:t>
             </a:fld>
             <a:endParaRPr lang="en-US"/>
           </a:p>
@@ -15323,7 +15701,7 @@
             </a:ln>
             <a:extLst>
               <a:ext uri="{91240B29-F687-4f45-9708-019B960494DF}">
-                <a14:hiddenLine xmlns:a14="http://schemas.microsoft.com/office/drawing/2010/main" xmlns="" w="9525">
+                <a14:hiddenLine xmlns="" xmlns:a14="http://schemas.microsoft.com/office/drawing/2010/main" w="9525">
                   <a:solidFill>
                     <a:srgbClr val="000000"/>
                   </a:solidFill>
@@ -15505,7 +15883,7 @@
           <a:p>
             <a:fld id="{837A2B02-7409-40FB-8AE3-73E6A090FF21}" type="datetimeFigureOut">
               <a:rPr lang="en-US" smtClean="0"/>
-              <a:t>3/11/2018</a:t>
+              <a:t>3/13/2018</a:t>
             </a:fld>
             <a:endParaRPr lang="en-US"/>
           </a:p>
@@ -15789,7 +16167,7 @@
           <a:p>
             <a:fld id="{837A2B02-7409-40FB-8AE3-73E6A090FF21}" type="datetimeFigureOut">
               <a:rPr lang="en-US" smtClean="0"/>
-              <a:t>3/11/2018</a:t>
+              <a:t>3/13/2018</a:t>
             </a:fld>
             <a:endParaRPr lang="en-US"/>
           </a:p>
@@ -16189,7 +16567,7 @@
           <a:p>
             <a:fld id="{837A2B02-7409-40FB-8AE3-73E6A090FF21}" type="datetimeFigureOut">
               <a:rPr lang="en-US" smtClean="0"/>
-              <a:t>3/11/2018</a:t>
+              <a:t>3/13/2018</a:t>
             </a:fld>
             <a:endParaRPr lang="en-US"/>
           </a:p>
@@ -16319,7 +16697,7 @@
           <a:p>
             <a:fld id="{837A2B02-7409-40FB-8AE3-73E6A090FF21}" type="datetimeFigureOut">
               <a:rPr lang="en-US" smtClean="0"/>
-              <a:t>3/11/2018</a:t>
+              <a:t>3/13/2018</a:t>
             </a:fld>
             <a:endParaRPr lang="en-US"/>
           </a:p>
@@ -16462,7 +16840,7 @@
           <a:p>
             <a:fld id="{837A2B02-7409-40FB-8AE3-73E6A090FF21}" type="datetimeFigureOut">
               <a:rPr lang="en-US" smtClean="0"/>
-              <a:t>3/11/2018</a:t>
+              <a:t>3/13/2018</a:t>
             </a:fld>
             <a:endParaRPr lang="en-US"/>
           </a:p>
@@ -17291,7 +17669,7 @@
             </a:ln>
             <a:extLst>
               <a:ext uri="{91240B29-F687-4f45-9708-019B960494DF}">
-                <a14:hiddenLine xmlns:a14="http://schemas.microsoft.com/office/drawing/2010/main" xmlns="" w="9525">
+                <a14:hiddenLine xmlns="" xmlns:a14="http://schemas.microsoft.com/office/drawing/2010/main" w="9525">
                   <a:solidFill>
                     <a:srgbClr val="000000"/>
                   </a:solidFill>
@@ -17484,7 +17862,7 @@
           <a:p>
             <a:fld id="{837A2B02-7409-40FB-8AE3-73E6A090FF21}" type="datetimeFigureOut">
               <a:rPr lang="en-US" smtClean="0"/>
-              <a:t>3/11/2018</a:t>
+              <a:t>3/13/2018</a:t>
             </a:fld>
             <a:endParaRPr lang="en-US"/>
           </a:p>
@@ -18349,7 +18727,7 @@
             </a:ln>
             <a:extLst>
               <a:ext uri="{91240B29-F687-4f45-9708-019B960494DF}">
-                <a14:hiddenLine xmlns:a14="http://schemas.microsoft.com/office/drawing/2010/main" xmlns="" w="9525">
+                <a14:hiddenLine xmlns="" xmlns:a14="http://schemas.microsoft.com/office/drawing/2010/main" w="9525">
                   <a:solidFill>
                     <a:srgbClr val="000000"/>
                   </a:solidFill>
@@ -18566,7 +18944,7 @@
           <a:p>
             <a:fld id="{837A2B02-7409-40FB-8AE3-73E6A090FF21}" type="datetimeFigureOut">
               <a:rPr lang="en-US" smtClean="0"/>
-              <a:t>3/11/2018</a:t>
+              <a:t>3/13/2018</a:t>
             </a:fld>
             <a:endParaRPr lang="en-US"/>
           </a:p>
@@ -19399,7 +19777,7 @@
             </a:ln>
             <a:extLst>
               <a:ext uri="{91240B29-F687-4f45-9708-019B960494DF}">
-                <a14:hiddenLine xmlns:a14="http://schemas.microsoft.com/office/drawing/2010/main" xmlns="" w="9525">
+                <a14:hiddenLine xmlns="" xmlns:a14="http://schemas.microsoft.com/office/drawing/2010/main" w="9525">
                   <a:solidFill>
                     <a:srgbClr val="000000"/>
                   </a:solidFill>
@@ -19540,7 +19918,7 @@
           <a:p>
             <a:fld id="{837A2B02-7409-40FB-8AE3-73E6A090FF21}" type="datetimeFigureOut">
               <a:rPr lang="en-US" smtClean="0"/>
-              <a:t>3/11/2018</a:t>
+              <a:t>3/13/2018</a:t>
             </a:fld>
             <a:endParaRPr lang="en-US"/>
           </a:p>
@@ -20250,7 +20628,7 @@
           <a:p>
             <a:fld id="{099D5864-85AC-4D1D-9A2C-1A0380C4B4CE}" type="datetimeFigureOut">
               <a:rPr lang="en-US" smtClean="0"/>
-              <a:t>3/11/2018</a:t>
+              <a:t>3/13/2018</a:t>
             </a:fld>
             <a:endParaRPr lang="en-US"/>
           </a:p>
@@ -20983,7 +21361,7 @@
           <a:p>
             <a:r>
               <a:rPr lang="en-US" dirty="0"/>
-              <a:t>Start Login Demo</a:t>
+              <a:t>Start Login Page Demo</a:t>
             </a:r>
           </a:p>
         </p:txBody>
@@ -21041,7 +21419,7 @@
           <a:p>
             <a:r>
               <a:rPr lang="en-US" dirty="0"/>
-              <a:t>Throttle</a:t>
+              <a:t>Throttle (debounce)</a:t>
             </a:r>
           </a:p>
         </p:txBody>
@@ -21257,7 +21635,7 @@
           <a:p>
             <a:r>
               <a:rPr lang="en-US" dirty="0"/>
-              <a:t>Additional operators</a:t>
+              <a:t>Additional operators and Tools</a:t>
             </a:r>
           </a:p>
         </p:txBody>
@@ -21280,37 +21658,40 @@
         </p:nvSpPr>
         <p:spPr/>
         <p:txBody>
-          <a:bodyPr/>
+          <a:bodyPr>
+            <a:normAutofit/>
+          </a:bodyPr>
           <a:lstStyle/>
           <a:p>
             <a:r>
+              <a:rPr lang="en-US" b="1" dirty="0"/>
+              <a:t>Connected Observables</a:t>
+            </a:r>
+          </a:p>
+          <a:p>
+            <a:pPr lvl="1"/>
+            <a:r>
               <a:rPr lang="en-US" dirty="0"/>
-              <a:t>Retry</a:t>
-            </a:r>
-          </a:p>
-          <a:p>
-            <a:r>
-              <a:rPr lang="en-US" dirty="0"/>
-              <a:t>Catch</a:t>
-            </a:r>
-          </a:p>
-          <a:p>
-            <a:r>
-              <a:rPr lang="en-US" dirty="0"/>
-              <a:t>Replay</a:t>
-            </a:r>
-          </a:p>
-          <a:p>
-            <a:r>
-              <a:rPr lang="en-US" dirty="0"/>
-              <a:t>Group</a:t>
-            </a:r>
-          </a:p>
-          <a:p>
-            <a:r>
-              <a:rPr lang="en-US" dirty="0"/>
-              <a:t>Window</a:t>
-            </a:r>
+              <a:t>Multi Casting</a:t>
+            </a:r>
+          </a:p>
+          <a:p>
+            <a:r>
+              <a:rPr lang="en-US" b="1" dirty="0"/>
+              <a:t>Switch</a:t>
+            </a:r>
+          </a:p>
+          <a:p>
+            <a:pPr lvl="1"/>
+            <a:r>
+              <a:rPr lang="en-US" b="1" dirty="0"/>
+              <a:t>Vs </a:t>
+            </a:r>
+            <a:r>
+              <a:rPr lang="en-US" b="1" dirty="0" err="1"/>
+              <a:t>SelectMany</a:t>
+            </a:r>
+            <a:endParaRPr lang="en-US" dirty="0"/>
           </a:p>
           <a:p>
             <a:r>
@@ -21320,9 +21701,13 @@
           </a:p>
           <a:p>
             <a:r>
-              <a:rPr lang="en-US" dirty="0"/>
-              <a:t>Connected Observables</a:t>
-            </a:r>
+              <a:rPr lang="en-US" dirty="0" err="1"/>
+              <a:t>LINQPad</a:t>
+            </a:r>
+            <a:endParaRPr lang="en-US" dirty="0"/>
+          </a:p>
+          <a:p>
+            <a:endParaRPr lang="en-US" b="1" dirty="0"/>
           </a:p>
         </p:txBody>
       </p:sp>
@@ -21517,7 +21902,7 @@
           <a:p>
             <a:r>
               <a:rPr lang="en-US" dirty="0"/>
-              <a:t>Property events as Observables</a:t>
+              <a:t>INPC Observables</a:t>
             </a:r>
           </a:p>
         </p:txBody>
@@ -21617,6 +22002,124 @@
           <p:cNvPr id="2" name="Title 1">
             <a:extLst>
               <a:ext uri="{FF2B5EF4-FFF2-40B4-BE49-F238E27FC236}">
+                <a16:creationId xmlns:a16="http://schemas.microsoft.com/office/drawing/2014/main" id="{EDA5B0C7-734F-4113-BB4E-A23C8F7E81D4}"/>
+              </a:ext>
+            </a:extLst>
+          </p:cNvPr>
+          <p:cNvSpPr>
+            <a:spLocks noGrp="1"/>
+          </p:cNvSpPr>
+          <p:nvPr>
+            <p:ph type="title"/>
+          </p:nvPr>
+        </p:nvSpPr>
+        <p:spPr/>
+        <p:txBody>
+          <a:bodyPr/>
+          <a:lstStyle/>
+          <a:p>
+            <a:r>
+              <a:rPr lang="en-US" dirty="0"/>
+              <a:t>UI Events on all Platforms</a:t>
+            </a:r>
+          </a:p>
+        </p:txBody>
+      </p:sp>
+      <p:pic>
+        <p:nvPicPr>
+          <p:cNvPr id="3" name="Picture 2">
+            <a:extLst>
+              <a:ext uri="{FF2B5EF4-FFF2-40B4-BE49-F238E27FC236}">
+                <a16:creationId xmlns:a16="http://schemas.microsoft.com/office/drawing/2014/main" id="{5A1A9ABB-A35F-4ACE-B108-D2E333245C1B}"/>
+              </a:ext>
+            </a:extLst>
+          </p:cNvPr>
+          <p:cNvPicPr>
+            <a:picLocks noChangeAspect="1"/>
+          </p:cNvPicPr>
+          <p:nvPr/>
+        </p:nvPicPr>
+        <p:blipFill>
+          <a:blip r:embed="rId3"/>
+          <a:stretch>
+            <a:fillRect/>
+          </a:stretch>
+        </p:blipFill>
+        <p:spPr>
+          <a:xfrm>
+            <a:off x="0" y="1684698"/>
+            <a:ext cx="6858000" cy="1774104"/>
+          </a:xfrm>
+          <a:prstGeom prst="rect">
+            <a:avLst/>
+          </a:prstGeom>
+        </p:spPr>
+      </p:pic>
+      <p:pic>
+        <p:nvPicPr>
+          <p:cNvPr id="6" name="Picture 5">
+            <a:extLst>
+              <a:ext uri="{FF2B5EF4-FFF2-40B4-BE49-F238E27FC236}">
+                <a16:creationId xmlns:a16="http://schemas.microsoft.com/office/drawing/2014/main" id="{AAC5A375-C3E3-44ED-9291-2E369AD6DF1F}"/>
+              </a:ext>
+            </a:extLst>
+          </p:cNvPr>
+          <p:cNvPicPr>
+            <a:picLocks noChangeAspect="1"/>
+          </p:cNvPicPr>
+          <p:nvPr/>
+        </p:nvPicPr>
+        <p:blipFill>
+          <a:blip r:embed="rId4"/>
+          <a:stretch>
+            <a:fillRect/>
+          </a:stretch>
+        </p:blipFill>
+        <p:spPr>
+          <a:xfrm>
+            <a:off x="433410" y="3915776"/>
+            <a:ext cx="5785264" cy="576075"/>
+          </a:xfrm>
+          <a:prstGeom prst="rect">
+            <a:avLst/>
+          </a:prstGeom>
+        </p:spPr>
+      </p:pic>
+    </p:spTree>
+    <p:extLst>
+      <p:ext uri="{BB962C8B-B14F-4D97-AF65-F5344CB8AC3E}">
+        <p14:creationId xmlns:p14="http://schemas.microsoft.com/office/powerpoint/2010/main" val="712183283"/>
+      </p:ext>
+    </p:extLst>
+  </p:cSld>
+  <p:clrMapOvr>
+    <a:masterClrMapping/>
+  </p:clrMapOvr>
+</p:sld>
+</file>
+
+<file path=ppt/slides/slide19.xml><?xml version="1.0" encoding="utf-8"?>
+<p:sld xmlns:a="http://schemas.openxmlformats.org/drawingml/2006/main" xmlns:r="http://schemas.openxmlformats.org/officeDocument/2006/relationships" xmlns:p="http://schemas.openxmlformats.org/presentationml/2006/main">
+  <p:cSld>
+    <p:spTree>
+      <p:nvGrpSpPr>
+        <p:cNvPr id="1" name=""/>
+        <p:cNvGrpSpPr/>
+        <p:nvPr/>
+      </p:nvGrpSpPr>
+      <p:grpSpPr>
+        <a:xfrm>
+          <a:off x="0" y="0"/>
+          <a:ext cx="0" cy="0"/>
+          <a:chOff x="0" y="0"/>
+          <a:chExt cx="0" cy="0"/>
+        </a:xfrm>
+      </p:grpSpPr>
+      <p:sp>
+        <p:nvSpPr>
+          <p:cNvPr id="2" name="Title 1">
+            <a:extLst>
+              <a:ext uri="{FF2B5EF4-FFF2-40B4-BE49-F238E27FC236}">
                 <a16:creationId xmlns:a16="http://schemas.microsoft.com/office/drawing/2014/main" id="{8E5C1E86-9C5F-4F27-AE1F-B3E778F63BBB}"/>
               </a:ext>
             </a:extLst>
@@ -21683,7 +22186,163 @@
 </p:sld>
 </file>
 
-<file path=ppt/slides/slide19.xml><?xml version="1.0" encoding="utf-8"?>
+<file path=ppt/slides/slide2.xml><?xml version="1.0" encoding="utf-8"?>
+<p:sld xmlns:a="http://schemas.openxmlformats.org/drawingml/2006/main" xmlns:r="http://schemas.openxmlformats.org/officeDocument/2006/relationships" xmlns:p="http://schemas.openxmlformats.org/presentationml/2006/main">
+  <p:cSld>
+    <p:spTree>
+      <p:nvGrpSpPr>
+        <p:cNvPr id="1" name=""/>
+        <p:cNvGrpSpPr/>
+        <p:nvPr/>
+      </p:nvGrpSpPr>
+      <p:grpSpPr>
+        <a:xfrm>
+          <a:off x="0" y="0"/>
+          <a:ext cx="0" cy="0"/>
+          <a:chOff x="0" y="0"/>
+          <a:chExt cx="0" cy="0"/>
+        </a:xfrm>
+      </p:grpSpPr>
+      <p:sp>
+        <p:nvSpPr>
+          <p:cNvPr id="2" name="Title 1">
+            <a:extLst>
+              <a:ext uri="{FF2B5EF4-FFF2-40B4-BE49-F238E27FC236}">
+                <a16:creationId xmlns:a16="http://schemas.microsoft.com/office/drawing/2014/main" id="{7E940219-A523-4DDF-B5AB-17DE44AB8092}"/>
+              </a:ext>
+            </a:extLst>
+          </p:cNvPr>
+          <p:cNvSpPr>
+            <a:spLocks noGrp="1"/>
+          </p:cNvSpPr>
+          <p:nvPr>
+            <p:ph type="title"/>
+          </p:nvPr>
+        </p:nvSpPr>
+        <p:spPr/>
+        <p:txBody>
+          <a:bodyPr/>
+          <a:lstStyle/>
+          <a:p>
+            <a:r>
+              <a:rPr lang="en-US" dirty="0"/>
+              <a:t>Term and Library Clarification</a:t>
+            </a:r>
+          </a:p>
+        </p:txBody>
+      </p:sp>
+      <p:sp>
+        <p:nvSpPr>
+          <p:cNvPr id="3" name="Content Placeholder 2">
+            <a:extLst>
+              <a:ext uri="{FF2B5EF4-FFF2-40B4-BE49-F238E27FC236}">
+                <a16:creationId xmlns:a16="http://schemas.microsoft.com/office/drawing/2014/main" id="{D7532444-18B2-4038-8929-C19359541C1E}"/>
+              </a:ext>
+            </a:extLst>
+          </p:cNvPr>
+          <p:cNvSpPr>
+            <a:spLocks noGrp="1"/>
+          </p:cNvSpPr>
+          <p:nvPr>
+            <p:ph idx="1"/>
+          </p:nvPr>
+        </p:nvSpPr>
+        <p:spPr>
+          <a:xfrm>
+            <a:off x="648287" y="1866900"/>
+            <a:ext cx="4758945" cy="2932340"/>
+          </a:xfrm>
+        </p:spPr>
+        <p:txBody>
+          <a:bodyPr/>
+          <a:lstStyle/>
+          <a:p>
+            <a:r>
+              <a:rPr lang="en-US" dirty="0"/>
+              <a:t>ReactJS</a:t>
+            </a:r>
+          </a:p>
+          <a:p>
+            <a:pPr lvl="1"/>
+            <a:r>
+              <a:rPr lang="en-US" dirty="0"/>
+              <a:t>A view library that shares 5 letters with the word Reactive</a:t>
+            </a:r>
+          </a:p>
+          <a:p>
+            <a:pPr lvl="1"/>
+            <a:r>
+              <a:rPr lang="en-US" dirty="0"/>
+              <a:t>Can work with reactive libraries </a:t>
+            </a:r>
+            <a:r>
+              <a:rPr lang="en-US" dirty="0" err="1"/>
+              <a:t>Mobx</a:t>
+            </a:r>
+            <a:r>
+              <a:rPr lang="en-US" dirty="0"/>
+              <a:t>, Meteor, </a:t>
+            </a:r>
+            <a:r>
+              <a:rPr lang="en-US" dirty="0" err="1"/>
+              <a:t>RxJS</a:t>
+            </a:r>
+            <a:r>
+              <a:rPr lang="en-US" dirty="0"/>
+              <a:t>, etc..</a:t>
+            </a:r>
+          </a:p>
+          <a:p>
+            <a:r>
+              <a:rPr lang="en-US" dirty="0" err="1"/>
+              <a:t>ReactiveX</a:t>
+            </a:r>
+            <a:r>
+              <a:rPr lang="en-US" dirty="0"/>
+              <a:t> </a:t>
+            </a:r>
+          </a:p>
+          <a:p>
+            <a:pPr lvl="1"/>
+            <a:r>
+              <a:rPr lang="en-US" dirty="0"/>
+              <a:t>What we’re mainly talking about today</a:t>
+            </a:r>
+          </a:p>
+          <a:p>
+            <a:r>
+              <a:rPr lang="en-US" dirty="0"/>
+              <a:t>ReactiveUI</a:t>
+            </a:r>
+          </a:p>
+          <a:p>
+            <a:pPr lvl="1"/>
+            <a:r>
+              <a:rPr lang="en-US" dirty="0"/>
+              <a:t>Cross platform MVVM library built on top of </a:t>
+            </a:r>
+            <a:r>
+              <a:rPr lang="en-US" dirty="0" err="1"/>
+              <a:t>ReactiveX</a:t>
+            </a:r>
+            <a:endParaRPr lang="en-US" dirty="0"/>
+          </a:p>
+        </p:txBody>
+      </p:sp>
+    </p:spTree>
+    <p:extLst>
+      <p:ext uri="{BB962C8B-B14F-4D97-AF65-F5344CB8AC3E}">
+        <p14:creationId xmlns:p14="http://schemas.microsoft.com/office/powerpoint/2010/main" val="3471887714"/>
+      </p:ext>
+    </p:extLst>
+  </p:cSld>
+  <p:clrMapOvr>
+    <a:masterClrMapping/>
+  </p:clrMapOvr>
+</p:sld>
+</file>
+
+<file path=ppt/slides/slide20.xml><?xml version="1.0" encoding="utf-8"?>
 <p:sld xmlns:a="http://schemas.openxmlformats.org/drawingml/2006/main" xmlns:r="http://schemas.openxmlformats.org/officeDocument/2006/relationships" xmlns:p="http://schemas.openxmlformats.org/presentationml/2006/main">
   <p:cSld>
     <p:spTree>
@@ -21762,220 +22421,6 @@
     <p:extLst>
       <p:ext uri="{BB962C8B-B14F-4D97-AF65-F5344CB8AC3E}">
         <p14:creationId xmlns:p14="http://schemas.microsoft.com/office/powerpoint/2010/main" val="4239237384"/>
-      </p:ext>
-    </p:extLst>
-  </p:cSld>
-  <p:clrMapOvr>
-    <a:masterClrMapping/>
-  </p:clrMapOvr>
-</p:sld>
-</file>
-
-<file path=ppt/slides/slide2.xml><?xml version="1.0" encoding="utf-8"?>
-<p:sld xmlns:a="http://schemas.openxmlformats.org/drawingml/2006/main" xmlns:r="http://schemas.openxmlformats.org/officeDocument/2006/relationships" xmlns:p="http://schemas.openxmlformats.org/presentationml/2006/main">
-  <p:cSld>
-    <p:spTree>
-      <p:nvGrpSpPr>
-        <p:cNvPr id="1" name=""/>
-        <p:cNvGrpSpPr/>
-        <p:nvPr/>
-      </p:nvGrpSpPr>
-      <p:grpSpPr>
-        <a:xfrm>
-          <a:off x="0" y="0"/>
-          <a:ext cx="0" cy="0"/>
-          <a:chOff x="0" y="0"/>
-          <a:chExt cx="0" cy="0"/>
-        </a:xfrm>
-      </p:grpSpPr>
-      <p:sp>
-        <p:nvSpPr>
-          <p:cNvPr id="2" name="Title 1">
-            <a:extLst>
-              <a:ext uri="{FF2B5EF4-FFF2-40B4-BE49-F238E27FC236}">
-                <a16:creationId xmlns:a16="http://schemas.microsoft.com/office/drawing/2014/main" id="{7E940219-A523-4DDF-B5AB-17DE44AB8092}"/>
-              </a:ext>
-            </a:extLst>
-          </p:cNvPr>
-          <p:cNvSpPr>
-            <a:spLocks noGrp="1"/>
-          </p:cNvSpPr>
-          <p:nvPr>
-            <p:ph type="title"/>
-          </p:nvPr>
-        </p:nvSpPr>
-        <p:spPr/>
-        <p:txBody>
-          <a:bodyPr/>
-          <a:lstStyle/>
-          <a:p>
-            <a:r>
-              <a:rPr lang="en-US" dirty="0"/>
-              <a:t>Term and Library Clarification</a:t>
-            </a:r>
-          </a:p>
-        </p:txBody>
-      </p:sp>
-      <p:sp>
-        <p:nvSpPr>
-          <p:cNvPr id="3" name="Content Placeholder 2">
-            <a:extLst>
-              <a:ext uri="{FF2B5EF4-FFF2-40B4-BE49-F238E27FC236}">
-                <a16:creationId xmlns:a16="http://schemas.microsoft.com/office/drawing/2014/main" id="{D7532444-18B2-4038-8929-C19359541C1E}"/>
-              </a:ext>
-            </a:extLst>
-          </p:cNvPr>
-          <p:cNvSpPr>
-            <a:spLocks noGrp="1"/>
-          </p:cNvSpPr>
-          <p:nvPr>
-            <p:ph idx="1"/>
-          </p:nvPr>
-        </p:nvSpPr>
-        <p:spPr>
-          <a:xfrm>
-            <a:off x="648287" y="1866900"/>
-            <a:ext cx="4758945" cy="2932340"/>
-          </a:xfrm>
-        </p:spPr>
-        <p:txBody>
-          <a:bodyPr/>
-          <a:lstStyle/>
-          <a:p>
-            <a:r>
-              <a:rPr lang="en-US" dirty="0"/>
-              <a:t>ReactJS</a:t>
-            </a:r>
-          </a:p>
-          <a:p>
-            <a:pPr lvl="1"/>
-            <a:r>
-              <a:rPr lang="en-US" dirty="0"/>
-              <a:t>A view library that shares 5 letters with the word Reactive</a:t>
-            </a:r>
-          </a:p>
-          <a:p>
-            <a:pPr lvl="1"/>
-            <a:r>
-              <a:rPr lang="en-US" dirty="0"/>
-              <a:t>Can work with reactive libraries </a:t>
-            </a:r>
-            <a:r>
-              <a:rPr lang="en-US" dirty="0" err="1"/>
-              <a:t>Mobx</a:t>
-            </a:r>
-            <a:r>
-              <a:rPr lang="en-US" dirty="0"/>
-              <a:t>, Meteor, </a:t>
-            </a:r>
-            <a:r>
-              <a:rPr lang="en-US" dirty="0" err="1"/>
-              <a:t>RxJS</a:t>
-            </a:r>
-            <a:r>
-              <a:rPr lang="en-US" dirty="0"/>
-              <a:t>, etc..</a:t>
-            </a:r>
-          </a:p>
-          <a:p>
-            <a:r>
-              <a:rPr lang="en-US" dirty="0" err="1"/>
-              <a:t>ReactiveX</a:t>
-            </a:r>
-            <a:r>
-              <a:rPr lang="en-US" dirty="0"/>
-              <a:t> </a:t>
-            </a:r>
-          </a:p>
-          <a:p>
-            <a:pPr lvl="1"/>
-            <a:r>
-              <a:rPr lang="en-US" dirty="0"/>
-              <a:t>What we’re mainly talking about today</a:t>
-            </a:r>
-          </a:p>
-          <a:p>
-            <a:r>
-              <a:rPr lang="en-US" dirty="0"/>
-              <a:t>ReactiveUI</a:t>
-            </a:r>
-          </a:p>
-          <a:p>
-            <a:pPr lvl="1"/>
-            <a:r>
-              <a:rPr lang="en-US" dirty="0"/>
-              <a:t>Cross platform MVVM library built on top of </a:t>
-            </a:r>
-            <a:r>
-              <a:rPr lang="en-US" dirty="0" err="1"/>
-              <a:t>ReactiveX</a:t>
-            </a:r>
-            <a:endParaRPr lang="en-US" dirty="0"/>
-          </a:p>
-        </p:txBody>
-      </p:sp>
-    </p:spTree>
-    <p:extLst>
-      <p:ext uri="{BB962C8B-B14F-4D97-AF65-F5344CB8AC3E}">
-        <p14:creationId xmlns:p14="http://schemas.microsoft.com/office/powerpoint/2010/main" val="3471887714"/>
-      </p:ext>
-    </p:extLst>
-  </p:cSld>
-  <p:clrMapOvr>
-    <a:masterClrMapping/>
-  </p:clrMapOvr>
-</p:sld>
-</file>
-
-<file path=ppt/slides/slide20.xml><?xml version="1.0" encoding="utf-8"?>
-<p:sld xmlns:a="http://schemas.openxmlformats.org/drawingml/2006/main" xmlns:r="http://schemas.openxmlformats.org/officeDocument/2006/relationships" xmlns:p="http://schemas.openxmlformats.org/presentationml/2006/main">
-  <p:cSld>
-    <p:spTree>
-      <p:nvGrpSpPr>
-        <p:cNvPr id="1" name=""/>
-        <p:cNvGrpSpPr/>
-        <p:nvPr/>
-      </p:nvGrpSpPr>
-      <p:grpSpPr>
-        <a:xfrm>
-          <a:off x="0" y="0"/>
-          <a:ext cx="0" cy="0"/>
-          <a:chOff x="0" y="0"/>
-          <a:chExt cx="0" cy="0"/>
-        </a:xfrm>
-      </p:grpSpPr>
-      <p:sp>
-        <p:nvSpPr>
-          <p:cNvPr id="2" name="Title 1">
-            <a:extLst>
-              <a:ext uri="{FF2B5EF4-FFF2-40B4-BE49-F238E27FC236}">
-                <a16:creationId xmlns:a16="http://schemas.microsoft.com/office/drawing/2014/main" id="{DB042689-0D7F-4F66-B107-4760786B6CC3}"/>
-              </a:ext>
-            </a:extLst>
-          </p:cNvPr>
-          <p:cNvSpPr>
-            <a:spLocks noGrp="1"/>
-          </p:cNvSpPr>
-          <p:nvPr>
-            <p:ph type="title"/>
-          </p:nvPr>
-        </p:nvSpPr>
-        <p:spPr/>
-        <p:txBody>
-          <a:bodyPr/>
-          <a:lstStyle/>
-          <a:p>
-            <a:r>
-              <a:rPr lang="en-US" dirty="0"/>
-              <a:t>Reactive UI Demo</a:t>
-            </a:r>
-          </a:p>
-        </p:txBody>
-      </p:sp>
-    </p:spTree>
-    <p:extLst>
-      <p:ext uri="{BB962C8B-B14F-4D97-AF65-F5344CB8AC3E}">
-        <p14:creationId xmlns:p14="http://schemas.microsoft.com/office/powerpoint/2010/main" val="1685316842"/>
       </p:ext>
     </p:extLst>
   </p:cSld>
@@ -22074,6 +22519,64 @@
 </file>
 
 <file path=ppt/slides/slide22.xml><?xml version="1.0" encoding="utf-8"?>
+<p:sld xmlns:a="http://schemas.openxmlformats.org/drawingml/2006/main" xmlns:r="http://schemas.openxmlformats.org/officeDocument/2006/relationships" xmlns:p="http://schemas.openxmlformats.org/presentationml/2006/main">
+  <p:cSld>
+    <p:spTree>
+      <p:nvGrpSpPr>
+        <p:cNvPr id="1" name=""/>
+        <p:cNvGrpSpPr/>
+        <p:nvPr/>
+      </p:nvGrpSpPr>
+      <p:grpSpPr>
+        <a:xfrm>
+          <a:off x="0" y="0"/>
+          <a:ext cx="0" cy="0"/>
+          <a:chOff x="0" y="0"/>
+          <a:chExt cx="0" cy="0"/>
+        </a:xfrm>
+      </p:grpSpPr>
+      <p:sp>
+        <p:nvSpPr>
+          <p:cNvPr id="2" name="Title 1">
+            <a:extLst>
+              <a:ext uri="{FF2B5EF4-FFF2-40B4-BE49-F238E27FC236}">
+                <a16:creationId xmlns:a16="http://schemas.microsoft.com/office/drawing/2014/main" id="{DB042689-0D7F-4F66-B107-4760786B6CC3}"/>
+              </a:ext>
+            </a:extLst>
+          </p:cNvPr>
+          <p:cNvSpPr>
+            <a:spLocks noGrp="1"/>
+          </p:cNvSpPr>
+          <p:nvPr>
+            <p:ph type="title"/>
+          </p:nvPr>
+        </p:nvSpPr>
+        <p:spPr/>
+        <p:txBody>
+          <a:bodyPr/>
+          <a:lstStyle/>
+          <a:p>
+            <a:r>
+              <a:rPr lang="en-US" dirty="0"/>
+              <a:t>Reactive UI Demo</a:t>
+            </a:r>
+          </a:p>
+        </p:txBody>
+      </p:sp>
+    </p:spTree>
+    <p:extLst>
+      <p:ext uri="{BB962C8B-B14F-4D97-AF65-F5344CB8AC3E}">
+        <p14:creationId xmlns:p14="http://schemas.microsoft.com/office/powerpoint/2010/main" val="1685316842"/>
+      </p:ext>
+    </p:extLst>
+  </p:cSld>
+  <p:clrMapOvr>
+    <a:masterClrMapping/>
+  </p:clrMapOvr>
+</p:sld>
+</file>
+
+<file path=ppt/slides/slide23.xml><?xml version="1.0" encoding="utf-8"?>
 <p:sld xmlns:a="http://schemas.openxmlformats.org/drawingml/2006/main" xmlns:r="http://schemas.openxmlformats.org/officeDocument/2006/relationships" xmlns:p="http://schemas.openxmlformats.org/presentationml/2006/main">
   <p:cSld>
     <p:spTree>
@@ -22191,7 +22694,7 @@
 </p:sld>
 </file>
 
-<file path=ppt/slides/slide23.xml><?xml version="1.0" encoding="utf-8"?>
+<file path=ppt/slides/slide24.xml><?xml version="1.0" encoding="utf-8"?>
 <p:sld xmlns:a="http://schemas.openxmlformats.org/drawingml/2006/main" xmlns:r="http://schemas.openxmlformats.org/officeDocument/2006/relationships" xmlns:p="http://schemas.openxmlformats.org/presentationml/2006/main">
   <p:cSld>
     <p:spTree>
@@ -22249,7 +22752,65 @@
 </p:sld>
 </file>
 
-<file path=ppt/slides/slide24.xml><?xml version="1.0" encoding="utf-8"?>
+<file path=ppt/slides/slide25.xml><?xml version="1.0" encoding="utf-8"?>
+<p:sld xmlns:a="http://schemas.openxmlformats.org/drawingml/2006/main" xmlns:r="http://schemas.openxmlformats.org/officeDocument/2006/relationships" xmlns:p="http://schemas.openxmlformats.org/presentationml/2006/main">
+  <p:cSld>
+    <p:spTree>
+      <p:nvGrpSpPr>
+        <p:cNvPr id="1" name=""/>
+        <p:cNvGrpSpPr/>
+        <p:nvPr/>
+      </p:nvGrpSpPr>
+      <p:grpSpPr>
+        <a:xfrm>
+          <a:off x="0" y="0"/>
+          <a:ext cx="0" cy="0"/>
+          <a:chOff x="0" y="0"/>
+          <a:chExt cx="0" cy="0"/>
+        </a:xfrm>
+      </p:grpSpPr>
+      <p:sp>
+        <p:nvSpPr>
+          <p:cNvPr id="2" name="Title 1">
+            <a:extLst>
+              <a:ext uri="{FF2B5EF4-FFF2-40B4-BE49-F238E27FC236}">
+                <a16:creationId xmlns:a16="http://schemas.microsoft.com/office/drawing/2014/main" id="{9512F67D-67CC-46C3-B96D-260D94F1ACB0}"/>
+              </a:ext>
+            </a:extLst>
+          </p:cNvPr>
+          <p:cNvSpPr>
+            <a:spLocks noGrp="1"/>
+          </p:cNvSpPr>
+          <p:nvPr>
+            <p:ph type="title"/>
+          </p:nvPr>
+        </p:nvSpPr>
+        <p:spPr/>
+        <p:txBody>
+          <a:bodyPr/>
+          <a:lstStyle/>
+          <a:p>
+            <a:r>
+              <a:rPr lang="en-US" dirty="0"/>
+              <a:t>Moving a square demo</a:t>
+            </a:r>
+          </a:p>
+        </p:txBody>
+      </p:sp>
+    </p:spTree>
+    <p:extLst>
+      <p:ext uri="{BB962C8B-B14F-4D97-AF65-F5344CB8AC3E}">
+        <p14:creationId xmlns:p14="http://schemas.microsoft.com/office/powerpoint/2010/main" val="2027502778"/>
+      </p:ext>
+    </p:extLst>
+  </p:cSld>
+  <p:clrMapOvr>
+    <a:masterClrMapping/>
+  </p:clrMapOvr>
+</p:sld>
+</file>
+
+<file path=ppt/slides/slide26.xml><?xml version="1.0" encoding="utf-8"?>
 <p:sld xmlns:a="http://schemas.openxmlformats.org/drawingml/2006/main" xmlns:r="http://schemas.openxmlformats.org/officeDocument/2006/relationships" xmlns:p="http://schemas.openxmlformats.org/presentationml/2006/main">
   <p:cSld>
     <p:spTree>
@@ -22374,7 +22935,7 @@
 </p:sld>
 </file>
 
-<file path=ppt/slides/slide25.xml><?xml version="1.0" encoding="utf-8"?>
+<file path=ppt/slides/slide27.xml><?xml version="1.0" encoding="utf-8"?>
 <p:sld xmlns:a="http://schemas.openxmlformats.org/drawingml/2006/main" xmlns:r="http://schemas.openxmlformats.org/officeDocument/2006/relationships" xmlns:p="http://schemas.openxmlformats.org/presentationml/2006/main">
   <p:cSld>
     <p:spTree>
@@ -22462,7 +23023,7 @@
 </p:sld>
 </file>
 
-<file path=ppt/slides/slide26.xml><?xml version="1.0" encoding="utf-8"?>
+<file path=ppt/slides/slide28.xml><?xml version="1.0" encoding="utf-8"?>
 <p:sld xmlns:a="http://schemas.openxmlformats.org/drawingml/2006/main" xmlns:r="http://schemas.openxmlformats.org/officeDocument/2006/relationships" xmlns:p="http://schemas.openxmlformats.org/presentationml/2006/main">
   <p:cSld>
     <p:spTree>
@@ -22614,7 +23175,7 @@
 </p:sld>
 </file>
 
-<file path=ppt/slides/slide27.xml><?xml version="1.0" encoding="utf-8"?>
+<file path=ppt/slides/slide29.xml><?xml version="1.0" encoding="utf-8"?>
 <p:sld xmlns:a="http://schemas.openxmlformats.org/drawingml/2006/main" xmlns:r="http://schemas.openxmlformats.org/officeDocument/2006/relationships" xmlns:p="http://schemas.openxmlformats.org/presentationml/2006/main">
   <p:cSld>
     <p:spTree>
@@ -22751,7 +23312,155 @@
 </p:sld>
 </file>
 
-<file path=ppt/slides/slide28.xml><?xml version="1.0" encoding="utf-8"?>
+<file path=ppt/slides/slide3.xml><?xml version="1.0" encoding="utf-8"?>
+<p:sld xmlns:a="http://schemas.openxmlformats.org/drawingml/2006/main" xmlns:r="http://schemas.openxmlformats.org/officeDocument/2006/relationships" xmlns:p="http://schemas.openxmlformats.org/presentationml/2006/main">
+  <p:cSld>
+    <p:spTree>
+      <p:nvGrpSpPr>
+        <p:cNvPr id="1" name=""/>
+        <p:cNvGrpSpPr/>
+        <p:nvPr/>
+      </p:nvGrpSpPr>
+      <p:grpSpPr>
+        <a:xfrm>
+          <a:off x="0" y="0"/>
+          <a:ext cx="0" cy="0"/>
+          <a:chOff x="0" y="0"/>
+          <a:chExt cx="0" cy="0"/>
+        </a:xfrm>
+      </p:grpSpPr>
+      <p:sp>
+        <p:nvSpPr>
+          <p:cNvPr id="2" name="Title 1">
+            <a:extLst>
+              <a:ext uri="{FF2B5EF4-FFF2-40B4-BE49-F238E27FC236}">
+                <a16:creationId xmlns:a16="http://schemas.microsoft.com/office/drawing/2014/main" id="{A85E98DD-42AC-4AF0-858C-C0BAE5853F2E}"/>
+              </a:ext>
+            </a:extLst>
+          </p:cNvPr>
+          <p:cNvSpPr>
+            <a:spLocks noGrp="1"/>
+          </p:cNvSpPr>
+          <p:nvPr>
+            <p:ph type="title"/>
+          </p:nvPr>
+        </p:nvSpPr>
+        <p:spPr/>
+        <p:txBody>
+          <a:bodyPr/>
+          <a:lstStyle/>
+          <a:p>
+            <a:r>
+              <a:rPr lang="en-US" dirty="0" err="1"/>
+              <a:t>IEnumerable</a:t>
+            </a:r>
+            <a:r>
+              <a:rPr lang="en-US" dirty="0"/>
+              <a:t>&lt;T&gt;	 Comparison	</a:t>
+            </a:r>
+          </a:p>
+        </p:txBody>
+      </p:sp>
+      <p:sp>
+        <p:nvSpPr>
+          <p:cNvPr id="3" name="Content Placeholder 2">
+            <a:extLst>
+              <a:ext uri="{FF2B5EF4-FFF2-40B4-BE49-F238E27FC236}">
+                <a16:creationId xmlns:a16="http://schemas.microsoft.com/office/drawing/2014/main" id="{12453D61-FB55-4998-9723-4C01C6BE73E6}"/>
+              </a:ext>
+            </a:extLst>
+          </p:cNvPr>
+          <p:cNvSpPr>
+            <a:spLocks noGrp="1"/>
+          </p:cNvSpPr>
+          <p:nvPr>
+            <p:ph idx="1"/>
+          </p:nvPr>
+        </p:nvSpPr>
+        <p:spPr/>
+        <p:txBody>
+          <a:bodyPr/>
+          <a:lstStyle/>
+          <a:p>
+            <a:r>
+              <a:rPr lang="en-US" dirty="0" err="1"/>
+              <a:t>IEnumerable</a:t>
+            </a:r>
+            <a:r>
+              <a:rPr lang="en-US" dirty="0"/>
+              <a:t>&lt;T&gt; is to Lists what </a:t>
+            </a:r>
+            <a:r>
+              <a:rPr lang="en-US" dirty="0" err="1"/>
+              <a:t>IObservable</a:t>
+            </a:r>
+            <a:r>
+              <a:rPr lang="en-US" dirty="0"/>
+              <a:t>&lt;T&gt; is to events</a:t>
+            </a:r>
+          </a:p>
+          <a:p>
+            <a:r>
+              <a:rPr lang="en-US" dirty="0"/>
+              <a:t>Iterators</a:t>
+            </a:r>
+          </a:p>
+          <a:p>
+            <a:pPr lvl="1"/>
+            <a:r>
+              <a:rPr lang="en-US" dirty="0"/>
+              <a:t>In computer programming, an </a:t>
+            </a:r>
+            <a:r>
+              <a:rPr lang="en-US" b="1" dirty="0"/>
+              <a:t>iterator</a:t>
+            </a:r>
+            <a:r>
+              <a:rPr lang="en-US" dirty="0"/>
+              <a:t> is an object that enables a programmer to traverse a container, particularly lists. Various types of </a:t>
+            </a:r>
+            <a:r>
+              <a:rPr lang="en-US" b="1" dirty="0"/>
+              <a:t>iterators</a:t>
+            </a:r>
+            <a:r>
+              <a:rPr lang="en-US" dirty="0"/>
+              <a:t> are often provided via a container's interface.</a:t>
+            </a:r>
+          </a:p>
+          <a:p>
+            <a:pPr lvl="1"/>
+            <a:r>
+              <a:rPr lang="en-US" dirty="0" err="1"/>
+              <a:t>IEnumerable</a:t>
+            </a:r>
+            <a:r>
+              <a:rPr lang="en-US" dirty="0"/>
+              <a:t>&lt;T&gt; let’s us pull the data from a package</a:t>
+            </a:r>
+          </a:p>
+          <a:p>
+            <a:r>
+              <a:rPr lang="en-US" dirty="0"/>
+              <a:t>Pulling data from a source</a:t>
+            </a:r>
+          </a:p>
+        </p:txBody>
+      </p:sp>
+    </p:spTree>
+    <p:extLst>
+      <p:ext uri="{BB962C8B-B14F-4D97-AF65-F5344CB8AC3E}">
+        <p14:creationId xmlns:p14="http://schemas.microsoft.com/office/powerpoint/2010/main" val="4281573142"/>
+      </p:ext>
+    </p:extLst>
+  </p:cSld>
+  <p:clrMapOvr>
+    <a:masterClrMapping/>
+  </p:clrMapOvr>
+</p:sld>
+</file>
+
+<file path=ppt/slides/slide30.xml><?xml version="1.0" encoding="utf-8"?>
 <p:sld xmlns:a="http://schemas.openxmlformats.org/drawingml/2006/main" xmlns:r="http://schemas.openxmlformats.org/officeDocument/2006/relationships" xmlns:p="http://schemas.openxmlformats.org/presentationml/2006/main">
   <p:cSld>
     <p:spTree>
@@ -22839,7 +23548,7 @@
 </p:sld>
 </file>
 
-<file path=ppt/slides/slide29.xml><?xml version="1.0" encoding="utf-8"?>
+<file path=ppt/slides/slide31.xml><?xml version="1.0" encoding="utf-8"?>
 <p:sld xmlns:a="http://schemas.openxmlformats.org/drawingml/2006/main" xmlns:r="http://schemas.openxmlformats.org/officeDocument/2006/relationships" xmlns:p="http://schemas.openxmlformats.org/presentationml/2006/main">
   <p:cSld>
     <p:spTree>
@@ -23160,144 +23869,7 @@
 </p:sld>
 </file>
 
-<file path=ppt/slides/slide3.xml><?xml version="1.0" encoding="utf-8"?>
-<p:sld xmlns:a="http://schemas.openxmlformats.org/drawingml/2006/main" xmlns:r="http://schemas.openxmlformats.org/officeDocument/2006/relationships" xmlns:p="http://schemas.openxmlformats.org/presentationml/2006/main">
-  <p:cSld>
-    <p:spTree>
-      <p:nvGrpSpPr>
-        <p:cNvPr id="1" name=""/>
-        <p:cNvGrpSpPr/>
-        <p:nvPr/>
-      </p:nvGrpSpPr>
-      <p:grpSpPr>
-        <a:xfrm>
-          <a:off x="0" y="0"/>
-          <a:ext cx="0" cy="0"/>
-          <a:chOff x="0" y="0"/>
-          <a:chExt cx="0" cy="0"/>
-        </a:xfrm>
-      </p:grpSpPr>
-      <p:sp>
-        <p:nvSpPr>
-          <p:cNvPr id="2" name="Title 1">
-            <a:extLst>
-              <a:ext uri="{FF2B5EF4-FFF2-40B4-BE49-F238E27FC236}">
-                <a16:creationId xmlns:a16="http://schemas.microsoft.com/office/drawing/2014/main" id="{A85E98DD-42AC-4AF0-858C-C0BAE5853F2E}"/>
-              </a:ext>
-            </a:extLst>
-          </p:cNvPr>
-          <p:cNvSpPr>
-            <a:spLocks noGrp="1"/>
-          </p:cNvSpPr>
-          <p:nvPr>
-            <p:ph type="title"/>
-          </p:nvPr>
-        </p:nvSpPr>
-        <p:spPr/>
-        <p:txBody>
-          <a:bodyPr/>
-          <a:lstStyle/>
-          <a:p>
-            <a:r>
-              <a:rPr lang="en-US" dirty="0" err="1"/>
-              <a:t>IEnumerable</a:t>
-            </a:r>
-            <a:r>
-              <a:rPr lang="en-US" dirty="0"/>
-              <a:t>&lt;T&gt;		</a:t>
-            </a:r>
-          </a:p>
-        </p:txBody>
-      </p:sp>
-      <p:sp>
-        <p:nvSpPr>
-          <p:cNvPr id="3" name="Content Placeholder 2">
-            <a:extLst>
-              <a:ext uri="{FF2B5EF4-FFF2-40B4-BE49-F238E27FC236}">
-                <a16:creationId xmlns:a16="http://schemas.microsoft.com/office/drawing/2014/main" id="{12453D61-FB55-4998-9723-4C01C6BE73E6}"/>
-              </a:ext>
-            </a:extLst>
-          </p:cNvPr>
-          <p:cNvSpPr>
-            <a:spLocks noGrp="1"/>
-          </p:cNvSpPr>
-          <p:nvPr>
-            <p:ph idx="1"/>
-          </p:nvPr>
-        </p:nvSpPr>
-        <p:spPr/>
-        <p:txBody>
-          <a:bodyPr/>
-          <a:lstStyle/>
-          <a:p>
-            <a:r>
-              <a:rPr lang="en-US" dirty="0"/>
-              <a:t>Iterators</a:t>
-            </a:r>
-          </a:p>
-          <a:p>
-            <a:pPr lvl="1"/>
-            <a:r>
-              <a:rPr lang="en-US" dirty="0"/>
-              <a:t>In computer programming, an </a:t>
-            </a:r>
-            <a:r>
-              <a:rPr lang="en-US" b="1" dirty="0"/>
-              <a:t>iterator</a:t>
-            </a:r>
-            <a:r>
-              <a:rPr lang="en-US" dirty="0"/>
-              <a:t> is an object that enables a programmer to traverse a container, particularly lists. Various types of </a:t>
-            </a:r>
-            <a:r>
-              <a:rPr lang="en-US" b="1" dirty="0"/>
-              <a:t>iterators</a:t>
-            </a:r>
-            <a:r>
-              <a:rPr lang="en-US" dirty="0"/>
-              <a:t> are often provided via a container's interface.</a:t>
-            </a:r>
-          </a:p>
-          <a:p>
-            <a:pPr lvl="1"/>
-            <a:r>
-              <a:rPr lang="en-US" dirty="0" err="1"/>
-              <a:t>IEnumerable</a:t>
-            </a:r>
-            <a:r>
-              <a:rPr lang="en-US" dirty="0"/>
-              <a:t>&lt;T&gt; let’s us pull the data from a package</a:t>
-            </a:r>
-          </a:p>
-          <a:p>
-            <a:r>
-              <a:rPr lang="en-US" dirty="0"/>
-              <a:t>Observers</a:t>
-            </a:r>
-          </a:p>
-          <a:p>
-            <a:pPr lvl="1"/>
-            <a:r>
-              <a:rPr lang="en-US" dirty="0"/>
-              <a:t>Flip that and make it a function of time</a:t>
-            </a:r>
-          </a:p>
-        </p:txBody>
-      </p:sp>
-    </p:spTree>
-    <p:extLst>
-      <p:ext uri="{BB962C8B-B14F-4D97-AF65-F5344CB8AC3E}">
-        <p14:creationId xmlns:p14="http://schemas.microsoft.com/office/powerpoint/2010/main" val="4281573142"/>
-      </p:ext>
-    </p:extLst>
-  </p:cSld>
-  <p:clrMapOvr>
-    <a:masterClrMapping/>
-  </p:clrMapOvr>
-</p:sld>
-</file>
-
-<file path=ppt/slides/slide30.xml><?xml version="1.0" encoding="utf-8"?>
+<file path=ppt/slides/slide32.xml><?xml version="1.0" encoding="utf-8"?>
 <p:sld xmlns:a="http://schemas.openxmlformats.org/drawingml/2006/main" xmlns:r="http://schemas.openxmlformats.org/officeDocument/2006/relationships" xmlns:p="http://schemas.openxmlformats.org/presentationml/2006/main">
   <p:cSld>
     <p:spTree>
@@ -23416,7 +23988,7 @@
 </p:sld>
 </file>
 
-<file path=ppt/slides/slide31.xml><?xml version="1.0" encoding="utf-8"?>
+<file path=ppt/slides/slide33.xml><?xml version="1.0" encoding="utf-8"?>
 <p:sld xmlns:a="http://schemas.openxmlformats.org/drawingml/2006/main" xmlns:r="http://schemas.openxmlformats.org/officeDocument/2006/relationships" xmlns:p="http://schemas.openxmlformats.org/presentationml/2006/main">
   <p:cSld>
     <p:spTree>
@@ -23534,7 +24106,7 @@
 </p:sld>
 </file>
 
-<file path=ppt/slides/slide32.xml><?xml version="1.0" encoding="utf-8"?>
+<file path=ppt/slides/slide34.xml><?xml version="1.0" encoding="utf-8"?>
 <p:sld xmlns:a="http://schemas.openxmlformats.org/drawingml/2006/main" xmlns:r="http://schemas.openxmlformats.org/officeDocument/2006/relationships" xmlns:p="http://schemas.openxmlformats.org/presentationml/2006/main">
   <p:cSld>
     <p:spTree>
@@ -23630,7 +24202,7 @@
 </p:sld>
 </file>
 
-<file path=ppt/slides/slide33.xml><?xml version="1.0" encoding="utf-8"?>
+<file path=ppt/slides/slide35.xml><?xml version="1.0" encoding="utf-8"?>
 <p:sld xmlns:a="http://schemas.openxmlformats.org/drawingml/2006/main" xmlns:r="http://schemas.openxmlformats.org/officeDocument/2006/relationships" xmlns:p="http://schemas.openxmlformats.org/presentationml/2006/main">
   <p:cSld>
     <p:spTree>
@@ -23795,7 +24367,7 @@
 </p:sld>
 </file>
 
-<file path=ppt/slides/slide34.xml><?xml version="1.0" encoding="utf-8"?>
+<file path=ppt/slides/slide36.xml><?xml version="1.0" encoding="utf-8"?>
 <p:sld xmlns:a="http://schemas.openxmlformats.org/drawingml/2006/main" xmlns:r="http://schemas.openxmlformats.org/officeDocument/2006/relationships" xmlns:p="http://schemas.openxmlformats.org/presentationml/2006/main">
   <p:cSld>
     <p:spTree>
@@ -24171,7 +24743,7 @@
         </p:spPr>
         <p:txBody>
           <a:bodyPr>
-            <a:normAutofit lnSpcReduction="10000"/>
+            <a:normAutofit/>
           </a:bodyPr>
           <a:lstStyle/>
           <a:p>
@@ -24249,15 +24821,30 @@
           <a:p>
             <a:r>
               <a:rPr lang="en-US" dirty="0" err="1"/>
-              <a:t>Observable.FromEventPattern</a:t>
-            </a:r>
-            <a:br>
-              <a:rPr lang="en-US" dirty="0"/>
-            </a:br>
+              <a:t>Observable.Create</a:t>
+            </a:r>
             <a:r>
               <a:rPr lang="en-US" dirty="0"/>
               <a:t>(</a:t>
             </a:r>
+            <a:r>
+              <a:rPr lang="en-US" dirty="0" err="1"/>
+              <a:t>Obs</a:t>
+            </a:r>
+            <a:r>
+              <a:rPr lang="en-US" dirty="0"/>
+              <a:t> =&gt; {})</a:t>
+            </a:r>
+          </a:p>
+          <a:p>
+            <a:r>
+              <a:rPr lang="en-US" dirty="0" err="1"/>
+              <a:t>Observable.FromEventPattern</a:t>
+            </a:r>
+            <a:r>
+              <a:rPr lang="en-US" dirty="0"/>
+              <a:t> {</a:t>
+            </a:r>
           </a:p>
           <a:p>
             <a:pPr marL="0" indent="0">
@@ -24292,18 +24879,6 @@
               <a:rPr lang="en-US" dirty="0"/>
               <a:t> -= x</a:t>
             </a:r>
-          </a:p>
-          <a:p>
-            <a:pPr marL="0" indent="0">
-              <a:buNone/>
-            </a:pPr>
-            <a:r>
-              <a:rPr lang="en-US" dirty="0"/>
-              <a:t>      )</a:t>
-            </a:r>
-          </a:p>
-          <a:p>
-            <a:endParaRPr lang="en-US" dirty="0"/>
           </a:p>
           <a:p>
             <a:endParaRPr lang="en-US" dirty="0"/>

--- a/DenverDevDays20171116.pptx
+++ b/DenverDevDays20171116.pptx
@@ -6,45 +6,46 @@
     <p:sldMasterId id="2147483738" r:id="rId2"/>
   </p:sldMasterIdLst>
   <p:notesMasterIdLst>
-    <p:notesMasterId r:id="rId39"/>
+    <p:notesMasterId r:id="rId40"/>
   </p:notesMasterIdLst>
   <p:sldIdLst>
     <p:sldId id="260" r:id="rId3"/>
-    <p:sldId id="307" r:id="rId4"/>
-    <p:sldId id="289" r:id="rId5"/>
-    <p:sldId id="282" r:id="rId6"/>
-    <p:sldId id="308" r:id="rId7"/>
-    <p:sldId id="309" r:id="rId8"/>
-    <p:sldId id="284" r:id="rId9"/>
-    <p:sldId id="311" r:id="rId10"/>
-    <p:sldId id="285" r:id="rId11"/>
-    <p:sldId id="310" r:id="rId12"/>
-    <p:sldId id="261" r:id="rId13"/>
-    <p:sldId id="312" r:id="rId14"/>
-    <p:sldId id="267" r:id="rId15"/>
-    <p:sldId id="269" r:id="rId16"/>
-    <p:sldId id="280" r:id="rId17"/>
-    <p:sldId id="262" r:id="rId18"/>
-    <p:sldId id="264" r:id="rId19"/>
-    <p:sldId id="316" r:id="rId20"/>
-    <p:sldId id="288" r:id="rId21"/>
-    <p:sldId id="266" r:id="rId22"/>
-    <p:sldId id="271" r:id="rId23"/>
-    <p:sldId id="268" r:id="rId24"/>
-    <p:sldId id="272" r:id="rId25"/>
-    <p:sldId id="313" r:id="rId26"/>
-    <p:sldId id="315" r:id="rId27"/>
-    <p:sldId id="275" r:id="rId28"/>
-    <p:sldId id="276" r:id="rId29"/>
-    <p:sldId id="278" r:id="rId30"/>
-    <p:sldId id="303" r:id="rId31"/>
-    <p:sldId id="277" r:id="rId32"/>
-    <p:sldId id="274" r:id="rId33"/>
-    <p:sldId id="304" r:id="rId34"/>
-    <p:sldId id="305" r:id="rId35"/>
-    <p:sldId id="281" r:id="rId36"/>
-    <p:sldId id="302" r:id="rId37"/>
-    <p:sldId id="314" r:id="rId38"/>
+    <p:sldId id="317" r:id="rId4"/>
+    <p:sldId id="307" r:id="rId5"/>
+    <p:sldId id="289" r:id="rId6"/>
+    <p:sldId id="282" r:id="rId7"/>
+    <p:sldId id="308" r:id="rId8"/>
+    <p:sldId id="309" r:id="rId9"/>
+    <p:sldId id="284" r:id="rId10"/>
+    <p:sldId id="311" r:id="rId11"/>
+    <p:sldId id="285" r:id="rId12"/>
+    <p:sldId id="310" r:id="rId13"/>
+    <p:sldId id="261" r:id="rId14"/>
+    <p:sldId id="312" r:id="rId15"/>
+    <p:sldId id="267" r:id="rId16"/>
+    <p:sldId id="269" r:id="rId17"/>
+    <p:sldId id="280" r:id="rId18"/>
+    <p:sldId id="262" r:id="rId19"/>
+    <p:sldId id="264" r:id="rId20"/>
+    <p:sldId id="316" r:id="rId21"/>
+    <p:sldId id="288" r:id="rId22"/>
+    <p:sldId id="266" r:id="rId23"/>
+    <p:sldId id="271" r:id="rId24"/>
+    <p:sldId id="268" r:id="rId25"/>
+    <p:sldId id="272" r:id="rId26"/>
+    <p:sldId id="313" r:id="rId27"/>
+    <p:sldId id="315" r:id="rId28"/>
+    <p:sldId id="275" r:id="rId29"/>
+    <p:sldId id="276" r:id="rId30"/>
+    <p:sldId id="278" r:id="rId31"/>
+    <p:sldId id="303" r:id="rId32"/>
+    <p:sldId id="277" r:id="rId33"/>
+    <p:sldId id="274" r:id="rId34"/>
+    <p:sldId id="304" r:id="rId35"/>
+    <p:sldId id="305" r:id="rId36"/>
+    <p:sldId id="281" r:id="rId37"/>
+    <p:sldId id="302" r:id="rId38"/>
+    <p:sldId id="314" r:id="rId39"/>
   </p:sldIdLst>
   <p:sldSz cx="6858000" cy="5143500"/>
   <p:notesSz cx="6858000" cy="9144000"/>
@@ -149,6 +150,7 @@
         <p14:section name="Default Section" id="{884A52F5-3108-402C-8D01-B1FD2E10E0D5}">
           <p14:sldIdLst>
             <p14:sldId id="260"/>
+            <p14:sldId id="317"/>
             <p14:sldId id="307"/>
             <p14:sldId id="289"/>
             <p14:sldId id="282"/>
@@ -1812,19 +1814,23 @@
             </a:r>
             <a:r>
               <a:rPr lang="en-US" dirty="0"/>
-              <a:t>, before settling on ReactiveUI which mainly came around when I was trying to fix memory leaks.</a:t>
+              <a:t>, </a:t>
             </a:r>
           </a:p>
           <a:p>
             <a:r>
               <a:rPr lang="en-US" dirty="0"/>
-              <a:t>I’ve done WPF, UWP, Native Xamarin and now Primarily Xamarin </a:t>
-            </a:r>
-            <a:r>
-              <a:rPr lang="en-US" dirty="0" err="1"/>
-              <a:t>Formss</a:t>
-            </a:r>
+              <a:t>I’ve done WPF, UWP, Native Xamarin and now Primarily Xamarin Forms</a:t>
+            </a:r>
+          </a:p>
+          <a:p>
             <a:endParaRPr lang="en-US" dirty="0"/>
+          </a:p>
+          <a:p>
+            <a:r>
+              <a:rPr lang="en-US" dirty="0"/>
+              <a:t>ReactiveUI which mainly came around when I was trying to fix memory leaks. Being able to tie a bow around all your event hook ups then just letting them go easily.</a:t>
+            </a:r>
           </a:p>
           <a:p>
             <a:endParaRPr lang="en-US" dirty="0"/>
@@ -1938,7 +1944,7 @@
           <a:p>
             <a:fld id="{5D79DF13-5F95-4E48-8467-8F80F2768465}" type="slidenum">
               <a:rPr lang="en-US" smtClean="0"/>
-              <a:t>10</a:t>
+              <a:t>11</a:t>
             </a:fld>
             <a:endParaRPr lang="en-US"/>
           </a:p>
@@ -2105,7 +2111,7 @@
           <a:p>
             <a:fld id="{5D79DF13-5F95-4E48-8467-8F80F2768465}" type="slidenum">
               <a:rPr lang="en-US" smtClean="0"/>
-              <a:t>11</a:t>
+              <a:t>12</a:t>
             </a:fld>
             <a:endParaRPr lang="en-US"/>
           </a:p>
@@ -2276,7 +2282,7 @@
           <a:p>
             <a:fld id="{5D79DF13-5F95-4E48-8467-8F80F2768465}" type="slidenum">
               <a:rPr lang="en-US" smtClean="0"/>
-              <a:t>12</a:t>
+              <a:t>13</a:t>
             </a:fld>
             <a:endParaRPr lang="en-US"/>
           </a:p>
@@ -2368,7 +2374,7 @@
           <a:p>
             <a:fld id="{5D79DF13-5F95-4E48-8467-8F80F2768465}" type="slidenum">
               <a:rPr lang="en-US" smtClean="0"/>
-              <a:t>13</a:t>
+              <a:t>14</a:t>
             </a:fld>
             <a:endParaRPr lang="en-US"/>
           </a:p>
@@ -2452,7 +2458,7 @@
           <a:p>
             <a:fld id="{5D79DF13-5F95-4E48-8467-8F80F2768465}" type="slidenum">
               <a:rPr lang="en-US" smtClean="0"/>
-              <a:t>15</a:t>
+              <a:t>16</a:t>
             </a:fld>
             <a:endParaRPr lang="en-US"/>
           </a:p>
@@ -2572,7 +2578,7 @@
           <a:p>
             <a:fld id="{5D79DF13-5F95-4E48-8467-8F80F2768465}" type="slidenum">
               <a:rPr lang="en-US" smtClean="0"/>
-              <a:t>16</a:t>
+              <a:t>17</a:t>
             </a:fld>
             <a:endParaRPr lang="en-US"/>
           </a:p>
@@ -2656,7 +2662,7 @@
           <a:p>
             <a:fld id="{5D79DF13-5F95-4E48-8467-8F80F2768465}" type="slidenum">
               <a:rPr lang="en-US" smtClean="0"/>
-              <a:t>17</a:t>
+              <a:t>18</a:t>
             </a:fld>
             <a:endParaRPr lang="en-US"/>
           </a:p>
@@ -2743,7 +2749,7 @@
           <a:p>
             <a:fld id="{5D79DF13-5F95-4E48-8467-8F80F2768465}" type="slidenum">
               <a:rPr lang="en-US" smtClean="0"/>
-              <a:t>18</a:t>
+              <a:t>19</a:t>
             </a:fld>
             <a:endParaRPr lang="en-US"/>
           </a:p>
@@ -2845,7 +2851,7 @@
           <a:p>
             <a:fld id="{5D79DF13-5F95-4E48-8467-8F80F2768465}" type="slidenum">
               <a:rPr lang="en-US" smtClean="0"/>
-              <a:t>19</a:t>
+              <a:t>20</a:t>
             </a:fld>
             <a:endParaRPr lang="en-US"/>
           </a:p>
@@ -2940,7 +2946,7 @@
           <a:p>
             <a:fld id="{5D79DF13-5F95-4E48-8467-8F80F2768465}" type="slidenum">
               <a:rPr lang="en-US" smtClean="0"/>
-              <a:t>21</a:t>
+              <a:t>22</a:t>
             </a:fld>
             <a:endParaRPr lang="en-US"/>
           </a:p>
@@ -3097,7 +3103,7 @@
           <a:p>
             <a:fld id="{5D79DF13-5F95-4E48-8467-8F80F2768465}" type="slidenum">
               <a:rPr lang="en-US" smtClean="0"/>
-              <a:t>2</a:t>
+              <a:t>3</a:t>
             </a:fld>
             <a:endParaRPr lang="en-US"/>
           </a:p>
@@ -3171,11 +3177,7 @@
           <a:p>
             <a:r>
               <a:rPr lang="en-US" dirty="0"/>
-              <a:t>Make sure to show them </a:t>
-            </a:r>
-            <a:r>
-              <a:rPr lang="en-US"/>
-              <a:t>the tests!!</a:t>
+              <a:t>Make sure to show them the tests!!</a:t>
             </a:r>
           </a:p>
         </p:txBody>
@@ -3197,7 +3199,7 @@
           <a:p>
             <a:fld id="{5D79DF13-5F95-4E48-8467-8F80F2768465}" type="slidenum">
               <a:rPr lang="en-US" smtClean="0"/>
-              <a:t>22</a:t>
+              <a:t>23</a:t>
             </a:fld>
             <a:endParaRPr lang="en-US"/>
           </a:p>
@@ -3284,7 +3286,7 @@
           <a:p>
             <a:fld id="{5D79DF13-5F95-4E48-8467-8F80F2768465}" type="slidenum">
               <a:rPr lang="en-US" smtClean="0"/>
-              <a:t>26</a:t>
+              <a:t>27</a:t>
             </a:fld>
             <a:endParaRPr lang="en-US"/>
           </a:p>
@@ -3371,7 +3373,7 @@
           <a:p>
             <a:fld id="{5D79DF13-5F95-4E48-8467-8F80F2768465}" type="slidenum">
               <a:rPr lang="en-US" smtClean="0"/>
-              <a:t>28</a:t>
+              <a:t>29</a:t>
             </a:fld>
             <a:endParaRPr lang="en-US"/>
           </a:p>
@@ -3515,7 +3517,7 @@
           <a:p>
             <a:fld id="{5D79DF13-5F95-4E48-8467-8F80F2768465}" type="slidenum">
               <a:rPr lang="en-US" smtClean="0"/>
-              <a:t>36</a:t>
+              <a:t>37</a:t>
             </a:fld>
             <a:endParaRPr lang="en-US"/>
           </a:p>
@@ -3626,7 +3628,7 @@
           <a:p>
             <a:fld id="{5D79DF13-5F95-4E48-8467-8F80F2768465}" type="slidenum">
               <a:rPr lang="en-US" smtClean="0"/>
-              <a:t>3</a:t>
+              <a:t>4</a:t>
             </a:fld>
             <a:endParaRPr lang="en-US"/>
           </a:p>
@@ -3790,7 +3792,7 @@
           <a:p>
             <a:fld id="{5D79DF13-5F95-4E48-8467-8F80F2768465}" type="slidenum">
               <a:rPr lang="en-US" smtClean="0"/>
-              <a:t>4</a:t>
+              <a:t>5</a:t>
             </a:fld>
             <a:endParaRPr lang="en-US"/>
           </a:p>
@@ -3962,7 +3964,7 @@
           <a:p>
             <a:fld id="{5D79DF13-5F95-4E48-8467-8F80F2768465}" type="slidenum">
               <a:rPr lang="en-US" smtClean="0"/>
-              <a:t>5</a:t>
+              <a:t>6</a:t>
             </a:fld>
             <a:endParaRPr lang="en-US"/>
           </a:p>
@@ -4049,7 +4051,7 @@
           <a:p>
             <a:fld id="{5D79DF13-5F95-4E48-8467-8F80F2768465}" type="slidenum">
               <a:rPr lang="en-US" smtClean="0"/>
-              <a:t>6</a:t>
+              <a:t>7</a:t>
             </a:fld>
             <a:endParaRPr lang="en-US"/>
           </a:p>
@@ -4136,7 +4138,7 @@
           <a:p>
             <a:fld id="{5D79DF13-5F95-4E48-8467-8F80F2768465}" type="slidenum">
               <a:rPr lang="en-US" smtClean="0"/>
-              <a:t>7</a:t>
+              <a:t>8</a:t>
             </a:fld>
             <a:endParaRPr lang="en-US"/>
           </a:p>
@@ -4223,7 +4225,7 @@
           <a:p>
             <a:fld id="{5D79DF13-5F95-4E48-8467-8F80F2768465}" type="slidenum">
               <a:rPr lang="en-US" smtClean="0"/>
-              <a:t>8</a:t>
+              <a:t>9</a:t>
             </a:fld>
             <a:endParaRPr lang="en-US"/>
           </a:p>
@@ -4450,7 +4452,7 @@
           <a:p>
             <a:fld id="{5D79DF13-5F95-4E48-8467-8F80F2768465}" type="slidenum">
               <a:rPr lang="en-US" smtClean="0"/>
-              <a:t>9</a:t>
+              <a:t>10</a:t>
             </a:fld>
             <a:endParaRPr lang="en-US"/>
           </a:p>
@@ -21167,6 +21169,124 @@
           <p:cNvPr id="2" name="Title 1">
             <a:extLst>
               <a:ext uri="{FF2B5EF4-FFF2-40B4-BE49-F238E27FC236}">
+                <a16:creationId xmlns:a16="http://schemas.microsoft.com/office/drawing/2014/main" id="{9FD93FCA-1CDF-4909-B274-2FCF4363B8FC}"/>
+              </a:ext>
+            </a:extLst>
+          </p:cNvPr>
+          <p:cNvSpPr>
+            <a:spLocks noGrp="1"/>
+          </p:cNvSpPr>
+          <p:nvPr>
+            <p:ph type="title"/>
+          </p:nvPr>
+        </p:nvSpPr>
+        <p:spPr/>
+        <p:txBody>
+          <a:bodyPr/>
+          <a:lstStyle/>
+          <a:p>
+            <a:r>
+              <a:rPr lang="en-US" dirty="0"/>
+              <a:t>Apply same iterator idea to observables</a:t>
+            </a:r>
+          </a:p>
+        </p:txBody>
+      </p:sp>
+      <p:pic>
+        <p:nvPicPr>
+          <p:cNvPr id="6" name="Picture 5">
+            <a:extLst>
+              <a:ext uri="{FF2B5EF4-FFF2-40B4-BE49-F238E27FC236}">
+                <a16:creationId xmlns:a16="http://schemas.microsoft.com/office/drawing/2014/main" id="{A7F28333-743F-4769-984D-CBD80A351448}"/>
+              </a:ext>
+            </a:extLst>
+          </p:cNvPr>
+          <p:cNvPicPr>
+            <a:picLocks noChangeAspect="1"/>
+          </p:cNvPicPr>
+          <p:nvPr/>
+        </p:nvPicPr>
+        <p:blipFill>
+          <a:blip r:embed="rId3"/>
+          <a:stretch>
+            <a:fillRect/>
+          </a:stretch>
+        </p:blipFill>
+        <p:spPr>
+          <a:xfrm>
+            <a:off x="785812" y="1650030"/>
+            <a:ext cx="5286375" cy="2314575"/>
+          </a:xfrm>
+          <a:prstGeom prst="rect">
+            <a:avLst/>
+          </a:prstGeom>
+        </p:spPr>
+      </p:pic>
+      <p:pic>
+        <p:nvPicPr>
+          <p:cNvPr id="7" name="Picture 6">
+            <a:extLst>
+              <a:ext uri="{FF2B5EF4-FFF2-40B4-BE49-F238E27FC236}">
+                <a16:creationId xmlns:a16="http://schemas.microsoft.com/office/drawing/2014/main" id="{284957A6-7709-4DFB-AF4F-1CC121E85336}"/>
+              </a:ext>
+            </a:extLst>
+          </p:cNvPr>
+          <p:cNvPicPr>
+            <a:picLocks noChangeAspect="1"/>
+          </p:cNvPicPr>
+          <p:nvPr/>
+        </p:nvPicPr>
+        <p:blipFill>
+          <a:blip r:embed="rId4"/>
+          <a:stretch>
+            <a:fillRect/>
+          </a:stretch>
+        </p:blipFill>
+        <p:spPr>
+          <a:xfrm>
+            <a:off x="1892800" y="4184760"/>
+            <a:ext cx="2800350" cy="695325"/>
+          </a:xfrm>
+          <a:prstGeom prst="rect">
+            <a:avLst/>
+          </a:prstGeom>
+        </p:spPr>
+      </p:pic>
+    </p:spTree>
+    <p:extLst>
+      <p:ext uri="{BB962C8B-B14F-4D97-AF65-F5344CB8AC3E}">
+        <p14:creationId xmlns:p14="http://schemas.microsoft.com/office/powerpoint/2010/main" val="3204729738"/>
+      </p:ext>
+    </p:extLst>
+  </p:cSld>
+  <p:clrMapOvr>
+    <a:masterClrMapping/>
+  </p:clrMapOvr>
+</p:sld>
+</file>
+
+<file path=ppt/slides/slide11.xml><?xml version="1.0" encoding="utf-8"?>
+<p:sld xmlns:a="http://schemas.openxmlformats.org/drawingml/2006/main" xmlns:r="http://schemas.openxmlformats.org/officeDocument/2006/relationships" xmlns:p="http://schemas.openxmlformats.org/presentationml/2006/main">
+  <p:cSld>
+    <p:spTree>
+      <p:nvGrpSpPr>
+        <p:cNvPr id="1" name=""/>
+        <p:cNvGrpSpPr/>
+        <p:nvPr/>
+      </p:nvGrpSpPr>
+      <p:grpSpPr>
+        <a:xfrm>
+          <a:off x="0" y="0"/>
+          <a:ext cx="0" cy="0"/>
+          <a:chOff x="0" y="0"/>
+          <a:chExt cx="0" cy="0"/>
+        </a:xfrm>
+      </p:grpSpPr>
+      <p:sp>
+        <p:nvSpPr>
+          <p:cNvPr id="2" name="Title 1">
+            <a:extLst>
+              <a:ext uri="{FF2B5EF4-FFF2-40B4-BE49-F238E27FC236}">
                 <a16:creationId xmlns:a16="http://schemas.microsoft.com/office/drawing/2014/main" id="{A02CA362-8947-46E0-A7B6-75C57CAD64F5}"/>
               </a:ext>
             </a:extLst>
@@ -21233,7 +21353,7 @@
 </p:sld>
 </file>
 
-<file path=ppt/slides/slide11.xml><?xml version="1.0" encoding="utf-8"?>
+<file path=ppt/slides/slide12.xml><?xml version="1.0" encoding="utf-8"?>
 <p:sld xmlns:a="http://schemas.openxmlformats.org/drawingml/2006/main" xmlns:r="http://schemas.openxmlformats.org/officeDocument/2006/relationships" xmlns:p="http://schemas.openxmlformats.org/presentationml/2006/main">
   <p:cSld>
     <p:spTree>
@@ -21321,7 +21441,7 @@
 </p:sld>
 </file>
 
-<file path=ppt/slides/slide12.xml><?xml version="1.0" encoding="utf-8"?>
+<file path=ppt/slides/slide13.xml><?xml version="1.0" encoding="utf-8"?>
 <p:sld xmlns:a="http://schemas.openxmlformats.org/drawingml/2006/main" xmlns:r="http://schemas.openxmlformats.org/officeDocument/2006/relationships" xmlns:p="http://schemas.openxmlformats.org/presentationml/2006/main">
   <p:cSld>
     <p:spTree>
@@ -21379,7 +21499,7 @@
 </p:sld>
 </file>
 
-<file path=ppt/slides/slide13.xml><?xml version="1.0" encoding="utf-8"?>
+<file path=ppt/slides/slide14.xml><?xml version="1.0" encoding="utf-8"?>
 <p:sld xmlns:a="http://schemas.openxmlformats.org/drawingml/2006/main" xmlns:r="http://schemas.openxmlformats.org/officeDocument/2006/relationships" xmlns:p="http://schemas.openxmlformats.org/presentationml/2006/main">
   <p:cSld>
     <p:spTree>
@@ -21467,7 +21587,7 @@
 </p:sld>
 </file>
 
-<file path=ppt/slides/slide14.xml><?xml version="1.0" encoding="utf-8"?>
+<file path=ppt/slides/slide15.xml><?xml version="1.0" encoding="utf-8"?>
 <p:sld xmlns:a="http://schemas.openxmlformats.org/drawingml/2006/main" xmlns:r="http://schemas.openxmlformats.org/officeDocument/2006/relationships" xmlns:p="http://schemas.openxmlformats.org/presentationml/2006/main">
   <p:cSld>
     <p:spTree>
@@ -21595,135 +21715,6 @@
 </p:sld>
 </file>
 
-<file path=ppt/slides/slide15.xml><?xml version="1.0" encoding="utf-8"?>
-<p:sld xmlns:a="http://schemas.openxmlformats.org/drawingml/2006/main" xmlns:r="http://schemas.openxmlformats.org/officeDocument/2006/relationships" xmlns:p="http://schemas.openxmlformats.org/presentationml/2006/main">
-  <p:cSld>
-    <p:spTree>
-      <p:nvGrpSpPr>
-        <p:cNvPr id="1" name=""/>
-        <p:cNvGrpSpPr/>
-        <p:nvPr/>
-      </p:nvGrpSpPr>
-      <p:grpSpPr>
-        <a:xfrm>
-          <a:off x="0" y="0"/>
-          <a:ext cx="0" cy="0"/>
-          <a:chOff x="0" y="0"/>
-          <a:chExt cx="0" cy="0"/>
-        </a:xfrm>
-      </p:grpSpPr>
-      <p:sp>
-        <p:nvSpPr>
-          <p:cNvPr id="2" name="Title 1">
-            <a:extLst>
-              <a:ext uri="{FF2B5EF4-FFF2-40B4-BE49-F238E27FC236}">
-                <a16:creationId xmlns:a16="http://schemas.microsoft.com/office/drawing/2014/main" id="{5BFC8591-6334-446B-8A88-893BA3D9258A}"/>
-              </a:ext>
-            </a:extLst>
-          </p:cNvPr>
-          <p:cNvSpPr>
-            <a:spLocks noGrp="1"/>
-          </p:cNvSpPr>
-          <p:nvPr>
-            <p:ph type="title"/>
-          </p:nvPr>
-        </p:nvSpPr>
-        <p:spPr/>
-        <p:txBody>
-          <a:bodyPr/>
-          <a:lstStyle/>
-          <a:p>
-            <a:r>
-              <a:rPr lang="en-US" dirty="0"/>
-              <a:t>Additional operators and Tools</a:t>
-            </a:r>
-          </a:p>
-        </p:txBody>
-      </p:sp>
-      <p:sp>
-        <p:nvSpPr>
-          <p:cNvPr id="3" name="Content Placeholder 2">
-            <a:extLst>
-              <a:ext uri="{FF2B5EF4-FFF2-40B4-BE49-F238E27FC236}">
-                <a16:creationId xmlns:a16="http://schemas.microsoft.com/office/drawing/2014/main" id="{ECC65BC1-33BA-4492-981A-5FB32E0FBB45}"/>
-              </a:ext>
-            </a:extLst>
-          </p:cNvPr>
-          <p:cNvSpPr>
-            <a:spLocks noGrp="1"/>
-          </p:cNvSpPr>
-          <p:nvPr>
-            <p:ph idx="1"/>
-          </p:nvPr>
-        </p:nvSpPr>
-        <p:spPr/>
-        <p:txBody>
-          <a:bodyPr>
-            <a:normAutofit/>
-          </a:bodyPr>
-          <a:lstStyle/>
-          <a:p>
-            <a:r>
-              <a:rPr lang="en-US" b="1" dirty="0"/>
-              <a:t>Connected Observables</a:t>
-            </a:r>
-          </a:p>
-          <a:p>
-            <a:pPr lvl="1"/>
-            <a:r>
-              <a:rPr lang="en-US" dirty="0"/>
-              <a:t>Multi Casting</a:t>
-            </a:r>
-          </a:p>
-          <a:p>
-            <a:r>
-              <a:rPr lang="en-US" b="1" dirty="0"/>
-              <a:t>Switch</a:t>
-            </a:r>
-          </a:p>
-          <a:p>
-            <a:pPr lvl="1"/>
-            <a:r>
-              <a:rPr lang="en-US" b="1" dirty="0"/>
-              <a:t>Vs </a:t>
-            </a:r>
-            <a:r>
-              <a:rPr lang="en-US" b="1" dirty="0" err="1"/>
-              <a:t>SelectMany</a:t>
-            </a:r>
-            <a:endParaRPr lang="en-US" dirty="0"/>
-          </a:p>
-          <a:p>
-            <a:r>
-              <a:rPr lang="en-US" dirty="0"/>
-              <a:t>reactivex.io/documentation/operators.html</a:t>
-            </a:r>
-          </a:p>
-          <a:p>
-            <a:r>
-              <a:rPr lang="en-US" dirty="0" err="1"/>
-              <a:t>LINQPad</a:t>
-            </a:r>
-            <a:endParaRPr lang="en-US" dirty="0"/>
-          </a:p>
-          <a:p>
-            <a:endParaRPr lang="en-US" b="1" dirty="0"/>
-          </a:p>
-        </p:txBody>
-      </p:sp>
-    </p:spTree>
-    <p:extLst>
-      <p:ext uri="{BB962C8B-B14F-4D97-AF65-F5344CB8AC3E}">
-        <p14:creationId xmlns:p14="http://schemas.microsoft.com/office/powerpoint/2010/main" val="3432165949"/>
-      </p:ext>
-    </p:extLst>
-  </p:cSld>
-  <p:clrMapOvr>
-    <a:masterClrMapping/>
-  </p:clrMapOvr>
-</p:sld>
-</file>
-
 <file path=ppt/slides/slide16.xml><?xml version="1.0" encoding="utf-8"?>
 <p:sld xmlns:a="http://schemas.openxmlformats.org/drawingml/2006/main" xmlns:r="http://schemas.openxmlformats.org/officeDocument/2006/relationships" xmlns:p="http://schemas.openxmlformats.org/presentationml/2006/main">
   <p:cSld>
@@ -21746,6 +21737,135 @@
           <p:cNvPr id="2" name="Title 1">
             <a:extLst>
               <a:ext uri="{FF2B5EF4-FFF2-40B4-BE49-F238E27FC236}">
+                <a16:creationId xmlns:a16="http://schemas.microsoft.com/office/drawing/2014/main" id="{5BFC8591-6334-446B-8A88-893BA3D9258A}"/>
+              </a:ext>
+            </a:extLst>
+          </p:cNvPr>
+          <p:cNvSpPr>
+            <a:spLocks noGrp="1"/>
+          </p:cNvSpPr>
+          <p:nvPr>
+            <p:ph type="title"/>
+          </p:nvPr>
+        </p:nvSpPr>
+        <p:spPr/>
+        <p:txBody>
+          <a:bodyPr/>
+          <a:lstStyle/>
+          <a:p>
+            <a:r>
+              <a:rPr lang="en-US" dirty="0"/>
+              <a:t>Additional operators and Tools</a:t>
+            </a:r>
+          </a:p>
+        </p:txBody>
+      </p:sp>
+      <p:sp>
+        <p:nvSpPr>
+          <p:cNvPr id="3" name="Content Placeholder 2">
+            <a:extLst>
+              <a:ext uri="{FF2B5EF4-FFF2-40B4-BE49-F238E27FC236}">
+                <a16:creationId xmlns:a16="http://schemas.microsoft.com/office/drawing/2014/main" id="{ECC65BC1-33BA-4492-981A-5FB32E0FBB45}"/>
+              </a:ext>
+            </a:extLst>
+          </p:cNvPr>
+          <p:cNvSpPr>
+            <a:spLocks noGrp="1"/>
+          </p:cNvSpPr>
+          <p:nvPr>
+            <p:ph idx="1"/>
+          </p:nvPr>
+        </p:nvSpPr>
+        <p:spPr/>
+        <p:txBody>
+          <a:bodyPr>
+            <a:normAutofit/>
+          </a:bodyPr>
+          <a:lstStyle/>
+          <a:p>
+            <a:r>
+              <a:rPr lang="en-US" b="1" dirty="0"/>
+              <a:t>Connected Observables</a:t>
+            </a:r>
+          </a:p>
+          <a:p>
+            <a:pPr lvl="1"/>
+            <a:r>
+              <a:rPr lang="en-US" dirty="0"/>
+              <a:t>Multi Casting</a:t>
+            </a:r>
+          </a:p>
+          <a:p>
+            <a:r>
+              <a:rPr lang="en-US" b="1" dirty="0"/>
+              <a:t>Switch</a:t>
+            </a:r>
+          </a:p>
+          <a:p>
+            <a:pPr lvl="1"/>
+            <a:r>
+              <a:rPr lang="en-US" b="1" dirty="0"/>
+              <a:t>Vs </a:t>
+            </a:r>
+            <a:r>
+              <a:rPr lang="en-US" b="1" dirty="0" err="1"/>
+              <a:t>SelectMany</a:t>
+            </a:r>
+            <a:endParaRPr lang="en-US" dirty="0"/>
+          </a:p>
+          <a:p>
+            <a:r>
+              <a:rPr lang="en-US" dirty="0"/>
+              <a:t>reactivex.io/documentation/operators.html</a:t>
+            </a:r>
+          </a:p>
+          <a:p>
+            <a:r>
+              <a:rPr lang="en-US" dirty="0" err="1"/>
+              <a:t>LINQPad</a:t>
+            </a:r>
+            <a:endParaRPr lang="en-US" dirty="0"/>
+          </a:p>
+          <a:p>
+            <a:endParaRPr lang="en-US" b="1" dirty="0"/>
+          </a:p>
+        </p:txBody>
+      </p:sp>
+    </p:spTree>
+    <p:extLst>
+      <p:ext uri="{BB962C8B-B14F-4D97-AF65-F5344CB8AC3E}">
+        <p14:creationId xmlns:p14="http://schemas.microsoft.com/office/powerpoint/2010/main" val="3432165949"/>
+      </p:ext>
+    </p:extLst>
+  </p:cSld>
+  <p:clrMapOvr>
+    <a:masterClrMapping/>
+  </p:clrMapOvr>
+</p:sld>
+</file>
+
+<file path=ppt/slides/slide17.xml><?xml version="1.0" encoding="utf-8"?>
+<p:sld xmlns:a="http://schemas.openxmlformats.org/drawingml/2006/main" xmlns:r="http://schemas.openxmlformats.org/officeDocument/2006/relationships" xmlns:p="http://schemas.openxmlformats.org/presentationml/2006/main">
+  <p:cSld>
+    <p:spTree>
+      <p:nvGrpSpPr>
+        <p:cNvPr id="1" name=""/>
+        <p:cNvGrpSpPr/>
+        <p:nvPr/>
+      </p:nvGrpSpPr>
+      <p:grpSpPr>
+        <a:xfrm>
+          <a:off x="0" y="0"/>
+          <a:ext cx="0" cy="0"/>
+          <a:chOff x="0" y="0"/>
+          <a:chExt cx="0" cy="0"/>
+        </a:xfrm>
+      </p:grpSpPr>
+      <p:sp>
+        <p:nvSpPr>
+          <p:cNvPr id="2" name="Title 1">
+            <a:extLst>
+              <a:ext uri="{FF2B5EF4-FFF2-40B4-BE49-F238E27FC236}">
                 <a16:creationId xmlns:a16="http://schemas.microsoft.com/office/drawing/2014/main" id="{9CE54AF5-44DC-4091-97B3-49FB3D08513B}"/>
               </a:ext>
             </a:extLst>
@@ -21862,7 +21982,7 @@
 </p:sld>
 </file>
 
-<file path=ppt/slides/slide17.xml><?xml version="1.0" encoding="utf-8"?>
+<file path=ppt/slides/slide18.xml><?xml version="1.0" encoding="utf-8"?>
 <p:sld xmlns:a="http://schemas.openxmlformats.org/drawingml/2006/main" xmlns:r="http://schemas.openxmlformats.org/officeDocument/2006/relationships" xmlns:p="http://schemas.openxmlformats.org/presentationml/2006/main">
   <p:cSld>
     <p:spTree>
@@ -21980,7 +22100,7 @@
 </p:sld>
 </file>
 
-<file path=ppt/slides/slide18.xml><?xml version="1.0" encoding="utf-8"?>
+<file path=ppt/slides/slide19.xml><?xml version="1.0" encoding="utf-8"?>
 <p:sld xmlns:a="http://schemas.openxmlformats.org/drawingml/2006/main" xmlns:r="http://schemas.openxmlformats.org/officeDocument/2006/relationships" xmlns:p="http://schemas.openxmlformats.org/presentationml/2006/main">
   <p:cSld>
     <p:spTree>
@@ -22098,7 +22218,155 @@
 </p:sld>
 </file>
 
-<file path=ppt/slides/slide19.xml><?xml version="1.0" encoding="utf-8"?>
+<file path=ppt/slides/slide2.xml><?xml version="1.0" encoding="utf-8"?>
+<p:sld xmlns:a="http://schemas.openxmlformats.org/drawingml/2006/main" xmlns:r="http://schemas.openxmlformats.org/officeDocument/2006/relationships" xmlns:p="http://schemas.openxmlformats.org/presentationml/2006/main">
+  <p:cSld>
+    <p:spTree>
+      <p:nvGrpSpPr>
+        <p:cNvPr id="1" name=""/>
+        <p:cNvGrpSpPr/>
+        <p:nvPr/>
+      </p:nvGrpSpPr>
+      <p:grpSpPr>
+        <a:xfrm>
+          <a:off x="0" y="0"/>
+          <a:ext cx="0" cy="0"/>
+          <a:chOff x="0" y="0"/>
+          <a:chExt cx="0" cy="0"/>
+        </a:xfrm>
+      </p:grpSpPr>
+      <p:sp>
+        <p:nvSpPr>
+          <p:cNvPr id="2" name="Title 1">
+            <a:extLst>
+              <a:ext uri="{FF2B5EF4-FFF2-40B4-BE49-F238E27FC236}">
+                <a16:creationId xmlns:a16="http://schemas.microsoft.com/office/drawing/2014/main" id="{2F6C501D-9AAA-451A-AE9C-E95215AC5939}"/>
+              </a:ext>
+            </a:extLst>
+          </p:cNvPr>
+          <p:cNvSpPr>
+            <a:spLocks noGrp="1"/>
+          </p:cNvSpPr>
+          <p:nvPr>
+            <p:ph type="title"/>
+          </p:nvPr>
+        </p:nvSpPr>
+        <p:spPr/>
+        <p:txBody>
+          <a:bodyPr/>
+          <a:lstStyle/>
+          <a:p>
+            <a:r>
+              <a:rPr lang="en-US" dirty="0"/>
+              <a:t>The first idea that hooked me</a:t>
+            </a:r>
+          </a:p>
+        </p:txBody>
+      </p:sp>
+      <p:pic>
+        <p:nvPicPr>
+          <p:cNvPr id="4" name="Picture 3">
+            <a:extLst>
+              <a:ext uri="{FF2B5EF4-FFF2-40B4-BE49-F238E27FC236}">
+                <a16:creationId xmlns:a16="http://schemas.microsoft.com/office/drawing/2014/main" id="{D1CA05F8-CA53-43C9-8C9F-0EC5100202A7}"/>
+              </a:ext>
+            </a:extLst>
+          </p:cNvPr>
+          <p:cNvPicPr>
+            <a:picLocks noChangeAspect="1"/>
+          </p:cNvPicPr>
+          <p:nvPr/>
+        </p:nvPicPr>
+        <p:blipFill>
+          <a:blip r:embed="rId2"/>
+          <a:stretch>
+            <a:fillRect/>
+          </a:stretch>
+        </p:blipFill>
+        <p:spPr>
+          <a:xfrm>
+            <a:off x="-4030" y="2571750"/>
+            <a:ext cx="6858000" cy="1558636"/>
+          </a:xfrm>
+          <a:prstGeom prst="rect">
+            <a:avLst/>
+          </a:prstGeom>
+        </p:spPr>
+      </p:pic>
+      <p:pic>
+        <p:nvPicPr>
+          <p:cNvPr id="5" name="Picture 4">
+            <a:extLst>
+              <a:ext uri="{FF2B5EF4-FFF2-40B4-BE49-F238E27FC236}">
+                <a16:creationId xmlns:a16="http://schemas.microsoft.com/office/drawing/2014/main" id="{35488308-62CC-490B-85B4-CC20134811F9}"/>
+              </a:ext>
+            </a:extLst>
+          </p:cNvPr>
+          <p:cNvPicPr>
+            <a:picLocks noChangeAspect="1"/>
+          </p:cNvPicPr>
+          <p:nvPr/>
+        </p:nvPicPr>
+        <p:blipFill>
+          <a:blip r:embed="rId3"/>
+          <a:stretch>
+            <a:fillRect/>
+          </a:stretch>
+        </p:blipFill>
+        <p:spPr>
+          <a:xfrm>
+            <a:off x="214312" y="1765245"/>
+            <a:ext cx="6429375" cy="314325"/>
+          </a:xfrm>
+          <a:prstGeom prst="rect">
+            <a:avLst/>
+          </a:prstGeom>
+        </p:spPr>
+      </p:pic>
+      <p:pic>
+        <p:nvPicPr>
+          <p:cNvPr id="6" name="Picture 5">
+            <a:extLst>
+              <a:ext uri="{FF2B5EF4-FFF2-40B4-BE49-F238E27FC236}">
+                <a16:creationId xmlns:a16="http://schemas.microsoft.com/office/drawing/2014/main" id="{90EF70B9-4CDF-466D-8273-AE5B9BD39185}"/>
+              </a:ext>
+            </a:extLst>
+          </p:cNvPr>
+          <p:cNvPicPr>
+            <a:picLocks noChangeAspect="1"/>
+          </p:cNvPicPr>
+          <p:nvPr/>
+        </p:nvPicPr>
+        <p:blipFill>
+          <a:blip r:embed="rId4"/>
+          <a:stretch>
+            <a:fillRect/>
+          </a:stretch>
+        </p:blipFill>
+        <p:spPr>
+          <a:xfrm>
+            <a:off x="2008015" y="4448175"/>
+            <a:ext cx="2181225" cy="342900"/>
+          </a:xfrm>
+          <a:prstGeom prst="rect">
+            <a:avLst/>
+          </a:prstGeom>
+        </p:spPr>
+      </p:pic>
+    </p:spTree>
+    <p:extLst>
+      <p:ext uri="{BB962C8B-B14F-4D97-AF65-F5344CB8AC3E}">
+        <p14:creationId xmlns:p14="http://schemas.microsoft.com/office/powerpoint/2010/main" val="3505936057"/>
+      </p:ext>
+    </p:extLst>
+  </p:cSld>
+  <p:clrMapOvr>
+    <a:masterClrMapping/>
+  </p:clrMapOvr>
+</p:sld>
+</file>
+
+<file path=ppt/slides/slide20.xml><?xml version="1.0" encoding="utf-8"?>
 <p:sld xmlns:a="http://schemas.openxmlformats.org/drawingml/2006/main" xmlns:r="http://schemas.openxmlformats.org/officeDocument/2006/relationships" xmlns:p="http://schemas.openxmlformats.org/presentationml/2006/main">
   <p:cSld>
     <p:spTree>
@@ -22186,163 +22454,7 @@
 </p:sld>
 </file>
 
-<file path=ppt/slides/slide2.xml><?xml version="1.0" encoding="utf-8"?>
-<p:sld xmlns:a="http://schemas.openxmlformats.org/drawingml/2006/main" xmlns:r="http://schemas.openxmlformats.org/officeDocument/2006/relationships" xmlns:p="http://schemas.openxmlformats.org/presentationml/2006/main">
-  <p:cSld>
-    <p:spTree>
-      <p:nvGrpSpPr>
-        <p:cNvPr id="1" name=""/>
-        <p:cNvGrpSpPr/>
-        <p:nvPr/>
-      </p:nvGrpSpPr>
-      <p:grpSpPr>
-        <a:xfrm>
-          <a:off x="0" y="0"/>
-          <a:ext cx="0" cy="0"/>
-          <a:chOff x="0" y="0"/>
-          <a:chExt cx="0" cy="0"/>
-        </a:xfrm>
-      </p:grpSpPr>
-      <p:sp>
-        <p:nvSpPr>
-          <p:cNvPr id="2" name="Title 1">
-            <a:extLst>
-              <a:ext uri="{FF2B5EF4-FFF2-40B4-BE49-F238E27FC236}">
-                <a16:creationId xmlns:a16="http://schemas.microsoft.com/office/drawing/2014/main" id="{7E940219-A523-4DDF-B5AB-17DE44AB8092}"/>
-              </a:ext>
-            </a:extLst>
-          </p:cNvPr>
-          <p:cNvSpPr>
-            <a:spLocks noGrp="1"/>
-          </p:cNvSpPr>
-          <p:nvPr>
-            <p:ph type="title"/>
-          </p:nvPr>
-        </p:nvSpPr>
-        <p:spPr/>
-        <p:txBody>
-          <a:bodyPr/>
-          <a:lstStyle/>
-          <a:p>
-            <a:r>
-              <a:rPr lang="en-US" dirty="0"/>
-              <a:t>Term and Library Clarification</a:t>
-            </a:r>
-          </a:p>
-        </p:txBody>
-      </p:sp>
-      <p:sp>
-        <p:nvSpPr>
-          <p:cNvPr id="3" name="Content Placeholder 2">
-            <a:extLst>
-              <a:ext uri="{FF2B5EF4-FFF2-40B4-BE49-F238E27FC236}">
-                <a16:creationId xmlns:a16="http://schemas.microsoft.com/office/drawing/2014/main" id="{D7532444-18B2-4038-8929-C19359541C1E}"/>
-              </a:ext>
-            </a:extLst>
-          </p:cNvPr>
-          <p:cNvSpPr>
-            <a:spLocks noGrp="1"/>
-          </p:cNvSpPr>
-          <p:nvPr>
-            <p:ph idx="1"/>
-          </p:nvPr>
-        </p:nvSpPr>
-        <p:spPr>
-          <a:xfrm>
-            <a:off x="648287" y="1866900"/>
-            <a:ext cx="4758945" cy="2932340"/>
-          </a:xfrm>
-        </p:spPr>
-        <p:txBody>
-          <a:bodyPr/>
-          <a:lstStyle/>
-          <a:p>
-            <a:r>
-              <a:rPr lang="en-US" dirty="0"/>
-              <a:t>ReactJS</a:t>
-            </a:r>
-          </a:p>
-          <a:p>
-            <a:pPr lvl="1"/>
-            <a:r>
-              <a:rPr lang="en-US" dirty="0"/>
-              <a:t>A view library that shares 5 letters with the word Reactive</a:t>
-            </a:r>
-          </a:p>
-          <a:p>
-            <a:pPr lvl="1"/>
-            <a:r>
-              <a:rPr lang="en-US" dirty="0"/>
-              <a:t>Can work with reactive libraries </a:t>
-            </a:r>
-            <a:r>
-              <a:rPr lang="en-US" dirty="0" err="1"/>
-              <a:t>Mobx</a:t>
-            </a:r>
-            <a:r>
-              <a:rPr lang="en-US" dirty="0"/>
-              <a:t>, Meteor, </a:t>
-            </a:r>
-            <a:r>
-              <a:rPr lang="en-US" dirty="0" err="1"/>
-              <a:t>RxJS</a:t>
-            </a:r>
-            <a:r>
-              <a:rPr lang="en-US" dirty="0"/>
-              <a:t>, etc..</a:t>
-            </a:r>
-          </a:p>
-          <a:p>
-            <a:r>
-              <a:rPr lang="en-US" dirty="0" err="1"/>
-              <a:t>ReactiveX</a:t>
-            </a:r>
-            <a:r>
-              <a:rPr lang="en-US" dirty="0"/>
-              <a:t> </a:t>
-            </a:r>
-          </a:p>
-          <a:p>
-            <a:pPr lvl="1"/>
-            <a:r>
-              <a:rPr lang="en-US" dirty="0"/>
-              <a:t>What we’re mainly talking about today</a:t>
-            </a:r>
-          </a:p>
-          <a:p>
-            <a:r>
-              <a:rPr lang="en-US" dirty="0"/>
-              <a:t>ReactiveUI</a:t>
-            </a:r>
-          </a:p>
-          <a:p>
-            <a:pPr lvl="1"/>
-            <a:r>
-              <a:rPr lang="en-US" dirty="0"/>
-              <a:t>Cross platform MVVM library built on top of </a:t>
-            </a:r>
-            <a:r>
-              <a:rPr lang="en-US" dirty="0" err="1"/>
-              <a:t>ReactiveX</a:t>
-            </a:r>
-            <a:endParaRPr lang="en-US" dirty="0"/>
-          </a:p>
-        </p:txBody>
-      </p:sp>
-    </p:spTree>
-    <p:extLst>
-      <p:ext uri="{BB962C8B-B14F-4D97-AF65-F5344CB8AC3E}">
-        <p14:creationId xmlns:p14="http://schemas.microsoft.com/office/powerpoint/2010/main" val="3471887714"/>
-      </p:ext>
-    </p:extLst>
-  </p:cSld>
-  <p:clrMapOvr>
-    <a:masterClrMapping/>
-  </p:clrMapOvr>
-</p:sld>
-</file>
-
-<file path=ppt/slides/slide20.xml><?xml version="1.0" encoding="utf-8"?>
+<file path=ppt/slides/slide21.xml><?xml version="1.0" encoding="utf-8"?>
 <p:sld xmlns:a="http://schemas.openxmlformats.org/drawingml/2006/main" xmlns:r="http://schemas.openxmlformats.org/officeDocument/2006/relationships" xmlns:p="http://schemas.openxmlformats.org/presentationml/2006/main">
   <p:cSld>
     <p:spTree>
@@ -22430,7 +22542,7 @@
 </p:sld>
 </file>
 
-<file path=ppt/slides/slide21.xml><?xml version="1.0" encoding="utf-8"?>
+<file path=ppt/slides/slide22.xml><?xml version="1.0" encoding="utf-8"?>
 <p:sld xmlns:a="http://schemas.openxmlformats.org/drawingml/2006/main" xmlns:r="http://schemas.openxmlformats.org/officeDocument/2006/relationships" xmlns:p="http://schemas.openxmlformats.org/presentationml/2006/main">
   <p:cSld>
     <p:spTree>
@@ -22518,7 +22630,7 @@
 </p:sld>
 </file>
 
-<file path=ppt/slides/slide22.xml><?xml version="1.0" encoding="utf-8"?>
+<file path=ppt/slides/slide23.xml><?xml version="1.0" encoding="utf-8"?>
 <p:sld xmlns:a="http://schemas.openxmlformats.org/drawingml/2006/main" xmlns:r="http://schemas.openxmlformats.org/officeDocument/2006/relationships" xmlns:p="http://schemas.openxmlformats.org/presentationml/2006/main">
   <p:cSld>
     <p:spTree>
@@ -22576,7 +22688,7 @@
 </p:sld>
 </file>
 
-<file path=ppt/slides/slide23.xml><?xml version="1.0" encoding="utf-8"?>
+<file path=ppt/slides/slide24.xml><?xml version="1.0" encoding="utf-8"?>
 <p:sld xmlns:a="http://schemas.openxmlformats.org/drawingml/2006/main" xmlns:r="http://schemas.openxmlformats.org/officeDocument/2006/relationships" xmlns:p="http://schemas.openxmlformats.org/presentationml/2006/main">
   <p:cSld>
     <p:spTree>
@@ -22694,64 +22806,6 @@
 </p:sld>
 </file>
 
-<file path=ppt/slides/slide24.xml><?xml version="1.0" encoding="utf-8"?>
-<p:sld xmlns:a="http://schemas.openxmlformats.org/drawingml/2006/main" xmlns:r="http://schemas.openxmlformats.org/officeDocument/2006/relationships" xmlns:p="http://schemas.openxmlformats.org/presentationml/2006/main">
-  <p:cSld>
-    <p:spTree>
-      <p:nvGrpSpPr>
-        <p:cNvPr id="1" name=""/>
-        <p:cNvGrpSpPr/>
-        <p:nvPr/>
-      </p:nvGrpSpPr>
-      <p:grpSpPr>
-        <a:xfrm>
-          <a:off x="0" y="0"/>
-          <a:ext cx="0" cy="0"/>
-          <a:chOff x="0" y="0"/>
-          <a:chExt cx="0" cy="0"/>
-        </a:xfrm>
-      </p:grpSpPr>
-      <p:sp>
-        <p:nvSpPr>
-          <p:cNvPr id="2" name="Title 1">
-            <a:extLst>
-              <a:ext uri="{FF2B5EF4-FFF2-40B4-BE49-F238E27FC236}">
-                <a16:creationId xmlns:a16="http://schemas.microsoft.com/office/drawing/2014/main" id="{9512F67D-67CC-46C3-B96D-260D94F1ACB0}"/>
-              </a:ext>
-            </a:extLst>
-          </p:cNvPr>
-          <p:cNvSpPr>
-            <a:spLocks noGrp="1"/>
-          </p:cNvSpPr>
-          <p:nvPr>
-            <p:ph type="title"/>
-          </p:nvPr>
-        </p:nvSpPr>
-        <p:spPr/>
-        <p:txBody>
-          <a:bodyPr/>
-          <a:lstStyle/>
-          <a:p>
-            <a:r>
-              <a:rPr lang="en-US" dirty="0"/>
-              <a:t>Mouse Pressed Demo</a:t>
-            </a:r>
-          </a:p>
-        </p:txBody>
-      </p:sp>
-    </p:spTree>
-    <p:extLst>
-      <p:ext uri="{BB962C8B-B14F-4D97-AF65-F5344CB8AC3E}">
-        <p14:creationId xmlns:p14="http://schemas.microsoft.com/office/powerpoint/2010/main" val="414535359"/>
-      </p:ext>
-    </p:extLst>
-  </p:cSld>
-  <p:clrMapOvr>
-    <a:masterClrMapping/>
-  </p:clrMapOvr>
-</p:sld>
-</file>
-
 <file path=ppt/slides/slide25.xml><?xml version="1.0" encoding="utf-8"?>
 <p:sld xmlns:a="http://schemas.openxmlformats.org/drawingml/2006/main" xmlns:r="http://schemas.openxmlformats.org/officeDocument/2006/relationships" xmlns:p="http://schemas.openxmlformats.org/presentationml/2006/main">
   <p:cSld>
@@ -22792,6 +22846,64 @@
           <a:p>
             <a:r>
               <a:rPr lang="en-US" dirty="0"/>
+              <a:t>Mouse Pressed Demo</a:t>
+            </a:r>
+          </a:p>
+        </p:txBody>
+      </p:sp>
+    </p:spTree>
+    <p:extLst>
+      <p:ext uri="{BB962C8B-B14F-4D97-AF65-F5344CB8AC3E}">
+        <p14:creationId xmlns:p14="http://schemas.microsoft.com/office/powerpoint/2010/main" val="414535359"/>
+      </p:ext>
+    </p:extLst>
+  </p:cSld>
+  <p:clrMapOvr>
+    <a:masterClrMapping/>
+  </p:clrMapOvr>
+</p:sld>
+</file>
+
+<file path=ppt/slides/slide26.xml><?xml version="1.0" encoding="utf-8"?>
+<p:sld xmlns:a="http://schemas.openxmlformats.org/drawingml/2006/main" xmlns:r="http://schemas.openxmlformats.org/officeDocument/2006/relationships" xmlns:p="http://schemas.openxmlformats.org/presentationml/2006/main">
+  <p:cSld>
+    <p:spTree>
+      <p:nvGrpSpPr>
+        <p:cNvPr id="1" name=""/>
+        <p:cNvGrpSpPr/>
+        <p:nvPr/>
+      </p:nvGrpSpPr>
+      <p:grpSpPr>
+        <a:xfrm>
+          <a:off x="0" y="0"/>
+          <a:ext cx="0" cy="0"/>
+          <a:chOff x="0" y="0"/>
+          <a:chExt cx="0" cy="0"/>
+        </a:xfrm>
+      </p:grpSpPr>
+      <p:sp>
+        <p:nvSpPr>
+          <p:cNvPr id="2" name="Title 1">
+            <a:extLst>
+              <a:ext uri="{FF2B5EF4-FFF2-40B4-BE49-F238E27FC236}">
+                <a16:creationId xmlns:a16="http://schemas.microsoft.com/office/drawing/2014/main" id="{9512F67D-67CC-46C3-B96D-260D94F1ACB0}"/>
+              </a:ext>
+            </a:extLst>
+          </p:cNvPr>
+          <p:cNvSpPr>
+            <a:spLocks noGrp="1"/>
+          </p:cNvSpPr>
+          <p:nvPr>
+            <p:ph type="title"/>
+          </p:nvPr>
+        </p:nvSpPr>
+        <p:spPr/>
+        <p:txBody>
+          <a:bodyPr/>
+          <a:lstStyle/>
+          <a:p>
+            <a:r>
+              <a:rPr lang="en-US" dirty="0"/>
               <a:t>Moving a square demo</a:t>
             </a:r>
           </a:p>
@@ -22810,7 +22922,7 @@
 </p:sld>
 </file>
 
-<file path=ppt/slides/slide26.xml><?xml version="1.0" encoding="utf-8"?>
+<file path=ppt/slides/slide27.xml><?xml version="1.0" encoding="utf-8"?>
 <p:sld xmlns:a="http://schemas.openxmlformats.org/drawingml/2006/main" xmlns:r="http://schemas.openxmlformats.org/officeDocument/2006/relationships" xmlns:p="http://schemas.openxmlformats.org/presentationml/2006/main">
   <p:cSld>
     <p:spTree>
@@ -22935,7 +23047,7 @@
 </p:sld>
 </file>
 
-<file path=ppt/slides/slide27.xml><?xml version="1.0" encoding="utf-8"?>
+<file path=ppt/slides/slide28.xml><?xml version="1.0" encoding="utf-8"?>
 <p:sld xmlns:a="http://schemas.openxmlformats.org/drawingml/2006/main" xmlns:r="http://schemas.openxmlformats.org/officeDocument/2006/relationships" xmlns:p="http://schemas.openxmlformats.org/presentationml/2006/main">
   <p:cSld>
     <p:spTree>
@@ -23023,7 +23135,7 @@
 </p:sld>
 </file>
 
-<file path=ppt/slides/slide28.xml><?xml version="1.0" encoding="utf-8"?>
+<file path=ppt/slides/slide29.xml><?xml version="1.0" encoding="utf-8"?>
 <p:sld xmlns:a="http://schemas.openxmlformats.org/drawingml/2006/main" xmlns:r="http://schemas.openxmlformats.org/officeDocument/2006/relationships" xmlns:p="http://schemas.openxmlformats.org/presentationml/2006/main">
   <p:cSld>
     <p:spTree>
@@ -23175,143 +23287,6 @@
 </p:sld>
 </file>
 
-<file path=ppt/slides/slide29.xml><?xml version="1.0" encoding="utf-8"?>
-<p:sld xmlns:a="http://schemas.openxmlformats.org/drawingml/2006/main" xmlns:r="http://schemas.openxmlformats.org/officeDocument/2006/relationships" xmlns:p="http://schemas.openxmlformats.org/presentationml/2006/main">
-  <p:cSld>
-    <p:spTree>
-      <p:nvGrpSpPr>
-        <p:cNvPr id="1" name=""/>
-        <p:cNvGrpSpPr/>
-        <p:nvPr/>
-      </p:nvGrpSpPr>
-      <p:grpSpPr>
-        <a:xfrm>
-          <a:off x="0" y="0"/>
-          <a:ext cx="0" cy="0"/>
-          <a:chOff x="0" y="0"/>
-          <a:chExt cx="0" cy="0"/>
-        </a:xfrm>
-      </p:grpSpPr>
-      <p:sp>
-        <p:nvSpPr>
-          <p:cNvPr id="2" name="Title 1">
-            <a:extLst>
-              <a:ext uri="{FF2B5EF4-FFF2-40B4-BE49-F238E27FC236}">
-                <a16:creationId xmlns:a16="http://schemas.microsoft.com/office/drawing/2014/main" id="{4097C708-B439-47A2-9778-70A060810126}"/>
-              </a:ext>
-            </a:extLst>
-          </p:cNvPr>
-          <p:cNvSpPr>
-            <a:spLocks noGrp="1"/>
-          </p:cNvSpPr>
-          <p:nvPr>
-            <p:ph type="title"/>
-          </p:nvPr>
-        </p:nvSpPr>
-        <p:spPr/>
-        <p:txBody>
-          <a:bodyPr/>
-          <a:lstStyle/>
-          <a:p>
-            <a:r>
-              <a:rPr lang="en-US" dirty="0"/>
-              <a:t>Additional operators</a:t>
-            </a:r>
-          </a:p>
-        </p:txBody>
-      </p:sp>
-      <p:sp>
-        <p:nvSpPr>
-          <p:cNvPr id="3" name="Content Placeholder 2">
-            <a:extLst>
-              <a:ext uri="{FF2B5EF4-FFF2-40B4-BE49-F238E27FC236}">
-                <a16:creationId xmlns:a16="http://schemas.microsoft.com/office/drawing/2014/main" id="{AD4D3474-01E2-44C8-AECD-1DBF046D3E92}"/>
-              </a:ext>
-            </a:extLst>
-          </p:cNvPr>
-          <p:cNvSpPr>
-            <a:spLocks noGrp="1"/>
-          </p:cNvSpPr>
-          <p:nvPr>
-            <p:ph idx="1"/>
-          </p:nvPr>
-        </p:nvSpPr>
-        <p:spPr/>
-        <p:txBody>
-          <a:bodyPr>
-            <a:normAutofit/>
-          </a:bodyPr>
-          <a:lstStyle/>
-          <a:p>
-            <a:r>
-              <a:rPr lang="en-US" dirty="0" err="1"/>
-              <a:t>DisposeMany</a:t>
-            </a:r>
-            <a:endParaRPr lang="en-US" dirty="0"/>
-          </a:p>
-          <a:p>
-            <a:r>
-              <a:rPr lang="en-US" dirty="0" err="1"/>
-              <a:t>MergeMany</a:t>
-            </a:r>
-            <a:endParaRPr lang="en-US" dirty="0"/>
-          </a:p>
-          <a:p>
-            <a:r>
-              <a:rPr lang="en-US" dirty="0" err="1"/>
-              <a:t>Virtualise</a:t>
-            </a:r>
-            <a:endParaRPr lang="en-US" dirty="0"/>
-          </a:p>
-          <a:p>
-            <a:r>
-              <a:rPr lang="en-US" dirty="0"/>
-              <a:t>Bind</a:t>
-            </a:r>
-          </a:p>
-          <a:p>
-            <a:r>
-              <a:rPr lang="en-US" dirty="0" err="1"/>
-              <a:t>WhenPropertyChanged</a:t>
-            </a:r>
-            <a:endParaRPr lang="en-US" dirty="0"/>
-          </a:p>
-          <a:p>
-            <a:r>
-              <a:rPr lang="en-US" dirty="0"/>
-              <a:t>Caching</a:t>
-            </a:r>
-          </a:p>
-          <a:p>
-            <a:r>
-              <a:rPr lang="en-US" dirty="0"/>
-              <a:t>Complex Grouping</a:t>
-            </a:r>
-          </a:p>
-          <a:p>
-            <a:r>
-              <a:rPr lang="en-US" dirty="0"/>
-              <a:t>Aggregates</a:t>
-            </a:r>
-          </a:p>
-          <a:p>
-            <a:endParaRPr lang="en-US" dirty="0"/>
-          </a:p>
-        </p:txBody>
-      </p:sp>
-    </p:spTree>
-    <p:extLst>
-      <p:ext uri="{BB962C8B-B14F-4D97-AF65-F5344CB8AC3E}">
-        <p14:creationId xmlns:p14="http://schemas.microsoft.com/office/powerpoint/2010/main" val="2871139726"/>
-      </p:ext>
-    </p:extLst>
-  </p:cSld>
-  <p:clrMapOvr>
-    <a:masterClrMapping/>
-  </p:clrMapOvr>
-</p:sld>
-</file>
-
 <file path=ppt/slides/slide3.xml><?xml version="1.0" encoding="utf-8"?>
 <p:sld xmlns:a="http://schemas.openxmlformats.org/drawingml/2006/main" xmlns:r="http://schemas.openxmlformats.org/officeDocument/2006/relationships" xmlns:p="http://schemas.openxmlformats.org/presentationml/2006/main">
   <p:cSld>
@@ -23334,7 +23309,7 @@
           <p:cNvPr id="2" name="Title 1">
             <a:extLst>
               <a:ext uri="{FF2B5EF4-FFF2-40B4-BE49-F238E27FC236}">
-                <a16:creationId xmlns:a16="http://schemas.microsoft.com/office/drawing/2014/main" id="{A85E98DD-42AC-4AF0-858C-C0BAE5853F2E}"/>
+                <a16:creationId xmlns:a16="http://schemas.microsoft.com/office/drawing/2014/main" id="{7E940219-A523-4DDF-B5AB-17DE44AB8092}"/>
               </a:ext>
             </a:extLst>
           </p:cNvPr>
@@ -23351,12 +23326,8 @@
           <a:lstStyle/>
           <a:p>
             <a:r>
-              <a:rPr lang="en-US" dirty="0" err="1"/>
-              <a:t>IEnumerable</a:t>
-            </a:r>
-            <a:r>
               <a:rPr lang="en-US" dirty="0"/>
-              <a:t>&lt;T&gt;	 Comparison	</a:t>
+              <a:t>Term and Library Clarification</a:t>
             </a:r>
           </a:p>
         </p:txBody>
@@ -23366,7 +23337,7 @@
           <p:cNvPr id="3" name="Content Placeholder 2">
             <a:extLst>
               <a:ext uri="{FF2B5EF4-FFF2-40B4-BE49-F238E27FC236}">
-                <a16:creationId xmlns:a16="http://schemas.microsoft.com/office/drawing/2014/main" id="{12453D61-FB55-4998-9723-4C01C6BE73E6}"/>
+                <a16:creationId xmlns:a16="http://schemas.microsoft.com/office/drawing/2014/main" id="{D7532444-18B2-4038-8929-C19359541C1E}"/>
               </a:ext>
             </a:extLst>
           </p:cNvPr>
@@ -23377,80 +23348,92 @@
             <p:ph idx="1"/>
           </p:nvPr>
         </p:nvSpPr>
-        <p:spPr/>
+        <p:spPr>
+          <a:xfrm>
+            <a:off x="648287" y="1866900"/>
+            <a:ext cx="4758945" cy="2932340"/>
+          </a:xfrm>
+        </p:spPr>
         <p:txBody>
           <a:bodyPr/>
           <a:lstStyle/>
           <a:p>
             <a:r>
+              <a:rPr lang="en-US" dirty="0"/>
+              <a:t>ReactJS</a:t>
+            </a:r>
+          </a:p>
+          <a:p>
+            <a:pPr lvl="1"/>
+            <a:r>
+              <a:rPr lang="en-US" dirty="0"/>
+              <a:t>A view library that shares 5 letters with the word Reactive</a:t>
+            </a:r>
+          </a:p>
+          <a:p>
+            <a:pPr lvl="1"/>
+            <a:r>
+              <a:rPr lang="en-US" dirty="0"/>
+              <a:t>Can work with reactive libraries </a:t>
+            </a:r>
+            <a:r>
               <a:rPr lang="en-US" dirty="0" err="1"/>
-              <a:t>IEnumerable</a:t>
+              <a:t>Mobx</a:t>
             </a:r>
             <a:r>
               <a:rPr lang="en-US" dirty="0"/>
-              <a:t>&lt;T&gt; is to Lists what </a:t>
+              <a:t>, Meteor, </a:t>
             </a:r>
             <a:r>
               <a:rPr lang="en-US" dirty="0" err="1"/>
-              <a:t>IObservable</a:t>
+              <a:t>RxJS</a:t>
             </a:r>
             <a:r>
               <a:rPr lang="en-US" dirty="0"/>
-              <a:t>&lt;T&gt; is to events</a:t>
-            </a:r>
-          </a:p>
-          <a:p>
+              <a:t>, etc..</a:t>
+            </a:r>
+          </a:p>
+          <a:p>
+            <a:r>
+              <a:rPr lang="en-US" dirty="0" err="1"/>
+              <a:t>ReactiveX</a:t>
+            </a:r>
             <a:r>
               <a:rPr lang="en-US" dirty="0"/>
-              <a:t>Iterators</a:t>
+              <a:t> </a:t>
             </a:r>
           </a:p>
           <a:p>
             <a:pPr lvl="1"/>
             <a:r>
               <a:rPr lang="en-US" dirty="0"/>
-              <a:t>In computer programming, an </a:t>
-            </a:r>
-            <a:r>
-              <a:rPr lang="en-US" b="1" dirty="0"/>
-              <a:t>iterator</a:t>
-            </a:r>
+              <a:t>What we’re mainly talking about today</a:t>
+            </a:r>
+          </a:p>
+          <a:p>
             <a:r>
               <a:rPr lang="en-US" dirty="0"/>
-              <a:t> is an object that enables a programmer to traverse a container, particularly lists. Various types of </a:t>
-            </a:r>
-            <a:r>
-              <a:rPr lang="en-US" b="1" dirty="0"/>
-              <a:t>iterators</a:t>
-            </a:r>
+              <a:t>ReactiveUI</a:t>
+            </a:r>
+          </a:p>
+          <a:p>
+            <a:pPr lvl="1"/>
             <a:r>
               <a:rPr lang="en-US" dirty="0"/>
-              <a:t> are often provided via a container's interface.</a:t>
-            </a:r>
-          </a:p>
-          <a:p>
-            <a:pPr lvl="1"/>
+              <a:t>Cross platform MVVM library built on top of </a:t>
+            </a:r>
             <a:r>
               <a:rPr lang="en-US" dirty="0" err="1"/>
-              <a:t>IEnumerable</a:t>
-            </a:r>
-            <a:r>
-              <a:rPr lang="en-US" dirty="0"/>
-              <a:t>&lt;T&gt; let’s us pull the data from a package</a:t>
-            </a:r>
-          </a:p>
-          <a:p>
-            <a:r>
-              <a:rPr lang="en-US" dirty="0"/>
-              <a:t>Pulling data from a source</a:t>
-            </a:r>
+              <a:t>ReactiveX</a:t>
+            </a:r>
+            <a:endParaRPr lang="en-US" dirty="0"/>
           </a:p>
         </p:txBody>
       </p:sp>
     </p:spTree>
     <p:extLst>
       <p:ext uri="{BB962C8B-B14F-4D97-AF65-F5344CB8AC3E}">
-        <p14:creationId xmlns:p14="http://schemas.microsoft.com/office/powerpoint/2010/main" val="4281573142"/>
+        <p14:creationId xmlns:p14="http://schemas.microsoft.com/office/powerpoint/2010/main" val="3471887714"/>
       </p:ext>
     </p:extLst>
   </p:cSld>
@@ -23461,6 +23444,143 @@
 </file>
 
 <file path=ppt/slides/slide30.xml><?xml version="1.0" encoding="utf-8"?>
+<p:sld xmlns:a="http://schemas.openxmlformats.org/drawingml/2006/main" xmlns:r="http://schemas.openxmlformats.org/officeDocument/2006/relationships" xmlns:p="http://schemas.openxmlformats.org/presentationml/2006/main">
+  <p:cSld>
+    <p:spTree>
+      <p:nvGrpSpPr>
+        <p:cNvPr id="1" name=""/>
+        <p:cNvGrpSpPr/>
+        <p:nvPr/>
+      </p:nvGrpSpPr>
+      <p:grpSpPr>
+        <a:xfrm>
+          <a:off x="0" y="0"/>
+          <a:ext cx="0" cy="0"/>
+          <a:chOff x="0" y="0"/>
+          <a:chExt cx="0" cy="0"/>
+        </a:xfrm>
+      </p:grpSpPr>
+      <p:sp>
+        <p:nvSpPr>
+          <p:cNvPr id="2" name="Title 1">
+            <a:extLst>
+              <a:ext uri="{FF2B5EF4-FFF2-40B4-BE49-F238E27FC236}">
+                <a16:creationId xmlns:a16="http://schemas.microsoft.com/office/drawing/2014/main" id="{4097C708-B439-47A2-9778-70A060810126}"/>
+              </a:ext>
+            </a:extLst>
+          </p:cNvPr>
+          <p:cNvSpPr>
+            <a:spLocks noGrp="1"/>
+          </p:cNvSpPr>
+          <p:nvPr>
+            <p:ph type="title"/>
+          </p:nvPr>
+        </p:nvSpPr>
+        <p:spPr/>
+        <p:txBody>
+          <a:bodyPr/>
+          <a:lstStyle/>
+          <a:p>
+            <a:r>
+              <a:rPr lang="en-US" dirty="0"/>
+              <a:t>Additional operators</a:t>
+            </a:r>
+          </a:p>
+        </p:txBody>
+      </p:sp>
+      <p:sp>
+        <p:nvSpPr>
+          <p:cNvPr id="3" name="Content Placeholder 2">
+            <a:extLst>
+              <a:ext uri="{FF2B5EF4-FFF2-40B4-BE49-F238E27FC236}">
+                <a16:creationId xmlns:a16="http://schemas.microsoft.com/office/drawing/2014/main" id="{AD4D3474-01E2-44C8-AECD-1DBF046D3E92}"/>
+              </a:ext>
+            </a:extLst>
+          </p:cNvPr>
+          <p:cNvSpPr>
+            <a:spLocks noGrp="1"/>
+          </p:cNvSpPr>
+          <p:nvPr>
+            <p:ph idx="1"/>
+          </p:nvPr>
+        </p:nvSpPr>
+        <p:spPr/>
+        <p:txBody>
+          <a:bodyPr>
+            <a:normAutofit/>
+          </a:bodyPr>
+          <a:lstStyle/>
+          <a:p>
+            <a:r>
+              <a:rPr lang="en-US" dirty="0" err="1"/>
+              <a:t>DisposeMany</a:t>
+            </a:r>
+            <a:endParaRPr lang="en-US" dirty="0"/>
+          </a:p>
+          <a:p>
+            <a:r>
+              <a:rPr lang="en-US" dirty="0" err="1"/>
+              <a:t>MergeMany</a:t>
+            </a:r>
+            <a:endParaRPr lang="en-US" dirty="0"/>
+          </a:p>
+          <a:p>
+            <a:r>
+              <a:rPr lang="en-US" dirty="0" err="1"/>
+              <a:t>Virtualise</a:t>
+            </a:r>
+            <a:endParaRPr lang="en-US" dirty="0"/>
+          </a:p>
+          <a:p>
+            <a:r>
+              <a:rPr lang="en-US" dirty="0"/>
+              <a:t>Bind</a:t>
+            </a:r>
+          </a:p>
+          <a:p>
+            <a:r>
+              <a:rPr lang="en-US" dirty="0" err="1"/>
+              <a:t>WhenPropertyChanged</a:t>
+            </a:r>
+            <a:endParaRPr lang="en-US" dirty="0"/>
+          </a:p>
+          <a:p>
+            <a:r>
+              <a:rPr lang="en-US" dirty="0"/>
+              <a:t>Caching</a:t>
+            </a:r>
+          </a:p>
+          <a:p>
+            <a:r>
+              <a:rPr lang="en-US" dirty="0"/>
+              <a:t>Complex Grouping</a:t>
+            </a:r>
+          </a:p>
+          <a:p>
+            <a:r>
+              <a:rPr lang="en-US" dirty="0"/>
+              <a:t>Aggregates</a:t>
+            </a:r>
+          </a:p>
+          <a:p>
+            <a:endParaRPr lang="en-US" dirty="0"/>
+          </a:p>
+        </p:txBody>
+      </p:sp>
+    </p:spTree>
+    <p:extLst>
+      <p:ext uri="{BB962C8B-B14F-4D97-AF65-F5344CB8AC3E}">
+        <p14:creationId xmlns:p14="http://schemas.microsoft.com/office/powerpoint/2010/main" val="2871139726"/>
+      </p:ext>
+    </p:extLst>
+  </p:cSld>
+  <p:clrMapOvr>
+    <a:masterClrMapping/>
+  </p:clrMapOvr>
+</p:sld>
+</file>
+
+<file path=ppt/slides/slide31.xml><?xml version="1.0" encoding="utf-8"?>
 <p:sld xmlns:a="http://schemas.openxmlformats.org/drawingml/2006/main" xmlns:r="http://schemas.openxmlformats.org/officeDocument/2006/relationships" xmlns:p="http://schemas.openxmlformats.org/presentationml/2006/main">
   <p:cSld>
     <p:spTree>
@@ -23548,7 +23668,7 @@
 </p:sld>
 </file>
 
-<file path=ppt/slides/slide31.xml><?xml version="1.0" encoding="utf-8"?>
+<file path=ppt/slides/slide32.xml><?xml version="1.0" encoding="utf-8"?>
 <p:sld xmlns:a="http://schemas.openxmlformats.org/drawingml/2006/main" xmlns:r="http://schemas.openxmlformats.org/officeDocument/2006/relationships" xmlns:p="http://schemas.openxmlformats.org/presentationml/2006/main">
   <p:cSld>
     <p:spTree>
@@ -23869,7 +23989,7 @@
 </p:sld>
 </file>
 
-<file path=ppt/slides/slide32.xml><?xml version="1.0" encoding="utf-8"?>
+<file path=ppt/slides/slide33.xml><?xml version="1.0" encoding="utf-8"?>
 <p:sld xmlns:a="http://schemas.openxmlformats.org/drawingml/2006/main" xmlns:r="http://schemas.openxmlformats.org/officeDocument/2006/relationships" xmlns:p="http://schemas.openxmlformats.org/presentationml/2006/main">
   <p:cSld>
     <p:spTree>
@@ -23988,7 +24108,7 @@
 </p:sld>
 </file>
 
-<file path=ppt/slides/slide33.xml><?xml version="1.0" encoding="utf-8"?>
+<file path=ppt/slides/slide34.xml><?xml version="1.0" encoding="utf-8"?>
 <p:sld xmlns:a="http://schemas.openxmlformats.org/drawingml/2006/main" xmlns:r="http://schemas.openxmlformats.org/officeDocument/2006/relationships" xmlns:p="http://schemas.openxmlformats.org/presentationml/2006/main">
   <p:cSld>
     <p:spTree>
@@ -24106,102 +24226,6 @@
 </p:sld>
 </file>
 
-<file path=ppt/slides/slide34.xml><?xml version="1.0" encoding="utf-8"?>
-<p:sld xmlns:a="http://schemas.openxmlformats.org/drawingml/2006/main" xmlns:r="http://schemas.openxmlformats.org/officeDocument/2006/relationships" xmlns:p="http://schemas.openxmlformats.org/presentationml/2006/main">
-  <p:cSld>
-    <p:spTree>
-      <p:nvGrpSpPr>
-        <p:cNvPr id="1" name=""/>
-        <p:cNvGrpSpPr/>
-        <p:nvPr/>
-      </p:nvGrpSpPr>
-      <p:grpSpPr>
-        <a:xfrm>
-          <a:off x="0" y="0"/>
-          <a:ext cx="0" cy="0"/>
-          <a:chOff x="0" y="0"/>
-          <a:chExt cx="0" cy="0"/>
-        </a:xfrm>
-      </p:grpSpPr>
-      <p:sp>
-        <p:nvSpPr>
-          <p:cNvPr id="2" name="Title 1">
-            <a:extLst>
-              <a:ext uri="{FF2B5EF4-FFF2-40B4-BE49-F238E27FC236}">
-                <a16:creationId xmlns:a16="http://schemas.microsoft.com/office/drawing/2014/main" id="{DF4887C3-FEC3-4A89-833B-3B924FFF9AB8}"/>
-              </a:ext>
-            </a:extLst>
-          </p:cNvPr>
-          <p:cNvSpPr>
-            <a:spLocks noGrp="1"/>
-          </p:cNvSpPr>
-          <p:nvPr>
-            <p:ph type="title"/>
-          </p:nvPr>
-        </p:nvSpPr>
-        <p:spPr/>
-        <p:txBody>
-          <a:bodyPr/>
-          <a:lstStyle/>
-          <a:p>
-            <a:r>
-              <a:rPr lang="en-US" dirty="0"/>
-              <a:t>Additional Libraries</a:t>
-            </a:r>
-          </a:p>
-        </p:txBody>
-      </p:sp>
-      <p:sp>
-        <p:nvSpPr>
-          <p:cNvPr id="3" name="Content Placeholder 2">
-            <a:extLst>
-              <a:ext uri="{FF2B5EF4-FFF2-40B4-BE49-F238E27FC236}">
-                <a16:creationId xmlns:a16="http://schemas.microsoft.com/office/drawing/2014/main" id="{0B79442A-1B5C-40B6-B42B-513F4797DB3E}"/>
-              </a:ext>
-            </a:extLst>
-          </p:cNvPr>
-          <p:cNvSpPr>
-            <a:spLocks noGrp="1"/>
-          </p:cNvSpPr>
-          <p:nvPr>
-            <p:ph idx="1"/>
-          </p:nvPr>
-        </p:nvSpPr>
-        <p:spPr/>
-        <p:txBody>
-          <a:bodyPr/>
-          <a:lstStyle/>
-          <a:p>
-            <a:r>
-              <a:rPr lang="en-US" dirty="0" err="1"/>
-              <a:t>Akavache</a:t>
-            </a:r>
-            <a:r>
-              <a:rPr lang="en-US" dirty="0"/>
-              <a:t> for cross platform key value store</a:t>
-            </a:r>
-          </a:p>
-          <a:p>
-            <a:r>
-              <a:rPr lang="en-US" dirty="0"/>
-              <a:t>Refit for a simple web client</a:t>
-            </a:r>
-          </a:p>
-        </p:txBody>
-      </p:sp>
-    </p:spTree>
-    <p:extLst>
-      <p:ext uri="{BB962C8B-B14F-4D97-AF65-F5344CB8AC3E}">
-        <p14:creationId xmlns:p14="http://schemas.microsoft.com/office/powerpoint/2010/main" val="1356759631"/>
-      </p:ext>
-    </p:extLst>
-  </p:cSld>
-  <p:clrMapOvr>
-    <a:masterClrMapping/>
-  </p:clrMapOvr>
-</p:sld>
-</file>
-
 <file path=ppt/slides/slide35.xml><?xml version="1.0" encoding="utf-8"?>
 <p:sld xmlns:a="http://schemas.openxmlformats.org/drawingml/2006/main" xmlns:r="http://schemas.openxmlformats.org/officeDocument/2006/relationships" xmlns:p="http://schemas.openxmlformats.org/presentationml/2006/main">
   <p:cSld>
@@ -24224,7 +24248,7 @@
           <p:cNvPr id="2" name="Title 1">
             <a:extLst>
               <a:ext uri="{FF2B5EF4-FFF2-40B4-BE49-F238E27FC236}">
-                <a16:creationId xmlns:a16="http://schemas.microsoft.com/office/drawing/2014/main" id="{68D96EAF-72F3-4B74-8C3E-F739453A74F6}"/>
+                <a16:creationId xmlns:a16="http://schemas.microsoft.com/office/drawing/2014/main" id="{DF4887C3-FEC3-4A89-833B-3B924FFF9AB8}"/>
               </a:ext>
             </a:extLst>
           </p:cNvPr>
@@ -24242,7 +24266,7 @@
           <a:p>
             <a:r>
               <a:rPr lang="en-US" dirty="0"/>
-              <a:t>Links</a:t>
+              <a:t>Additional Libraries</a:t>
             </a:r>
           </a:p>
         </p:txBody>
@@ -24252,7 +24276,7 @@
           <p:cNvPr id="3" name="Content Placeholder 2">
             <a:extLst>
               <a:ext uri="{FF2B5EF4-FFF2-40B4-BE49-F238E27FC236}">
-                <a16:creationId xmlns:a16="http://schemas.microsoft.com/office/drawing/2014/main" id="{BDDA8B42-5248-4158-8D6F-57626879ECAD}"/>
+                <a16:creationId xmlns:a16="http://schemas.microsoft.com/office/drawing/2014/main" id="{0B79442A-1B5C-40B6-B42B-513F4797DB3E}"/>
               </a:ext>
             </a:extLst>
           </p:cNvPr>
@@ -24263,101 +24287,32 @@
             <p:ph idx="1"/>
           </p:nvPr>
         </p:nvSpPr>
-        <p:spPr>
-          <a:xfrm>
-            <a:off x="894270" y="1726840"/>
-            <a:ext cx="4758945" cy="2855530"/>
-          </a:xfrm>
-        </p:spPr>
-        <p:txBody>
-          <a:bodyPr>
-            <a:normAutofit/>
-          </a:bodyPr>
+        <p:spPr/>
+        <p:txBody>
+          <a:bodyPr/>
           <a:lstStyle/>
           <a:p>
             <a:r>
-              <a:rPr lang="en-US" dirty="0">
-                <a:hlinkClick r:id="rId2"/>
-              </a:rPr>
-              <a:t>http://www.introtorx.com/</a:t>
-            </a:r>
-            <a:endParaRPr lang="en-US" dirty="0"/>
-          </a:p>
-          <a:p>
-            <a:r>
-              <a:rPr lang="en-US" dirty="0">
-                <a:hlinkClick r:id="rId3"/>
-              </a:rPr>
-              <a:t>https://github.com/RolandPheasant/DynamicData</a:t>
-            </a:r>
-            <a:endParaRPr lang="en-US" dirty="0"/>
-          </a:p>
-          <a:p>
-            <a:r>
-              <a:rPr lang="en-US" dirty="0">
-                <a:hlinkClick r:id="rId4"/>
-              </a:rPr>
-              <a:t>https://reactiveui.net/</a:t>
-            </a:r>
-            <a:endParaRPr lang="en-US" dirty="0"/>
-          </a:p>
-          <a:p>
+              <a:rPr lang="en-US" dirty="0" err="1"/>
+              <a:t>Akavache</a:t>
+            </a:r>
             <a:r>
               <a:rPr lang="en-US" dirty="0"/>
-              <a:t>Pingaring.com</a:t>
-            </a:r>
-          </a:p>
-          <a:p>
-            <a:r>
-              <a:rPr lang="en-US" dirty="0" err="1"/>
-              <a:t>LinqPad</a:t>
-            </a:r>
+              <a:t> for cross platform key value store</a:t>
+            </a:r>
+          </a:p>
+          <a:p>
             <a:r>
               <a:rPr lang="en-US" dirty="0"/>
-              <a:t> has great integration</a:t>
-            </a:r>
-          </a:p>
-          <a:p>
-            <a:r>
-              <a:rPr lang="en-US" dirty="0"/>
-              <a:t>reactivex.io</a:t>
-            </a:r>
-          </a:p>
-          <a:p>
-            <a:r>
-              <a:rPr lang="en-US" dirty="0">
-                <a:hlinkClick r:id="rId5"/>
-              </a:rPr>
-              <a:t>https://github.com/paulcbetts/refit</a:t>
-            </a:r>
-            <a:endParaRPr lang="en-US" dirty="0"/>
-          </a:p>
-          <a:p>
-            <a:r>
-              <a:rPr lang="en-US" dirty="0">
-                <a:hlinkClick r:id="rId6"/>
-              </a:rPr>
-              <a:t>https://github.com/akavache/Akavache</a:t>
-            </a:r>
-            <a:endParaRPr lang="en-US" dirty="0"/>
-          </a:p>
-          <a:p>
-            <a:r>
-              <a:rPr lang="en-US" dirty="0"/>
-              <a:t>Michael </a:t>
-            </a:r>
-            <a:r>
-              <a:rPr lang="en-US" dirty="0" err="1"/>
-              <a:t>Stonis</a:t>
-            </a:r>
-            <a:endParaRPr lang="en-US" dirty="0"/>
+              <a:t>Refit for a simple web client</a:t>
+            </a:r>
           </a:p>
         </p:txBody>
       </p:sp>
     </p:spTree>
     <p:extLst>
       <p:ext uri="{BB962C8B-B14F-4D97-AF65-F5344CB8AC3E}">
-        <p14:creationId xmlns:p14="http://schemas.microsoft.com/office/powerpoint/2010/main" val="72156241"/>
+        <p14:creationId xmlns:p14="http://schemas.microsoft.com/office/powerpoint/2010/main" val="1356759631"/>
       </p:ext>
     </p:extLst>
   </p:cSld>
@@ -24389,6 +24344,171 @@
           <p:cNvPr id="2" name="Title 1">
             <a:extLst>
               <a:ext uri="{FF2B5EF4-FFF2-40B4-BE49-F238E27FC236}">
+                <a16:creationId xmlns:a16="http://schemas.microsoft.com/office/drawing/2014/main" id="{68D96EAF-72F3-4B74-8C3E-F739453A74F6}"/>
+              </a:ext>
+            </a:extLst>
+          </p:cNvPr>
+          <p:cNvSpPr>
+            <a:spLocks noGrp="1"/>
+          </p:cNvSpPr>
+          <p:nvPr>
+            <p:ph type="title"/>
+          </p:nvPr>
+        </p:nvSpPr>
+        <p:spPr/>
+        <p:txBody>
+          <a:bodyPr/>
+          <a:lstStyle/>
+          <a:p>
+            <a:r>
+              <a:rPr lang="en-US" dirty="0"/>
+              <a:t>Links</a:t>
+            </a:r>
+          </a:p>
+        </p:txBody>
+      </p:sp>
+      <p:sp>
+        <p:nvSpPr>
+          <p:cNvPr id="3" name="Content Placeholder 2">
+            <a:extLst>
+              <a:ext uri="{FF2B5EF4-FFF2-40B4-BE49-F238E27FC236}">
+                <a16:creationId xmlns:a16="http://schemas.microsoft.com/office/drawing/2014/main" id="{BDDA8B42-5248-4158-8D6F-57626879ECAD}"/>
+              </a:ext>
+            </a:extLst>
+          </p:cNvPr>
+          <p:cNvSpPr>
+            <a:spLocks noGrp="1"/>
+          </p:cNvSpPr>
+          <p:nvPr>
+            <p:ph idx="1"/>
+          </p:nvPr>
+        </p:nvSpPr>
+        <p:spPr>
+          <a:xfrm>
+            <a:off x="894270" y="1726840"/>
+            <a:ext cx="4758945" cy="2855530"/>
+          </a:xfrm>
+        </p:spPr>
+        <p:txBody>
+          <a:bodyPr>
+            <a:normAutofit/>
+          </a:bodyPr>
+          <a:lstStyle/>
+          <a:p>
+            <a:r>
+              <a:rPr lang="en-US" dirty="0">
+                <a:hlinkClick r:id="rId2"/>
+              </a:rPr>
+              <a:t>http://www.introtorx.com/</a:t>
+            </a:r>
+            <a:endParaRPr lang="en-US" dirty="0"/>
+          </a:p>
+          <a:p>
+            <a:r>
+              <a:rPr lang="en-US" dirty="0">
+                <a:hlinkClick r:id="rId3"/>
+              </a:rPr>
+              <a:t>https://github.com/RolandPheasant/DynamicData</a:t>
+            </a:r>
+            <a:endParaRPr lang="en-US" dirty="0"/>
+          </a:p>
+          <a:p>
+            <a:r>
+              <a:rPr lang="en-US" dirty="0">
+                <a:hlinkClick r:id="rId4"/>
+              </a:rPr>
+              <a:t>https://reactiveui.net/</a:t>
+            </a:r>
+            <a:endParaRPr lang="en-US" dirty="0"/>
+          </a:p>
+          <a:p>
+            <a:r>
+              <a:rPr lang="en-US" dirty="0"/>
+              <a:t>Pingaring.com</a:t>
+            </a:r>
+          </a:p>
+          <a:p>
+            <a:r>
+              <a:rPr lang="en-US" dirty="0" err="1"/>
+              <a:t>LinqPad</a:t>
+            </a:r>
+            <a:r>
+              <a:rPr lang="en-US" dirty="0"/>
+              <a:t> has great integration</a:t>
+            </a:r>
+          </a:p>
+          <a:p>
+            <a:r>
+              <a:rPr lang="en-US" dirty="0"/>
+              <a:t>reactivex.io</a:t>
+            </a:r>
+          </a:p>
+          <a:p>
+            <a:r>
+              <a:rPr lang="en-US" dirty="0">
+                <a:hlinkClick r:id="rId5"/>
+              </a:rPr>
+              <a:t>https://github.com/paulcbetts/refit</a:t>
+            </a:r>
+            <a:endParaRPr lang="en-US" dirty="0"/>
+          </a:p>
+          <a:p>
+            <a:r>
+              <a:rPr lang="en-US" dirty="0">
+                <a:hlinkClick r:id="rId6"/>
+              </a:rPr>
+              <a:t>https://github.com/akavache/Akavache</a:t>
+            </a:r>
+            <a:endParaRPr lang="en-US" dirty="0"/>
+          </a:p>
+          <a:p>
+            <a:r>
+              <a:rPr lang="en-US" dirty="0"/>
+              <a:t>Michael </a:t>
+            </a:r>
+            <a:r>
+              <a:rPr lang="en-US" dirty="0" err="1"/>
+              <a:t>Stonis</a:t>
+            </a:r>
+            <a:endParaRPr lang="en-US" dirty="0"/>
+          </a:p>
+        </p:txBody>
+      </p:sp>
+    </p:spTree>
+    <p:extLst>
+      <p:ext uri="{BB962C8B-B14F-4D97-AF65-F5344CB8AC3E}">
+        <p14:creationId xmlns:p14="http://schemas.microsoft.com/office/powerpoint/2010/main" val="72156241"/>
+      </p:ext>
+    </p:extLst>
+  </p:cSld>
+  <p:clrMapOvr>
+    <a:masterClrMapping/>
+  </p:clrMapOvr>
+</p:sld>
+</file>
+
+<file path=ppt/slides/slide37.xml><?xml version="1.0" encoding="utf-8"?>
+<p:sld xmlns:a="http://schemas.openxmlformats.org/drawingml/2006/main" xmlns:r="http://schemas.openxmlformats.org/officeDocument/2006/relationships" xmlns:p="http://schemas.openxmlformats.org/presentationml/2006/main">
+  <p:cSld>
+    <p:spTree>
+      <p:nvGrpSpPr>
+        <p:cNvPr id="1" name=""/>
+        <p:cNvGrpSpPr/>
+        <p:nvPr/>
+      </p:nvGrpSpPr>
+      <p:grpSpPr>
+        <a:xfrm>
+          <a:off x="0" y="0"/>
+          <a:ext cx="0" cy="0"/>
+          <a:chOff x="0" y="0"/>
+          <a:chExt cx="0" cy="0"/>
+        </a:xfrm>
+      </p:grpSpPr>
+      <p:sp>
+        <p:nvSpPr>
+          <p:cNvPr id="2" name="Title 1">
+            <a:extLst>
+              <a:ext uri="{FF2B5EF4-FFF2-40B4-BE49-F238E27FC236}">
                 <a16:creationId xmlns:a16="http://schemas.microsoft.com/office/drawing/2014/main" id="{7E940219-A523-4DDF-B5AB-17DE44AB8092}"/>
               </a:ext>
             </a:extLst>
@@ -24485,6 +24605,154 @@
 </file>
 
 <file path=ppt/slides/slide4.xml><?xml version="1.0" encoding="utf-8"?>
+<p:sld xmlns:a="http://schemas.openxmlformats.org/drawingml/2006/main" xmlns:r="http://schemas.openxmlformats.org/officeDocument/2006/relationships" xmlns:p="http://schemas.openxmlformats.org/presentationml/2006/main">
+  <p:cSld>
+    <p:spTree>
+      <p:nvGrpSpPr>
+        <p:cNvPr id="1" name=""/>
+        <p:cNvGrpSpPr/>
+        <p:nvPr/>
+      </p:nvGrpSpPr>
+      <p:grpSpPr>
+        <a:xfrm>
+          <a:off x="0" y="0"/>
+          <a:ext cx="0" cy="0"/>
+          <a:chOff x="0" y="0"/>
+          <a:chExt cx="0" cy="0"/>
+        </a:xfrm>
+      </p:grpSpPr>
+      <p:sp>
+        <p:nvSpPr>
+          <p:cNvPr id="2" name="Title 1">
+            <a:extLst>
+              <a:ext uri="{FF2B5EF4-FFF2-40B4-BE49-F238E27FC236}">
+                <a16:creationId xmlns:a16="http://schemas.microsoft.com/office/drawing/2014/main" id="{A85E98DD-42AC-4AF0-858C-C0BAE5853F2E}"/>
+              </a:ext>
+            </a:extLst>
+          </p:cNvPr>
+          <p:cNvSpPr>
+            <a:spLocks noGrp="1"/>
+          </p:cNvSpPr>
+          <p:nvPr>
+            <p:ph type="title"/>
+          </p:nvPr>
+        </p:nvSpPr>
+        <p:spPr/>
+        <p:txBody>
+          <a:bodyPr/>
+          <a:lstStyle/>
+          <a:p>
+            <a:r>
+              <a:rPr lang="en-US" dirty="0" err="1"/>
+              <a:t>IEnumerable</a:t>
+            </a:r>
+            <a:r>
+              <a:rPr lang="en-US" dirty="0"/>
+              <a:t>&lt;T&gt;	 Comparison	</a:t>
+            </a:r>
+          </a:p>
+        </p:txBody>
+      </p:sp>
+      <p:sp>
+        <p:nvSpPr>
+          <p:cNvPr id="3" name="Content Placeholder 2">
+            <a:extLst>
+              <a:ext uri="{FF2B5EF4-FFF2-40B4-BE49-F238E27FC236}">
+                <a16:creationId xmlns:a16="http://schemas.microsoft.com/office/drawing/2014/main" id="{12453D61-FB55-4998-9723-4C01C6BE73E6}"/>
+              </a:ext>
+            </a:extLst>
+          </p:cNvPr>
+          <p:cNvSpPr>
+            <a:spLocks noGrp="1"/>
+          </p:cNvSpPr>
+          <p:nvPr>
+            <p:ph idx="1"/>
+          </p:nvPr>
+        </p:nvSpPr>
+        <p:spPr/>
+        <p:txBody>
+          <a:bodyPr/>
+          <a:lstStyle/>
+          <a:p>
+            <a:r>
+              <a:rPr lang="en-US" dirty="0" err="1"/>
+              <a:t>IEnumerable</a:t>
+            </a:r>
+            <a:r>
+              <a:rPr lang="en-US" dirty="0"/>
+              <a:t>&lt;T&gt; is to Lists what </a:t>
+            </a:r>
+            <a:r>
+              <a:rPr lang="en-US" dirty="0" err="1"/>
+              <a:t>IObservable</a:t>
+            </a:r>
+            <a:r>
+              <a:rPr lang="en-US" dirty="0"/>
+              <a:t>&lt;T&gt; is to events</a:t>
+            </a:r>
+          </a:p>
+          <a:p>
+            <a:r>
+              <a:rPr lang="en-US" dirty="0"/>
+              <a:t>Iterators</a:t>
+            </a:r>
+          </a:p>
+          <a:p>
+            <a:pPr lvl="1"/>
+            <a:r>
+              <a:rPr lang="en-US" dirty="0"/>
+              <a:t>In computer programming, an </a:t>
+            </a:r>
+            <a:r>
+              <a:rPr lang="en-US" b="1" dirty="0"/>
+              <a:t>iterator</a:t>
+            </a:r>
+            <a:r>
+              <a:rPr lang="en-US" dirty="0"/>
+              <a:t> is an object that enables a programmer to traverse a container, particularly lists. Various types of </a:t>
+            </a:r>
+            <a:r>
+              <a:rPr lang="en-US" b="1" dirty="0"/>
+              <a:t>iterators</a:t>
+            </a:r>
+            <a:r>
+              <a:rPr lang="en-US" dirty="0"/>
+              <a:t> are often provided via a container's interface.</a:t>
+            </a:r>
+          </a:p>
+          <a:p>
+            <a:pPr lvl="1"/>
+            <a:r>
+              <a:rPr lang="en-US" dirty="0" err="1"/>
+              <a:t>IEnumerable</a:t>
+            </a:r>
+            <a:r>
+              <a:rPr lang="en-US" dirty="0"/>
+              <a:t>&lt;T&gt; let’s us pull the data from a package</a:t>
+            </a:r>
+          </a:p>
+          <a:p>
+            <a:r>
+              <a:rPr lang="en-US" dirty="0"/>
+              <a:t>Pulling data from a source</a:t>
+            </a:r>
+          </a:p>
+        </p:txBody>
+      </p:sp>
+    </p:spTree>
+    <p:extLst>
+      <p:ext uri="{BB962C8B-B14F-4D97-AF65-F5344CB8AC3E}">
+        <p14:creationId xmlns:p14="http://schemas.microsoft.com/office/powerpoint/2010/main" val="4281573142"/>
+      </p:ext>
+    </p:extLst>
+  </p:cSld>
+  <p:clrMapOvr>
+    <a:masterClrMapping/>
+  </p:clrMapOvr>
+</p:sld>
+</file>
+
+<file path=ppt/slides/slide5.xml><?xml version="1.0" encoding="utf-8"?>
 <p:sld xmlns:a="http://schemas.openxmlformats.org/drawingml/2006/main" xmlns:r="http://schemas.openxmlformats.org/officeDocument/2006/relationships" xmlns:p="http://schemas.openxmlformats.org/presentationml/2006/main">
   <p:cSld>
     <p:spTree>
@@ -24572,108 +24840,6 @@
 </p:sld>
 </file>
 
-<file path=ppt/slides/slide5.xml><?xml version="1.0" encoding="utf-8"?>
-<p:sld xmlns:a="http://schemas.openxmlformats.org/drawingml/2006/main" xmlns:r="http://schemas.openxmlformats.org/officeDocument/2006/relationships" xmlns:p="http://schemas.openxmlformats.org/presentationml/2006/main">
-  <p:cSld>
-    <p:spTree>
-      <p:nvGrpSpPr>
-        <p:cNvPr id="1" name=""/>
-        <p:cNvGrpSpPr/>
-        <p:nvPr/>
-      </p:nvGrpSpPr>
-      <p:grpSpPr>
-        <a:xfrm>
-          <a:off x="0" y="0"/>
-          <a:ext cx="0" cy="0"/>
-          <a:chOff x="0" y="0"/>
-          <a:chExt cx="0" cy="0"/>
-        </a:xfrm>
-      </p:grpSpPr>
-      <p:sp>
-        <p:nvSpPr>
-          <p:cNvPr id="2" name="Title 1">
-            <a:extLst>
-              <a:ext uri="{FF2B5EF4-FFF2-40B4-BE49-F238E27FC236}">
-                <a16:creationId xmlns:a16="http://schemas.microsoft.com/office/drawing/2014/main" id="{A85E98DD-42AC-4AF0-858C-C0BAE5853F2E}"/>
-              </a:ext>
-            </a:extLst>
-          </p:cNvPr>
-          <p:cNvSpPr>
-            <a:spLocks noGrp="1"/>
-          </p:cNvSpPr>
-          <p:nvPr>
-            <p:ph type="title"/>
-          </p:nvPr>
-        </p:nvSpPr>
-        <p:spPr/>
-        <p:txBody>
-          <a:bodyPr/>
-          <a:lstStyle/>
-          <a:p>
-            <a:r>
-              <a:rPr lang="en-US" dirty="0" err="1"/>
-              <a:t>IObservable</a:t>
-            </a:r>
-            <a:r>
-              <a:rPr lang="en-US" dirty="0"/>
-              <a:t>&lt;T&gt;		</a:t>
-            </a:r>
-          </a:p>
-        </p:txBody>
-      </p:sp>
-      <p:sp>
-        <p:nvSpPr>
-          <p:cNvPr id="3" name="Content Placeholder 2">
-            <a:extLst>
-              <a:ext uri="{FF2B5EF4-FFF2-40B4-BE49-F238E27FC236}">
-                <a16:creationId xmlns:a16="http://schemas.microsoft.com/office/drawing/2014/main" id="{12453D61-FB55-4998-9723-4C01C6BE73E6}"/>
-              </a:ext>
-            </a:extLst>
-          </p:cNvPr>
-          <p:cNvSpPr>
-            <a:spLocks noGrp="1"/>
-          </p:cNvSpPr>
-          <p:nvPr>
-            <p:ph idx="1"/>
-          </p:nvPr>
-        </p:nvSpPr>
-        <p:spPr/>
-        <p:txBody>
-          <a:bodyPr/>
-          <a:lstStyle/>
-          <a:p>
-            <a:r>
-              <a:rPr lang="en-US" dirty="0"/>
-              <a:t>Pushes data to a stream</a:t>
-            </a:r>
-          </a:p>
-          <a:p>
-            <a:r>
-              <a:rPr lang="en-US" dirty="0"/>
-              <a:t>Doesn’t really have an end or may have an end</a:t>
-            </a:r>
-          </a:p>
-          <a:p>
-            <a:r>
-              <a:rPr lang="en-US" dirty="0"/>
-              <a:t>Filter on your packages</a:t>
-            </a:r>
-          </a:p>
-        </p:txBody>
-      </p:sp>
-    </p:spTree>
-    <p:extLst>
-      <p:ext uri="{BB962C8B-B14F-4D97-AF65-F5344CB8AC3E}">
-        <p14:creationId xmlns:p14="http://schemas.microsoft.com/office/powerpoint/2010/main" val="434030699"/>
-      </p:ext>
-    </p:extLst>
-  </p:cSld>
-  <p:clrMapOvr>
-    <a:masterClrMapping/>
-  </p:clrMapOvr>
-</p:sld>
-</file>
-
 <file path=ppt/slides/slide6.xml><?xml version="1.0" encoding="utf-8"?>
 <p:sld xmlns:a="http://schemas.openxmlformats.org/drawingml/2006/main" xmlns:r="http://schemas.openxmlformats.org/officeDocument/2006/relationships" xmlns:p="http://schemas.openxmlformats.org/presentationml/2006/main">
   <p:cSld>
@@ -24696,6 +24862,108 @@
           <p:cNvPr id="2" name="Title 1">
             <a:extLst>
               <a:ext uri="{FF2B5EF4-FFF2-40B4-BE49-F238E27FC236}">
+                <a16:creationId xmlns:a16="http://schemas.microsoft.com/office/drawing/2014/main" id="{A85E98DD-42AC-4AF0-858C-C0BAE5853F2E}"/>
+              </a:ext>
+            </a:extLst>
+          </p:cNvPr>
+          <p:cNvSpPr>
+            <a:spLocks noGrp="1"/>
+          </p:cNvSpPr>
+          <p:nvPr>
+            <p:ph type="title"/>
+          </p:nvPr>
+        </p:nvSpPr>
+        <p:spPr/>
+        <p:txBody>
+          <a:bodyPr/>
+          <a:lstStyle/>
+          <a:p>
+            <a:r>
+              <a:rPr lang="en-US" dirty="0" err="1"/>
+              <a:t>IObservable</a:t>
+            </a:r>
+            <a:r>
+              <a:rPr lang="en-US" dirty="0"/>
+              <a:t>&lt;T&gt;		</a:t>
+            </a:r>
+          </a:p>
+        </p:txBody>
+      </p:sp>
+      <p:sp>
+        <p:nvSpPr>
+          <p:cNvPr id="3" name="Content Placeholder 2">
+            <a:extLst>
+              <a:ext uri="{FF2B5EF4-FFF2-40B4-BE49-F238E27FC236}">
+                <a16:creationId xmlns:a16="http://schemas.microsoft.com/office/drawing/2014/main" id="{12453D61-FB55-4998-9723-4C01C6BE73E6}"/>
+              </a:ext>
+            </a:extLst>
+          </p:cNvPr>
+          <p:cNvSpPr>
+            <a:spLocks noGrp="1"/>
+          </p:cNvSpPr>
+          <p:nvPr>
+            <p:ph idx="1"/>
+          </p:nvPr>
+        </p:nvSpPr>
+        <p:spPr/>
+        <p:txBody>
+          <a:bodyPr/>
+          <a:lstStyle/>
+          <a:p>
+            <a:r>
+              <a:rPr lang="en-US" dirty="0"/>
+              <a:t>Pushes data to a stream</a:t>
+            </a:r>
+          </a:p>
+          <a:p>
+            <a:r>
+              <a:rPr lang="en-US" dirty="0"/>
+              <a:t>Doesn’t really have an end or may have an end</a:t>
+            </a:r>
+          </a:p>
+          <a:p>
+            <a:r>
+              <a:rPr lang="en-US" dirty="0"/>
+              <a:t>Filter on your packages</a:t>
+            </a:r>
+          </a:p>
+        </p:txBody>
+      </p:sp>
+    </p:spTree>
+    <p:extLst>
+      <p:ext uri="{BB962C8B-B14F-4D97-AF65-F5344CB8AC3E}">
+        <p14:creationId xmlns:p14="http://schemas.microsoft.com/office/powerpoint/2010/main" val="434030699"/>
+      </p:ext>
+    </p:extLst>
+  </p:cSld>
+  <p:clrMapOvr>
+    <a:masterClrMapping/>
+  </p:clrMapOvr>
+</p:sld>
+</file>
+
+<file path=ppt/slides/slide7.xml><?xml version="1.0" encoding="utf-8"?>
+<p:sld xmlns:a="http://schemas.openxmlformats.org/drawingml/2006/main" xmlns:r="http://schemas.openxmlformats.org/officeDocument/2006/relationships" xmlns:p="http://schemas.openxmlformats.org/presentationml/2006/main">
+  <p:cSld>
+    <p:spTree>
+      <p:nvGrpSpPr>
+        <p:cNvPr id="1" name=""/>
+        <p:cNvGrpSpPr/>
+        <p:nvPr/>
+      </p:nvGrpSpPr>
+      <p:grpSpPr>
+        <a:xfrm>
+          <a:off x="0" y="0"/>
+          <a:ext cx="0" cy="0"/>
+          <a:chOff x="0" y="0"/>
+          <a:chExt cx="0" cy="0"/>
+        </a:xfrm>
+      </p:grpSpPr>
+      <p:sp>
+        <p:nvSpPr>
+          <p:cNvPr id="2" name="Title 1">
+            <a:extLst>
+              <a:ext uri="{FF2B5EF4-FFF2-40B4-BE49-F238E27FC236}">
                 <a16:creationId xmlns:a16="http://schemas.microsoft.com/office/drawing/2014/main" id="{8DF67540-F21C-49EE-9B50-5F93C534D608}"/>
               </a:ext>
             </a:extLst>
@@ -24898,7 +25166,7 @@
 </p:sld>
 </file>
 
-<file path=ppt/slides/slide7.xml><?xml version="1.0" encoding="utf-8"?>
+<file path=ppt/slides/slide8.xml><?xml version="1.0" encoding="utf-8"?>
 <p:sld xmlns:a="http://schemas.openxmlformats.org/drawingml/2006/main" xmlns:r="http://schemas.openxmlformats.org/officeDocument/2006/relationships" xmlns:p="http://schemas.openxmlformats.org/presentationml/2006/main">
   <p:cSld>
     <p:spTree>
@@ -25035,123 +25303,6 @@
 </p:sld>
 </file>
 
-<file path=ppt/slides/slide8.xml><?xml version="1.0" encoding="utf-8"?>
-<p:sld xmlns:a="http://schemas.openxmlformats.org/drawingml/2006/main" xmlns:r="http://schemas.openxmlformats.org/officeDocument/2006/relationships" xmlns:p="http://schemas.openxmlformats.org/presentationml/2006/main">
-  <p:cSld>
-    <p:spTree>
-      <p:nvGrpSpPr>
-        <p:cNvPr id="1" name=""/>
-        <p:cNvGrpSpPr/>
-        <p:nvPr/>
-      </p:nvGrpSpPr>
-      <p:grpSpPr>
-        <a:xfrm>
-          <a:off x="0" y="0"/>
-          <a:ext cx="0" cy="0"/>
-          <a:chOff x="0" y="0"/>
-          <a:chExt cx="0" cy="0"/>
-        </a:xfrm>
-      </p:grpSpPr>
-      <p:sp>
-        <p:nvSpPr>
-          <p:cNvPr id="2" name="Title 1">
-            <a:extLst>
-              <a:ext uri="{FF2B5EF4-FFF2-40B4-BE49-F238E27FC236}">
-                <a16:creationId xmlns:a16="http://schemas.microsoft.com/office/drawing/2014/main" id="{8DF67540-F21C-49EE-9B50-5F93C534D608}"/>
-              </a:ext>
-            </a:extLst>
-          </p:cNvPr>
-          <p:cNvSpPr>
-            <a:spLocks noGrp="1"/>
-          </p:cNvSpPr>
-          <p:nvPr>
-            <p:ph type="title"/>
-          </p:nvPr>
-        </p:nvSpPr>
-        <p:spPr/>
-        <p:txBody>
-          <a:bodyPr/>
-          <a:lstStyle/>
-          <a:p>
-            <a:r>
-              <a:rPr lang="en-US" dirty="0"/>
-              <a:t>Subscribing</a:t>
-            </a:r>
-          </a:p>
-        </p:txBody>
-      </p:sp>
-      <p:sp>
-        <p:nvSpPr>
-          <p:cNvPr id="3" name="Content Placeholder 2">
-            <a:extLst>
-              <a:ext uri="{FF2B5EF4-FFF2-40B4-BE49-F238E27FC236}">
-                <a16:creationId xmlns:a16="http://schemas.microsoft.com/office/drawing/2014/main" id="{31A20A76-419D-4C68-93C9-66F750DBD00D}"/>
-              </a:ext>
-            </a:extLst>
-          </p:cNvPr>
-          <p:cNvSpPr>
-            <a:spLocks noGrp="1"/>
-          </p:cNvSpPr>
-          <p:nvPr>
-            <p:ph idx="1"/>
-          </p:nvPr>
-        </p:nvSpPr>
-        <p:spPr>
-          <a:xfrm>
-            <a:off x="648287" y="1866900"/>
-            <a:ext cx="6121948" cy="2647950"/>
-          </a:xfrm>
-        </p:spPr>
-        <p:txBody>
-          <a:bodyPr>
-            <a:normAutofit/>
-          </a:bodyPr>
-          <a:lstStyle/>
-          <a:p>
-            <a:r>
-              <a:rPr lang="en-US" dirty="0"/>
-              <a:t>Receives the values produced by observable</a:t>
-            </a:r>
-          </a:p>
-          <a:p>
-            <a:r>
-              <a:rPr lang="en-US" dirty="0"/>
-              <a:t>Values are processed by Action&lt;T&gt;</a:t>
-            </a:r>
-          </a:p>
-          <a:p>
-            <a:r>
-              <a:rPr lang="en-US" dirty="0"/>
-              <a:t>Multiple subscribes can watch an observer</a:t>
-            </a:r>
-          </a:p>
-          <a:p>
-            <a:r>
-              <a:rPr lang="en-US" dirty="0"/>
-              <a:t>Dispose pattern to stop listening</a:t>
-            </a:r>
-          </a:p>
-          <a:p>
-            <a:endParaRPr lang="en-US" dirty="0"/>
-          </a:p>
-          <a:p>
-            <a:endParaRPr lang="en-US" dirty="0"/>
-          </a:p>
-        </p:txBody>
-      </p:sp>
-    </p:spTree>
-    <p:extLst>
-      <p:ext uri="{BB962C8B-B14F-4D97-AF65-F5344CB8AC3E}">
-        <p14:creationId xmlns:p14="http://schemas.microsoft.com/office/powerpoint/2010/main" val="176208650"/>
-      </p:ext>
-    </p:extLst>
-  </p:cSld>
-  <p:clrMapOvr>
-    <a:masterClrMapping/>
-  </p:clrMapOvr>
-</p:sld>
-</file>
-
 <file path=ppt/slides/slide9.xml><?xml version="1.0" encoding="utf-8"?>
 <p:sld xmlns:a="http://schemas.openxmlformats.org/drawingml/2006/main" xmlns:r="http://schemas.openxmlformats.org/officeDocument/2006/relationships" xmlns:p="http://schemas.openxmlformats.org/presentationml/2006/main">
   <p:cSld>
@@ -25174,7 +25325,7 @@
           <p:cNvPr id="2" name="Title 1">
             <a:extLst>
               <a:ext uri="{FF2B5EF4-FFF2-40B4-BE49-F238E27FC236}">
-                <a16:creationId xmlns:a16="http://schemas.microsoft.com/office/drawing/2014/main" id="{9FD93FCA-1CDF-4909-B274-2FCF4363B8FC}"/>
+                <a16:creationId xmlns:a16="http://schemas.microsoft.com/office/drawing/2014/main" id="{8DF67540-F21C-49EE-9B50-5F93C534D608}"/>
               </a:ext>
             </a:extLst>
           </p:cNvPr>
@@ -25192,75 +25343,74 @@
           <a:p>
             <a:r>
               <a:rPr lang="en-US" dirty="0"/>
-              <a:t>Apply same iterator idea to observables</a:t>
-            </a:r>
-          </a:p>
-        </p:txBody>
-      </p:sp>
-      <p:pic>
-        <p:nvPicPr>
-          <p:cNvPr id="6" name="Picture 5">
+              <a:t>Subscribing</a:t>
+            </a:r>
+          </a:p>
+        </p:txBody>
+      </p:sp>
+      <p:sp>
+        <p:nvSpPr>
+          <p:cNvPr id="3" name="Content Placeholder 2">
             <a:extLst>
               <a:ext uri="{FF2B5EF4-FFF2-40B4-BE49-F238E27FC236}">
-                <a16:creationId xmlns:a16="http://schemas.microsoft.com/office/drawing/2014/main" id="{A7F28333-743F-4769-984D-CBD80A351448}"/>
+                <a16:creationId xmlns:a16="http://schemas.microsoft.com/office/drawing/2014/main" id="{31A20A76-419D-4C68-93C9-66F750DBD00D}"/>
               </a:ext>
             </a:extLst>
           </p:cNvPr>
-          <p:cNvPicPr>
-            <a:picLocks noChangeAspect="1"/>
-          </p:cNvPicPr>
-          <p:nvPr/>
-        </p:nvPicPr>
-        <p:blipFill>
-          <a:blip r:embed="rId3"/>
-          <a:stretch>
-            <a:fillRect/>
-          </a:stretch>
-        </p:blipFill>
+          <p:cNvSpPr>
+            <a:spLocks noGrp="1"/>
+          </p:cNvSpPr>
+          <p:nvPr>
+            <p:ph idx="1"/>
+          </p:nvPr>
+        </p:nvSpPr>
         <p:spPr>
           <a:xfrm>
-            <a:off x="785812" y="1650030"/>
-            <a:ext cx="5286375" cy="2314575"/>
+            <a:off x="648287" y="1866900"/>
+            <a:ext cx="6121948" cy="2647950"/>
           </a:xfrm>
-          <a:prstGeom prst="rect">
-            <a:avLst/>
-          </a:prstGeom>
         </p:spPr>
-      </p:pic>
-      <p:pic>
-        <p:nvPicPr>
-          <p:cNvPr id="7" name="Picture 6">
-            <a:extLst>
-              <a:ext uri="{FF2B5EF4-FFF2-40B4-BE49-F238E27FC236}">
-                <a16:creationId xmlns:a16="http://schemas.microsoft.com/office/drawing/2014/main" id="{284957A6-7709-4DFB-AF4F-1CC121E85336}"/>
-              </a:ext>
-            </a:extLst>
-          </p:cNvPr>
-          <p:cNvPicPr>
-            <a:picLocks noChangeAspect="1"/>
-          </p:cNvPicPr>
-          <p:nvPr/>
-        </p:nvPicPr>
-        <p:blipFill>
-          <a:blip r:embed="rId4"/>
-          <a:stretch>
-            <a:fillRect/>
-          </a:stretch>
-        </p:blipFill>
-        <p:spPr>
-          <a:xfrm>
-            <a:off x="1892800" y="4184760"/>
-            <a:ext cx="2800350" cy="695325"/>
-          </a:xfrm>
-          <a:prstGeom prst="rect">
-            <a:avLst/>
-          </a:prstGeom>
-        </p:spPr>
-      </p:pic>
+        <p:txBody>
+          <a:bodyPr>
+            <a:normAutofit/>
+          </a:bodyPr>
+          <a:lstStyle/>
+          <a:p>
+            <a:r>
+              <a:rPr lang="en-US" dirty="0"/>
+              <a:t>Receives the values produced by observable</a:t>
+            </a:r>
+          </a:p>
+          <a:p>
+            <a:r>
+              <a:rPr lang="en-US" dirty="0"/>
+              <a:t>Values are processed by Action&lt;T&gt;</a:t>
+            </a:r>
+          </a:p>
+          <a:p>
+            <a:r>
+              <a:rPr lang="en-US" dirty="0"/>
+              <a:t>Multiple subscribes can watch an observer</a:t>
+            </a:r>
+          </a:p>
+          <a:p>
+            <a:r>
+              <a:rPr lang="en-US" dirty="0"/>
+              <a:t>Dispose pattern to stop listening</a:t>
+            </a:r>
+          </a:p>
+          <a:p>
+            <a:endParaRPr lang="en-US" dirty="0"/>
+          </a:p>
+          <a:p>
+            <a:endParaRPr lang="en-US" dirty="0"/>
+          </a:p>
+        </p:txBody>
+      </p:sp>
     </p:spTree>
     <p:extLst>
       <p:ext uri="{BB962C8B-B14F-4D97-AF65-F5344CB8AC3E}">
-        <p14:creationId xmlns:p14="http://schemas.microsoft.com/office/powerpoint/2010/main" val="3204729738"/>
+        <p14:creationId xmlns:p14="http://schemas.microsoft.com/office/powerpoint/2010/main" val="176208650"/>
       </p:ext>
     </p:extLst>
   </p:cSld>
